--- a/主的大家庭.pptx
+++ b/主的大家庭.pptx
@@ -12,6 +12,7 @@
     <p:sldId id="256" r:id="rId6"/>
     <p:sldId id="258" r:id="rId7"/>
     <p:sldId id="259" r:id="rId8"/>
+    <p:sldId id="260" r:id="rId9"/>
   </p:sldIdLst>
   <p:sldSz cx="9144000" cy="6858000" type="screen4x3"/>
   <p:notesSz cx="6858000" cy="9144000"/>
@@ -244,7 +245,8 @@
           <a:p>
             <a:fld id="{3384F58F-C8A0-467D-A01E-9BAFE85BFF9F}" type="datetimeFigureOut">
               <a:rPr lang="zh-TW" altLang="en-US" smtClean="0"/>
-              <a:t>2017/7/29</a:t>
+              <a:pPr/>
+              <a:t>2019/6/16</a:t>
             </a:fld>
             <a:endParaRPr lang="zh-TW" altLang="en-US"/>
           </a:p>
@@ -294,6 +296,7 @@
           <a:p>
             <a:fld id="{C86B2DCC-A77A-4A37-B231-CD3119366AB3}" type="slidenum">
               <a:rPr lang="zh-TW" altLang="en-US" smtClean="0"/>
+              <a:pPr/>
               <a:t>‹#›</a:t>
             </a:fld>
             <a:endParaRPr lang="zh-TW" altLang="en-US"/>
@@ -421,7 +424,8 @@
           <a:p>
             <a:fld id="{3384F58F-C8A0-467D-A01E-9BAFE85BFF9F}" type="datetimeFigureOut">
               <a:rPr lang="zh-TW" altLang="en-US" smtClean="0"/>
-              <a:t>2017/7/29</a:t>
+              <a:pPr/>
+              <a:t>2019/6/16</a:t>
             </a:fld>
             <a:endParaRPr lang="zh-TW" altLang="en-US"/>
           </a:p>
@@ -471,6 +475,7 @@
           <a:p>
             <a:fld id="{C86B2DCC-A77A-4A37-B231-CD3119366AB3}" type="slidenum">
               <a:rPr lang="zh-TW" altLang="en-US" smtClean="0"/>
+              <a:pPr/>
               <a:t>‹#›</a:t>
             </a:fld>
             <a:endParaRPr lang="zh-TW" altLang="en-US"/>
@@ -608,7 +613,8 @@
           <a:p>
             <a:fld id="{3384F58F-C8A0-467D-A01E-9BAFE85BFF9F}" type="datetimeFigureOut">
               <a:rPr lang="zh-TW" altLang="en-US" smtClean="0"/>
-              <a:t>2017/7/29</a:t>
+              <a:pPr/>
+              <a:t>2019/6/16</a:t>
             </a:fld>
             <a:endParaRPr lang="zh-TW" altLang="en-US"/>
           </a:p>
@@ -658,6 +664,7 @@
           <a:p>
             <a:fld id="{C86B2DCC-A77A-4A37-B231-CD3119366AB3}" type="slidenum">
               <a:rPr lang="zh-TW" altLang="en-US" smtClean="0"/>
+              <a:pPr/>
               <a:t>‹#›</a:t>
             </a:fld>
             <a:endParaRPr lang="zh-TW" altLang="en-US"/>
@@ -860,7 +867,8 @@
           <a:p>
             <a:fld id="{3384F58F-C8A0-467D-A01E-9BAFE85BFF9F}" type="datetimeFigureOut">
               <a:rPr lang="zh-TW" altLang="en-US" smtClean="0"/>
-              <a:t>2017/7/29</a:t>
+              <a:pPr/>
+              <a:t>2019/6/16</a:t>
             </a:fld>
             <a:endParaRPr lang="zh-TW" altLang="en-US"/>
           </a:p>
@@ -989,6 +997,7 @@
           <a:p>
             <a:fld id="{C86B2DCC-A77A-4A37-B231-CD3119366AB3}" type="slidenum">
               <a:rPr lang="zh-TW" altLang="en-US" smtClean="0"/>
+              <a:pPr/>
               <a:t>‹#›</a:t>
             </a:fld>
             <a:endParaRPr lang="zh-TW" altLang="en-US"/>
@@ -998,7 +1007,7 @@
     </p:spTree>
     <p:extLst>
       <p:ext uri="{BB962C8B-B14F-4D97-AF65-F5344CB8AC3E}">
-        <p14:creationId xmlns="" xmlns:p14="http://schemas.microsoft.com/office/powerpoint/2010/main" val="1420252522"/>
+        <p14:creationId xmlns:p14="http://schemas.microsoft.com/office/powerpoint/2010/main" xmlns="" val="1420252522"/>
       </p:ext>
     </p:extLst>
   </p:cSld>
@@ -1127,7 +1136,8 @@
           <a:p>
             <a:fld id="{3384F58F-C8A0-467D-A01E-9BAFE85BFF9F}" type="datetimeFigureOut">
               <a:rPr lang="zh-TW" altLang="en-US" smtClean="0"/>
-              <a:t>2017/7/29</a:t>
+              <a:pPr/>
+              <a:t>2019/6/16</a:t>
             </a:fld>
             <a:endParaRPr lang="zh-TW" altLang="en-US"/>
           </a:p>
@@ -1251,6 +1261,7 @@
           <a:p>
             <a:fld id="{C86B2DCC-A77A-4A37-B231-CD3119366AB3}" type="slidenum">
               <a:rPr lang="zh-TW" altLang="en-US" smtClean="0"/>
+              <a:pPr/>
               <a:t>‹#›</a:t>
             </a:fld>
             <a:endParaRPr lang="zh-TW" altLang="en-US"/>
@@ -1260,7 +1271,7 @@
     </p:spTree>
     <p:extLst>
       <p:ext uri="{BB962C8B-B14F-4D97-AF65-F5344CB8AC3E}">
-        <p14:creationId xmlns="" xmlns:p14="http://schemas.microsoft.com/office/powerpoint/2010/main" val="2402873800"/>
+        <p14:creationId xmlns:p14="http://schemas.microsoft.com/office/powerpoint/2010/main" xmlns="" val="2402873800"/>
       </p:ext>
     </p:extLst>
   </p:cSld>
@@ -1456,7 +1467,8 @@
           <a:p>
             <a:fld id="{3384F58F-C8A0-467D-A01E-9BAFE85BFF9F}" type="datetimeFigureOut">
               <a:rPr lang="zh-TW" altLang="en-US" smtClean="0"/>
-              <a:t>2017/7/29</a:t>
+              <a:pPr/>
+              <a:t>2019/6/16</a:t>
             </a:fld>
             <a:endParaRPr lang="zh-TW" altLang="en-US"/>
           </a:p>
@@ -1585,6 +1597,7 @@
           <a:p>
             <a:fld id="{C86B2DCC-A77A-4A37-B231-CD3119366AB3}" type="slidenum">
               <a:rPr lang="zh-TW" altLang="en-US" smtClean="0"/>
+              <a:pPr/>
               <a:t>‹#›</a:t>
             </a:fld>
             <a:endParaRPr lang="zh-TW" altLang="en-US"/>
@@ -1594,7 +1607,7 @@
     </p:spTree>
     <p:extLst>
       <p:ext uri="{BB962C8B-B14F-4D97-AF65-F5344CB8AC3E}">
-        <p14:creationId xmlns="" xmlns:p14="http://schemas.microsoft.com/office/powerpoint/2010/main" val="1446301327"/>
+        <p14:creationId xmlns:p14="http://schemas.microsoft.com/office/powerpoint/2010/main" xmlns="" val="1446301327"/>
       </p:ext>
     </p:extLst>
   </p:cSld>
@@ -1779,7 +1792,8 @@
           <a:p>
             <a:fld id="{3384F58F-C8A0-467D-A01E-9BAFE85BFF9F}" type="datetimeFigureOut">
               <a:rPr lang="zh-TW" altLang="en-US" smtClean="0"/>
-              <a:t>2017/7/29</a:t>
+              <a:pPr/>
+              <a:t>2019/6/16</a:t>
             </a:fld>
             <a:endParaRPr lang="zh-TW" altLang="en-US"/>
           </a:p>
@@ -1908,6 +1922,7 @@
           <a:p>
             <a:fld id="{C86B2DCC-A77A-4A37-B231-CD3119366AB3}" type="slidenum">
               <a:rPr lang="zh-TW" altLang="en-US" smtClean="0"/>
+              <a:pPr/>
               <a:t>‹#›</a:t>
             </a:fld>
             <a:endParaRPr lang="zh-TW" altLang="en-US"/>
@@ -1917,7 +1932,7 @@
     </p:spTree>
     <p:extLst>
       <p:ext uri="{BB962C8B-B14F-4D97-AF65-F5344CB8AC3E}">
-        <p14:creationId xmlns="" xmlns:p14="http://schemas.microsoft.com/office/powerpoint/2010/main" val="3854665519"/>
+        <p14:creationId xmlns:p14="http://schemas.microsoft.com/office/powerpoint/2010/main" xmlns="" val="3854665519"/>
       </p:ext>
     </p:extLst>
   </p:cSld>
@@ -2236,7 +2251,8 @@
           <a:p>
             <a:fld id="{3384F58F-C8A0-467D-A01E-9BAFE85BFF9F}" type="datetimeFigureOut">
               <a:rPr lang="zh-TW" altLang="en-US" smtClean="0"/>
-              <a:t>2017/7/29</a:t>
+              <a:pPr/>
+              <a:t>2019/6/16</a:t>
             </a:fld>
             <a:endParaRPr lang="zh-TW" altLang="en-US"/>
           </a:p>
@@ -2365,6 +2381,7 @@
           <a:p>
             <a:fld id="{C86B2DCC-A77A-4A37-B231-CD3119366AB3}" type="slidenum">
               <a:rPr lang="zh-TW" altLang="en-US" smtClean="0"/>
+              <a:pPr/>
               <a:t>‹#›</a:t>
             </a:fld>
             <a:endParaRPr lang="zh-TW" altLang="en-US"/>
@@ -2374,7 +2391,7 @@
     </p:spTree>
     <p:extLst>
       <p:ext uri="{BB962C8B-B14F-4D97-AF65-F5344CB8AC3E}">
-        <p14:creationId xmlns="" xmlns:p14="http://schemas.microsoft.com/office/powerpoint/2010/main" val="997341680"/>
+        <p14:creationId xmlns:p14="http://schemas.microsoft.com/office/powerpoint/2010/main" xmlns="" val="997341680"/>
       </p:ext>
     </p:extLst>
   </p:cSld>
@@ -2441,7 +2458,8 @@
           <a:p>
             <a:fld id="{3384F58F-C8A0-467D-A01E-9BAFE85BFF9F}" type="datetimeFigureOut">
               <a:rPr lang="zh-TW" altLang="en-US" smtClean="0"/>
-              <a:t>2017/7/29</a:t>
+              <a:pPr/>
+              <a:t>2019/6/16</a:t>
             </a:fld>
             <a:endParaRPr lang="zh-TW" altLang="en-US"/>
           </a:p>
@@ -2565,6 +2583,7 @@
           <a:p>
             <a:fld id="{C86B2DCC-A77A-4A37-B231-CD3119366AB3}" type="slidenum">
               <a:rPr lang="zh-TW" altLang="en-US" smtClean="0"/>
+              <a:pPr/>
               <a:t>‹#›</a:t>
             </a:fld>
             <a:endParaRPr lang="zh-TW" altLang="en-US"/>
@@ -2574,7 +2593,7 @@
     </p:spTree>
     <p:extLst>
       <p:ext uri="{BB962C8B-B14F-4D97-AF65-F5344CB8AC3E}">
-        <p14:creationId xmlns="" xmlns:p14="http://schemas.microsoft.com/office/powerpoint/2010/main" val="3149438605"/>
+        <p14:creationId xmlns:p14="http://schemas.microsoft.com/office/powerpoint/2010/main" xmlns="" val="3149438605"/>
       </p:ext>
     </p:extLst>
   </p:cSld>
@@ -2618,7 +2637,8 @@
           <a:p>
             <a:fld id="{3384F58F-C8A0-467D-A01E-9BAFE85BFF9F}" type="datetimeFigureOut">
               <a:rPr lang="zh-TW" altLang="en-US" smtClean="0"/>
-              <a:t>2017/7/29</a:t>
+              <a:pPr/>
+              <a:t>2019/6/16</a:t>
             </a:fld>
             <a:endParaRPr lang="zh-TW" altLang="en-US"/>
           </a:p>
@@ -2742,6 +2762,7 @@
           <a:p>
             <a:fld id="{C86B2DCC-A77A-4A37-B231-CD3119366AB3}" type="slidenum">
               <a:rPr lang="zh-TW" altLang="en-US" smtClean="0"/>
+              <a:pPr/>
               <a:t>‹#›</a:t>
             </a:fld>
             <a:endParaRPr lang="zh-TW" altLang="en-US"/>
@@ -2751,7 +2772,7 @@
     </p:spTree>
     <p:extLst>
       <p:ext uri="{BB962C8B-B14F-4D97-AF65-F5344CB8AC3E}">
-        <p14:creationId xmlns="" xmlns:p14="http://schemas.microsoft.com/office/powerpoint/2010/main" val="1742955394"/>
+        <p14:creationId xmlns:p14="http://schemas.microsoft.com/office/powerpoint/2010/main" xmlns="" val="1742955394"/>
       </p:ext>
     </p:extLst>
   </p:cSld>
@@ -2951,7 +2972,8 @@
           <a:p>
             <a:fld id="{3384F58F-C8A0-467D-A01E-9BAFE85BFF9F}" type="datetimeFigureOut">
               <a:rPr lang="zh-TW" altLang="en-US" smtClean="0"/>
-              <a:t>2017/7/29</a:t>
+              <a:pPr/>
+              <a:t>2019/6/16</a:t>
             </a:fld>
             <a:endParaRPr lang="zh-TW" altLang="en-US"/>
           </a:p>
@@ -3075,6 +3097,7 @@
           <a:p>
             <a:fld id="{C86B2DCC-A77A-4A37-B231-CD3119366AB3}" type="slidenum">
               <a:rPr lang="zh-TW" altLang="en-US" smtClean="0"/>
+              <a:pPr/>
               <a:t>‹#›</a:t>
             </a:fld>
             <a:endParaRPr lang="zh-TW" altLang="en-US"/>
@@ -3084,7 +3107,7 @@
     </p:spTree>
     <p:extLst>
       <p:ext uri="{BB962C8B-B14F-4D97-AF65-F5344CB8AC3E}">
-        <p14:creationId xmlns="" xmlns:p14="http://schemas.microsoft.com/office/powerpoint/2010/main" val="2700973954"/>
+        <p14:creationId xmlns:p14="http://schemas.microsoft.com/office/powerpoint/2010/main" xmlns="" val="2700973954"/>
       </p:ext>
     </p:extLst>
   </p:cSld>
@@ -3207,7 +3230,8 @@
           <a:p>
             <a:fld id="{3384F58F-C8A0-467D-A01E-9BAFE85BFF9F}" type="datetimeFigureOut">
               <a:rPr lang="zh-TW" altLang="en-US" smtClean="0"/>
-              <a:t>2017/7/29</a:t>
+              <a:pPr/>
+              <a:t>2019/6/16</a:t>
             </a:fld>
             <a:endParaRPr lang="zh-TW" altLang="en-US"/>
           </a:p>
@@ -3257,6 +3281,7 @@
           <a:p>
             <a:fld id="{C86B2DCC-A77A-4A37-B231-CD3119366AB3}" type="slidenum">
               <a:rPr lang="zh-TW" altLang="en-US" smtClean="0"/>
+              <a:pPr/>
               <a:t>‹#›</a:t>
             </a:fld>
             <a:endParaRPr lang="zh-TW" altLang="en-US"/>
@@ -3473,7 +3498,8 @@
           <a:p>
             <a:fld id="{3384F58F-C8A0-467D-A01E-9BAFE85BFF9F}" type="datetimeFigureOut">
               <a:rPr lang="zh-TW" altLang="en-US" smtClean="0"/>
-              <a:t>2017/7/29</a:t>
+              <a:pPr/>
+              <a:t>2019/6/16</a:t>
             </a:fld>
             <a:endParaRPr lang="zh-TW" altLang="en-US"/>
           </a:p>
@@ -3602,6 +3628,7 @@
           <a:p>
             <a:fld id="{C86B2DCC-A77A-4A37-B231-CD3119366AB3}" type="slidenum">
               <a:rPr lang="zh-TW" altLang="en-US" smtClean="0"/>
+              <a:pPr/>
               <a:t>‹#›</a:t>
             </a:fld>
             <a:endParaRPr lang="zh-TW" altLang="en-US"/>
@@ -3611,7 +3638,7 @@
     </p:spTree>
     <p:extLst>
       <p:ext uri="{BB962C8B-B14F-4D97-AF65-F5344CB8AC3E}">
-        <p14:creationId xmlns="" xmlns:p14="http://schemas.microsoft.com/office/powerpoint/2010/main" val="2607302339"/>
+        <p14:creationId xmlns:p14="http://schemas.microsoft.com/office/powerpoint/2010/main" xmlns="" val="2607302339"/>
       </p:ext>
     </p:extLst>
   </p:cSld>
@@ -3811,7 +3838,8 @@
           <a:p>
             <a:fld id="{3384F58F-C8A0-467D-A01E-9BAFE85BFF9F}" type="datetimeFigureOut">
               <a:rPr lang="zh-TW" altLang="en-US" smtClean="0"/>
-              <a:t>2017/7/29</a:t>
+              <a:pPr/>
+              <a:t>2019/6/16</a:t>
             </a:fld>
             <a:endParaRPr lang="zh-TW" altLang="en-US"/>
           </a:p>
@@ -3940,6 +3968,7 @@
           <a:p>
             <a:fld id="{C86B2DCC-A77A-4A37-B231-CD3119366AB3}" type="slidenum">
               <a:rPr lang="zh-TW" altLang="en-US" smtClean="0"/>
+              <a:pPr/>
               <a:t>‹#›</a:t>
             </a:fld>
             <a:endParaRPr lang="zh-TW" altLang="en-US"/>
@@ -3949,7 +3978,7 @@
     </p:spTree>
     <p:extLst>
       <p:ext uri="{BB962C8B-B14F-4D97-AF65-F5344CB8AC3E}">
-        <p14:creationId xmlns="" xmlns:p14="http://schemas.microsoft.com/office/powerpoint/2010/main" val="2400830201"/>
+        <p14:creationId xmlns:p14="http://schemas.microsoft.com/office/powerpoint/2010/main" xmlns="" val="2400830201"/>
       </p:ext>
     </p:extLst>
   </p:cSld>
@@ -4212,7 +4241,8 @@
           <a:p>
             <a:fld id="{3384F58F-C8A0-467D-A01E-9BAFE85BFF9F}" type="datetimeFigureOut">
               <a:rPr lang="zh-TW" altLang="en-US" smtClean="0"/>
-              <a:t>2017/7/29</a:t>
+              <a:pPr/>
+              <a:t>2019/6/16</a:t>
             </a:fld>
             <a:endParaRPr lang="zh-TW" altLang="en-US"/>
           </a:p>
@@ -4341,6 +4371,7 @@
           <a:p>
             <a:fld id="{C86B2DCC-A77A-4A37-B231-CD3119366AB3}" type="slidenum">
               <a:rPr lang="zh-TW" altLang="en-US" smtClean="0"/>
+              <a:pPr/>
               <a:t>‹#›</a:t>
             </a:fld>
             <a:endParaRPr lang="zh-TW" altLang="en-US"/>
@@ -4426,7 +4457,7 @@
     </p:spTree>
     <p:extLst>
       <p:ext uri="{BB962C8B-B14F-4D97-AF65-F5344CB8AC3E}">
-        <p14:creationId xmlns="" xmlns:p14="http://schemas.microsoft.com/office/powerpoint/2010/main" val="126676221"/>
+        <p14:creationId xmlns:p14="http://schemas.microsoft.com/office/powerpoint/2010/main" xmlns="" val="126676221"/>
       </p:ext>
     </p:extLst>
   </p:cSld>
@@ -4548,7 +4579,8 @@
           <a:p>
             <a:fld id="{3384F58F-C8A0-467D-A01E-9BAFE85BFF9F}" type="datetimeFigureOut">
               <a:rPr lang="zh-TW" altLang="en-US" smtClean="0"/>
-              <a:t>2017/7/29</a:t>
+              <a:pPr/>
+              <a:t>2019/6/16</a:t>
             </a:fld>
             <a:endParaRPr lang="zh-TW" altLang="en-US"/>
           </a:p>
@@ -4677,6 +4709,7 @@
           <a:p>
             <a:fld id="{C86B2DCC-A77A-4A37-B231-CD3119366AB3}" type="slidenum">
               <a:rPr lang="zh-TW" altLang="en-US" smtClean="0"/>
+              <a:pPr/>
               <a:t>‹#›</a:t>
             </a:fld>
             <a:endParaRPr lang="zh-TW" altLang="en-US"/>
@@ -4686,7 +4719,7 @@
     </p:spTree>
     <p:extLst>
       <p:ext uri="{BB962C8B-B14F-4D97-AF65-F5344CB8AC3E}">
-        <p14:creationId xmlns="" xmlns:p14="http://schemas.microsoft.com/office/powerpoint/2010/main" val="3019115838"/>
+        <p14:creationId xmlns:p14="http://schemas.microsoft.com/office/powerpoint/2010/main" xmlns="" val="3019115838"/>
       </p:ext>
     </p:extLst>
   </p:cSld>
@@ -4868,7 +4901,8 @@
           <a:p>
             <a:fld id="{3384F58F-C8A0-467D-A01E-9BAFE85BFF9F}" type="datetimeFigureOut">
               <a:rPr lang="zh-TW" altLang="en-US" smtClean="0"/>
-              <a:t>2017/7/29</a:t>
+              <a:pPr/>
+              <a:t>2019/6/16</a:t>
             </a:fld>
             <a:endParaRPr lang="zh-TW" altLang="en-US"/>
           </a:p>
@@ -4997,6 +5031,7 @@
           <a:p>
             <a:fld id="{C86B2DCC-A77A-4A37-B231-CD3119366AB3}" type="slidenum">
               <a:rPr lang="zh-TW" altLang="en-US" smtClean="0"/>
+              <a:pPr/>
               <a:t>‹#›</a:t>
             </a:fld>
             <a:endParaRPr lang="zh-TW" altLang="en-US"/>
@@ -5082,7 +5117,7 @@
     </p:spTree>
     <p:extLst>
       <p:ext uri="{BB962C8B-B14F-4D97-AF65-F5344CB8AC3E}">
-        <p14:creationId xmlns="" xmlns:p14="http://schemas.microsoft.com/office/powerpoint/2010/main" val="1614387129"/>
+        <p14:creationId xmlns:p14="http://schemas.microsoft.com/office/powerpoint/2010/main" xmlns="" val="1614387129"/>
       </p:ext>
     </p:extLst>
   </p:cSld>
@@ -5264,7 +5299,8 @@
           <a:p>
             <a:fld id="{3384F58F-C8A0-467D-A01E-9BAFE85BFF9F}" type="datetimeFigureOut">
               <a:rPr lang="zh-TW" altLang="en-US" smtClean="0"/>
-              <a:t>2017/7/29</a:t>
+              <a:pPr/>
+              <a:t>2019/6/16</a:t>
             </a:fld>
             <a:endParaRPr lang="zh-TW" altLang="en-US"/>
           </a:p>
@@ -5393,6 +5429,7 @@
           <a:p>
             <a:fld id="{C86B2DCC-A77A-4A37-B231-CD3119366AB3}" type="slidenum">
               <a:rPr lang="zh-TW" altLang="en-US" smtClean="0"/>
+              <a:pPr/>
               <a:t>‹#›</a:t>
             </a:fld>
             <a:endParaRPr lang="zh-TW" altLang="en-US"/>
@@ -5402,7 +5439,7 @@
     </p:spTree>
     <p:extLst>
       <p:ext uri="{BB962C8B-B14F-4D97-AF65-F5344CB8AC3E}">
-        <p14:creationId xmlns="" xmlns:p14="http://schemas.microsoft.com/office/powerpoint/2010/main" val="3853056041"/>
+        <p14:creationId xmlns:p14="http://schemas.microsoft.com/office/powerpoint/2010/main" xmlns="" val="3853056041"/>
       </p:ext>
     </p:extLst>
   </p:cSld>
@@ -5521,7 +5558,8 @@
           <a:p>
             <a:fld id="{3384F58F-C8A0-467D-A01E-9BAFE85BFF9F}" type="datetimeFigureOut">
               <a:rPr lang="zh-TW" altLang="en-US" smtClean="0"/>
-              <a:t>2017/7/29</a:t>
+              <a:pPr/>
+              <a:t>2019/6/16</a:t>
             </a:fld>
             <a:endParaRPr lang="zh-TW" altLang="en-US"/>
           </a:p>
@@ -5645,6 +5683,7 @@
           <a:p>
             <a:fld id="{C86B2DCC-A77A-4A37-B231-CD3119366AB3}" type="slidenum">
               <a:rPr lang="zh-TW" altLang="en-US" smtClean="0"/>
+              <a:pPr/>
               <a:t>‹#›</a:t>
             </a:fld>
             <a:endParaRPr lang="zh-TW" altLang="en-US"/>
@@ -5654,7 +5693,7 @@
     </p:spTree>
     <p:extLst>
       <p:ext uri="{BB962C8B-B14F-4D97-AF65-F5344CB8AC3E}">
-        <p14:creationId xmlns="" xmlns:p14="http://schemas.microsoft.com/office/powerpoint/2010/main" val="3100766371"/>
+        <p14:creationId xmlns:p14="http://schemas.microsoft.com/office/powerpoint/2010/main" xmlns="" val="3100766371"/>
       </p:ext>
     </p:extLst>
   </p:cSld>
@@ -5783,7 +5822,8 @@
           <a:p>
             <a:fld id="{3384F58F-C8A0-467D-A01E-9BAFE85BFF9F}" type="datetimeFigureOut">
               <a:rPr lang="zh-TW" altLang="en-US" smtClean="0"/>
-              <a:t>2017/7/29</a:t>
+              <a:pPr/>
+              <a:t>2019/6/16</a:t>
             </a:fld>
             <a:endParaRPr lang="zh-TW" altLang="en-US"/>
           </a:p>
@@ -5907,6 +5947,7 @@
           <a:p>
             <a:fld id="{C86B2DCC-A77A-4A37-B231-CD3119366AB3}" type="slidenum">
               <a:rPr lang="zh-TW" altLang="en-US" smtClean="0"/>
+              <a:pPr/>
               <a:t>‹#›</a:t>
             </a:fld>
             <a:endParaRPr lang="zh-TW" altLang="en-US"/>
@@ -5916,7 +5957,7 @@
     </p:spTree>
     <p:extLst>
       <p:ext uri="{BB962C8B-B14F-4D97-AF65-F5344CB8AC3E}">
-        <p14:creationId xmlns="" xmlns:p14="http://schemas.microsoft.com/office/powerpoint/2010/main" val="2281816504"/>
+        <p14:creationId xmlns:p14="http://schemas.microsoft.com/office/powerpoint/2010/main" xmlns="" val="2281816504"/>
       </p:ext>
     </p:extLst>
   </p:cSld>
@@ -6123,7 +6164,7 @@
             <a:fld id="{C89270DE-7577-4549-AD96-0A377172EF43}" type="datetimeFigureOut">
               <a:rPr lang="en-US" smtClean="0"/>
               <a:pPr/>
-              <a:t>7/29/2017</a:t>
+              <a:t>6/16/2019</a:t>
             </a:fld>
             <a:endParaRPr lang="en-US"/>
           </a:p>
@@ -6226,7 +6267,7 @@
     </p:spTree>
     <p:extLst>
       <p:ext uri="{BB962C8B-B14F-4D97-AF65-F5344CB8AC3E}">
-        <p14:creationId xmlns="" xmlns:p14="http://schemas.microsoft.com/office/powerpoint/2010/main" val="2911672352"/>
+        <p14:creationId xmlns:p14="http://schemas.microsoft.com/office/powerpoint/2010/main" xmlns="" val="2911672352"/>
       </p:ext>
     </p:extLst>
   </p:cSld>
@@ -6346,7 +6387,7 @@
             <a:fld id="{C89270DE-7577-4549-AD96-0A377172EF43}" type="datetimeFigureOut">
               <a:rPr lang="en-US" smtClean="0"/>
               <a:pPr/>
-              <a:t>7/29/2017</a:t>
+              <a:t>6/16/2019</a:t>
             </a:fld>
             <a:endParaRPr lang="en-US"/>
           </a:p>
@@ -6398,7 +6439,7 @@
     </p:spTree>
     <p:extLst>
       <p:ext uri="{BB962C8B-B14F-4D97-AF65-F5344CB8AC3E}">
-        <p14:creationId xmlns="" xmlns:p14="http://schemas.microsoft.com/office/powerpoint/2010/main" val="1320305320"/>
+        <p14:creationId xmlns:p14="http://schemas.microsoft.com/office/powerpoint/2010/main" xmlns="" val="1320305320"/>
       </p:ext>
     </p:extLst>
   </p:cSld>
@@ -6543,7 +6584,8 @@
           <a:p>
             <a:fld id="{3384F58F-C8A0-467D-A01E-9BAFE85BFF9F}" type="datetimeFigureOut">
               <a:rPr lang="zh-TW" altLang="en-US" smtClean="0"/>
-              <a:t>2017/7/29</a:t>
+              <a:pPr/>
+              <a:t>2019/6/16</a:t>
             </a:fld>
             <a:endParaRPr lang="zh-TW" altLang="en-US"/>
           </a:p>
@@ -6593,6 +6635,7 @@
           <a:p>
             <a:fld id="{C86B2DCC-A77A-4A37-B231-CD3119366AB3}" type="slidenum">
               <a:rPr lang="zh-TW" altLang="en-US" smtClean="0"/>
+              <a:pPr/>
               <a:t>‹#›</a:t>
             </a:fld>
             <a:endParaRPr lang="zh-TW" altLang="en-US"/>
@@ -6798,7 +6841,7 @@
             <a:fld id="{C89270DE-7577-4549-AD96-0A377172EF43}" type="datetimeFigureOut">
               <a:rPr lang="en-US" smtClean="0"/>
               <a:pPr/>
-              <a:t>7/29/2017</a:t>
+              <a:t>6/16/2019</a:t>
             </a:fld>
             <a:endParaRPr lang="en-US"/>
           </a:p>
@@ -6885,7 +6928,7 @@
     </p:spTree>
     <p:extLst>
       <p:ext uri="{BB962C8B-B14F-4D97-AF65-F5344CB8AC3E}">
-        <p14:creationId xmlns="" xmlns:p14="http://schemas.microsoft.com/office/powerpoint/2010/main" val="3496850984"/>
+        <p14:creationId xmlns:p14="http://schemas.microsoft.com/office/powerpoint/2010/main" xmlns="" val="3496850984"/>
       </p:ext>
     </p:extLst>
   </p:cSld>
@@ -7123,7 +7166,7 @@
             <a:fld id="{C89270DE-7577-4549-AD96-0A377172EF43}" type="datetimeFigureOut">
               <a:rPr lang="en-US" smtClean="0"/>
               <a:pPr/>
-              <a:t>7/29/2017</a:t>
+              <a:t>6/16/2019</a:t>
             </a:fld>
             <a:endParaRPr lang="en-US"/>
           </a:p>
@@ -7175,7 +7218,7 @@
     </p:spTree>
     <p:extLst>
       <p:ext uri="{BB962C8B-B14F-4D97-AF65-F5344CB8AC3E}">
-        <p14:creationId xmlns="" xmlns:p14="http://schemas.microsoft.com/office/powerpoint/2010/main" val="3207825343"/>
+        <p14:creationId xmlns:p14="http://schemas.microsoft.com/office/powerpoint/2010/main" xmlns="" val="3207825343"/>
       </p:ext>
     </p:extLst>
   </p:cSld>
@@ -7549,7 +7592,7 @@
             <a:fld id="{C89270DE-7577-4549-AD96-0A377172EF43}" type="datetimeFigureOut">
               <a:rPr lang="en-US" smtClean="0"/>
               <a:pPr/>
-              <a:t>7/29/2017</a:t>
+              <a:t>6/16/2019</a:t>
             </a:fld>
             <a:endParaRPr lang="en-US"/>
           </a:p>
@@ -7601,7 +7644,7 @@
     </p:spTree>
     <p:extLst>
       <p:ext uri="{BB962C8B-B14F-4D97-AF65-F5344CB8AC3E}">
-        <p14:creationId xmlns="" xmlns:p14="http://schemas.microsoft.com/office/powerpoint/2010/main" val="1375813665"/>
+        <p14:creationId xmlns:p14="http://schemas.microsoft.com/office/powerpoint/2010/main" xmlns="" val="1375813665"/>
       </p:ext>
     </p:extLst>
   </p:cSld>
@@ -7669,7 +7712,7 @@
             <a:fld id="{C89270DE-7577-4549-AD96-0A377172EF43}" type="datetimeFigureOut">
               <a:rPr lang="en-US" smtClean="0"/>
               <a:pPr/>
-              <a:t>7/29/2017</a:t>
+              <a:t>6/16/2019</a:t>
             </a:fld>
             <a:endParaRPr lang="en-US"/>
           </a:p>
@@ -7721,7 +7764,7 @@
     </p:spTree>
     <p:extLst>
       <p:ext uri="{BB962C8B-B14F-4D97-AF65-F5344CB8AC3E}">
-        <p14:creationId xmlns="" xmlns:p14="http://schemas.microsoft.com/office/powerpoint/2010/main" val="2161804257"/>
+        <p14:creationId xmlns:p14="http://schemas.microsoft.com/office/powerpoint/2010/main" xmlns="" val="2161804257"/>
       </p:ext>
     </p:extLst>
   </p:cSld>
@@ -7766,7 +7809,7 @@
             <a:fld id="{C89270DE-7577-4549-AD96-0A377172EF43}" type="datetimeFigureOut">
               <a:rPr lang="en-US" smtClean="0"/>
               <a:pPr/>
-              <a:t>7/29/2017</a:t>
+              <a:t>6/16/2019</a:t>
             </a:fld>
             <a:endParaRPr lang="en-US"/>
           </a:p>
@@ -7818,7 +7861,7 @@
     </p:spTree>
     <p:extLst>
       <p:ext uri="{BB962C8B-B14F-4D97-AF65-F5344CB8AC3E}">
-        <p14:creationId xmlns="" xmlns:p14="http://schemas.microsoft.com/office/powerpoint/2010/main" val="1787600985"/>
+        <p14:creationId xmlns:p14="http://schemas.microsoft.com/office/powerpoint/2010/main" xmlns="" val="1787600985"/>
       </p:ext>
     </p:extLst>
   </p:cSld>
@@ -8058,7 +8101,7 @@
             <a:fld id="{C89270DE-7577-4549-AD96-0A377172EF43}" type="datetimeFigureOut">
               <a:rPr lang="en-US" smtClean="0"/>
               <a:pPr/>
-              <a:t>7/29/2017</a:t>
+              <a:t>6/16/2019</a:t>
             </a:fld>
             <a:endParaRPr lang="en-US"/>
           </a:p>
@@ -8110,7 +8153,7 @@
     </p:spTree>
     <p:extLst>
       <p:ext uri="{BB962C8B-B14F-4D97-AF65-F5344CB8AC3E}">
-        <p14:creationId xmlns="" xmlns:p14="http://schemas.microsoft.com/office/powerpoint/2010/main" val="1639783474"/>
+        <p14:creationId xmlns:p14="http://schemas.microsoft.com/office/powerpoint/2010/main" xmlns="" val="1639783474"/>
       </p:ext>
     </p:extLst>
   </p:cSld>
@@ -8332,7 +8375,7 @@
             <a:fld id="{C89270DE-7577-4549-AD96-0A377172EF43}" type="datetimeFigureOut">
               <a:rPr lang="en-US" smtClean="0"/>
               <a:pPr/>
-              <a:t>7/29/2017</a:t>
+              <a:t>6/16/2019</a:t>
             </a:fld>
             <a:endParaRPr lang="en-US"/>
           </a:p>
@@ -8384,7 +8427,7 @@
     </p:spTree>
     <p:extLst>
       <p:ext uri="{BB962C8B-B14F-4D97-AF65-F5344CB8AC3E}">
-        <p14:creationId xmlns="" xmlns:p14="http://schemas.microsoft.com/office/powerpoint/2010/main" val="1399789528"/>
+        <p14:creationId xmlns:p14="http://schemas.microsoft.com/office/powerpoint/2010/main" xmlns="" val="1399789528"/>
       </p:ext>
     </p:extLst>
   </p:cSld>
@@ -8504,7 +8547,7 @@
             <a:fld id="{C89270DE-7577-4549-AD96-0A377172EF43}" type="datetimeFigureOut">
               <a:rPr lang="en-US" smtClean="0"/>
               <a:pPr/>
-              <a:t>7/29/2017</a:t>
+              <a:t>6/16/2019</a:t>
             </a:fld>
             <a:endParaRPr lang="en-US"/>
           </a:p>
@@ -8556,7 +8599,7 @@
     </p:spTree>
     <p:extLst>
       <p:ext uri="{BB962C8B-B14F-4D97-AF65-F5344CB8AC3E}">
-        <p14:creationId xmlns="" xmlns:p14="http://schemas.microsoft.com/office/powerpoint/2010/main" val="2582524952"/>
+        <p14:creationId xmlns:p14="http://schemas.microsoft.com/office/powerpoint/2010/main" xmlns="" val="2582524952"/>
       </p:ext>
     </p:extLst>
   </p:cSld>
@@ -8686,7 +8729,7 @@
             <a:fld id="{C89270DE-7577-4549-AD96-0A377172EF43}" type="datetimeFigureOut">
               <a:rPr lang="en-US" smtClean="0"/>
               <a:pPr/>
-              <a:t>7/29/2017</a:t>
+              <a:t>6/16/2019</a:t>
             </a:fld>
             <a:endParaRPr lang="en-US"/>
           </a:p>
@@ -8738,7 +8781,7 @@
     </p:spTree>
     <p:extLst>
       <p:ext uri="{BB962C8B-B14F-4D97-AF65-F5344CB8AC3E}">
-        <p14:creationId xmlns="" xmlns:p14="http://schemas.microsoft.com/office/powerpoint/2010/main" val="2338115402"/>
+        <p14:creationId xmlns:p14="http://schemas.microsoft.com/office/powerpoint/2010/main" xmlns="" val="2338115402"/>
       </p:ext>
     </p:extLst>
   </p:cSld>
@@ -9471,7 +9514,7 @@
             <a:fld id="{C89270DE-7577-4549-AD96-0A377172EF43}" type="datetimeFigureOut">
               <a:rPr lang="en-US" smtClean="0"/>
               <a:pPr/>
-              <a:t>7/29/2017</a:t>
+              <a:t>6/16/2019</a:t>
             </a:fld>
             <a:endParaRPr lang="en-US"/>
           </a:p>
@@ -9523,7 +9566,7 @@
     </p:spTree>
     <p:extLst>
       <p:ext uri="{BB962C8B-B14F-4D97-AF65-F5344CB8AC3E}">
-        <p14:creationId xmlns="" xmlns:p14="http://schemas.microsoft.com/office/powerpoint/2010/main" val="288782076"/>
+        <p14:creationId xmlns:p14="http://schemas.microsoft.com/office/powerpoint/2010/main" xmlns="" val="288782076"/>
       </p:ext>
     </p:extLst>
   </p:cSld>
@@ -9764,7 +9807,8 @@
           <a:p>
             <a:fld id="{3384F58F-C8A0-467D-A01E-9BAFE85BFF9F}" type="datetimeFigureOut">
               <a:rPr lang="zh-TW" altLang="en-US" smtClean="0"/>
-              <a:t>2017/7/29</a:t>
+              <a:pPr/>
+              <a:t>2019/6/16</a:t>
             </a:fld>
             <a:endParaRPr lang="zh-TW" altLang="en-US"/>
           </a:p>
@@ -9814,6 +9858,7 @@
           <a:p>
             <a:fld id="{C86B2DCC-A77A-4A37-B231-CD3119366AB3}" type="slidenum">
               <a:rPr lang="zh-TW" altLang="en-US" smtClean="0"/>
+              <a:pPr/>
               <a:t>‹#›</a:t>
             </a:fld>
             <a:endParaRPr lang="zh-TW" altLang="en-US"/>
@@ -9944,7 +9989,7 @@
             <a:fld id="{C89270DE-7577-4549-AD96-0A377172EF43}" type="datetimeFigureOut">
               <a:rPr lang="en-US" smtClean="0"/>
               <a:pPr/>
-              <a:t>7/29/2017</a:t>
+              <a:t>6/16/2019</a:t>
             </a:fld>
             <a:endParaRPr lang="en-US"/>
           </a:p>
@@ -9996,7 +10041,7 @@
     </p:spTree>
     <p:extLst>
       <p:ext uri="{BB962C8B-B14F-4D97-AF65-F5344CB8AC3E}">
-        <p14:creationId xmlns="" xmlns:p14="http://schemas.microsoft.com/office/powerpoint/2010/main" val="4293135353"/>
+        <p14:creationId xmlns:p14="http://schemas.microsoft.com/office/powerpoint/2010/main" xmlns="" val="4293135353"/>
       </p:ext>
     </p:extLst>
   </p:cSld>
@@ -10193,7 +10238,7 @@
             <a:fld id="{C89270DE-7577-4549-AD96-0A377172EF43}" type="datetimeFigureOut">
               <a:rPr lang="en-US" smtClean="0"/>
               <a:pPr/>
-              <a:t>7/29/2017</a:t>
+              <a:t>6/16/2019</a:t>
             </a:fld>
             <a:endParaRPr lang="en-US"/>
           </a:p>
@@ -10245,7 +10290,7 @@
     </p:spTree>
     <p:extLst>
       <p:ext uri="{BB962C8B-B14F-4D97-AF65-F5344CB8AC3E}">
-        <p14:creationId xmlns="" xmlns:p14="http://schemas.microsoft.com/office/powerpoint/2010/main" val="143783560"/>
+        <p14:creationId xmlns:p14="http://schemas.microsoft.com/office/powerpoint/2010/main" xmlns="" val="143783560"/>
       </p:ext>
     </p:extLst>
   </p:cSld>
@@ -10427,7 +10472,7 @@
             <a:fld id="{C89270DE-7577-4549-AD96-0A377172EF43}" type="datetimeFigureOut">
               <a:rPr lang="en-US" smtClean="0"/>
               <a:pPr/>
-              <a:t>7/29/2017</a:t>
+              <a:t>6/16/2019</a:t>
             </a:fld>
             <a:endParaRPr lang="en-US"/>
           </a:p>
@@ -10479,7 +10524,7 @@
     </p:spTree>
     <p:extLst>
       <p:ext uri="{BB962C8B-B14F-4D97-AF65-F5344CB8AC3E}">
-        <p14:creationId xmlns="" xmlns:p14="http://schemas.microsoft.com/office/powerpoint/2010/main" val="2848911863"/>
+        <p14:creationId xmlns:p14="http://schemas.microsoft.com/office/powerpoint/2010/main" xmlns="" val="2848911863"/>
       </p:ext>
     </p:extLst>
   </p:cSld>
@@ -10803,7 +10848,7 @@
             <a:fld id="{C89270DE-7577-4549-AD96-0A377172EF43}" type="datetimeFigureOut">
               <a:rPr lang="en-US" smtClean="0"/>
               <a:pPr/>
-              <a:t>7/29/2017</a:t>
+              <a:t>6/16/2019</a:t>
             </a:fld>
             <a:endParaRPr lang="en-US"/>
           </a:p>
@@ -10855,7 +10900,7 @@
     </p:spTree>
     <p:extLst>
       <p:ext uri="{BB962C8B-B14F-4D97-AF65-F5344CB8AC3E}">
-        <p14:creationId xmlns="" xmlns:p14="http://schemas.microsoft.com/office/powerpoint/2010/main" val="3307446124"/>
+        <p14:creationId xmlns:p14="http://schemas.microsoft.com/office/powerpoint/2010/main" xmlns="" val="3307446124"/>
       </p:ext>
     </p:extLst>
   </p:cSld>
@@ -10928,7 +10973,7 @@
             <a:fld id="{C89270DE-7577-4549-AD96-0A377172EF43}" type="datetimeFigureOut">
               <a:rPr lang="en-US" smtClean="0"/>
               <a:pPr/>
-              <a:t>7/29/2017</a:t>
+              <a:t>6/16/2019</a:t>
             </a:fld>
             <a:endParaRPr lang="en-US"/>
           </a:p>
@@ -10980,7 +11025,7 @@
     </p:spTree>
     <p:extLst>
       <p:ext uri="{BB962C8B-B14F-4D97-AF65-F5344CB8AC3E}">
-        <p14:creationId xmlns="" xmlns:p14="http://schemas.microsoft.com/office/powerpoint/2010/main" val="2258692390"/>
+        <p14:creationId xmlns:p14="http://schemas.microsoft.com/office/powerpoint/2010/main" xmlns="" val="2258692390"/>
       </p:ext>
     </p:extLst>
   </p:cSld>
@@ -11025,7 +11070,7 @@
             <a:fld id="{C89270DE-7577-4549-AD96-0A377172EF43}" type="datetimeFigureOut">
               <a:rPr lang="en-US" smtClean="0"/>
               <a:pPr/>
-              <a:t>7/29/2017</a:t>
+              <a:t>6/16/2019</a:t>
             </a:fld>
             <a:endParaRPr lang="en-US"/>
           </a:p>
@@ -11077,7 +11122,7 @@
     </p:spTree>
     <p:extLst>
       <p:ext uri="{BB962C8B-B14F-4D97-AF65-F5344CB8AC3E}">
-        <p14:creationId xmlns="" xmlns:p14="http://schemas.microsoft.com/office/powerpoint/2010/main" val="2823363212"/>
+        <p14:creationId xmlns:p14="http://schemas.microsoft.com/office/powerpoint/2010/main" xmlns="" val="2823363212"/>
       </p:ext>
     </p:extLst>
   </p:cSld>
@@ -11282,7 +11327,7 @@
             <a:fld id="{C89270DE-7577-4549-AD96-0A377172EF43}" type="datetimeFigureOut">
               <a:rPr lang="en-US" smtClean="0"/>
               <a:pPr/>
-              <a:t>7/29/2017</a:t>
+              <a:t>6/16/2019</a:t>
             </a:fld>
             <a:endParaRPr lang="en-US"/>
           </a:p>
@@ -11334,7 +11379,7 @@
     </p:spTree>
     <p:extLst>
       <p:ext uri="{BB962C8B-B14F-4D97-AF65-F5344CB8AC3E}">
-        <p14:creationId xmlns="" xmlns:p14="http://schemas.microsoft.com/office/powerpoint/2010/main" val="3036016673"/>
+        <p14:creationId xmlns:p14="http://schemas.microsoft.com/office/powerpoint/2010/main" xmlns="" val="3036016673"/>
       </p:ext>
     </p:extLst>
   </p:cSld>
@@ -11547,7 +11592,7 @@
             <a:fld id="{C89270DE-7577-4549-AD96-0A377172EF43}" type="datetimeFigureOut">
               <a:rPr lang="en-US" smtClean="0"/>
               <a:pPr/>
-              <a:t>7/29/2017</a:t>
+              <a:t>6/16/2019</a:t>
             </a:fld>
             <a:endParaRPr lang="en-US"/>
           </a:p>
@@ -11599,7 +11644,7 @@
     </p:spTree>
     <p:extLst>
       <p:ext uri="{BB962C8B-B14F-4D97-AF65-F5344CB8AC3E}">
-        <p14:creationId xmlns="" xmlns:p14="http://schemas.microsoft.com/office/powerpoint/2010/main" val="633447560"/>
+        <p14:creationId xmlns:p14="http://schemas.microsoft.com/office/powerpoint/2010/main" xmlns="" val="633447560"/>
       </p:ext>
     </p:extLst>
   </p:cSld>
@@ -11800,7 +11845,7 @@
             <a:fld id="{C89270DE-7577-4549-AD96-0A377172EF43}" type="datetimeFigureOut">
               <a:rPr lang="en-US" smtClean="0"/>
               <a:pPr/>
-              <a:t>7/29/2017</a:t>
+              <a:t>6/16/2019</a:t>
             </a:fld>
             <a:endParaRPr lang="en-US"/>
           </a:p>
@@ -11852,7 +11897,7 @@
     </p:spTree>
     <p:extLst>
       <p:ext uri="{BB962C8B-B14F-4D97-AF65-F5344CB8AC3E}">
-        <p14:creationId xmlns="" xmlns:p14="http://schemas.microsoft.com/office/powerpoint/2010/main" val="3106836870"/>
+        <p14:creationId xmlns:p14="http://schemas.microsoft.com/office/powerpoint/2010/main" xmlns="" val="3106836870"/>
       </p:ext>
     </p:extLst>
   </p:cSld>
@@ -12116,7 +12161,7 @@
             <a:fld id="{C89270DE-7577-4549-AD96-0A377172EF43}" type="datetimeFigureOut">
               <a:rPr lang="en-US" smtClean="0"/>
               <a:pPr/>
-              <a:t>7/29/2017</a:t>
+              <a:t>6/16/2019</a:t>
             </a:fld>
             <a:endParaRPr lang="en-US"/>
           </a:p>
@@ -12258,7 +12303,7 @@
     </p:spTree>
     <p:extLst>
       <p:ext uri="{BB962C8B-B14F-4D97-AF65-F5344CB8AC3E}">
-        <p14:creationId xmlns="" xmlns:p14="http://schemas.microsoft.com/office/powerpoint/2010/main" val="1460951454"/>
+        <p14:creationId xmlns:p14="http://schemas.microsoft.com/office/powerpoint/2010/main" xmlns="" val="1460951454"/>
       </p:ext>
     </p:extLst>
   </p:cSld>
@@ -12633,7 +12678,8 @@
           <a:p>
             <a:fld id="{3384F58F-C8A0-467D-A01E-9BAFE85BFF9F}" type="datetimeFigureOut">
               <a:rPr lang="zh-TW" altLang="en-US" smtClean="0"/>
-              <a:t>2017/7/29</a:t>
+              <a:pPr/>
+              <a:t>2019/6/16</a:t>
             </a:fld>
             <a:endParaRPr lang="zh-TW" altLang="en-US"/>
           </a:p>
@@ -12683,6 +12729,7 @@
           <a:p>
             <a:fld id="{C86B2DCC-A77A-4A37-B231-CD3119366AB3}" type="slidenum">
               <a:rPr lang="zh-TW" altLang="en-US" smtClean="0"/>
+              <a:pPr/>
               <a:t>‹#›</a:t>
             </a:fld>
             <a:endParaRPr lang="zh-TW" altLang="en-US"/>
@@ -12888,7 +12935,7 @@
             <a:fld id="{C89270DE-7577-4549-AD96-0A377172EF43}" type="datetimeFigureOut">
               <a:rPr lang="en-US" smtClean="0"/>
               <a:pPr/>
-              <a:t>7/29/2017</a:t>
+              <a:t>6/16/2019</a:t>
             </a:fld>
             <a:endParaRPr lang="en-US"/>
           </a:p>
@@ -12940,7 +12987,7 @@
     </p:spTree>
     <p:extLst>
       <p:ext uri="{BB962C8B-B14F-4D97-AF65-F5344CB8AC3E}">
-        <p14:creationId xmlns="" xmlns:p14="http://schemas.microsoft.com/office/powerpoint/2010/main" val="3191693729"/>
+        <p14:creationId xmlns:p14="http://schemas.microsoft.com/office/powerpoint/2010/main" xmlns="" val="3191693729"/>
       </p:ext>
     </p:extLst>
   </p:cSld>
@@ -13204,7 +13251,7 @@
             <a:fld id="{C89270DE-7577-4549-AD96-0A377172EF43}" type="datetimeFigureOut">
               <a:rPr lang="en-US" smtClean="0"/>
               <a:pPr/>
-              <a:t>7/29/2017</a:t>
+              <a:t>6/16/2019</a:t>
             </a:fld>
             <a:endParaRPr lang="en-US"/>
           </a:p>
@@ -13338,7 +13385,7 @@
     </p:spTree>
     <p:extLst>
       <p:ext uri="{BB962C8B-B14F-4D97-AF65-F5344CB8AC3E}">
-        <p14:creationId xmlns="" xmlns:p14="http://schemas.microsoft.com/office/powerpoint/2010/main" val="3834834152"/>
+        <p14:creationId xmlns:p14="http://schemas.microsoft.com/office/powerpoint/2010/main" xmlns="" val="3834834152"/>
       </p:ext>
     </p:extLst>
   </p:cSld>
@@ -13599,7 +13646,7 @@
             <a:fld id="{C89270DE-7577-4549-AD96-0A377172EF43}" type="datetimeFigureOut">
               <a:rPr lang="en-US" smtClean="0"/>
               <a:pPr/>
-              <a:t>7/29/2017</a:t>
+              <a:t>6/16/2019</a:t>
             </a:fld>
             <a:endParaRPr lang="en-US"/>
           </a:p>
@@ -13651,7 +13698,7 @@
     </p:spTree>
     <p:extLst>
       <p:ext uri="{BB962C8B-B14F-4D97-AF65-F5344CB8AC3E}">
-        <p14:creationId xmlns="" xmlns:p14="http://schemas.microsoft.com/office/powerpoint/2010/main" val="4160288750"/>
+        <p14:creationId xmlns:p14="http://schemas.microsoft.com/office/powerpoint/2010/main" xmlns="" val="4160288750"/>
       </p:ext>
     </p:extLst>
   </p:cSld>
@@ -13771,7 +13818,7 @@
             <a:fld id="{C89270DE-7577-4549-AD96-0A377172EF43}" type="datetimeFigureOut">
               <a:rPr lang="en-US" smtClean="0"/>
               <a:pPr/>
-              <a:t>7/29/2017</a:t>
+              <a:t>6/16/2019</a:t>
             </a:fld>
             <a:endParaRPr lang="en-US"/>
           </a:p>
@@ -13823,7 +13870,7 @@
     </p:spTree>
     <p:extLst>
       <p:ext uri="{BB962C8B-B14F-4D97-AF65-F5344CB8AC3E}">
-        <p14:creationId xmlns="" xmlns:p14="http://schemas.microsoft.com/office/powerpoint/2010/main" val="3387607256"/>
+        <p14:creationId xmlns:p14="http://schemas.microsoft.com/office/powerpoint/2010/main" xmlns="" val="3387607256"/>
       </p:ext>
     </p:extLst>
   </p:cSld>
@@ -13953,7 +14000,7 @@
             <a:fld id="{C89270DE-7577-4549-AD96-0A377172EF43}" type="datetimeFigureOut">
               <a:rPr lang="en-US" smtClean="0"/>
               <a:pPr/>
-              <a:t>7/29/2017</a:t>
+              <a:t>6/16/2019</a:t>
             </a:fld>
             <a:endParaRPr lang="en-US"/>
           </a:p>
@@ -14005,7 +14052,7 @@
     </p:spTree>
     <p:extLst>
       <p:ext uri="{BB962C8B-B14F-4D97-AF65-F5344CB8AC3E}">
-        <p14:creationId xmlns="" xmlns:p14="http://schemas.microsoft.com/office/powerpoint/2010/main" val="832914275"/>
+        <p14:creationId xmlns:p14="http://schemas.microsoft.com/office/powerpoint/2010/main" xmlns="" val="832914275"/>
       </p:ext>
     </p:extLst>
   </p:cSld>
@@ -14242,7 +14289,7 @@
             <a:fld id="{C89270DE-7577-4549-AD96-0A377172EF43}" type="datetimeFigureOut">
               <a:rPr lang="en-US" smtClean="0"/>
               <a:pPr/>
-              <a:t>7/29/2017</a:t>
+              <a:t>6/16/2019</a:t>
             </a:fld>
             <a:endParaRPr lang="en-US"/>
           </a:p>
@@ -14332,7 +14379,7 @@
     </p:spTree>
     <p:extLst>
       <p:ext uri="{BB962C8B-B14F-4D97-AF65-F5344CB8AC3E}">
-        <p14:creationId xmlns="" xmlns:p14="http://schemas.microsoft.com/office/powerpoint/2010/main" val="2850706761"/>
+        <p14:creationId xmlns:p14="http://schemas.microsoft.com/office/powerpoint/2010/main" xmlns="" val="2850706761"/>
       </p:ext>
     </p:extLst>
   </p:cSld>
@@ -14456,7 +14503,7 @@
             <a:fld id="{C89270DE-7577-4549-AD96-0A377172EF43}" type="datetimeFigureOut">
               <a:rPr lang="en-US" smtClean="0"/>
               <a:pPr/>
-              <a:t>7/29/2017</a:t>
+              <a:t>6/16/2019</a:t>
             </a:fld>
             <a:endParaRPr lang="en-US"/>
           </a:p>
@@ -14508,7 +14555,7 @@
     </p:spTree>
     <p:extLst>
       <p:ext uri="{BB962C8B-B14F-4D97-AF65-F5344CB8AC3E}">
-        <p14:creationId xmlns="" xmlns:p14="http://schemas.microsoft.com/office/powerpoint/2010/main" val="1408618383"/>
+        <p14:creationId xmlns:p14="http://schemas.microsoft.com/office/powerpoint/2010/main" xmlns="" val="1408618383"/>
       </p:ext>
     </p:extLst>
   </p:cSld>
@@ -14801,7 +14848,7 @@
             <a:fld id="{C89270DE-7577-4549-AD96-0A377172EF43}" type="datetimeFigureOut">
               <a:rPr lang="en-US" smtClean="0"/>
               <a:pPr/>
-              <a:t>7/29/2017</a:t>
+              <a:t>6/16/2019</a:t>
             </a:fld>
             <a:endParaRPr lang="en-US"/>
           </a:p>
@@ -14891,7 +14938,7 @@
     </p:spTree>
     <p:extLst>
       <p:ext uri="{BB962C8B-B14F-4D97-AF65-F5344CB8AC3E}">
-        <p14:creationId xmlns="" xmlns:p14="http://schemas.microsoft.com/office/powerpoint/2010/main" val="3696528011"/>
+        <p14:creationId xmlns:p14="http://schemas.microsoft.com/office/powerpoint/2010/main" xmlns="" val="3696528011"/>
       </p:ext>
     </p:extLst>
   </p:cSld>
@@ -15078,7 +15125,7 @@
             <a:fld id="{C89270DE-7577-4549-AD96-0A377172EF43}" type="datetimeFigureOut">
               <a:rPr lang="en-US" smtClean="0"/>
               <a:pPr/>
-              <a:t>7/29/2017</a:t>
+              <a:t>6/16/2019</a:t>
             </a:fld>
             <a:endParaRPr lang="en-US"/>
           </a:p>
@@ -15130,7 +15177,7 @@
     </p:spTree>
     <p:extLst>
       <p:ext uri="{BB962C8B-B14F-4D97-AF65-F5344CB8AC3E}">
-        <p14:creationId xmlns="" xmlns:p14="http://schemas.microsoft.com/office/powerpoint/2010/main" val="1906631207"/>
+        <p14:creationId xmlns:p14="http://schemas.microsoft.com/office/powerpoint/2010/main" xmlns="" val="1906631207"/>
       </p:ext>
     </p:extLst>
   </p:cSld>
@@ -15459,7 +15506,7 @@
             <a:fld id="{C89270DE-7577-4549-AD96-0A377172EF43}" type="datetimeFigureOut">
               <a:rPr lang="en-US" smtClean="0"/>
               <a:pPr/>
-              <a:t>7/29/2017</a:t>
+              <a:t>6/16/2019</a:t>
             </a:fld>
             <a:endParaRPr lang="en-US"/>
           </a:p>
@@ -15511,7 +15558,7 @@
     </p:spTree>
     <p:extLst>
       <p:ext uri="{BB962C8B-B14F-4D97-AF65-F5344CB8AC3E}">
-        <p14:creationId xmlns="" xmlns:p14="http://schemas.microsoft.com/office/powerpoint/2010/main" val="3673596529"/>
+        <p14:creationId xmlns:p14="http://schemas.microsoft.com/office/powerpoint/2010/main" xmlns="" val="3673596529"/>
       </p:ext>
     </p:extLst>
   </p:cSld>
@@ -15582,7 +15629,8 @@
           <a:p>
             <a:fld id="{3384F58F-C8A0-467D-A01E-9BAFE85BFF9F}" type="datetimeFigureOut">
               <a:rPr lang="zh-TW" altLang="en-US" smtClean="0"/>
-              <a:t>2017/7/29</a:t>
+              <a:pPr/>
+              <a:t>2019/6/16</a:t>
             </a:fld>
             <a:endParaRPr lang="zh-TW" altLang="en-US"/>
           </a:p>
@@ -15632,6 +15680,7 @@
           <a:p>
             <a:fld id="{C86B2DCC-A77A-4A37-B231-CD3119366AB3}" type="slidenum">
               <a:rPr lang="zh-TW" altLang="en-US" smtClean="0"/>
+              <a:pPr/>
               <a:t>‹#›</a:t>
             </a:fld>
             <a:endParaRPr lang="zh-TW" altLang="en-US"/>
@@ -15704,7 +15753,7 @@
             <a:fld id="{C89270DE-7577-4549-AD96-0A377172EF43}" type="datetimeFigureOut">
               <a:rPr lang="en-US" smtClean="0"/>
               <a:pPr/>
-              <a:t>7/29/2017</a:t>
+              <a:t>6/16/2019</a:t>
             </a:fld>
             <a:endParaRPr lang="en-US"/>
           </a:p>
@@ -15756,7 +15805,7 @@
     </p:spTree>
     <p:extLst>
       <p:ext uri="{BB962C8B-B14F-4D97-AF65-F5344CB8AC3E}">
-        <p14:creationId xmlns="" xmlns:p14="http://schemas.microsoft.com/office/powerpoint/2010/main" val="4100846712"/>
+        <p14:creationId xmlns:p14="http://schemas.microsoft.com/office/powerpoint/2010/main" xmlns="" val="4100846712"/>
       </p:ext>
     </p:extLst>
   </p:cSld>
@@ -15877,7 +15926,7 @@
             <a:fld id="{C89270DE-7577-4549-AD96-0A377172EF43}" type="datetimeFigureOut">
               <a:rPr lang="en-US" smtClean="0"/>
               <a:pPr/>
-              <a:t>7/29/2017</a:t>
+              <a:t>6/16/2019</a:t>
             </a:fld>
             <a:endParaRPr lang="en-US"/>
           </a:p>
@@ -15937,7 +15986,7 @@
     </p:spTree>
     <p:extLst>
       <p:ext uri="{BB962C8B-B14F-4D97-AF65-F5344CB8AC3E}">
-        <p14:creationId xmlns="" xmlns:p14="http://schemas.microsoft.com/office/powerpoint/2010/main" val="4109185027"/>
+        <p14:creationId xmlns:p14="http://schemas.microsoft.com/office/powerpoint/2010/main" xmlns="" val="4109185027"/>
       </p:ext>
     </p:extLst>
   </p:cSld>
@@ -16233,7 +16282,7 @@
             <a:fld id="{C89270DE-7577-4549-AD96-0A377172EF43}" type="datetimeFigureOut">
               <a:rPr lang="en-US" smtClean="0"/>
               <a:pPr/>
-              <a:t>7/29/2017</a:t>
+              <a:t>6/16/2019</a:t>
             </a:fld>
             <a:endParaRPr lang="en-US"/>
           </a:p>
@@ -16306,7 +16355,7 @@
     </p:spTree>
     <p:extLst>
       <p:ext uri="{BB962C8B-B14F-4D97-AF65-F5344CB8AC3E}">
-        <p14:creationId xmlns="" xmlns:p14="http://schemas.microsoft.com/office/powerpoint/2010/main" val="3835058550"/>
+        <p14:creationId xmlns:p14="http://schemas.microsoft.com/office/powerpoint/2010/main" xmlns="" val="3835058550"/>
       </p:ext>
     </p:extLst>
   </p:cSld>
@@ -16617,7 +16666,7 @@
             <a:fld id="{C89270DE-7577-4549-AD96-0A377172EF43}" type="datetimeFigureOut">
               <a:rPr lang="en-US" smtClean="0"/>
               <a:pPr/>
-              <a:t>7/29/2017</a:t>
+              <a:t>6/16/2019</a:t>
             </a:fld>
             <a:endParaRPr lang="en-US"/>
           </a:p>
@@ -16669,7 +16718,7 @@
     </p:spTree>
     <p:extLst>
       <p:ext uri="{BB962C8B-B14F-4D97-AF65-F5344CB8AC3E}">
-        <p14:creationId xmlns="" xmlns:p14="http://schemas.microsoft.com/office/powerpoint/2010/main" val="1134711779"/>
+        <p14:creationId xmlns:p14="http://schemas.microsoft.com/office/powerpoint/2010/main" xmlns="" val="1134711779"/>
       </p:ext>
     </p:extLst>
   </p:cSld>
@@ -16789,7 +16838,7 @@
             <a:fld id="{C89270DE-7577-4549-AD96-0A377172EF43}" type="datetimeFigureOut">
               <a:rPr lang="en-US" smtClean="0"/>
               <a:pPr/>
-              <a:t>7/29/2017</a:t>
+              <a:t>6/16/2019</a:t>
             </a:fld>
             <a:endParaRPr lang="en-US"/>
           </a:p>
@@ -16841,7 +16890,7 @@
     </p:spTree>
     <p:extLst>
       <p:ext uri="{BB962C8B-B14F-4D97-AF65-F5344CB8AC3E}">
-        <p14:creationId xmlns="" xmlns:p14="http://schemas.microsoft.com/office/powerpoint/2010/main" val="2303264286"/>
+        <p14:creationId xmlns:p14="http://schemas.microsoft.com/office/powerpoint/2010/main" xmlns="" val="2303264286"/>
       </p:ext>
     </p:extLst>
   </p:cSld>
@@ -17047,7 +17096,7 @@
             <a:fld id="{C89270DE-7577-4549-AD96-0A377172EF43}" type="datetimeFigureOut">
               <a:rPr lang="en-US" smtClean="0"/>
               <a:pPr/>
-              <a:t>7/29/2017</a:t>
+              <a:t>6/16/2019</a:t>
             </a:fld>
             <a:endParaRPr lang="en-US"/>
           </a:p>
@@ -17099,7 +17148,7 @@
     </p:spTree>
     <p:extLst>
       <p:ext uri="{BB962C8B-B14F-4D97-AF65-F5344CB8AC3E}">
-        <p14:creationId xmlns="" xmlns:p14="http://schemas.microsoft.com/office/powerpoint/2010/main" val="4076735701"/>
+        <p14:creationId xmlns:p14="http://schemas.microsoft.com/office/powerpoint/2010/main" xmlns="" val="4076735701"/>
       </p:ext>
     </p:extLst>
   </p:cSld>
@@ -17147,7 +17196,8 @@
           <a:p>
             <a:fld id="{3384F58F-C8A0-467D-A01E-9BAFE85BFF9F}" type="datetimeFigureOut">
               <a:rPr lang="zh-TW" altLang="en-US" smtClean="0"/>
-              <a:t>2017/7/29</a:t>
+              <a:pPr/>
+              <a:t>2019/6/16</a:t>
             </a:fld>
             <a:endParaRPr lang="zh-TW" altLang="en-US"/>
           </a:p>
@@ -17197,6 +17247,7 @@
           <a:p>
             <a:fld id="{C86B2DCC-A77A-4A37-B231-CD3119366AB3}" type="slidenum">
               <a:rPr lang="zh-TW" altLang="en-US" smtClean="0"/>
+              <a:pPr/>
               <a:t>‹#›</a:t>
             </a:fld>
             <a:endParaRPr lang="zh-TW" altLang="en-US"/>
@@ -17431,7 +17482,8 @@
           <a:p>
             <a:fld id="{3384F58F-C8A0-467D-A01E-9BAFE85BFF9F}" type="datetimeFigureOut">
               <a:rPr lang="zh-TW" altLang="en-US" smtClean="0"/>
-              <a:t>2017/7/29</a:t>
+              <a:pPr/>
+              <a:t>2019/6/16</a:t>
             </a:fld>
             <a:endParaRPr lang="zh-TW" altLang="en-US"/>
           </a:p>
@@ -17481,6 +17533,7 @@
           <a:p>
             <a:fld id="{C86B2DCC-A77A-4A37-B231-CD3119366AB3}" type="slidenum">
               <a:rPr lang="zh-TW" altLang="en-US" smtClean="0"/>
+              <a:pPr/>
               <a:t>‹#›</a:t>
             </a:fld>
             <a:endParaRPr lang="zh-TW" altLang="en-US"/>
@@ -17695,7 +17748,8 @@
           <a:p>
             <a:fld id="{3384F58F-C8A0-467D-A01E-9BAFE85BFF9F}" type="datetimeFigureOut">
               <a:rPr lang="zh-TW" altLang="en-US" smtClean="0"/>
-              <a:t>2017/7/29</a:t>
+              <a:pPr/>
+              <a:t>2019/6/16</a:t>
             </a:fld>
             <a:endParaRPr lang="zh-TW" altLang="en-US"/>
           </a:p>
@@ -17745,6 +17799,7 @@
           <a:p>
             <a:fld id="{C86B2DCC-A77A-4A37-B231-CD3119366AB3}" type="slidenum">
               <a:rPr lang="zh-TW" altLang="en-US" smtClean="0"/>
+              <a:pPr/>
               <a:t>‹#›</a:t>
             </a:fld>
             <a:endParaRPr lang="zh-TW" altLang="en-US"/>
@@ -17945,7 +18000,8 @@
           <a:p>
             <a:fld id="{3384F58F-C8A0-467D-A01E-9BAFE85BFF9F}" type="datetimeFigureOut">
               <a:rPr lang="zh-TW" altLang="en-US" smtClean="0"/>
-              <a:t>2017/7/29</a:t>
+              <a:pPr/>
+              <a:t>2019/6/16</a:t>
             </a:fld>
             <a:endParaRPr lang="zh-TW" altLang="en-US"/>
           </a:p>
@@ -18039,6 +18095,7 @@
           <a:p>
             <a:fld id="{C86B2DCC-A77A-4A37-B231-CD3119366AB3}" type="slidenum">
               <a:rPr lang="zh-TW" altLang="en-US" smtClean="0"/>
+              <a:pPr/>
               <a:t>‹#›</a:t>
             </a:fld>
             <a:endParaRPr lang="zh-TW" altLang="en-US"/>
@@ -20415,7 +20472,8 @@
           <a:p>
             <a:fld id="{3384F58F-C8A0-467D-A01E-9BAFE85BFF9F}" type="datetimeFigureOut">
               <a:rPr lang="zh-TW" altLang="en-US" smtClean="0"/>
-              <a:t>2017/7/29</a:t>
+              <a:pPr/>
+              <a:t>2019/6/16</a:t>
             </a:fld>
             <a:endParaRPr lang="zh-TW" altLang="en-US"/>
           </a:p>
@@ -20491,6 +20549,7 @@
           <a:p>
             <a:fld id="{C86B2DCC-A77A-4A37-B231-CD3119366AB3}" type="slidenum">
               <a:rPr lang="zh-TW" altLang="en-US" smtClean="0"/>
+              <a:pPr/>
               <a:t>‹#›</a:t>
             </a:fld>
             <a:endParaRPr lang="zh-TW" altLang="en-US"/>
@@ -20500,7 +20559,7 @@
     </p:spTree>
     <p:extLst>
       <p:ext uri="{BB962C8B-B14F-4D97-AF65-F5344CB8AC3E}">
-        <p14:creationId xmlns="" xmlns:p14="http://schemas.microsoft.com/office/powerpoint/2010/main" val="2077495091"/>
+        <p14:creationId xmlns:p14="http://schemas.microsoft.com/office/powerpoint/2010/main" xmlns="" val="2077495091"/>
       </p:ext>
     </p:extLst>
   </p:cSld>
@@ -21110,7 +21169,7 @@
             <a:fld id="{C89270DE-7577-4549-AD96-0A377172EF43}" type="datetimeFigureOut">
               <a:rPr lang="en-US" smtClean="0"/>
               <a:pPr/>
-              <a:t>7/29/2017</a:t>
+              <a:t>6/16/2019</a:t>
             </a:fld>
             <a:endParaRPr lang="en-US"/>
           </a:p>
@@ -21194,7 +21253,7 @@
     </p:spTree>
     <p:extLst>
       <p:ext uri="{BB962C8B-B14F-4D97-AF65-F5344CB8AC3E}">
-        <p14:creationId xmlns="" xmlns:p14="http://schemas.microsoft.com/office/powerpoint/2010/main" val="1033442795"/>
+        <p14:creationId xmlns:p14="http://schemas.microsoft.com/office/powerpoint/2010/main" xmlns="" val="1033442795"/>
       </p:ext>
     </p:extLst>
   </p:cSld>
@@ -22238,7 +22297,7 @@
             <a:fld id="{C89270DE-7577-4549-AD96-0A377172EF43}" type="datetimeFigureOut">
               <a:rPr lang="en-US" smtClean="0"/>
               <a:pPr/>
-              <a:t>7/29/2017</a:t>
+              <a:t>6/16/2019</a:t>
             </a:fld>
             <a:endParaRPr lang="en-US"/>
           </a:p>
@@ -22324,7 +22383,7 @@
     </p:spTree>
     <p:extLst>
       <p:ext uri="{BB962C8B-B14F-4D97-AF65-F5344CB8AC3E}">
-        <p14:creationId xmlns="" xmlns:p14="http://schemas.microsoft.com/office/powerpoint/2010/main" val="3129595064"/>
+        <p14:creationId xmlns:p14="http://schemas.microsoft.com/office/powerpoint/2010/main" xmlns="" val="3129595064"/>
       </p:ext>
     </p:extLst>
   </p:cSld>
@@ -22973,7 +23032,7 @@
             <a:fld id="{C89270DE-7577-4549-AD96-0A377172EF43}" type="datetimeFigureOut">
               <a:rPr lang="en-US" smtClean="0"/>
               <a:pPr/>
-              <a:t>7/29/2017</a:t>
+              <a:t>6/16/2019</a:t>
             </a:fld>
             <a:endParaRPr lang="en-US"/>
           </a:p>
@@ -23095,7 +23154,7 @@
     </p:spTree>
     <p:extLst>
       <p:ext uri="{BB962C8B-B14F-4D97-AF65-F5344CB8AC3E}">
-        <p14:creationId xmlns="" xmlns:p14="http://schemas.microsoft.com/office/powerpoint/2010/main" val="1945528109"/>
+        <p14:creationId xmlns:p14="http://schemas.microsoft.com/office/powerpoint/2010/main" xmlns="" val="1945528109"/>
       </p:ext>
     </p:extLst>
   </p:cSld>
@@ -23699,21 +23758,28 @@
                 <a:latin typeface="微軟正黑體" pitchFamily="34" charset="-120"/>
                 <a:ea typeface="微軟正黑體" pitchFamily="34" charset="-120"/>
               </a:rPr>
-              <a:t>讓我們</a:t>
+              <a:t>讓我們一起在主愛</a:t>
             </a:r>
             <a:r>
               <a:rPr lang="zh-TW" altLang="en-US" sz="5400" dirty="0" smtClean="0">
                 <a:latin typeface="微軟正黑體" pitchFamily="34" charset="-120"/>
                 <a:ea typeface="微軟正黑體" pitchFamily="34" charset="-120"/>
               </a:rPr>
-              <a:t>一起在</a:t>
+              <a:t>裡</a:t>
+            </a:r>
+            <a:r>
+              <a:rPr lang="zh-CN" altLang="en-US" sz="5400" dirty="0" smtClean="0">
+                <a:latin typeface="微軟正黑體" pitchFamily="34" charset="-120"/>
+                <a:ea typeface="微軟正黑體" pitchFamily="34" charset="-120"/>
+              </a:rPr>
+              <a:t>步</a:t>
             </a:r>
             <a:r>
               <a:rPr lang="zh-TW" altLang="en-US" sz="5400" dirty="0" smtClean="0">
                 <a:latin typeface="微軟正黑體" pitchFamily="34" charset="-120"/>
                 <a:ea typeface="微軟正黑體" pitchFamily="34" charset="-120"/>
               </a:rPr>
-              <a:t>主愛裡同行</a:t>
+              <a:t>行</a:t>
             </a:r>
             <a:endParaRPr lang="zh-TW" altLang="en-US" sz="5400" dirty="0">
               <a:latin typeface="微軟正黑體" pitchFamily="34" charset="-120"/>
@@ -23797,40 +23863,163 @@
                 <a:latin typeface="微軟正黑體" pitchFamily="34" charset="-120"/>
                 <a:ea typeface="微軟正黑體" pitchFamily="34" charset="-120"/>
               </a:rPr>
-              <a:t>你是我</a:t>
-            </a:r>
+              <a:t>你是我朋友  主的大家庭</a:t>
+            </a:r>
+          </a:p>
+          <a:p>
+            <a:pPr algn="ctr">
+              <a:buNone/>
+            </a:pPr>
             <a:r>
               <a:rPr lang="zh-TW" altLang="en-US" sz="5400" dirty="0" smtClean="0">
                 <a:latin typeface="微軟正黑體" pitchFamily="34" charset="-120"/>
                 <a:ea typeface="微軟正黑體" pitchFamily="34" charset="-120"/>
               </a:rPr>
-              <a:t>朋友  主</a:t>
-            </a:r>
+              <a:t>沒有任何事</a:t>
+            </a:r>
+            <a:endParaRPr lang="en-US" altLang="zh-TW" sz="5400" dirty="0" smtClean="0">
+              <a:latin typeface="微軟正黑體" pitchFamily="34" charset="-120"/>
+              <a:ea typeface="微軟正黑體" pitchFamily="34" charset="-120"/>
+            </a:endParaRPr>
+          </a:p>
+          <a:p>
+            <a:pPr algn="ctr">
+              <a:buNone/>
+            </a:pPr>
             <a:r>
               <a:rPr lang="zh-TW" altLang="en-US" sz="5400" dirty="0" smtClean="0">
                 <a:latin typeface="微軟正黑體" pitchFamily="34" charset="-120"/>
                 <a:ea typeface="微軟正黑體" pitchFamily="34" charset="-120"/>
               </a:rPr>
-              <a:t>的大家庭</a:t>
-            </a:r>
-          </a:p>
-          <a:p>
-            <a:pPr algn="ctr">
-              <a:buNone/>
-            </a:pPr>
+              <a:t>能夠分開我和</a:t>
+            </a:r>
             <a:r>
               <a:rPr lang="zh-TW" altLang="en-US" sz="5400" dirty="0" smtClean="0">
                 <a:latin typeface="微軟正黑體" pitchFamily="34" charset="-120"/>
                 <a:ea typeface="微軟正黑體" pitchFamily="34" charset="-120"/>
               </a:rPr>
-              <a:t>沒有任何</a:t>
-            </a:r>
+              <a:t>你</a:t>
+            </a:r>
+            <a:endParaRPr lang="en-US" altLang="zh-TW" sz="5400" dirty="0" smtClean="0">
+              <a:latin typeface="微軟正黑體" pitchFamily="34" charset="-120"/>
+              <a:ea typeface="微軟正黑體" pitchFamily="34" charset="-120"/>
+            </a:endParaRPr>
+          </a:p>
+          <a:p>
+            <a:pPr algn="ctr">
+              <a:buNone/>
+            </a:pPr>
+            <a:r>
+              <a:rPr lang="zh-CN" altLang="en-US" sz="5400" dirty="0" smtClean="0">
+                <a:latin typeface="微軟正黑體" pitchFamily="34" charset="-120"/>
+                <a:ea typeface="微軟正黑體" pitchFamily="34" charset="-120"/>
+              </a:rPr>
+              <a:t>啊 啊</a:t>
+            </a:r>
+            <a:endParaRPr lang="en-US" altLang="zh-TW" sz="5400" dirty="0" smtClean="0">
+              <a:latin typeface="微軟正黑體" pitchFamily="34" charset="-120"/>
+              <a:ea typeface="微軟正黑體" pitchFamily="34" charset="-120"/>
+            </a:endParaRPr>
+          </a:p>
+          <a:p>
+            <a:pPr algn="ctr">
+              <a:buNone/>
+            </a:pPr>
+            <a:endParaRPr lang="zh-TW" altLang="en-US" sz="5400" dirty="0">
+              <a:latin typeface="微軟正黑體" pitchFamily="34" charset="-120"/>
+              <a:ea typeface="微軟正黑體" pitchFamily="34" charset="-120"/>
+            </a:endParaRPr>
+          </a:p>
+        </p:txBody>
+      </p:sp>
+    </p:spTree>
+  </p:cSld>
+  <p:clrMapOvr>
+    <a:masterClrMapping/>
+  </p:clrMapOvr>
+</p:sld>
+</file>
+
+<file path=ppt/slides/slide4.xml><?xml version="1.0" encoding="utf-8"?>
+<p:sld xmlns:a="http://schemas.openxmlformats.org/drawingml/2006/main" xmlns:r="http://schemas.openxmlformats.org/officeDocument/2006/relationships" xmlns:p="http://schemas.openxmlformats.org/presentationml/2006/main">
+  <p:cSld>
+    <p:spTree>
+      <p:nvGrpSpPr>
+        <p:cNvPr id="1" name=""/>
+        <p:cNvGrpSpPr/>
+        <p:nvPr/>
+      </p:nvGrpSpPr>
+      <p:grpSpPr>
+        <a:xfrm>
+          <a:off x="0" y="0"/>
+          <a:ext cx="0" cy="0"/>
+          <a:chOff x="0" y="0"/>
+          <a:chExt cx="0" cy="0"/>
+        </a:xfrm>
+      </p:grpSpPr>
+      <p:sp>
+        <p:nvSpPr>
+          <p:cNvPr id="4" name="標題 3"/>
+          <p:cNvSpPr>
+            <a:spLocks noGrp="1"/>
+          </p:cNvSpPr>
+          <p:nvPr>
+            <p:ph type="title"/>
+          </p:nvPr>
+        </p:nvSpPr>
+        <p:spPr/>
+        <p:txBody>
+          <a:bodyPr/>
+          <a:lstStyle/>
+          <a:p>
+            <a:r>
+              <a:rPr lang="zh-TW" altLang="en-US" dirty="0">
+                <a:latin typeface="微軟正黑體" pitchFamily="34" charset="-120"/>
+                <a:ea typeface="微軟正黑體" pitchFamily="34" charset="-120"/>
+              </a:rPr>
+              <a:t>主的大家庭</a:t>
+            </a:r>
+          </a:p>
+        </p:txBody>
+      </p:sp>
+      <p:sp>
+        <p:nvSpPr>
+          <p:cNvPr id="5" name="內容版面配置區 4"/>
+          <p:cNvSpPr>
+            <a:spLocks noGrp="1"/>
+          </p:cNvSpPr>
+          <p:nvPr>
+            <p:ph idx="1"/>
+          </p:nvPr>
+        </p:nvSpPr>
+        <p:spPr/>
+        <p:txBody>
+          <a:bodyPr>
+            <a:noAutofit/>
+          </a:bodyPr>
+          <a:lstStyle/>
+          <a:p>
+            <a:pPr algn="ctr">
+              <a:buNone/>
+            </a:pPr>
             <a:r>
               <a:rPr lang="zh-TW" altLang="en-US" sz="5400" dirty="0" smtClean="0">
                 <a:latin typeface="微軟正黑體" pitchFamily="34" charset="-120"/>
                 <a:ea typeface="微軟正黑體" pitchFamily="34" charset="-120"/>
               </a:rPr>
-              <a:t>事</a:t>
+              <a:t>你是我朋友  主的大家庭</a:t>
+            </a:r>
+          </a:p>
+          <a:p>
+            <a:pPr algn="ctr">
+              <a:buNone/>
+            </a:pPr>
+            <a:r>
+              <a:rPr lang="zh-TW" altLang="en-US" sz="5400" dirty="0" smtClean="0">
+                <a:latin typeface="微軟正黑體" pitchFamily="34" charset="-120"/>
+                <a:ea typeface="微軟正黑體" pitchFamily="34" charset="-120"/>
+              </a:rPr>
+              <a:t>沒有任何事</a:t>
             </a:r>
             <a:endParaRPr lang="en-US" altLang="zh-TW" sz="5400" dirty="0" smtClean="0">
               <a:latin typeface="微軟正黑體" pitchFamily="34" charset="-120"/>
@@ -23846,15 +24035,24 @@
                 <a:latin typeface="微軟正黑體" pitchFamily="34" charset="-120"/>
                 <a:ea typeface="微軟正黑體" pitchFamily="34" charset="-120"/>
               </a:rPr>
-              <a:t>能夠</a:t>
+              <a:t>能夠分開我和</a:t>
             </a:r>
             <a:r>
               <a:rPr lang="zh-TW" altLang="en-US" sz="5400" dirty="0" smtClean="0">
                 <a:latin typeface="微軟正黑體" pitchFamily="34" charset="-120"/>
                 <a:ea typeface="微軟正黑體" pitchFamily="34" charset="-120"/>
               </a:rPr>
-              <a:t>分開我和你</a:t>
-            </a:r>
+              <a:t>你</a:t>
+            </a:r>
+            <a:endParaRPr lang="en-US" altLang="zh-TW" sz="5400" dirty="0" smtClean="0">
+              <a:latin typeface="微軟正黑體" pitchFamily="34" charset="-120"/>
+              <a:ea typeface="微軟正黑體" pitchFamily="34" charset="-120"/>
+            </a:endParaRPr>
+          </a:p>
+          <a:p>
+            <a:pPr algn="ctr">
+              <a:buNone/>
+            </a:pPr>
             <a:endParaRPr lang="zh-TW" altLang="en-US" sz="5400" dirty="0">
               <a:latin typeface="微軟正黑體" pitchFamily="34" charset="-120"/>
               <a:ea typeface="微軟正黑體" pitchFamily="34" charset="-120"/>
@@ -24952,7 +25150,7 @@
   <a:extraClrSchemeLst/>
   <a:extLst>
     <a:ext uri="{05A4C25C-085E-4340-85A3-A5531E510DB2}">
-      <thm15:themeFamily xmlns="" xmlns:thm15="http://schemas.microsoft.com/office/thememl/2012/main" name="Wisp" id="{7CB32D59-10C0-40DD-B7BD-2E94284A981C}" vid="{24B1A44C-C006-48B2-A4D7-E5549B3D8CD4}"/>
+      <thm15:themeFamily xmlns:thm15="http://schemas.microsoft.com/office/thememl/2012/main" xmlns="" name="Wisp" id="{7CB32D59-10C0-40DD-B7BD-2E94284A981C}" vid="{24B1A44C-C006-48B2-A4D7-E5549B3D8CD4}"/>
     </a:ext>
   </a:extLst>
 </a:theme>
@@ -25189,7 +25387,7 @@
   <a:extraClrSchemeLst/>
   <a:extLst>
     <a:ext uri="{05A4C25C-085E-4340-85A3-A5531E510DB2}">
-      <thm15:themeFamily xmlns="" xmlns:thm15="http://schemas.microsoft.com/office/thememl/2012/main" name="Basis" id="{5665723A-49BA-4B57-8411-A56F8F207965}" vid="{90E45F77-AEFC-46EF-A7C1-5B338C297B02}"/>
+      <thm15:themeFamily xmlns:thm15="http://schemas.microsoft.com/office/thememl/2012/main" xmlns="" name="Basis" id="{5665723A-49BA-4B57-8411-A56F8F207965}" vid="{90E45F77-AEFC-46EF-A7C1-5B338C297B02}"/>
     </a:ext>
   </a:extLst>
 </a:theme>
@@ -25446,7 +25644,7 @@
   <a:extraClrSchemeLst/>
   <a:extLst>
     <a:ext uri="{05A4C25C-085E-4340-85A3-A5531E510DB2}">
-      <thm15:themeFamily xmlns="" xmlns:thm15="http://schemas.microsoft.com/office/thememl/2012/main" name="Facet" id="{C0C680CD-088A-49FC-A102-D699147F32B2}" vid="{CFBC31BA-B70F-4F30-BCAA-4F3011E16C4D}"/>
+      <thm15:themeFamily xmlns:thm15="http://schemas.microsoft.com/office/thememl/2012/main" xmlns="" name="Facet" id="{C0C680CD-088A-49FC-A102-D699147F32B2}" vid="{CFBC31BA-B70F-4F30-BCAA-4F3011E16C4D}"/>
     </a:ext>
   </a:extLst>
 </a:theme>
@@ -25729,7 +25927,7 @@
   <a:extraClrSchemeLst/>
   <a:extLst>
     <a:ext uri="{05A4C25C-085E-4340-85A3-A5531E510DB2}">
-      <thm15:themeFamily xmlns="" xmlns:thm15="http://schemas.microsoft.com/office/thememl/2012/main" name="Retrospect" id="{5F128B03-DCCA-4EEB-AB3B-CF2899314A46}" vid="{3F1AAB62-24C6-49D2-8E01-B56FAC9A3DCD}"/>
+      <thm15:themeFamily xmlns:thm15="http://schemas.microsoft.com/office/thememl/2012/main" xmlns="" name="Retrospect" id="{5F128B03-DCCA-4EEB-AB3B-CF2899314A46}" vid="{3F1AAB62-24C6-49D2-8E01-B56FAC9A3DCD}"/>
     </a:ext>
   </a:extLst>
 </a:theme>

--- a/主的大家庭.pptx
+++ b/主的大家庭.pptx
@@ -13,6 +13,9 @@
     <p:sldId id="258" r:id="rId7"/>
     <p:sldId id="259" r:id="rId8"/>
     <p:sldId id="260" r:id="rId9"/>
+    <p:sldId id="261" r:id="rId10"/>
+    <p:sldId id="262" r:id="rId11"/>
+    <p:sldId id="263" r:id="rId12"/>
   </p:sldIdLst>
   <p:sldSz cx="9144000" cy="6858000" type="screen4x3"/>
   <p:notesSz cx="6858000" cy="9144000"/>
@@ -246,7 +249,7 @@
             <a:fld id="{3384F58F-C8A0-467D-A01E-9BAFE85BFF9F}" type="datetimeFigureOut">
               <a:rPr lang="zh-TW" altLang="en-US" smtClean="0"/>
               <a:pPr/>
-              <a:t>2019/6/16</a:t>
+              <a:t>2019/12/29</a:t>
             </a:fld>
             <a:endParaRPr lang="zh-TW" altLang="en-US"/>
           </a:p>
@@ -425,7 +428,7 @@
             <a:fld id="{3384F58F-C8A0-467D-A01E-9BAFE85BFF9F}" type="datetimeFigureOut">
               <a:rPr lang="zh-TW" altLang="en-US" smtClean="0"/>
               <a:pPr/>
-              <a:t>2019/6/16</a:t>
+              <a:t>2019/12/29</a:t>
             </a:fld>
             <a:endParaRPr lang="zh-TW" altLang="en-US"/>
           </a:p>
@@ -614,7 +617,7 @@
             <a:fld id="{3384F58F-C8A0-467D-A01E-9BAFE85BFF9F}" type="datetimeFigureOut">
               <a:rPr lang="zh-TW" altLang="en-US" smtClean="0"/>
               <a:pPr/>
-              <a:t>2019/6/16</a:t>
+              <a:t>2019/12/29</a:t>
             </a:fld>
             <a:endParaRPr lang="zh-TW" altLang="en-US"/>
           </a:p>
@@ -868,7 +871,7 @@
             <a:fld id="{3384F58F-C8A0-467D-A01E-9BAFE85BFF9F}" type="datetimeFigureOut">
               <a:rPr lang="zh-TW" altLang="en-US" smtClean="0"/>
               <a:pPr/>
-              <a:t>2019/6/16</a:t>
+              <a:t>2019/12/29</a:t>
             </a:fld>
             <a:endParaRPr lang="zh-TW" altLang="en-US"/>
           </a:p>
@@ -1007,7 +1010,7 @@
     </p:spTree>
     <p:extLst>
       <p:ext uri="{BB962C8B-B14F-4D97-AF65-F5344CB8AC3E}">
-        <p14:creationId xmlns:p14="http://schemas.microsoft.com/office/powerpoint/2010/main" xmlns="" val="1420252522"/>
+        <p14:creationId xmlns="" xmlns:p14="http://schemas.microsoft.com/office/powerpoint/2010/main" val="1420252522"/>
       </p:ext>
     </p:extLst>
   </p:cSld>
@@ -1137,7 +1140,7 @@
             <a:fld id="{3384F58F-C8A0-467D-A01E-9BAFE85BFF9F}" type="datetimeFigureOut">
               <a:rPr lang="zh-TW" altLang="en-US" smtClean="0"/>
               <a:pPr/>
-              <a:t>2019/6/16</a:t>
+              <a:t>2019/12/29</a:t>
             </a:fld>
             <a:endParaRPr lang="zh-TW" altLang="en-US"/>
           </a:p>
@@ -1271,7 +1274,7 @@
     </p:spTree>
     <p:extLst>
       <p:ext uri="{BB962C8B-B14F-4D97-AF65-F5344CB8AC3E}">
-        <p14:creationId xmlns:p14="http://schemas.microsoft.com/office/powerpoint/2010/main" xmlns="" val="2402873800"/>
+        <p14:creationId xmlns="" xmlns:p14="http://schemas.microsoft.com/office/powerpoint/2010/main" val="2402873800"/>
       </p:ext>
     </p:extLst>
   </p:cSld>
@@ -1468,7 +1471,7 @@
             <a:fld id="{3384F58F-C8A0-467D-A01E-9BAFE85BFF9F}" type="datetimeFigureOut">
               <a:rPr lang="zh-TW" altLang="en-US" smtClean="0"/>
               <a:pPr/>
-              <a:t>2019/6/16</a:t>
+              <a:t>2019/12/29</a:t>
             </a:fld>
             <a:endParaRPr lang="zh-TW" altLang="en-US"/>
           </a:p>
@@ -1607,7 +1610,7 @@
     </p:spTree>
     <p:extLst>
       <p:ext uri="{BB962C8B-B14F-4D97-AF65-F5344CB8AC3E}">
-        <p14:creationId xmlns:p14="http://schemas.microsoft.com/office/powerpoint/2010/main" xmlns="" val="1446301327"/>
+        <p14:creationId xmlns="" xmlns:p14="http://schemas.microsoft.com/office/powerpoint/2010/main" val="1446301327"/>
       </p:ext>
     </p:extLst>
   </p:cSld>
@@ -1793,7 +1796,7 @@
             <a:fld id="{3384F58F-C8A0-467D-A01E-9BAFE85BFF9F}" type="datetimeFigureOut">
               <a:rPr lang="zh-TW" altLang="en-US" smtClean="0"/>
               <a:pPr/>
-              <a:t>2019/6/16</a:t>
+              <a:t>2019/12/29</a:t>
             </a:fld>
             <a:endParaRPr lang="zh-TW" altLang="en-US"/>
           </a:p>
@@ -1932,7 +1935,7 @@
     </p:spTree>
     <p:extLst>
       <p:ext uri="{BB962C8B-B14F-4D97-AF65-F5344CB8AC3E}">
-        <p14:creationId xmlns:p14="http://schemas.microsoft.com/office/powerpoint/2010/main" xmlns="" val="3854665519"/>
+        <p14:creationId xmlns="" xmlns:p14="http://schemas.microsoft.com/office/powerpoint/2010/main" val="3854665519"/>
       </p:ext>
     </p:extLst>
   </p:cSld>
@@ -2252,7 +2255,7 @@
             <a:fld id="{3384F58F-C8A0-467D-A01E-9BAFE85BFF9F}" type="datetimeFigureOut">
               <a:rPr lang="zh-TW" altLang="en-US" smtClean="0"/>
               <a:pPr/>
-              <a:t>2019/6/16</a:t>
+              <a:t>2019/12/29</a:t>
             </a:fld>
             <a:endParaRPr lang="zh-TW" altLang="en-US"/>
           </a:p>
@@ -2391,7 +2394,7 @@
     </p:spTree>
     <p:extLst>
       <p:ext uri="{BB962C8B-B14F-4D97-AF65-F5344CB8AC3E}">
-        <p14:creationId xmlns:p14="http://schemas.microsoft.com/office/powerpoint/2010/main" xmlns="" val="997341680"/>
+        <p14:creationId xmlns="" xmlns:p14="http://schemas.microsoft.com/office/powerpoint/2010/main" val="997341680"/>
       </p:ext>
     </p:extLst>
   </p:cSld>
@@ -2459,7 +2462,7 @@
             <a:fld id="{3384F58F-C8A0-467D-A01E-9BAFE85BFF9F}" type="datetimeFigureOut">
               <a:rPr lang="zh-TW" altLang="en-US" smtClean="0"/>
               <a:pPr/>
-              <a:t>2019/6/16</a:t>
+              <a:t>2019/12/29</a:t>
             </a:fld>
             <a:endParaRPr lang="zh-TW" altLang="en-US"/>
           </a:p>
@@ -2593,7 +2596,7 @@
     </p:spTree>
     <p:extLst>
       <p:ext uri="{BB962C8B-B14F-4D97-AF65-F5344CB8AC3E}">
-        <p14:creationId xmlns:p14="http://schemas.microsoft.com/office/powerpoint/2010/main" xmlns="" val="3149438605"/>
+        <p14:creationId xmlns="" xmlns:p14="http://schemas.microsoft.com/office/powerpoint/2010/main" val="3149438605"/>
       </p:ext>
     </p:extLst>
   </p:cSld>
@@ -2638,7 +2641,7 @@
             <a:fld id="{3384F58F-C8A0-467D-A01E-9BAFE85BFF9F}" type="datetimeFigureOut">
               <a:rPr lang="zh-TW" altLang="en-US" smtClean="0"/>
               <a:pPr/>
-              <a:t>2019/6/16</a:t>
+              <a:t>2019/12/29</a:t>
             </a:fld>
             <a:endParaRPr lang="zh-TW" altLang="en-US"/>
           </a:p>
@@ -2772,7 +2775,7 @@
     </p:spTree>
     <p:extLst>
       <p:ext uri="{BB962C8B-B14F-4D97-AF65-F5344CB8AC3E}">
-        <p14:creationId xmlns:p14="http://schemas.microsoft.com/office/powerpoint/2010/main" xmlns="" val="1742955394"/>
+        <p14:creationId xmlns="" xmlns:p14="http://schemas.microsoft.com/office/powerpoint/2010/main" val="1742955394"/>
       </p:ext>
     </p:extLst>
   </p:cSld>
@@ -2973,7 +2976,7 @@
             <a:fld id="{3384F58F-C8A0-467D-A01E-9BAFE85BFF9F}" type="datetimeFigureOut">
               <a:rPr lang="zh-TW" altLang="en-US" smtClean="0"/>
               <a:pPr/>
-              <a:t>2019/6/16</a:t>
+              <a:t>2019/12/29</a:t>
             </a:fld>
             <a:endParaRPr lang="zh-TW" altLang="en-US"/>
           </a:p>
@@ -3107,7 +3110,7 @@
     </p:spTree>
     <p:extLst>
       <p:ext uri="{BB962C8B-B14F-4D97-AF65-F5344CB8AC3E}">
-        <p14:creationId xmlns:p14="http://schemas.microsoft.com/office/powerpoint/2010/main" xmlns="" val="2700973954"/>
+        <p14:creationId xmlns="" xmlns:p14="http://schemas.microsoft.com/office/powerpoint/2010/main" val="2700973954"/>
       </p:ext>
     </p:extLst>
   </p:cSld>
@@ -3231,7 +3234,7 @@
             <a:fld id="{3384F58F-C8A0-467D-A01E-9BAFE85BFF9F}" type="datetimeFigureOut">
               <a:rPr lang="zh-TW" altLang="en-US" smtClean="0"/>
               <a:pPr/>
-              <a:t>2019/6/16</a:t>
+              <a:t>2019/12/29</a:t>
             </a:fld>
             <a:endParaRPr lang="zh-TW" altLang="en-US"/>
           </a:p>
@@ -3499,7 +3502,7 @@
             <a:fld id="{3384F58F-C8A0-467D-A01E-9BAFE85BFF9F}" type="datetimeFigureOut">
               <a:rPr lang="zh-TW" altLang="en-US" smtClean="0"/>
               <a:pPr/>
-              <a:t>2019/6/16</a:t>
+              <a:t>2019/12/29</a:t>
             </a:fld>
             <a:endParaRPr lang="zh-TW" altLang="en-US"/>
           </a:p>
@@ -3638,7 +3641,7 @@
     </p:spTree>
     <p:extLst>
       <p:ext uri="{BB962C8B-B14F-4D97-AF65-F5344CB8AC3E}">
-        <p14:creationId xmlns:p14="http://schemas.microsoft.com/office/powerpoint/2010/main" xmlns="" val="2607302339"/>
+        <p14:creationId xmlns="" xmlns:p14="http://schemas.microsoft.com/office/powerpoint/2010/main" val="2607302339"/>
       </p:ext>
     </p:extLst>
   </p:cSld>
@@ -3839,7 +3842,7 @@
             <a:fld id="{3384F58F-C8A0-467D-A01E-9BAFE85BFF9F}" type="datetimeFigureOut">
               <a:rPr lang="zh-TW" altLang="en-US" smtClean="0"/>
               <a:pPr/>
-              <a:t>2019/6/16</a:t>
+              <a:t>2019/12/29</a:t>
             </a:fld>
             <a:endParaRPr lang="zh-TW" altLang="en-US"/>
           </a:p>
@@ -3978,7 +3981,7 @@
     </p:spTree>
     <p:extLst>
       <p:ext uri="{BB962C8B-B14F-4D97-AF65-F5344CB8AC3E}">
-        <p14:creationId xmlns:p14="http://schemas.microsoft.com/office/powerpoint/2010/main" xmlns="" val="2400830201"/>
+        <p14:creationId xmlns="" xmlns:p14="http://schemas.microsoft.com/office/powerpoint/2010/main" val="2400830201"/>
       </p:ext>
     </p:extLst>
   </p:cSld>
@@ -4242,7 +4245,7 @@
             <a:fld id="{3384F58F-C8A0-467D-A01E-9BAFE85BFF9F}" type="datetimeFigureOut">
               <a:rPr lang="zh-TW" altLang="en-US" smtClean="0"/>
               <a:pPr/>
-              <a:t>2019/6/16</a:t>
+              <a:t>2019/12/29</a:t>
             </a:fld>
             <a:endParaRPr lang="zh-TW" altLang="en-US"/>
           </a:p>
@@ -4457,7 +4460,7 @@
     </p:spTree>
     <p:extLst>
       <p:ext uri="{BB962C8B-B14F-4D97-AF65-F5344CB8AC3E}">
-        <p14:creationId xmlns:p14="http://schemas.microsoft.com/office/powerpoint/2010/main" xmlns="" val="126676221"/>
+        <p14:creationId xmlns="" xmlns:p14="http://schemas.microsoft.com/office/powerpoint/2010/main" val="126676221"/>
       </p:ext>
     </p:extLst>
   </p:cSld>
@@ -4580,7 +4583,7 @@
             <a:fld id="{3384F58F-C8A0-467D-A01E-9BAFE85BFF9F}" type="datetimeFigureOut">
               <a:rPr lang="zh-TW" altLang="en-US" smtClean="0"/>
               <a:pPr/>
-              <a:t>2019/6/16</a:t>
+              <a:t>2019/12/29</a:t>
             </a:fld>
             <a:endParaRPr lang="zh-TW" altLang="en-US"/>
           </a:p>
@@ -4719,7 +4722,7 @@
     </p:spTree>
     <p:extLst>
       <p:ext uri="{BB962C8B-B14F-4D97-AF65-F5344CB8AC3E}">
-        <p14:creationId xmlns:p14="http://schemas.microsoft.com/office/powerpoint/2010/main" xmlns="" val="3019115838"/>
+        <p14:creationId xmlns="" xmlns:p14="http://schemas.microsoft.com/office/powerpoint/2010/main" val="3019115838"/>
       </p:ext>
     </p:extLst>
   </p:cSld>
@@ -4902,7 +4905,7 @@
             <a:fld id="{3384F58F-C8A0-467D-A01E-9BAFE85BFF9F}" type="datetimeFigureOut">
               <a:rPr lang="zh-TW" altLang="en-US" smtClean="0"/>
               <a:pPr/>
-              <a:t>2019/6/16</a:t>
+              <a:t>2019/12/29</a:t>
             </a:fld>
             <a:endParaRPr lang="zh-TW" altLang="en-US"/>
           </a:p>
@@ -5117,7 +5120,7 @@
     </p:spTree>
     <p:extLst>
       <p:ext uri="{BB962C8B-B14F-4D97-AF65-F5344CB8AC3E}">
-        <p14:creationId xmlns:p14="http://schemas.microsoft.com/office/powerpoint/2010/main" xmlns="" val="1614387129"/>
+        <p14:creationId xmlns="" xmlns:p14="http://schemas.microsoft.com/office/powerpoint/2010/main" val="1614387129"/>
       </p:ext>
     </p:extLst>
   </p:cSld>
@@ -5300,7 +5303,7 @@
             <a:fld id="{3384F58F-C8A0-467D-A01E-9BAFE85BFF9F}" type="datetimeFigureOut">
               <a:rPr lang="zh-TW" altLang="en-US" smtClean="0"/>
               <a:pPr/>
-              <a:t>2019/6/16</a:t>
+              <a:t>2019/12/29</a:t>
             </a:fld>
             <a:endParaRPr lang="zh-TW" altLang="en-US"/>
           </a:p>
@@ -5439,7 +5442,7 @@
     </p:spTree>
     <p:extLst>
       <p:ext uri="{BB962C8B-B14F-4D97-AF65-F5344CB8AC3E}">
-        <p14:creationId xmlns:p14="http://schemas.microsoft.com/office/powerpoint/2010/main" xmlns="" val="3853056041"/>
+        <p14:creationId xmlns="" xmlns:p14="http://schemas.microsoft.com/office/powerpoint/2010/main" val="3853056041"/>
       </p:ext>
     </p:extLst>
   </p:cSld>
@@ -5559,7 +5562,7 @@
             <a:fld id="{3384F58F-C8A0-467D-A01E-9BAFE85BFF9F}" type="datetimeFigureOut">
               <a:rPr lang="zh-TW" altLang="en-US" smtClean="0"/>
               <a:pPr/>
-              <a:t>2019/6/16</a:t>
+              <a:t>2019/12/29</a:t>
             </a:fld>
             <a:endParaRPr lang="zh-TW" altLang="en-US"/>
           </a:p>
@@ -5693,7 +5696,7 @@
     </p:spTree>
     <p:extLst>
       <p:ext uri="{BB962C8B-B14F-4D97-AF65-F5344CB8AC3E}">
-        <p14:creationId xmlns:p14="http://schemas.microsoft.com/office/powerpoint/2010/main" xmlns="" val="3100766371"/>
+        <p14:creationId xmlns="" xmlns:p14="http://schemas.microsoft.com/office/powerpoint/2010/main" val="3100766371"/>
       </p:ext>
     </p:extLst>
   </p:cSld>
@@ -5823,7 +5826,7 @@
             <a:fld id="{3384F58F-C8A0-467D-A01E-9BAFE85BFF9F}" type="datetimeFigureOut">
               <a:rPr lang="zh-TW" altLang="en-US" smtClean="0"/>
               <a:pPr/>
-              <a:t>2019/6/16</a:t>
+              <a:t>2019/12/29</a:t>
             </a:fld>
             <a:endParaRPr lang="zh-TW" altLang="en-US"/>
           </a:p>
@@ -5957,7 +5960,7 @@
     </p:spTree>
     <p:extLst>
       <p:ext uri="{BB962C8B-B14F-4D97-AF65-F5344CB8AC3E}">
-        <p14:creationId xmlns:p14="http://schemas.microsoft.com/office/powerpoint/2010/main" xmlns="" val="2281816504"/>
+        <p14:creationId xmlns="" xmlns:p14="http://schemas.microsoft.com/office/powerpoint/2010/main" val="2281816504"/>
       </p:ext>
     </p:extLst>
   </p:cSld>
@@ -6164,7 +6167,7 @@
             <a:fld id="{C89270DE-7577-4549-AD96-0A377172EF43}" type="datetimeFigureOut">
               <a:rPr lang="en-US" smtClean="0"/>
               <a:pPr/>
-              <a:t>6/16/2019</a:t>
+              <a:t>12/29/2019</a:t>
             </a:fld>
             <a:endParaRPr lang="en-US"/>
           </a:p>
@@ -6267,7 +6270,7 @@
     </p:spTree>
     <p:extLst>
       <p:ext uri="{BB962C8B-B14F-4D97-AF65-F5344CB8AC3E}">
-        <p14:creationId xmlns:p14="http://schemas.microsoft.com/office/powerpoint/2010/main" xmlns="" val="2911672352"/>
+        <p14:creationId xmlns="" xmlns:p14="http://schemas.microsoft.com/office/powerpoint/2010/main" val="2911672352"/>
       </p:ext>
     </p:extLst>
   </p:cSld>
@@ -6387,7 +6390,7 @@
             <a:fld id="{C89270DE-7577-4549-AD96-0A377172EF43}" type="datetimeFigureOut">
               <a:rPr lang="en-US" smtClean="0"/>
               <a:pPr/>
-              <a:t>6/16/2019</a:t>
+              <a:t>12/29/2019</a:t>
             </a:fld>
             <a:endParaRPr lang="en-US"/>
           </a:p>
@@ -6439,7 +6442,7 @@
     </p:spTree>
     <p:extLst>
       <p:ext uri="{BB962C8B-B14F-4D97-AF65-F5344CB8AC3E}">
-        <p14:creationId xmlns:p14="http://schemas.microsoft.com/office/powerpoint/2010/main" xmlns="" val="1320305320"/>
+        <p14:creationId xmlns="" xmlns:p14="http://schemas.microsoft.com/office/powerpoint/2010/main" val="1320305320"/>
       </p:ext>
     </p:extLst>
   </p:cSld>
@@ -6585,7 +6588,7 @@
             <a:fld id="{3384F58F-C8A0-467D-A01E-9BAFE85BFF9F}" type="datetimeFigureOut">
               <a:rPr lang="zh-TW" altLang="en-US" smtClean="0"/>
               <a:pPr/>
-              <a:t>2019/6/16</a:t>
+              <a:t>2019/12/29</a:t>
             </a:fld>
             <a:endParaRPr lang="zh-TW" altLang="en-US"/>
           </a:p>
@@ -6841,7 +6844,7 @@
             <a:fld id="{C89270DE-7577-4549-AD96-0A377172EF43}" type="datetimeFigureOut">
               <a:rPr lang="en-US" smtClean="0"/>
               <a:pPr/>
-              <a:t>6/16/2019</a:t>
+              <a:t>12/29/2019</a:t>
             </a:fld>
             <a:endParaRPr lang="en-US"/>
           </a:p>
@@ -6928,7 +6931,7 @@
     </p:spTree>
     <p:extLst>
       <p:ext uri="{BB962C8B-B14F-4D97-AF65-F5344CB8AC3E}">
-        <p14:creationId xmlns:p14="http://schemas.microsoft.com/office/powerpoint/2010/main" xmlns="" val="3496850984"/>
+        <p14:creationId xmlns="" xmlns:p14="http://schemas.microsoft.com/office/powerpoint/2010/main" val="3496850984"/>
       </p:ext>
     </p:extLst>
   </p:cSld>
@@ -7166,7 +7169,7 @@
             <a:fld id="{C89270DE-7577-4549-AD96-0A377172EF43}" type="datetimeFigureOut">
               <a:rPr lang="en-US" smtClean="0"/>
               <a:pPr/>
-              <a:t>6/16/2019</a:t>
+              <a:t>12/29/2019</a:t>
             </a:fld>
             <a:endParaRPr lang="en-US"/>
           </a:p>
@@ -7218,7 +7221,7 @@
     </p:spTree>
     <p:extLst>
       <p:ext uri="{BB962C8B-B14F-4D97-AF65-F5344CB8AC3E}">
-        <p14:creationId xmlns:p14="http://schemas.microsoft.com/office/powerpoint/2010/main" xmlns="" val="3207825343"/>
+        <p14:creationId xmlns="" xmlns:p14="http://schemas.microsoft.com/office/powerpoint/2010/main" val="3207825343"/>
       </p:ext>
     </p:extLst>
   </p:cSld>
@@ -7592,7 +7595,7 @@
             <a:fld id="{C89270DE-7577-4549-AD96-0A377172EF43}" type="datetimeFigureOut">
               <a:rPr lang="en-US" smtClean="0"/>
               <a:pPr/>
-              <a:t>6/16/2019</a:t>
+              <a:t>12/29/2019</a:t>
             </a:fld>
             <a:endParaRPr lang="en-US"/>
           </a:p>
@@ -7644,7 +7647,7 @@
     </p:spTree>
     <p:extLst>
       <p:ext uri="{BB962C8B-B14F-4D97-AF65-F5344CB8AC3E}">
-        <p14:creationId xmlns:p14="http://schemas.microsoft.com/office/powerpoint/2010/main" xmlns="" val="1375813665"/>
+        <p14:creationId xmlns="" xmlns:p14="http://schemas.microsoft.com/office/powerpoint/2010/main" val="1375813665"/>
       </p:ext>
     </p:extLst>
   </p:cSld>
@@ -7712,7 +7715,7 @@
             <a:fld id="{C89270DE-7577-4549-AD96-0A377172EF43}" type="datetimeFigureOut">
               <a:rPr lang="en-US" smtClean="0"/>
               <a:pPr/>
-              <a:t>6/16/2019</a:t>
+              <a:t>12/29/2019</a:t>
             </a:fld>
             <a:endParaRPr lang="en-US"/>
           </a:p>
@@ -7764,7 +7767,7 @@
     </p:spTree>
     <p:extLst>
       <p:ext uri="{BB962C8B-B14F-4D97-AF65-F5344CB8AC3E}">
-        <p14:creationId xmlns:p14="http://schemas.microsoft.com/office/powerpoint/2010/main" xmlns="" val="2161804257"/>
+        <p14:creationId xmlns="" xmlns:p14="http://schemas.microsoft.com/office/powerpoint/2010/main" val="2161804257"/>
       </p:ext>
     </p:extLst>
   </p:cSld>
@@ -7809,7 +7812,7 @@
             <a:fld id="{C89270DE-7577-4549-AD96-0A377172EF43}" type="datetimeFigureOut">
               <a:rPr lang="en-US" smtClean="0"/>
               <a:pPr/>
-              <a:t>6/16/2019</a:t>
+              <a:t>12/29/2019</a:t>
             </a:fld>
             <a:endParaRPr lang="en-US"/>
           </a:p>
@@ -7861,7 +7864,7 @@
     </p:spTree>
     <p:extLst>
       <p:ext uri="{BB962C8B-B14F-4D97-AF65-F5344CB8AC3E}">
-        <p14:creationId xmlns:p14="http://schemas.microsoft.com/office/powerpoint/2010/main" xmlns="" val="1787600985"/>
+        <p14:creationId xmlns="" xmlns:p14="http://schemas.microsoft.com/office/powerpoint/2010/main" val="1787600985"/>
       </p:ext>
     </p:extLst>
   </p:cSld>
@@ -8101,7 +8104,7 @@
             <a:fld id="{C89270DE-7577-4549-AD96-0A377172EF43}" type="datetimeFigureOut">
               <a:rPr lang="en-US" smtClean="0"/>
               <a:pPr/>
-              <a:t>6/16/2019</a:t>
+              <a:t>12/29/2019</a:t>
             </a:fld>
             <a:endParaRPr lang="en-US"/>
           </a:p>
@@ -8153,7 +8156,7 @@
     </p:spTree>
     <p:extLst>
       <p:ext uri="{BB962C8B-B14F-4D97-AF65-F5344CB8AC3E}">
-        <p14:creationId xmlns:p14="http://schemas.microsoft.com/office/powerpoint/2010/main" xmlns="" val="1639783474"/>
+        <p14:creationId xmlns="" xmlns:p14="http://schemas.microsoft.com/office/powerpoint/2010/main" val="1639783474"/>
       </p:ext>
     </p:extLst>
   </p:cSld>
@@ -8375,7 +8378,7 @@
             <a:fld id="{C89270DE-7577-4549-AD96-0A377172EF43}" type="datetimeFigureOut">
               <a:rPr lang="en-US" smtClean="0"/>
               <a:pPr/>
-              <a:t>6/16/2019</a:t>
+              <a:t>12/29/2019</a:t>
             </a:fld>
             <a:endParaRPr lang="en-US"/>
           </a:p>
@@ -8427,7 +8430,7 @@
     </p:spTree>
     <p:extLst>
       <p:ext uri="{BB962C8B-B14F-4D97-AF65-F5344CB8AC3E}">
-        <p14:creationId xmlns:p14="http://schemas.microsoft.com/office/powerpoint/2010/main" xmlns="" val="1399789528"/>
+        <p14:creationId xmlns="" xmlns:p14="http://schemas.microsoft.com/office/powerpoint/2010/main" val="1399789528"/>
       </p:ext>
     </p:extLst>
   </p:cSld>
@@ -8547,7 +8550,7 @@
             <a:fld id="{C89270DE-7577-4549-AD96-0A377172EF43}" type="datetimeFigureOut">
               <a:rPr lang="en-US" smtClean="0"/>
               <a:pPr/>
-              <a:t>6/16/2019</a:t>
+              <a:t>12/29/2019</a:t>
             </a:fld>
             <a:endParaRPr lang="en-US"/>
           </a:p>
@@ -8599,7 +8602,7 @@
     </p:spTree>
     <p:extLst>
       <p:ext uri="{BB962C8B-B14F-4D97-AF65-F5344CB8AC3E}">
-        <p14:creationId xmlns:p14="http://schemas.microsoft.com/office/powerpoint/2010/main" xmlns="" val="2582524952"/>
+        <p14:creationId xmlns="" xmlns:p14="http://schemas.microsoft.com/office/powerpoint/2010/main" val="2582524952"/>
       </p:ext>
     </p:extLst>
   </p:cSld>
@@ -8729,7 +8732,7 @@
             <a:fld id="{C89270DE-7577-4549-AD96-0A377172EF43}" type="datetimeFigureOut">
               <a:rPr lang="en-US" smtClean="0"/>
               <a:pPr/>
-              <a:t>6/16/2019</a:t>
+              <a:t>12/29/2019</a:t>
             </a:fld>
             <a:endParaRPr lang="en-US"/>
           </a:p>
@@ -8781,7 +8784,7 @@
     </p:spTree>
     <p:extLst>
       <p:ext uri="{BB962C8B-B14F-4D97-AF65-F5344CB8AC3E}">
-        <p14:creationId xmlns:p14="http://schemas.microsoft.com/office/powerpoint/2010/main" xmlns="" val="2338115402"/>
+        <p14:creationId xmlns="" xmlns:p14="http://schemas.microsoft.com/office/powerpoint/2010/main" val="2338115402"/>
       </p:ext>
     </p:extLst>
   </p:cSld>
@@ -9514,7 +9517,7 @@
             <a:fld id="{C89270DE-7577-4549-AD96-0A377172EF43}" type="datetimeFigureOut">
               <a:rPr lang="en-US" smtClean="0"/>
               <a:pPr/>
-              <a:t>6/16/2019</a:t>
+              <a:t>12/29/2019</a:t>
             </a:fld>
             <a:endParaRPr lang="en-US"/>
           </a:p>
@@ -9566,7 +9569,7 @@
     </p:spTree>
     <p:extLst>
       <p:ext uri="{BB962C8B-B14F-4D97-AF65-F5344CB8AC3E}">
-        <p14:creationId xmlns:p14="http://schemas.microsoft.com/office/powerpoint/2010/main" xmlns="" val="288782076"/>
+        <p14:creationId xmlns="" xmlns:p14="http://schemas.microsoft.com/office/powerpoint/2010/main" val="288782076"/>
       </p:ext>
     </p:extLst>
   </p:cSld>
@@ -9808,7 +9811,7 @@
             <a:fld id="{3384F58F-C8A0-467D-A01E-9BAFE85BFF9F}" type="datetimeFigureOut">
               <a:rPr lang="zh-TW" altLang="en-US" smtClean="0"/>
               <a:pPr/>
-              <a:t>2019/6/16</a:t>
+              <a:t>2019/12/29</a:t>
             </a:fld>
             <a:endParaRPr lang="zh-TW" altLang="en-US"/>
           </a:p>
@@ -9989,7 +9992,7 @@
             <a:fld id="{C89270DE-7577-4549-AD96-0A377172EF43}" type="datetimeFigureOut">
               <a:rPr lang="en-US" smtClean="0"/>
               <a:pPr/>
-              <a:t>6/16/2019</a:t>
+              <a:t>12/29/2019</a:t>
             </a:fld>
             <a:endParaRPr lang="en-US"/>
           </a:p>
@@ -10041,7 +10044,7 @@
     </p:spTree>
     <p:extLst>
       <p:ext uri="{BB962C8B-B14F-4D97-AF65-F5344CB8AC3E}">
-        <p14:creationId xmlns:p14="http://schemas.microsoft.com/office/powerpoint/2010/main" xmlns="" val="4293135353"/>
+        <p14:creationId xmlns="" xmlns:p14="http://schemas.microsoft.com/office/powerpoint/2010/main" val="4293135353"/>
       </p:ext>
     </p:extLst>
   </p:cSld>
@@ -10238,7 +10241,7 @@
             <a:fld id="{C89270DE-7577-4549-AD96-0A377172EF43}" type="datetimeFigureOut">
               <a:rPr lang="en-US" smtClean="0"/>
               <a:pPr/>
-              <a:t>6/16/2019</a:t>
+              <a:t>12/29/2019</a:t>
             </a:fld>
             <a:endParaRPr lang="en-US"/>
           </a:p>
@@ -10290,7 +10293,7 @@
     </p:spTree>
     <p:extLst>
       <p:ext uri="{BB962C8B-B14F-4D97-AF65-F5344CB8AC3E}">
-        <p14:creationId xmlns:p14="http://schemas.microsoft.com/office/powerpoint/2010/main" xmlns="" val="143783560"/>
+        <p14:creationId xmlns="" xmlns:p14="http://schemas.microsoft.com/office/powerpoint/2010/main" val="143783560"/>
       </p:ext>
     </p:extLst>
   </p:cSld>
@@ -10472,7 +10475,7 @@
             <a:fld id="{C89270DE-7577-4549-AD96-0A377172EF43}" type="datetimeFigureOut">
               <a:rPr lang="en-US" smtClean="0"/>
               <a:pPr/>
-              <a:t>6/16/2019</a:t>
+              <a:t>12/29/2019</a:t>
             </a:fld>
             <a:endParaRPr lang="en-US"/>
           </a:p>
@@ -10524,7 +10527,7 @@
     </p:spTree>
     <p:extLst>
       <p:ext uri="{BB962C8B-B14F-4D97-AF65-F5344CB8AC3E}">
-        <p14:creationId xmlns:p14="http://schemas.microsoft.com/office/powerpoint/2010/main" xmlns="" val="2848911863"/>
+        <p14:creationId xmlns="" xmlns:p14="http://schemas.microsoft.com/office/powerpoint/2010/main" val="2848911863"/>
       </p:ext>
     </p:extLst>
   </p:cSld>
@@ -10848,7 +10851,7 @@
             <a:fld id="{C89270DE-7577-4549-AD96-0A377172EF43}" type="datetimeFigureOut">
               <a:rPr lang="en-US" smtClean="0"/>
               <a:pPr/>
-              <a:t>6/16/2019</a:t>
+              <a:t>12/29/2019</a:t>
             </a:fld>
             <a:endParaRPr lang="en-US"/>
           </a:p>
@@ -10900,7 +10903,7 @@
     </p:spTree>
     <p:extLst>
       <p:ext uri="{BB962C8B-B14F-4D97-AF65-F5344CB8AC3E}">
-        <p14:creationId xmlns:p14="http://schemas.microsoft.com/office/powerpoint/2010/main" xmlns="" val="3307446124"/>
+        <p14:creationId xmlns="" xmlns:p14="http://schemas.microsoft.com/office/powerpoint/2010/main" val="3307446124"/>
       </p:ext>
     </p:extLst>
   </p:cSld>
@@ -10973,7 +10976,7 @@
             <a:fld id="{C89270DE-7577-4549-AD96-0A377172EF43}" type="datetimeFigureOut">
               <a:rPr lang="en-US" smtClean="0"/>
               <a:pPr/>
-              <a:t>6/16/2019</a:t>
+              <a:t>12/29/2019</a:t>
             </a:fld>
             <a:endParaRPr lang="en-US"/>
           </a:p>
@@ -11025,7 +11028,7 @@
     </p:spTree>
     <p:extLst>
       <p:ext uri="{BB962C8B-B14F-4D97-AF65-F5344CB8AC3E}">
-        <p14:creationId xmlns:p14="http://schemas.microsoft.com/office/powerpoint/2010/main" xmlns="" val="2258692390"/>
+        <p14:creationId xmlns="" xmlns:p14="http://schemas.microsoft.com/office/powerpoint/2010/main" val="2258692390"/>
       </p:ext>
     </p:extLst>
   </p:cSld>
@@ -11070,7 +11073,7 @@
             <a:fld id="{C89270DE-7577-4549-AD96-0A377172EF43}" type="datetimeFigureOut">
               <a:rPr lang="en-US" smtClean="0"/>
               <a:pPr/>
-              <a:t>6/16/2019</a:t>
+              <a:t>12/29/2019</a:t>
             </a:fld>
             <a:endParaRPr lang="en-US"/>
           </a:p>
@@ -11122,7 +11125,7 @@
     </p:spTree>
     <p:extLst>
       <p:ext uri="{BB962C8B-B14F-4D97-AF65-F5344CB8AC3E}">
-        <p14:creationId xmlns:p14="http://schemas.microsoft.com/office/powerpoint/2010/main" xmlns="" val="2823363212"/>
+        <p14:creationId xmlns="" xmlns:p14="http://schemas.microsoft.com/office/powerpoint/2010/main" val="2823363212"/>
       </p:ext>
     </p:extLst>
   </p:cSld>
@@ -11327,7 +11330,7 @@
             <a:fld id="{C89270DE-7577-4549-AD96-0A377172EF43}" type="datetimeFigureOut">
               <a:rPr lang="en-US" smtClean="0"/>
               <a:pPr/>
-              <a:t>6/16/2019</a:t>
+              <a:t>12/29/2019</a:t>
             </a:fld>
             <a:endParaRPr lang="en-US"/>
           </a:p>
@@ -11379,7 +11382,7 @@
     </p:spTree>
     <p:extLst>
       <p:ext uri="{BB962C8B-B14F-4D97-AF65-F5344CB8AC3E}">
-        <p14:creationId xmlns:p14="http://schemas.microsoft.com/office/powerpoint/2010/main" xmlns="" val="3036016673"/>
+        <p14:creationId xmlns="" xmlns:p14="http://schemas.microsoft.com/office/powerpoint/2010/main" val="3036016673"/>
       </p:ext>
     </p:extLst>
   </p:cSld>
@@ -11592,7 +11595,7 @@
             <a:fld id="{C89270DE-7577-4549-AD96-0A377172EF43}" type="datetimeFigureOut">
               <a:rPr lang="en-US" smtClean="0"/>
               <a:pPr/>
-              <a:t>6/16/2019</a:t>
+              <a:t>12/29/2019</a:t>
             </a:fld>
             <a:endParaRPr lang="en-US"/>
           </a:p>
@@ -11644,7 +11647,7 @@
     </p:spTree>
     <p:extLst>
       <p:ext uri="{BB962C8B-B14F-4D97-AF65-F5344CB8AC3E}">
-        <p14:creationId xmlns:p14="http://schemas.microsoft.com/office/powerpoint/2010/main" xmlns="" val="633447560"/>
+        <p14:creationId xmlns="" xmlns:p14="http://schemas.microsoft.com/office/powerpoint/2010/main" val="633447560"/>
       </p:ext>
     </p:extLst>
   </p:cSld>
@@ -11845,7 +11848,7 @@
             <a:fld id="{C89270DE-7577-4549-AD96-0A377172EF43}" type="datetimeFigureOut">
               <a:rPr lang="en-US" smtClean="0"/>
               <a:pPr/>
-              <a:t>6/16/2019</a:t>
+              <a:t>12/29/2019</a:t>
             </a:fld>
             <a:endParaRPr lang="en-US"/>
           </a:p>
@@ -11897,7 +11900,7 @@
     </p:spTree>
     <p:extLst>
       <p:ext uri="{BB962C8B-B14F-4D97-AF65-F5344CB8AC3E}">
-        <p14:creationId xmlns:p14="http://schemas.microsoft.com/office/powerpoint/2010/main" xmlns="" val="3106836870"/>
+        <p14:creationId xmlns="" xmlns:p14="http://schemas.microsoft.com/office/powerpoint/2010/main" val="3106836870"/>
       </p:ext>
     </p:extLst>
   </p:cSld>
@@ -12161,7 +12164,7 @@
             <a:fld id="{C89270DE-7577-4549-AD96-0A377172EF43}" type="datetimeFigureOut">
               <a:rPr lang="en-US" smtClean="0"/>
               <a:pPr/>
-              <a:t>6/16/2019</a:t>
+              <a:t>12/29/2019</a:t>
             </a:fld>
             <a:endParaRPr lang="en-US"/>
           </a:p>
@@ -12303,7 +12306,7 @@
     </p:spTree>
     <p:extLst>
       <p:ext uri="{BB962C8B-B14F-4D97-AF65-F5344CB8AC3E}">
-        <p14:creationId xmlns:p14="http://schemas.microsoft.com/office/powerpoint/2010/main" xmlns="" val="1460951454"/>
+        <p14:creationId xmlns="" xmlns:p14="http://schemas.microsoft.com/office/powerpoint/2010/main" val="1460951454"/>
       </p:ext>
     </p:extLst>
   </p:cSld>
@@ -12679,7 +12682,7 @@
             <a:fld id="{3384F58F-C8A0-467D-A01E-9BAFE85BFF9F}" type="datetimeFigureOut">
               <a:rPr lang="zh-TW" altLang="en-US" smtClean="0"/>
               <a:pPr/>
-              <a:t>2019/6/16</a:t>
+              <a:t>2019/12/29</a:t>
             </a:fld>
             <a:endParaRPr lang="zh-TW" altLang="en-US"/>
           </a:p>
@@ -12935,7 +12938,7 @@
             <a:fld id="{C89270DE-7577-4549-AD96-0A377172EF43}" type="datetimeFigureOut">
               <a:rPr lang="en-US" smtClean="0"/>
               <a:pPr/>
-              <a:t>6/16/2019</a:t>
+              <a:t>12/29/2019</a:t>
             </a:fld>
             <a:endParaRPr lang="en-US"/>
           </a:p>
@@ -12987,7 +12990,7 @@
     </p:spTree>
     <p:extLst>
       <p:ext uri="{BB962C8B-B14F-4D97-AF65-F5344CB8AC3E}">
-        <p14:creationId xmlns:p14="http://schemas.microsoft.com/office/powerpoint/2010/main" xmlns="" val="3191693729"/>
+        <p14:creationId xmlns="" xmlns:p14="http://schemas.microsoft.com/office/powerpoint/2010/main" val="3191693729"/>
       </p:ext>
     </p:extLst>
   </p:cSld>
@@ -13251,7 +13254,7 @@
             <a:fld id="{C89270DE-7577-4549-AD96-0A377172EF43}" type="datetimeFigureOut">
               <a:rPr lang="en-US" smtClean="0"/>
               <a:pPr/>
-              <a:t>6/16/2019</a:t>
+              <a:t>12/29/2019</a:t>
             </a:fld>
             <a:endParaRPr lang="en-US"/>
           </a:p>
@@ -13385,7 +13388,7 @@
     </p:spTree>
     <p:extLst>
       <p:ext uri="{BB962C8B-B14F-4D97-AF65-F5344CB8AC3E}">
-        <p14:creationId xmlns:p14="http://schemas.microsoft.com/office/powerpoint/2010/main" xmlns="" val="3834834152"/>
+        <p14:creationId xmlns="" xmlns:p14="http://schemas.microsoft.com/office/powerpoint/2010/main" val="3834834152"/>
       </p:ext>
     </p:extLst>
   </p:cSld>
@@ -13646,7 +13649,7 @@
             <a:fld id="{C89270DE-7577-4549-AD96-0A377172EF43}" type="datetimeFigureOut">
               <a:rPr lang="en-US" smtClean="0"/>
               <a:pPr/>
-              <a:t>6/16/2019</a:t>
+              <a:t>12/29/2019</a:t>
             </a:fld>
             <a:endParaRPr lang="en-US"/>
           </a:p>
@@ -13698,7 +13701,7 @@
     </p:spTree>
     <p:extLst>
       <p:ext uri="{BB962C8B-B14F-4D97-AF65-F5344CB8AC3E}">
-        <p14:creationId xmlns:p14="http://schemas.microsoft.com/office/powerpoint/2010/main" xmlns="" val="4160288750"/>
+        <p14:creationId xmlns="" xmlns:p14="http://schemas.microsoft.com/office/powerpoint/2010/main" val="4160288750"/>
       </p:ext>
     </p:extLst>
   </p:cSld>
@@ -13818,7 +13821,7 @@
             <a:fld id="{C89270DE-7577-4549-AD96-0A377172EF43}" type="datetimeFigureOut">
               <a:rPr lang="en-US" smtClean="0"/>
               <a:pPr/>
-              <a:t>6/16/2019</a:t>
+              <a:t>12/29/2019</a:t>
             </a:fld>
             <a:endParaRPr lang="en-US"/>
           </a:p>
@@ -13870,7 +13873,7 @@
     </p:spTree>
     <p:extLst>
       <p:ext uri="{BB962C8B-B14F-4D97-AF65-F5344CB8AC3E}">
-        <p14:creationId xmlns:p14="http://schemas.microsoft.com/office/powerpoint/2010/main" xmlns="" val="3387607256"/>
+        <p14:creationId xmlns="" xmlns:p14="http://schemas.microsoft.com/office/powerpoint/2010/main" val="3387607256"/>
       </p:ext>
     </p:extLst>
   </p:cSld>
@@ -14000,7 +14003,7 @@
             <a:fld id="{C89270DE-7577-4549-AD96-0A377172EF43}" type="datetimeFigureOut">
               <a:rPr lang="en-US" smtClean="0"/>
               <a:pPr/>
-              <a:t>6/16/2019</a:t>
+              <a:t>12/29/2019</a:t>
             </a:fld>
             <a:endParaRPr lang="en-US"/>
           </a:p>
@@ -14052,7 +14055,7 @@
     </p:spTree>
     <p:extLst>
       <p:ext uri="{BB962C8B-B14F-4D97-AF65-F5344CB8AC3E}">
-        <p14:creationId xmlns:p14="http://schemas.microsoft.com/office/powerpoint/2010/main" xmlns="" val="832914275"/>
+        <p14:creationId xmlns="" xmlns:p14="http://schemas.microsoft.com/office/powerpoint/2010/main" val="832914275"/>
       </p:ext>
     </p:extLst>
   </p:cSld>
@@ -14289,7 +14292,7 @@
             <a:fld id="{C89270DE-7577-4549-AD96-0A377172EF43}" type="datetimeFigureOut">
               <a:rPr lang="en-US" smtClean="0"/>
               <a:pPr/>
-              <a:t>6/16/2019</a:t>
+              <a:t>12/29/2019</a:t>
             </a:fld>
             <a:endParaRPr lang="en-US"/>
           </a:p>
@@ -14379,7 +14382,7 @@
     </p:spTree>
     <p:extLst>
       <p:ext uri="{BB962C8B-B14F-4D97-AF65-F5344CB8AC3E}">
-        <p14:creationId xmlns:p14="http://schemas.microsoft.com/office/powerpoint/2010/main" xmlns="" val="2850706761"/>
+        <p14:creationId xmlns="" xmlns:p14="http://schemas.microsoft.com/office/powerpoint/2010/main" val="2850706761"/>
       </p:ext>
     </p:extLst>
   </p:cSld>
@@ -14503,7 +14506,7 @@
             <a:fld id="{C89270DE-7577-4549-AD96-0A377172EF43}" type="datetimeFigureOut">
               <a:rPr lang="en-US" smtClean="0"/>
               <a:pPr/>
-              <a:t>6/16/2019</a:t>
+              <a:t>12/29/2019</a:t>
             </a:fld>
             <a:endParaRPr lang="en-US"/>
           </a:p>
@@ -14555,7 +14558,7 @@
     </p:spTree>
     <p:extLst>
       <p:ext uri="{BB962C8B-B14F-4D97-AF65-F5344CB8AC3E}">
-        <p14:creationId xmlns:p14="http://schemas.microsoft.com/office/powerpoint/2010/main" xmlns="" val="1408618383"/>
+        <p14:creationId xmlns="" xmlns:p14="http://schemas.microsoft.com/office/powerpoint/2010/main" val="1408618383"/>
       </p:ext>
     </p:extLst>
   </p:cSld>
@@ -14848,7 +14851,7 @@
             <a:fld id="{C89270DE-7577-4549-AD96-0A377172EF43}" type="datetimeFigureOut">
               <a:rPr lang="en-US" smtClean="0"/>
               <a:pPr/>
-              <a:t>6/16/2019</a:t>
+              <a:t>12/29/2019</a:t>
             </a:fld>
             <a:endParaRPr lang="en-US"/>
           </a:p>
@@ -14938,7 +14941,7 @@
     </p:spTree>
     <p:extLst>
       <p:ext uri="{BB962C8B-B14F-4D97-AF65-F5344CB8AC3E}">
-        <p14:creationId xmlns:p14="http://schemas.microsoft.com/office/powerpoint/2010/main" xmlns="" val="3696528011"/>
+        <p14:creationId xmlns="" xmlns:p14="http://schemas.microsoft.com/office/powerpoint/2010/main" val="3696528011"/>
       </p:ext>
     </p:extLst>
   </p:cSld>
@@ -15125,7 +15128,7 @@
             <a:fld id="{C89270DE-7577-4549-AD96-0A377172EF43}" type="datetimeFigureOut">
               <a:rPr lang="en-US" smtClean="0"/>
               <a:pPr/>
-              <a:t>6/16/2019</a:t>
+              <a:t>12/29/2019</a:t>
             </a:fld>
             <a:endParaRPr lang="en-US"/>
           </a:p>
@@ -15177,7 +15180,7 @@
     </p:spTree>
     <p:extLst>
       <p:ext uri="{BB962C8B-B14F-4D97-AF65-F5344CB8AC3E}">
-        <p14:creationId xmlns:p14="http://schemas.microsoft.com/office/powerpoint/2010/main" xmlns="" val="1906631207"/>
+        <p14:creationId xmlns="" xmlns:p14="http://schemas.microsoft.com/office/powerpoint/2010/main" val="1906631207"/>
       </p:ext>
     </p:extLst>
   </p:cSld>
@@ -15506,7 +15509,7 @@
             <a:fld id="{C89270DE-7577-4549-AD96-0A377172EF43}" type="datetimeFigureOut">
               <a:rPr lang="en-US" smtClean="0"/>
               <a:pPr/>
-              <a:t>6/16/2019</a:t>
+              <a:t>12/29/2019</a:t>
             </a:fld>
             <a:endParaRPr lang="en-US"/>
           </a:p>
@@ -15558,7 +15561,7 @@
     </p:spTree>
     <p:extLst>
       <p:ext uri="{BB962C8B-B14F-4D97-AF65-F5344CB8AC3E}">
-        <p14:creationId xmlns:p14="http://schemas.microsoft.com/office/powerpoint/2010/main" xmlns="" val="3673596529"/>
+        <p14:creationId xmlns="" xmlns:p14="http://schemas.microsoft.com/office/powerpoint/2010/main" val="3673596529"/>
       </p:ext>
     </p:extLst>
   </p:cSld>
@@ -15630,7 +15633,7 @@
             <a:fld id="{3384F58F-C8A0-467D-A01E-9BAFE85BFF9F}" type="datetimeFigureOut">
               <a:rPr lang="zh-TW" altLang="en-US" smtClean="0"/>
               <a:pPr/>
-              <a:t>2019/6/16</a:t>
+              <a:t>2019/12/29</a:t>
             </a:fld>
             <a:endParaRPr lang="zh-TW" altLang="en-US"/>
           </a:p>
@@ -15753,7 +15756,7 @@
             <a:fld id="{C89270DE-7577-4549-AD96-0A377172EF43}" type="datetimeFigureOut">
               <a:rPr lang="en-US" smtClean="0"/>
               <a:pPr/>
-              <a:t>6/16/2019</a:t>
+              <a:t>12/29/2019</a:t>
             </a:fld>
             <a:endParaRPr lang="en-US"/>
           </a:p>
@@ -15805,7 +15808,7 @@
     </p:spTree>
     <p:extLst>
       <p:ext uri="{BB962C8B-B14F-4D97-AF65-F5344CB8AC3E}">
-        <p14:creationId xmlns:p14="http://schemas.microsoft.com/office/powerpoint/2010/main" xmlns="" val="4100846712"/>
+        <p14:creationId xmlns="" xmlns:p14="http://schemas.microsoft.com/office/powerpoint/2010/main" val="4100846712"/>
       </p:ext>
     </p:extLst>
   </p:cSld>
@@ -15926,7 +15929,7 @@
             <a:fld id="{C89270DE-7577-4549-AD96-0A377172EF43}" type="datetimeFigureOut">
               <a:rPr lang="en-US" smtClean="0"/>
               <a:pPr/>
-              <a:t>6/16/2019</a:t>
+              <a:t>12/29/2019</a:t>
             </a:fld>
             <a:endParaRPr lang="en-US"/>
           </a:p>
@@ -15986,7 +15989,7 @@
     </p:spTree>
     <p:extLst>
       <p:ext uri="{BB962C8B-B14F-4D97-AF65-F5344CB8AC3E}">
-        <p14:creationId xmlns:p14="http://schemas.microsoft.com/office/powerpoint/2010/main" xmlns="" val="4109185027"/>
+        <p14:creationId xmlns="" xmlns:p14="http://schemas.microsoft.com/office/powerpoint/2010/main" val="4109185027"/>
       </p:ext>
     </p:extLst>
   </p:cSld>
@@ -16282,7 +16285,7 @@
             <a:fld id="{C89270DE-7577-4549-AD96-0A377172EF43}" type="datetimeFigureOut">
               <a:rPr lang="en-US" smtClean="0"/>
               <a:pPr/>
-              <a:t>6/16/2019</a:t>
+              <a:t>12/29/2019</a:t>
             </a:fld>
             <a:endParaRPr lang="en-US"/>
           </a:p>
@@ -16355,7 +16358,7 @@
     </p:spTree>
     <p:extLst>
       <p:ext uri="{BB962C8B-B14F-4D97-AF65-F5344CB8AC3E}">
-        <p14:creationId xmlns:p14="http://schemas.microsoft.com/office/powerpoint/2010/main" xmlns="" val="3835058550"/>
+        <p14:creationId xmlns="" xmlns:p14="http://schemas.microsoft.com/office/powerpoint/2010/main" val="3835058550"/>
       </p:ext>
     </p:extLst>
   </p:cSld>
@@ -16666,7 +16669,7 @@
             <a:fld id="{C89270DE-7577-4549-AD96-0A377172EF43}" type="datetimeFigureOut">
               <a:rPr lang="en-US" smtClean="0"/>
               <a:pPr/>
-              <a:t>6/16/2019</a:t>
+              <a:t>12/29/2019</a:t>
             </a:fld>
             <a:endParaRPr lang="en-US"/>
           </a:p>
@@ -16718,7 +16721,7 @@
     </p:spTree>
     <p:extLst>
       <p:ext uri="{BB962C8B-B14F-4D97-AF65-F5344CB8AC3E}">
-        <p14:creationId xmlns:p14="http://schemas.microsoft.com/office/powerpoint/2010/main" xmlns="" val="1134711779"/>
+        <p14:creationId xmlns="" xmlns:p14="http://schemas.microsoft.com/office/powerpoint/2010/main" val="1134711779"/>
       </p:ext>
     </p:extLst>
   </p:cSld>
@@ -16838,7 +16841,7 @@
             <a:fld id="{C89270DE-7577-4549-AD96-0A377172EF43}" type="datetimeFigureOut">
               <a:rPr lang="en-US" smtClean="0"/>
               <a:pPr/>
-              <a:t>6/16/2019</a:t>
+              <a:t>12/29/2019</a:t>
             </a:fld>
             <a:endParaRPr lang="en-US"/>
           </a:p>
@@ -16890,7 +16893,7 @@
     </p:spTree>
     <p:extLst>
       <p:ext uri="{BB962C8B-B14F-4D97-AF65-F5344CB8AC3E}">
-        <p14:creationId xmlns:p14="http://schemas.microsoft.com/office/powerpoint/2010/main" xmlns="" val="2303264286"/>
+        <p14:creationId xmlns="" xmlns:p14="http://schemas.microsoft.com/office/powerpoint/2010/main" val="2303264286"/>
       </p:ext>
     </p:extLst>
   </p:cSld>
@@ -17096,7 +17099,7 @@
             <a:fld id="{C89270DE-7577-4549-AD96-0A377172EF43}" type="datetimeFigureOut">
               <a:rPr lang="en-US" smtClean="0"/>
               <a:pPr/>
-              <a:t>6/16/2019</a:t>
+              <a:t>12/29/2019</a:t>
             </a:fld>
             <a:endParaRPr lang="en-US"/>
           </a:p>
@@ -17148,7 +17151,7 @@
     </p:spTree>
     <p:extLst>
       <p:ext uri="{BB962C8B-B14F-4D97-AF65-F5344CB8AC3E}">
-        <p14:creationId xmlns:p14="http://schemas.microsoft.com/office/powerpoint/2010/main" xmlns="" val="4076735701"/>
+        <p14:creationId xmlns="" xmlns:p14="http://schemas.microsoft.com/office/powerpoint/2010/main" val="4076735701"/>
       </p:ext>
     </p:extLst>
   </p:cSld>
@@ -17197,7 +17200,7 @@
             <a:fld id="{3384F58F-C8A0-467D-A01E-9BAFE85BFF9F}" type="datetimeFigureOut">
               <a:rPr lang="zh-TW" altLang="en-US" smtClean="0"/>
               <a:pPr/>
-              <a:t>2019/6/16</a:t>
+              <a:t>2019/12/29</a:t>
             </a:fld>
             <a:endParaRPr lang="zh-TW" altLang="en-US"/>
           </a:p>
@@ -17483,7 +17486,7 @@
             <a:fld id="{3384F58F-C8A0-467D-A01E-9BAFE85BFF9F}" type="datetimeFigureOut">
               <a:rPr lang="zh-TW" altLang="en-US" smtClean="0"/>
               <a:pPr/>
-              <a:t>2019/6/16</a:t>
+              <a:t>2019/12/29</a:t>
             </a:fld>
             <a:endParaRPr lang="zh-TW" altLang="en-US"/>
           </a:p>
@@ -17749,7 +17752,7 @@
             <a:fld id="{3384F58F-C8A0-467D-A01E-9BAFE85BFF9F}" type="datetimeFigureOut">
               <a:rPr lang="zh-TW" altLang="en-US" smtClean="0"/>
               <a:pPr/>
-              <a:t>2019/6/16</a:t>
+              <a:t>2019/12/29</a:t>
             </a:fld>
             <a:endParaRPr lang="zh-TW" altLang="en-US"/>
           </a:p>
@@ -18001,7 +18004,7 @@
             <a:fld id="{3384F58F-C8A0-467D-A01E-9BAFE85BFF9F}" type="datetimeFigureOut">
               <a:rPr lang="zh-TW" altLang="en-US" smtClean="0"/>
               <a:pPr/>
-              <a:t>2019/6/16</a:t>
+              <a:t>2019/12/29</a:t>
             </a:fld>
             <a:endParaRPr lang="zh-TW" altLang="en-US"/>
           </a:p>
@@ -20473,7 +20476,7 @@
             <a:fld id="{3384F58F-C8A0-467D-A01E-9BAFE85BFF9F}" type="datetimeFigureOut">
               <a:rPr lang="zh-TW" altLang="en-US" smtClean="0"/>
               <a:pPr/>
-              <a:t>2019/6/16</a:t>
+              <a:t>2019/12/29</a:t>
             </a:fld>
             <a:endParaRPr lang="zh-TW" altLang="en-US"/>
           </a:p>
@@ -20559,7 +20562,7 @@
     </p:spTree>
     <p:extLst>
       <p:ext uri="{BB962C8B-B14F-4D97-AF65-F5344CB8AC3E}">
-        <p14:creationId xmlns:p14="http://schemas.microsoft.com/office/powerpoint/2010/main" xmlns="" val="2077495091"/>
+        <p14:creationId xmlns="" xmlns:p14="http://schemas.microsoft.com/office/powerpoint/2010/main" val="2077495091"/>
       </p:ext>
     </p:extLst>
   </p:cSld>
@@ -21169,7 +21172,7 @@
             <a:fld id="{C89270DE-7577-4549-AD96-0A377172EF43}" type="datetimeFigureOut">
               <a:rPr lang="en-US" smtClean="0"/>
               <a:pPr/>
-              <a:t>6/16/2019</a:t>
+              <a:t>12/29/2019</a:t>
             </a:fld>
             <a:endParaRPr lang="en-US"/>
           </a:p>
@@ -21253,7 +21256,7 @@
     </p:spTree>
     <p:extLst>
       <p:ext uri="{BB962C8B-B14F-4D97-AF65-F5344CB8AC3E}">
-        <p14:creationId xmlns:p14="http://schemas.microsoft.com/office/powerpoint/2010/main" xmlns="" val="1033442795"/>
+        <p14:creationId xmlns="" xmlns:p14="http://schemas.microsoft.com/office/powerpoint/2010/main" val="1033442795"/>
       </p:ext>
     </p:extLst>
   </p:cSld>
@@ -22297,7 +22300,7 @@
             <a:fld id="{C89270DE-7577-4549-AD96-0A377172EF43}" type="datetimeFigureOut">
               <a:rPr lang="en-US" smtClean="0"/>
               <a:pPr/>
-              <a:t>6/16/2019</a:t>
+              <a:t>12/29/2019</a:t>
             </a:fld>
             <a:endParaRPr lang="en-US"/>
           </a:p>
@@ -22383,7 +22386,7 @@
     </p:spTree>
     <p:extLst>
       <p:ext uri="{BB962C8B-B14F-4D97-AF65-F5344CB8AC3E}">
-        <p14:creationId xmlns:p14="http://schemas.microsoft.com/office/powerpoint/2010/main" xmlns="" val="3129595064"/>
+        <p14:creationId xmlns="" xmlns:p14="http://schemas.microsoft.com/office/powerpoint/2010/main" val="3129595064"/>
       </p:ext>
     </p:extLst>
   </p:cSld>
@@ -23032,7 +23035,7 @@
             <a:fld id="{C89270DE-7577-4549-AD96-0A377172EF43}" type="datetimeFigureOut">
               <a:rPr lang="en-US" smtClean="0"/>
               <a:pPr/>
-              <a:t>6/16/2019</a:t>
+              <a:t>12/29/2019</a:t>
             </a:fld>
             <a:endParaRPr lang="en-US"/>
           </a:p>
@@ -23154,7 +23157,7 @@
     </p:spTree>
     <p:extLst>
       <p:ext uri="{BB962C8B-B14F-4D97-AF65-F5344CB8AC3E}">
-        <p14:creationId xmlns:p14="http://schemas.microsoft.com/office/powerpoint/2010/main" xmlns="" val="1945528109"/>
+        <p14:creationId xmlns="" xmlns:p14="http://schemas.microsoft.com/office/powerpoint/2010/main" val="1945528109"/>
       </p:ext>
     </p:extLst>
   </p:cSld>
@@ -23664,6 +23667,13 @@
   <p:clrMapOvr>
     <a:masterClrMapping/>
   </p:clrMapOvr>
+  <p:timing>
+    <p:tnLst>
+      <p:par>
+        <p:cTn id="1" dur="indefinite" restart="never" nodeType="tmRoot"/>
+      </p:par>
+    </p:tnLst>
+  </p:timing>
 </p:sld>
 </file>
 
@@ -23758,14 +23768,7 @@
                 <a:latin typeface="微軟正黑體" pitchFamily="34" charset="-120"/>
                 <a:ea typeface="微軟正黑體" pitchFamily="34" charset="-120"/>
               </a:rPr>
-              <a:t>讓我們一起在主愛</a:t>
-            </a:r>
-            <a:r>
-              <a:rPr lang="zh-TW" altLang="en-US" sz="5400" dirty="0" smtClean="0">
-                <a:latin typeface="微軟正黑體" pitchFamily="34" charset="-120"/>
-                <a:ea typeface="微軟正黑體" pitchFamily="34" charset="-120"/>
-              </a:rPr>
-              <a:t>裡</a:t>
+              <a:t>讓我們一起在主愛裡</a:t>
             </a:r>
             <a:r>
               <a:rPr lang="zh-CN" altLang="en-US" sz="5400" dirty="0" smtClean="0">
@@ -23793,6 +23796,13 @@
   <p:clrMapOvr>
     <a:masterClrMapping/>
   </p:clrMapOvr>
+  <p:timing>
+    <p:tnLst>
+      <p:par>
+        <p:cTn id="1" dur="indefinite" restart="never" nodeType="tmRoot"/>
+      </p:par>
+    </p:tnLst>
+  </p:timing>
 </p:sld>
 </file>
 
@@ -23891,14 +23901,7 @@
                 <a:latin typeface="微軟正黑體" pitchFamily="34" charset="-120"/>
                 <a:ea typeface="微軟正黑體" pitchFamily="34" charset="-120"/>
               </a:rPr>
-              <a:t>能夠分開我和</a:t>
-            </a:r>
-            <a:r>
-              <a:rPr lang="zh-TW" altLang="en-US" sz="5400" dirty="0" smtClean="0">
-                <a:latin typeface="微軟正黑體" pitchFamily="34" charset="-120"/>
-                <a:ea typeface="微軟正黑體" pitchFamily="34" charset="-120"/>
-              </a:rPr>
-              <a:t>你</a:t>
+              <a:t>能夠分開我和你</a:t>
             </a:r>
             <a:endParaRPr lang="en-US" altLang="zh-TW" sz="5400" dirty="0" smtClean="0">
               <a:latin typeface="微軟正黑體" pitchFamily="34" charset="-120"/>
@@ -23937,6 +23940,13 @@
   <p:clrMapOvr>
     <a:masterClrMapping/>
   </p:clrMapOvr>
+  <p:timing>
+    <p:tnLst>
+      <p:par>
+        <p:cTn id="1" dur="indefinite" restart="never" nodeType="tmRoot"/>
+      </p:par>
+    </p:tnLst>
+  </p:timing>
 </p:sld>
 </file>
 
@@ -24035,14 +24045,7 @@
                 <a:latin typeface="微軟正黑體" pitchFamily="34" charset="-120"/>
                 <a:ea typeface="微軟正黑體" pitchFamily="34" charset="-120"/>
               </a:rPr>
-              <a:t>能夠分開我和</a:t>
-            </a:r>
-            <a:r>
-              <a:rPr lang="zh-TW" altLang="en-US" sz="5400" dirty="0" smtClean="0">
-                <a:latin typeface="微軟正黑體" pitchFamily="34" charset="-120"/>
-                <a:ea typeface="微軟正黑體" pitchFamily="34" charset="-120"/>
-              </a:rPr>
-              <a:t>你</a:t>
+              <a:t>能夠分開我和你</a:t>
             </a:r>
             <a:endParaRPr lang="en-US" altLang="zh-TW" sz="5400" dirty="0" smtClean="0">
               <a:latin typeface="微軟正黑體" pitchFamily="34" charset="-120"/>
@@ -24065,6 +24068,588 @@
   <p:clrMapOvr>
     <a:masterClrMapping/>
   </p:clrMapOvr>
+  <p:timing>
+    <p:tnLst>
+      <p:par>
+        <p:cTn id="1" dur="indefinite" restart="never" nodeType="tmRoot"/>
+      </p:par>
+    </p:tnLst>
+  </p:timing>
+</p:sld>
+</file>
+
+<file path=ppt/slides/slide5.xml><?xml version="1.0" encoding="utf-8"?>
+<p:sld xmlns:a="http://schemas.openxmlformats.org/drawingml/2006/main" xmlns:r="http://schemas.openxmlformats.org/officeDocument/2006/relationships" xmlns:p="http://schemas.openxmlformats.org/presentationml/2006/main">
+  <p:cSld>
+    <p:spTree>
+      <p:nvGrpSpPr>
+        <p:cNvPr id="1" name=""/>
+        <p:cNvGrpSpPr/>
+        <p:nvPr/>
+      </p:nvGrpSpPr>
+      <p:grpSpPr>
+        <a:xfrm>
+          <a:off x="0" y="0"/>
+          <a:ext cx="0" cy="0"/>
+          <a:chOff x="0" y="0"/>
+          <a:chExt cx="0" cy="0"/>
+        </a:xfrm>
+      </p:grpSpPr>
+      <p:sp>
+        <p:nvSpPr>
+          <p:cNvPr id="4" name="標題 3"/>
+          <p:cNvSpPr>
+            <a:spLocks noGrp="1"/>
+          </p:cNvSpPr>
+          <p:nvPr>
+            <p:ph type="title"/>
+          </p:nvPr>
+        </p:nvSpPr>
+        <p:spPr/>
+        <p:txBody>
+          <a:bodyPr>
+            <a:normAutofit/>
+          </a:bodyPr>
+          <a:lstStyle/>
+          <a:p>
+            <a:r>
+              <a:rPr lang="zh-TW" altLang="en-US" sz="4000" b="1" dirty="0" smtClean="0">
+                <a:solidFill>
+                  <a:srgbClr val="000066"/>
+                </a:solidFill>
+                <a:latin typeface="微軟正黑體" pitchFamily="34" charset="-120"/>
+                <a:ea typeface="微軟正黑體" pitchFamily="34" charset="-120"/>
+              </a:rPr>
+              <a:t>主恩典</a:t>
+            </a:r>
+            <a:endParaRPr lang="zh-TW" altLang="en-US" sz="4000" b="1" dirty="0">
+              <a:solidFill>
+                <a:srgbClr val="000066"/>
+              </a:solidFill>
+              <a:latin typeface="微軟正黑體" pitchFamily="34" charset="-120"/>
+              <a:ea typeface="微軟正黑體" pitchFamily="34" charset="-120"/>
+            </a:endParaRPr>
+          </a:p>
+        </p:txBody>
+      </p:sp>
+      <p:sp>
+        <p:nvSpPr>
+          <p:cNvPr id="5" name="內容版面配置區 4"/>
+          <p:cNvSpPr>
+            <a:spLocks noGrp="1"/>
+          </p:cNvSpPr>
+          <p:nvPr>
+            <p:ph idx="1"/>
+          </p:nvPr>
+        </p:nvSpPr>
+        <p:spPr/>
+        <p:txBody>
+          <a:bodyPr>
+            <a:noAutofit/>
+          </a:bodyPr>
+          <a:lstStyle/>
+          <a:p>
+            <a:pPr algn="ctr">
+              <a:buNone/>
+            </a:pPr>
+            <a:r>
+              <a:rPr lang="zh-TW" altLang="en-US" sz="4800" b="1" dirty="0">
+                <a:solidFill>
+                  <a:srgbClr val="000066"/>
+                </a:solidFill>
+                <a:latin typeface="微軟正黑體" pitchFamily="34" charset="-120"/>
+                <a:ea typeface="微軟正黑體" pitchFamily="34" charset="-120"/>
+              </a:rPr>
+              <a:t>主恩典何等</a:t>
+            </a:r>
+            <a:r>
+              <a:rPr lang="zh-TW" altLang="en-US" sz="4800" b="1" dirty="0" smtClean="0">
+                <a:solidFill>
+                  <a:srgbClr val="000066"/>
+                </a:solidFill>
+                <a:latin typeface="微軟正黑體" pitchFamily="34" charset="-120"/>
+                <a:ea typeface="微軟正黑體" pitchFamily="34" charset="-120"/>
+              </a:rPr>
+              <a:t>美好</a:t>
+            </a:r>
+            <a:endParaRPr lang="en-US" altLang="zh-TW" sz="4800" b="1" dirty="0" smtClean="0">
+              <a:solidFill>
+                <a:srgbClr val="000066"/>
+              </a:solidFill>
+              <a:latin typeface="微軟正黑體" pitchFamily="34" charset="-120"/>
+              <a:ea typeface="微軟正黑體" pitchFamily="34" charset="-120"/>
+            </a:endParaRPr>
+          </a:p>
+          <a:p>
+            <a:pPr algn="ctr">
+              <a:buNone/>
+            </a:pPr>
+            <a:r>
+              <a:rPr lang="zh-TW" altLang="en-US" sz="4800" b="1" dirty="0" smtClean="0">
+                <a:solidFill>
+                  <a:srgbClr val="000066"/>
+                </a:solidFill>
+                <a:latin typeface="微軟正黑體" pitchFamily="34" charset="-120"/>
+                <a:ea typeface="微軟正黑體" pitchFamily="34" charset="-120"/>
+              </a:rPr>
+              <a:t>比</a:t>
+            </a:r>
+            <a:r>
+              <a:rPr lang="zh-TW" altLang="en-US" sz="4800" b="1" dirty="0">
+                <a:solidFill>
+                  <a:srgbClr val="000066"/>
+                </a:solidFill>
+                <a:latin typeface="微軟正黑體" pitchFamily="34" charset="-120"/>
+                <a:ea typeface="微軟正黑體" pitchFamily="34" charset="-120"/>
+              </a:rPr>
+              <a:t>海深也比山</a:t>
+            </a:r>
+            <a:r>
+              <a:rPr lang="zh-TW" altLang="en-US" sz="4800" b="1" dirty="0" smtClean="0">
+                <a:solidFill>
+                  <a:srgbClr val="000066"/>
+                </a:solidFill>
+                <a:latin typeface="微軟正黑體" pitchFamily="34" charset="-120"/>
+                <a:ea typeface="微軟正黑體" pitchFamily="34" charset="-120"/>
+              </a:rPr>
+              <a:t>高</a:t>
+            </a:r>
+            <a:endParaRPr lang="en-US" altLang="zh-TW" sz="4800" b="1" dirty="0">
+              <a:solidFill>
+                <a:srgbClr val="000066"/>
+              </a:solidFill>
+              <a:latin typeface="微軟正黑體" pitchFamily="34" charset="-120"/>
+              <a:ea typeface="微軟正黑體" pitchFamily="34" charset="-120"/>
+            </a:endParaRPr>
+          </a:p>
+          <a:p>
+            <a:pPr algn="ctr">
+              <a:buNone/>
+            </a:pPr>
+            <a:r>
+              <a:rPr lang="zh-TW" altLang="en-US" sz="4800" b="1" dirty="0" smtClean="0">
+                <a:solidFill>
+                  <a:srgbClr val="000066"/>
+                </a:solidFill>
+                <a:latin typeface="微軟正黑體" pitchFamily="34" charset="-120"/>
+                <a:ea typeface="微軟正黑體" pitchFamily="34" charset="-120"/>
+              </a:rPr>
+              <a:t>過去</a:t>
+            </a:r>
+            <a:r>
+              <a:rPr lang="zh-TW" altLang="en-US" sz="4800" b="1" dirty="0">
+                <a:solidFill>
+                  <a:srgbClr val="000066"/>
+                </a:solidFill>
+                <a:latin typeface="微軟正黑體" pitchFamily="34" charset="-120"/>
+                <a:ea typeface="微軟正黑體" pitchFamily="34" charset="-120"/>
+              </a:rPr>
+              <a:t>現在和</a:t>
+            </a:r>
+            <a:r>
+              <a:rPr lang="zh-TW" altLang="en-US" sz="4800" b="1" dirty="0" smtClean="0">
+                <a:solidFill>
+                  <a:srgbClr val="000066"/>
+                </a:solidFill>
+                <a:latin typeface="微軟正黑體" pitchFamily="34" charset="-120"/>
+                <a:ea typeface="微軟正黑體" pitchFamily="34" charset="-120"/>
+              </a:rPr>
+              <a:t>未來</a:t>
+            </a:r>
+            <a:endParaRPr lang="en-US" altLang="zh-TW" sz="4800" b="1" dirty="0" smtClean="0">
+              <a:solidFill>
+                <a:srgbClr val="000066"/>
+              </a:solidFill>
+              <a:latin typeface="微軟正黑體" pitchFamily="34" charset="-120"/>
+              <a:ea typeface="微軟正黑體" pitchFamily="34" charset="-120"/>
+            </a:endParaRPr>
+          </a:p>
+          <a:p>
+            <a:pPr algn="ctr">
+              <a:buNone/>
+            </a:pPr>
+            <a:r>
+              <a:rPr lang="zh-TW" altLang="en-US" sz="4800" b="1" dirty="0" smtClean="0">
+                <a:solidFill>
+                  <a:srgbClr val="000066"/>
+                </a:solidFill>
+                <a:latin typeface="微軟正黑體" pitchFamily="34" charset="-120"/>
+                <a:ea typeface="微軟正黑體" pitchFamily="34" charset="-120"/>
+              </a:rPr>
+              <a:t>主</a:t>
+            </a:r>
+            <a:r>
+              <a:rPr lang="zh-TW" altLang="en-US" sz="4800" b="1" dirty="0">
+                <a:solidFill>
+                  <a:srgbClr val="000066"/>
+                </a:solidFill>
+                <a:latin typeface="微軟正黑體" pitchFamily="34" charset="-120"/>
+                <a:ea typeface="微軟正黑體" pitchFamily="34" charset="-120"/>
+              </a:rPr>
+              <a:t>恩豐富奇妙</a:t>
+            </a:r>
+          </a:p>
+        </p:txBody>
+      </p:sp>
+    </p:spTree>
+  </p:cSld>
+  <p:clrMapOvr>
+    <a:masterClrMapping/>
+  </p:clrMapOvr>
+  <p:timing>
+    <p:tnLst>
+      <p:par>
+        <p:cTn id="1" dur="indefinite" restart="never" nodeType="tmRoot"/>
+      </p:par>
+    </p:tnLst>
+  </p:timing>
+</p:sld>
+</file>
+
+<file path=ppt/slides/slide6.xml><?xml version="1.0" encoding="utf-8"?>
+<p:sld xmlns:a="http://schemas.openxmlformats.org/drawingml/2006/main" xmlns:r="http://schemas.openxmlformats.org/officeDocument/2006/relationships" xmlns:p="http://schemas.openxmlformats.org/presentationml/2006/main">
+  <p:cSld>
+    <p:spTree>
+      <p:nvGrpSpPr>
+        <p:cNvPr id="1" name=""/>
+        <p:cNvGrpSpPr/>
+        <p:nvPr/>
+      </p:nvGrpSpPr>
+      <p:grpSpPr>
+        <a:xfrm>
+          <a:off x="0" y="0"/>
+          <a:ext cx="0" cy="0"/>
+          <a:chOff x="0" y="0"/>
+          <a:chExt cx="0" cy="0"/>
+        </a:xfrm>
+      </p:grpSpPr>
+      <p:sp>
+        <p:nvSpPr>
+          <p:cNvPr id="4" name="標題 3"/>
+          <p:cNvSpPr>
+            <a:spLocks noGrp="1"/>
+          </p:cNvSpPr>
+          <p:nvPr>
+            <p:ph type="title"/>
+          </p:nvPr>
+        </p:nvSpPr>
+        <p:spPr/>
+        <p:txBody>
+          <a:bodyPr>
+            <a:normAutofit/>
+          </a:bodyPr>
+          <a:lstStyle/>
+          <a:p>
+            <a:r>
+              <a:rPr lang="zh-TW" altLang="en-US" sz="4000" b="1" dirty="0">
+                <a:solidFill>
+                  <a:srgbClr val="000066"/>
+                </a:solidFill>
+                <a:latin typeface="微軟正黑體" pitchFamily="34" charset="-120"/>
+                <a:ea typeface="微軟正黑體" pitchFamily="34" charset="-120"/>
+              </a:rPr>
+              <a:t>主恩典</a:t>
+            </a:r>
+          </a:p>
+        </p:txBody>
+      </p:sp>
+      <p:sp>
+        <p:nvSpPr>
+          <p:cNvPr id="5" name="內容版面配置區 4"/>
+          <p:cNvSpPr>
+            <a:spLocks noGrp="1"/>
+          </p:cNvSpPr>
+          <p:nvPr>
+            <p:ph idx="1"/>
+          </p:nvPr>
+        </p:nvSpPr>
+        <p:spPr/>
+        <p:txBody>
+          <a:bodyPr>
+            <a:noAutofit/>
+          </a:bodyPr>
+          <a:lstStyle/>
+          <a:p>
+            <a:pPr algn="ctr">
+              <a:buNone/>
+            </a:pPr>
+            <a:r>
+              <a:rPr lang="zh-TW" altLang="en-US" sz="4800" b="1" dirty="0">
+                <a:solidFill>
+                  <a:srgbClr val="000066"/>
+                </a:solidFill>
+                <a:latin typeface="微軟正黑體" pitchFamily="34" charset="-120"/>
+                <a:ea typeface="微軟正黑體" pitchFamily="34" charset="-120"/>
+              </a:rPr>
+              <a:t>主的恩典大大小小</a:t>
+            </a:r>
+            <a:endParaRPr lang="en-US" altLang="zh-TW" sz="4800" b="1" dirty="0">
+              <a:solidFill>
+                <a:srgbClr val="000066"/>
+              </a:solidFill>
+              <a:latin typeface="微軟正黑體" pitchFamily="34" charset="-120"/>
+              <a:ea typeface="微軟正黑體" pitchFamily="34" charset="-120"/>
+            </a:endParaRPr>
+          </a:p>
+          <a:p>
+            <a:pPr algn="ctr">
+              <a:buNone/>
+            </a:pPr>
+            <a:r>
+              <a:rPr lang="zh-TW" altLang="en-US" sz="4800" b="1" dirty="0">
+                <a:solidFill>
+                  <a:srgbClr val="000066"/>
+                </a:solidFill>
+                <a:latin typeface="微軟正黑體" pitchFamily="34" charset="-120"/>
+                <a:ea typeface="微軟正黑體" pitchFamily="34" charset="-120"/>
+              </a:rPr>
+              <a:t>主的恩典從頭到腳</a:t>
+            </a:r>
+            <a:endParaRPr lang="en-US" altLang="zh-TW" sz="4800" b="1" dirty="0">
+              <a:solidFill>
+                <a:srgbClr val="000066"/>
+              </a:solidFill>
+              <a:latin typeface="微軟正黑體" pitchFamily="34" charset="-120"/>
+              <a:ea typeface="微軟正黑體" pitchFamily="34" charset="-120"/>
+            </a:endParaRPr>
+          </a:p>
+          <a:p>
+            <a:pPr algn="ctr">
+              <a:buNone/>
+            </a:pPr>
+            <a:r>
+              <a:rPr lang="zh-TW" altLang="en-US" sz="4800" b="1" dirty="0">
+                <a:solidFill>
+                  <a:srgbClr val="000066"/>
+                </a:solidFill>
+                <a:latin typeface="微軟正黑體" pitchFamily="34" charset="-120"/>
+                <a:ea typeface="微軟正黑體" pitchFamily="34" charset="-120"/>
+              </a:rPr>
+              <a:t>白白得來不能忘掉</a:t>
+            </a:r>
+            <a:endParaRPr lang="en-US" altLang="zh-TW" sz="4800" b="1" dirty="0">
+              <a:solidFill>
+                <a:srgbClr val="000066"/>
+              </a:solidFill>
+              <a:latin typeface="微軟正黑體" pitchFamily="34" charset="-120"/>
+              <a:ea typeface="微軟正黑體" pitchFamily="34" charset="-120"/>
+            </a:endParaRPr>
+          </a:p>
+          <a:p>
+            <a:pPr algn="ctr">
+              <a:buNone/>
+            </a:pPr>
+            <a:r>
+              <a:rPr lang="zh-TW" altLang="en-US" sz="4800" b="1" dirty="0">
+                <a:solidFill>
+                  <a:srgbClr val="000066"/>
+                </a:solidFill>
+                <a:latin typeface="微軟正黑體" pitchFamily="34" charset="-120"/>
+                <a:ea typeface="微軟正黑體" pitchFamily="34" charset="-120"/>
+              </a:rPr>
+              <a:t>感謝湧出如浪潮</a:t>
+            </a:r>
+          </a:p>
+        </p:txBody>
+      </p:sp>
+    </p:spTree>
+  </p:cSld>
+  <p:clrMapOvr>
+    <a:masterClrMapping/>
+  </p:clrMapOvr>
+  <p:timing>
+    <p:tnLst>
+      <p:par>
+        <p:cTn id="1" dur="indefinite" restart="never" nodeType="tmRoot"/>
+      </p:par>
+    </p:tnLst>
+  </p:timing>
+</p:sld>
+</file>
+
+<file path=ppt/slides/slide7.xml><?xml version="1.0" encoding="utf-8"?>
+<p:sld xmlns:a="http://schemas.openxmlformats.org/drawingml/2006/main" xmlns:r="http://schemas.openxmlformats.org/officeDocument/2006/relationships" xmlns:p="http://schemas.openxmlformats.org/presentationml/2006/main">
+  <p:cSld>
+    <p:spTree>
+      <p:nvGrpSpPr>
+        <p:cNvPr id="1" name=""/>
+        <p:cNvGrpSpPr/>
+        <p:nvPr/>
+      </p:nvGrpSpPr>
+      <p:grpSpPr>
+        <a:xfrm>
+          <a:off x="0" y="0"/>
+          <a:ext cx="0" cy="0"/>
+          <a:chOff x="0" y="0"/>
+          <a:chExt cx="0" cy="0"/>
+        </a:xfrm>
+      </p:grpSpPr>
+      <p:sp>
+        <p:nvSpPr>
+          <p:cNvPr id="4" name="標題 3"/>
+          <p:cNvSpPr>
+            <a:spLocks noGrp="1"/>
+          </p:cNvSpPr>
+          <p:nvPr>
+            <p:ph type="title"/>
+          </p:nvPr>
+        </p:nvSpPr>
+        <p:spPr/>
+        <p:txBody>
+          <a:bodyPr>
+            <a:normAutofit/>
+          </a:bodyPr>
+          <a:lstStyle/>
+          <a:p>
+            <a:r>
+              <a:rPr lang="zh-TW" altLang="en-US" sz="4000" b="1" dirty="0">
+                <a:solidFill>
+                  <a:srgbClr val="000066"/>
+                </a:solidFill>
+                <a:latin typeface="微軟正黑體" pitchFamily="34" charset="-120"/>
+                <a:ea typeface="微軟正黑體" pitchFamily="34" charset="-120"/>
+              </a:rPr>
+              <a:t>主恩典</a:t>
+            </a:r>
+          </a:p>
+        </p:txBody>
+      </p:sp>
+      <p:sp>
+        <p:nvSpPr>
+          <p:cNvPr id="5" name="內容版面配置區 4"/>
+          <p:cNvSpPr>
+            <a:spLocks noGrp="1"/>
+          </p:cNvSpPr>
+          <p:nvPr>
+            <p:ph idx="1"/>
+          </p:nvPr>
+        </p:nvSpPr>
+        <p:spPr>
+          <a:xfrm>
+            <a:off x="0" y="1600200"/>
+            <a:ext cx="9144000" cy="5257800"/>
+          </a:xfrm>
+        </p:spPr>
+        <p:txBody>
+          <a:bodyPr>
+            <a:normAutofit/>
+          </a:bodyPr>
+          <a:lstStyle/>
+          <a:p>
+            <a:pPr algn="ctr">
+              <a:buNone/>
+            </a:pPr>
+            <a:r>
+              <a:rPr lang="zh-TW" altLang="en-US" sz="4800" b="1" dirty="0">
+                <a:solidFill>
+                  <a:srgbClr val="000066"/>
+                </a:solidFill>
+                <a:latin typeface="微軟正黑體" pitchFamily="34" charset="-120"/>
+                <a:ea typeface="微軟正黑體" pitchFamily="34" charset="-120"/>
+              </a:rPr>
+              <a:t>啦  啦  啦  啦  啦</a:t>
+            </a:r>
+            <a:r>
+              <a:rPr lang="en-US" altLang="zh-TW" sz="4800" b="1" dirty="0">
+                <a:solidFill>
+                  <a:srgbClr val="000066"/>
+                </a:solidFill>
+                <a:latin typeface="微軟正黑體" pitchFamily="34" charset="-120"/>
+                <a:ea typeface="微軟正黑體" pitchFamily="34" charset="-120"/>
+              </a:rPr>
+              <a:t>  </a:t>
+            </a:r>
+            <a:r>
+              <a:rPr lang="zh-TW" altLang="en-US" sz="4800" b="1" dirty="0">
+                <a:solidFill>
+                  <a:srgbClr val="000066"/>
+                </a:solidFill>
+                <a:latin typeface="微軟正黑體" pitchFamily="34" charset="-120"/>
+                <a:ea typeface="微軟正黑體" pitchFamily="34" charset="-120"/>
+              </a:rPr>
+              <a:t>我要讚美</a:t>
+            </a:r>
+            <a:endParaRPr lang="en-US" altLang="zh-TW" sz="4800" b="1" dirty="0">
+              <a:solidFill>
+                <a:srgbClr val="000066"/>
+              </a:solidFill>
+              <a:latin typeface="微軟正黑體" pitchFamily="34" charset="-120"/>
+              <a:ea typeface="微軟正黑體" pitchFamily="34" charset="-120"/>
+            </a:endParaRPr>
+          </a:p>
+          <a:p>
+            <a:pPr algn="ctr">
+              <a:buNone/>
+            </a:pPr>
+            <a:r>
+              <a:rPr lang="zh-TW" altLang="en-US" sz="4800" b="1" dirty="0">
+                <a:solidFill>
+                  <a:srgbClr val="000066"/>
+                </a:solidFill>
+                <a:latin typeface="微軟正黑體" pitchFamily="34" charset="-120"/>
+                <a:ea typeface="微軟正黑體" pitchFamily="34" charset="-120"/>
+              </a:rPr>
+              <a:t>啦啦啦啦啦  我還要讚美</a:t>
+            </a:r>
+            <a:endParaRPr lang="en-US" altLang="zh-TW" sz="4800" b="1" dirty="0">
+              <a:solidFill>
+                <a:srgbClr val="000066"/>
+              </a:solidFill>
+              <a:latin typeface="微軟正黑體" pitchFamily="34" charset="-120"/>
+              <a:ea typeface="微軟正黑體" pitchFamily="34" charset="-120"/>
+            </a:endParaRPr>
+          </a:p>
+          <a:p>
+            <a:pPr algn="ctr">
+              <a:buNone/>
+            </a:pPr>
+            <a:r>
+              <a:rPr lang="zh-TW" altLang="en-US" sz="4800" b="1" dirty="0">
+                <a:solidFill>
+                  <a:srgbClr val="000066"/>
+                </a:solidFill>
+                <a:latin typeface="微軟正黑體" pitchFamily="34" charset="-120"/>
+                <a:ea typeface="微軟正黑體" pitchFamily="34" charset="-120"/>
+              </a:rPr>
+              <a:t>啦  啦  啦  啦  啦</a:t>
+            </a:r>
+            <a:endParaRPr lang="en-US" altLang="zh-TW" sz="4800" b="1" dirty="0">
+              <a:solidFill>
+                <a:srgbClr val="000066"/>
+              </a:solidFill>
+              <a:latin typeface="微軟正黑體" pitchFamily="34" charset="-120"/>
+              <a:ea typeface="微軟正黑體" pitchFamily="34" charset="-120"/>
+            </a:endParaRPr>
+          </a:p>
+          <a:p>
+            <a:pPr algn="ctr">
+              <a:buNone/>
+            </a:pPr>
+            <a:r>
+              <a:rPr lang="zh-TW" altLang="en-US" sz="4800" b="1" dirty="0">
+                <a:solidFill>
+                  <a:srgbClr val="000066"/>
+                </a:solidFill>
+                <a:latin typeface="微軟正黑體" pitchFamily="34" charset="-120"/>
+                <a:ea typeface="微軟正黑體" pitchFamily="34" charset="-120"/>
+              </a:rPr>
+              <a:t>我一生讚美  一生要來讚美主</a:t>
+            </a:r>
+          </a:p>
+        </p:txBody>
+      </p:sp>
+    </p:spTree>
+  </p:cSld>
+  <p:clrMapOvr>
+    <a:masterClrMapping/>
+  </p:clrMapOvr>
+  <p:timing>
+    <p:tnLst>
+      <p:par>
+        <p:cTn id="1" dur="indefinite" restart="never" nodeType="tmRoot"/>
+      </p:par>
+    </p:tnLst>
+  </p:timing>
 </p:sld>
 </file>
 
@@ -25150,7 +25735,7 @@
   <a:extraClrSchemeLst/>
   <a:extLst>
     <a:ext uri="{05A4C25C-085E-4340-85A3-A5531E510DB2}">
-      <thm15:themeFamily xmlns:thm15="http://schemas.microsoft.com/office/thememl/2012/main" xmlns="" name="Wisp" id="{7CB32D59-10C0-40DD-B7BD-2E94284A981C}" vid="{24B1A44C-C006-48B2-A4D7-E5549B3D8CD4}"/>
+      <thm15:themeFamily xmlns="" xmlns:thm15="http://schemas.microsoft.com/office/thememl/2012/main" name="Wisp" id="{7CB32D59-10C0-40DD-B7BD-2E94284A981C}" vid="{24B1A44C-C006-48B2-A4D7-E5549B3D8CD4}"/>
     </a:ext>
   </a:extLst>
 </a:theme>
@@ -25387,7 +25972,7 @@
   <a:extraClrSchemeLst/>
   <a:extLst>
     <a:ext uri="{05A4C25C-085E-4340-85A3-A5531E510DB2}">
-      <thm15:themeFamily xmlns:thm15="http://schemas.microsoft.com/office/thememl/2012/main" xmlns="" name="Basis" id="{5665723A-49BA-4B57-8411-A56F8F207965}" vid="{90E45F77-AEFC-46EF-A7C1-5B338C297B02}"/>
+      <thm15:themeFamily xmlns="" xmlns:thm15="http://schemas.microsoft.com/office/thememl/2012/main" name="Basis" id="{5665723A-49BA-4B57-8411-A56F8F207965}" vid="{90E45F77-AEFC-46EF-A7C1-5B338C297B02}"/>
     </a:ext>
   </a:extLst>
 </a:theme>
@@ -25644,7 +26229,7 @@
   <a:extraClrSchemeLst/>
   <a:extLst>
     <a:ext uri="{05A4C25C-085E-4340-85A3-A5531E510DB2}">
-      <thm15:themeFamily xmlns:thm15="http://schemas.microsoft.com/office/thememl/2012/main" xmlns="" name="Facet" id="{C0C680CD-088A-49FC-A102-D699147F32B2}" vid="{CFBC31BA-B70F-4F30-BCAA-4F3011E16C4D}"/>
+      <thm15:themeFamily xmlns="" xmlns:thm15="http://schemas.microsoft.com/office/thememl/2012/main" name="Facet" id="{C0C680CD-088A-49FC-A102-D699147F32B2}" vid="{CFBC31BA-B70F-4F30-BCAA-4F3011E16C4D}"/>
     </a:ext>
   </a:extLst>
 </a:theme>
@@ -25927,7 +26512,7 @@
   <a:extraClrSchemeLst/>
   <a:extLst>
     <a:ext uri="{05A4C25C-085E-4340-85A3-A5531E510DB2}">
-      <thm15:themeFamily xmlns:thm15="http://schemas.microsoft.com/office/thememl/2012/main" xmlns="" name="Retrospect" id="{5F128B03-DCCA-4EEB-AB3B-CF2899314A46}" vid="{3F1AAB62-24C6-49D2-8E01-B56FAC9A3DCD}"/>
+      <thm15:themeFamily xmlns="" xmlns:thm15="http://schemas.microsoft.com/office/thememl/2012/main" name="Retrospect" id="{5F128B03-DCCA-4EEB-AB3B-CF2899314A46}" vid="{3F1AAB62-24C6-49D2-8E01-B56FAC9A3DCD}"/>
     </a:ext>
   </a:extLst>
 </a:theme>

--- a/主的大家庭.pptx
+++ b/主的大家庭.pptx
@@ -13,9 +13,6 @@
     <p:sldId id="258" r:id="rId7"/>
     <p:sldId id="259" r:id="rId8"/>
     <p:sldId id="260" r:id="rId9"/>
-    <p:sldId id="261" r:id="rId10"/>
-    <p:sldId id="262" r:id="rId11"/>
-    <p:sldId id="263" r:id="rId12"/>
   </p:sldIdLst>
   <p:sldSz cx="9144000" cy="6858000" type="screen4x3"/>
   <p:notesSz cx="6858000" cy="9144000"/>
@@ -114,6 +111,22 @@
       </a:defRPr>
     </a:lvl9pPr>
   </p:defaultTextStyle>
+  <p:extLst>
+    <p:ext uri="{EFAFB233-063F-42B5-8137-9DF3F51BA10A}">
+      <p15:sldGuideLst xmlns:p15="http://schemas.microsoft.com/office/powerpoint/2012/main">
+        <p15:guide id="1" orient="horz" pos="2160">
+          <p15:clr>
+            <a:srgbClr val="A4A3A4"/>
+          </p15:clr>
+        </p15:guide>
+        <p15:guide id="2" pos="2880">
+          <p15:clr>
+            <a:srgbClr val="A4A3A4"/>
+          </p15:clr>
+        </p15:guide>
+      </p15:sldGuideLst>
+    </p:ext>
+  </p:extLst>
 </p:presentation>
 </file>
 
@@ -249,7 +262,7 @@
             <a:fld id="{3384F58F-C8A0-467D-A01E-9BAFE85BFF9F}" type="datetimeFigureOut">
               <a:rPr lang="zh-TW" altLang="en-US" smtClean="0"/>
               <a:pPr/>
-              <a:t>2019/12/29</a:t>
+              <a:t>2020/12/17</a:t>
             </a:fld>
             <a:endParaRPr lang="zh-TW" altLang="en-US"/>
           </a:p>
@@ -428,7 +441,7 @@
             <a:fld id="{3384F58F-C8A0-467D-A01E-9BAFE85BFF9F}" type="datetimeFigureOut">
               <a:rPr lang="zh-TW" altLang="en-US" smtClean="0"/>
               <a:pPr/>
-              <a:t>2019/12/29</a:t>
+              <a:t>2020/12/17</a:t>
             </a:fld>
             <a:endParaRPr lang="zh-TW" altLang="en-US"/>
           </a:p>
@@ -617,7 +630,7 @@
             <a:fld id="{3384F58F-C8A0-467D-A01E-9BAFE85BFF9F}" type="datetimeFigureOut">
               <a:rPr lang="zh-TW" altLang="en-US" smtClean="0"/>
               <a:pPr/>
-              <a:t>2019/12/29</a:t>
+              <a:t>2020/12/17</a:t>
             </a:fld>
             <a:endParaRPr lang="zh-TW" altLang="en-US"/>
           </a:p>
@@ -871,7 +884,7 @@
             <a:fld id="{3384F58F-C8A0-467D-A01E-9BAFE85BFF9F}" type="datetimeFigureOut">
               <a:rPr lang="zh-TW" altLang="en-US" smtClean="0"/>
               <a:pPr/>
-              <a:t>2019/12/29</a:t>
+              <a:t>2020/12/17</a:t>
             </a:fld>
             <a:endParaRPr lang="zh-TW" altLang="en-US"/>
           </a:p>
@@ -1010,7 +1023,7 @@
     </p:spTree>
     <p:extLst>
       <p:ext uri="{BB962C8B-B14F-4D97-AF65-F5344CB8AC3E}">
-        <p14:creationId xmlns="" xmlns:p14="http://schemas.microsoft.com/office/powerpoint/2010/main" val="1420252522"/>
+        <p14:creationId xmlns:p14="http://schemas.microsoft.com/office/powerpoint/2010/main" val="1420252522"/>
       </p:ext>
     </p:extLst>
   </p:cSld>
@@ -1140,7 +1153,7 @@
             <a:fld id="{3384F58F-C8A0-467D-A01E-9BAFE85BFF9F}" type="datetimeFigureOut">
               <a:rPr lang="zh-TW" altLang="en-US" smtClean="0"/>
               <a:pPr/>
-              <a:t>2019/12/29</a:t>
+              <a:t>2020/12/17</a:t>
             </a:fld>
             <a:endParaRPr lang="zh-TW" altLang="en-US"/>
           </a:p>
@@ -1274,7 +1287,7 @@
     </p:spTree>
     <p:extLst>
       <p:ext uri="{BB962C8B-B14F-4D97-AF65-F5344CB8AC3E}">
-        <p14:creationId xmlns="" xmlns:p14="http://schemas.microsoft.com/office/powerpoint/2010/main" val="2402873800"/>
+        <p14:creationId xmlns:p14="http://schemas.microsoft.com/office/powerpoint/2010/main" val="2402873800"/>
       </p:ext>
     </p:extLst>
   </p:cSld>
@@ -1471,7 +1484,7 @@
             <a:fld id="{3384F58F-C8A0-467D-A01E-9BAFE85BFF9F}" type="datetimeFigureOut">
               <a:rPr lang="zh-TW" altLang="en-US" smtClean="0"/>
               <a:pPr/>
-              <a:t>2019/12/29</a:t>
+              <a:t>2020/12/17</a:t>
             </a:fld>
             <a:endParaRPr lang="zh-TW" altLang="en-US"/>
           </a:p>
@@ -1610,7 +1623,7 @@
     </p:spTree>
     <p:extLst>
       <p:ext uri="{BB962C8B-B14F-4D97-AF65-F5344CB8AC3E}">
-        <p14:creationId xmlns="" xmlns:p14="http://schemas.microsoft.com/office/powerpoint/2010/main" val="1446301327"/>
+        <p14:creationId xmlns:p14="http://schemas.microsoft.com/office/powerpoint/2010/main" val="1446301327"/>
       </p:ext>
     </p:extLst>
   </p:cSld>
@@ -1796,7 +1809,7 @@
             <a:fld id="{3384F58F-C8A0-467D-A01E-9BAFE85BFF9F}" type="datetimeFigureOut">
               <a:rPr lang="zh-TW" altLang="en-US" smtClean="0"/>
               <a:pPr/>
-              <a:t>2019/12/29</a:t>
+              <a:t>2020/12/17</a:t>
             </a:fld>
             <a:endParaRPr lang="zh-TW" altLang="en-US"/>
           </a:p>
@@ -1935,7 +1948,7 @@
     </p:spTree>
     <p:extLst>
       <p:ext uri="{BB962C8B-B14F-4D97-AF65-F5344CB8AC3E}">
-        <p14:creationId xmlns="" xmlns:p14="http://schemas.microsoft.com/office/powerpoint/2010/main" val="3854665519"/>
+        <p14:creationId xmlns:p14="http://schemas.microsoft.com/office/powerpoint/2010/main" val="3854665519"/>
       </p:ext>
     </p:extLst>
   </p:cSld>
@@ -2255,7 +2268,7 @@
             <a:fld id="{3384F58F-C8A0-467D-A01E-9BAFE85BFF9F}" type="datetimeFigureOut">
               <a:rPr lang="zh-TW" altLang="en-US" smtClean="0"/>
               <a:pPr/>
-              <a:t>2019/12/29</a:t>
+              <a:t>2020/12/17</a:t>
             </a:fld>
             <a:endParaRPr lang="zh-TW" altLang="en-US"/>
           </a:p>
@@ -2394,7 +2407,7 @@
     </p:spTree>
     <p:extLst>
       <p:ext uri="{BB962C8B-B14F-4D97-AF65-F5344CB8AC3E}">
-        <p14:creationId xmlns="" xmlns:p14="http://schemas.microsoft.com/office/powerpoint/2010/main" val="997341680"/>
+        <p14:creationId xmlns:p14="http://schemas.microsoft.com/office/powerpoint/2010/main" val="997341680"/>
       </p:ext>
     </p:extLst>
   </p:cSld>
@@ -2462,7 +2475,7 @@
             <a:fld id="{3384F58F-C8A0-467D-A01E-9BAFE85BFF9F}" type="datetimeFigureOut">
               <a:rPr lang="zh-TW" altLang="en-US" smtClean="0"/>
               <a:pPr/>
-              <a:t>2019/12/29</a:t>
+              <a:t>2020/12/17</a:t>
             </a:fld>
             <a:endParaRPr lang="zh-TW" altLang="en-US"/>
           </a:p>
@@ -2596,7 +2609,7 @@
     </p:spTree>
     <p:extLst>
       <p:ext uri="{BB962C8B-B14F-4D97-AF65-F5344CB8AC3E}">
-        <p14:creationId xmlns="" xmlns:p14="http://schemas.microsoft.com/office/powerpoint/2010/main" val="3149438605"/>
+        <p14:creationId xmlns:p14="http://schemas.microsoft.com/office/powerpoint/2010/main" val="3149438605"/>
       </p:ext>
     </p:extLst>
   </p:cSld>
@@ -2641,7 +2654,7 @@
             <a:fld id="{3384F58F-C8A0-467D-A01E-9BAFE85BFF9F}" type="datetimeFigureOut">
               <a:rPr lang="zh-TW" altLang="en-US" smtClean="0"/>
               <a:pPr/>
-              <a:t>2019/12/29</a:t>
+              <a:t>2020/12/17</a:t>
             </a:fld>
             <a:endParaRPr lang="zh-TW" altLang="en-US"/>
           </a:p>
@@ -2775,7 +2788,7 @@
     </p:spTree>
     <p:extLst>
       <p:ext uri="{BB962C8B-B14F-4D97-AF65-F5344CB8AC3E}">
-        <p14:creationId xmlns="" xmlns:p14="http://schemas.microsoft.com/office/powerpoint/2010/main" val="1742955394"/>
+        <p14:creationId xmlns:p14="http://schemas.microsoft.com/office/powerpoint/2010/main" val="1742955394"/>
       </p:ext>
     </p:extLst>
   </p:cSld>
@@ -2976,7 +2989,7 @@
             <a:fld id="{3384F58F-C8A0-467D-A01E-9BAFE85BFF9F}" type="datetimeFigureOut">
               <a:rPr lang="zh-TW" altLang="en-US" smtClean="0"/>
               <a:pPr/>
-              <a:t>2019/12/29</a:t>
+              <a:t>2020/12/17</a:t>
             </a:fld>
             <a:endParaRPr lang="zh-TW" altLang="en-US"/>
           </a:p>
@@ -3110,7 +3123,7 @@
     </p:spTree>
     <p:extLst>
       <p:ext uri="{BB962C8B-B14F-4D97-AF65-F5344CB8AC3E}">
-        <p14:creationId xmlns="" xmlns:p14="http://schemas.microsoft.com/office/powerpoint/2010/main" val="2700973954"/>
+        <p14:creationId xmlns:p14="http://schemas.microsoft.com/office/powerpoint/2010/main" val="2700973954"/>
       </p:ext>
     </p:extLst>
   </p:cSld>
@@ -3234,7 +3247,7 @@
             <a:fld id="{3384F58F-C8A0-467D-A01E-9BAFE85BFF9F}" type="datetimeFigureOut">
               <a:rPr lang="zh-TW" altLang="en-US" smtClean="0"/>
               <a:pPr/>
-              <a:t>2019/12/29</a:t>
+              <a:t>2020/12/17</a:t>
             </a:fld>
             <a:endParaRPr lang="zh-TW" altLang="en-US"/>
           </a:p>
@@ -3502,7 +3515,7 @@
             <a:fld id="{3384F58F-C8A0-467D-A01E-9BAFE85BFF9F}" type="datetimeFigureOut">
               <a:rPr lang="zh-TW" altLang="en-US" smtClean="0"/>
               <a:pPr/>
-              <a:t>2019/12/29</a:t>
+              <a:t>2020/12/17</a:t>
             </a:fld>
             <a:endParaRPr lang="zh-TW" altLang="en-US"/>
           </a:p>
@@ -3641,7 +3654,7 @@
     </p:spTree>
     <p:extLst>
       <p:ext uri="{BB962C8B-B14F-4D97-AF65-F5344CB8AC3E}">
-        <p14:creationId xmlns="" xmlns:p14="http://schemas.microsoft.com/office/powerpoint/2010/main" val="2607302339"/>
+        <p14:creationId xmlns:p14="http://schemas.microsoft.com/office/powerpoint/2010/main" val="2607302339"/>
       </p:ext>
     </p:extLst>
   </p:cSld>
@@ -3842,7 +3855,7 @@
             <a:fld id="{3384F58F-C8A0-467D-A01E-9BAFE85BFF9F}" type="datetimeFigureOut">
               <a:rPr lang="zh-TW" altLang="en-US" smtClean="0"/>
               <a:pPr/>
-              <a:t>2019/12/29</a:t>
+              <a:t>2020/12/17</a:t>
             </a:fld>
             <a:endParaRPr lang="zh-TW" altLang="en-US"/>
           </a:p>
@@ -3981,7 +3994,7 @@
     </p:spTree>
     <p:extLst>
       <p:ext uri="{BB962C8B-B14F-4D97-AF65-F5344CB8AC3E}">
-        <p14:creationId xmlns="" xmlns:p14="http://schemas.microsoft.com/office/powerpoint/2010/main" val="2400830201"/>
+        <p14:creationId xmlns:p14="http://schemas.microsoft.com/office/powerpoint/2010/main" val="2400830201"/>
       </p:ext>
     </p:extLst>
   </p:cSld>
@@ -4245,7 +4258,7 @@
             <a:fld id="{3384F58F-C8A0-467D-A01E-9BAFE85BFF9F}" type="datetimeFigureOut">
               <a:rPr lang="zh-TW" altLang="en-US" smtClean="0"/>
               <a:pPr/>
-              <a:t>2019/12/29</a:t>
+              <a:t>2020/12/17</a:t>
             </a:fld>
             <a:endParaRPr lang="zh-TW" altLang="en-US"/>
           </a:p>
@@ -4460,7 +4473,7 @@
     </p:spTree>
     <p:extLst>
       <p:ext uri="{BB962C8B-B14F-4D97-AF65-F5344CB8AC3E}">
-        <p14:creationId xmlns="" xmlns:p14="http://schemas.microsoft.com/office/powerpoint/2010/main" val="126676221"/>
+        <p14:creationId xmlns:p14="http://schemas.microsoft.com/office/powerpoint/2010/main" val="126676221"/>
       </p:ext>
     </p:extLst>
   </p:cSld>
@@ -4583,7 +4596,7 @@
             <a:fld id="{3384F58F-C8A0-467D-A01E-9BAFE85BFF9F}" type="datetimeFigureOut">
               <a:rPr lang="zh-TW" altLang="en-US" smtClean="0"/>
               <a:pPr/>
-              <a:t>2019/12/29</a:t>
+              <a:t>2020/12/17</a:t>
             </a:fld>
             <a:endParaRPr lang="zh-TW" altLang="en-US"/>
           </a:p>
@@ -4722,7 +4735,7 @@
     </p:spTree>
     <p:extLst>
       <p:ext uri="{BB962C8B-B14F-4D97-AF65-F5344CB8AC3E}">
-        <p14:creationId xmlns="" xmlns:p14="http://schemas.microsoft.com/office/powerpoint/2010/main" val="3019115838"/>
+        <p14:creationId xmlns:p14="http://schemas.microsoft.com/office/powerpoint/2010/main" val="3019115838"/>
       </p:ext>
     </p:extLst>
   </p:cSld>
@@ -4905,7 +4918,7 @@
             <a:fld id="{3384F58F-C8A0-467D-A01E-9BAFE85BFF9F}" type="datetimeFigureOut">
               <a:rPr lang="zh-TW" altLang="en-US" smtClean="0"/>
               <a:pPr/>
-              <a:t>2019/12/29</a:t>
+              <a:t>2020/12/17</a:t>
             </a:fld>
             <a:endParaRPr lang="zh-TW" altLang="en-US"/>
           </a:p>
@@ -5120,7 +5133,7 @@
     </p:spTree>
     <p:extLst>
       <p:ext uri="{BB962C8B-B14F-4D97-AF65-F5344CB8AC3E}">
-        <p14:creationId xmlns="" xmlns:p14="http://schemas.microsoft.com/office/powerpoint/2010/main" val="1614387129"/>
+        <p14:creationId xmlns:p14="http://schemas.microsoft.com/office/powerpoint/2010/main" val="1614387129"/>
       </p:ext>
     </p:extLst>
   </p:cSld>
@@ -5303,7 +5316,7 @@
             <a:fld id="{3384F58F-C8A0-467D-A01E-9BAFE85BFF9F}" type="datetimeFigureOut">
               <a:rPr lang="zh-TW" altLang="en-US" smtClean="0"/>
               <a:pPr/>
-              <a:t>2019/12/29</a:t>
+              <a:t>2020/12/17</a:t>
             </a:fld>
             <a:endParaRPr lang="zh-TW" altLang="en-US"/>
           </a:p>
@@ -5442,7 +5455,7 @@
     </p:spTree>
     <p:extLst>
       <p:ext uri="{BB962C8B-B14F-4D97-AF65-F5344CB8AC3E}">
-        <p14:creationId xmlns="" xmlns:p14="http://schemas.microsoft.com/office/powerpoint/2010/main" val="3853056041"/>
+        <p14:creationId xmlns:p14="http://schemas.microsoft.com/office/powerpoint/2010/main" val="3853056041"/>
       </p:ext>
     </p:extLst>
   </p:cSld>
@@ -5562,7 +5575,7 @@
             <a:fld id="{3384F58F-C8A0-467D-A01E-9BAFE85BFF9F}" type="datetimeFigureOut">
               <a:rPr lang="zh-TW" altLang="en-US" smtClean="0"/>
               <a:pPr/>
-              <a:t>2019/12/29</a:t>
+              <a:t>2020/12/17</a:t>
             </a:fld>
             <a:endParaRPr lang="zh-TW" altLang="en-US"/>
           </a:p>
@@ -5696,7 +5709,7 @@
     </p:spTree>
     <p:extLst>
       <p:ext uri="{BB962C8B-B14F-4D97-AF65-F5344CB8AC3E}">
-        <p14:creationId xmlns="" xmlns:p14="http://schemas.microsoft.com/office/powerpoint/2010/main" val="3100766371"/>
+        <p14:creationId xmlns:p14="http://schemas.microsoft.com/office/powerpoint/2010/main" val="3100766371"/>
       </p:ext>
     </p:extLst>
   </p:cSld>
@@ -5826,7 +5839,7 @@
             <a:fld id="{3384F58F-C8A0-467D-A01E-9BAFE85BFF9F}" type="datetimeFigureOut">
               <a:rPr lang="zh-TW" altLang="en-US" smtClean="0"/>
               <a:pPr/>
-              <a:t>2019/12/29</a:t>
+              <a:t>2020/12/17</a:t>
             </a:fld>
             <a:endParaRPr lang="zh-TW" altLang="en-US"/>
           </a:p>
@@ -5960,7 +5973,7 @@
     </p:spTree>
     <p:extLst>
       <p:ext uri="{BB962C8B-B14F-4D97-AF65-F5344CB8AC3E}">
-        <p14:creationId xmlns="" xmlns:p14="http://schemas.microsoft.com/office/powerpoint/2010/main" val="2281816504"/>
+        <p14:creationId xmlns:p14="http://schemas.microsoft.com/office/powerpoint/2010/main" val="2281816504"/>
       </p:ext>
     </p:extLst>
   </p:cSld>
@@ -6167,7 +6180,7 @@
             <a:fld id="{C89270DE-7577-4549-AD96-0A377172EF43}" type="datetimeFigureOut">
               <a:rPr lang="en-US" smtClean="0"/>
               <a:pPr/>
-              <a:t>12/29/2019</a:t>
+              <a:t>12/17/2020</a:t>
             </a:fld>
             <a:endParaRPr lang="en-US"/>
           </a:p>
@@ -6270,7 +6283,7 @@
     </p:spTree>
     <p:extLst>
       <p:ext uri="{BB962C8B-B14F-4D97-AF65-F5344CB8AC3E}">
-        <p14:creationId xmlns="" xmlns:p14="http://schemas.microsoft.com/office/powerpoint/2010/main" val="2911672352"/>
+        <p14:creationId xmlns:p14="http://schemas.microsoft.com/office/powerpoint/2010/main" val="2911672352"/>
       </p:ext>
     </p:extLst>
   </p:cSld>
@@ -6390,7 +6403,7 @@
             <a:fld id="{C89270DE-7577-4549-AD96-0A377172EF43}" type="datetimeFigureOut">
               <a:rPr lang="en-US" smtClean="0"/>
               <a:pPr/>
-              <a:t>12/29/2019</a:t>
+              <a:t>12/17/2020</a:t>
             </a:fld>
             <a:endParaRPr lang="en-US"/>
           </a:p>
@@ -6442,7 +6455,7 @@
     </p:spTree>
     <p:extLst>
       <p:ext uri="{BB962C8B-B14F-4D97-AF65-F5344CB8AC3E}">
-        <p14:creationId xmlns="" xmlns:p14="http://schemas.microsoft.com/office/powerpoint/2010/main" val="1320305320"/>
+        <p14:creationId xmlns:p14="http://schemas.microsoft.com/office/powerpoint/2010/main" val="1320305320"/>
       </p:ext>
     </p:extLst>
   </p:cSld>
@@ -6588,7 +6601,7 @@
             <a:fld id="{3384F58F-C8A0-467D-A01E-9BAFE85BFF9F}" type="datetimeFigureOut">
               <a:rPr lang="zh-TW" altLang="en-US" smtClean="0"/>
               <a:pPr/>
-              <a:t>2019/12/29</a:t>
+              <a:t>2020/12/17</a:t>
             </a:fld>
             <a:endParaRPr lang="zh-TW" altLang="en-US"/>
           </a:p>
@@ -6844,7 +6857,7 @@
             <a:fld id="{C89270DE-7577-4549-AD96-0A377172EF43}" type="datetimeFigureOut">
               <a:rPr lang="en-US" smtClean="0"/>
               <a:pPr/>
-              <a:t>12/29/2019</a:t>
+              <a:t>12/17/2020</a:t>
             </a:fld>
             <a:endParaRPr lang="en-US"/>
           </a:p>
@@ -6931,7 +6944,7 @@
     </p:spTree>
     <p:extLst>
       <p:ext uri="{BB962C8B-B14F-4D97-AF65-F5344CB8AC3E}">
-        <p14:creationId xmlns="" xmlns:p14="http://schemas.microsoft.com/office/powerpoint/2010/main" val="3496850984"/>
+        <p14:creationId xmlns:p14="http://schemas.microsoft.com/office/powerpoint/2010/main" val="3496850984"/>
       </p:ext>
     </p:extLst>
   </p:cSld>
@@ -7169,7 +7182,7 @@
             <a:fld id="{C89270DE-7577-4549-AD96-0A377172EF43}" type="datetimeFigureOut">
               <a:rPr lang="en-US" smtClean="0"/>
               <a:pPr/>
-              <a:t>12/29/2019</a:t>
+              <a:t>12/17/2020</a:t>
             </a:fld>
             <a:endParaRPr lang="en-US"/>
           </a:p>
@@ -7221,7 +7234,7 @@
     </p:spTree>
     <p:extLst>
       <p:ext uri="{BB962C8B-B14F-4D97-AF65-F5344CB8AC3E}">
-        <p14:creationId xmlns="" xmlns:p14="http://schemas.microsoft.com/office/powerpoint/2010/main" val="3207825343"/>
+        <p14:creationId xmlns:p14="http://schemas.microsoft.com/office/powerpoint/2010/main" val="3207825343"/>
       </p:ext>
     </p:extLst>
   </p:cSld>
@@ -7595,7 +7608,7 @@
             <a:fld id="{C89270DE-7577-4549-AD96-0A377172EF43}" type="datetimeFigureOut">
               <a:rPr lang="en-US" smtClean="0"/>
               <a:pPr/>
-              <a:t>12/29/2019</a:t>
+              <a:t>12/17/2020</a:t>
             </a:fld>
             <a:endParaRPr lang="en-US"/>
           </a:p>
@@ -7647,7 +7660,7 @@
     </p:spTree>
     <p:extLst>
       <p:ext uri="{BB962C8B-B14F-4D97-AF65-F5344CB8AC3E}">
-        <p14:creationId xmlns="" xmlns:p14="http://schemas.microsoft.com/office/powerpoint/2010/main" val="1375813665"/>
+        <p14:creationId xmlns:p14="http://schemas.microsoft.com/office/powerpoint/2010/main" val="1375813665"/>
       </p:ext>
     </p:extLst>
   </p:cSld>
@@ -7715,7 +7728,7 @@
             <a:fld id="{C89270DE-7577-4549-AD96-0A377172EF43}" type="datetimeFigureOut">
               <a:rPr lang="en-US" smtClean="0"/>
               <a:pPr/>
-              <a:t>12/29/2019</a:t>
+              <a:t>12/17/2020</a:t>
             </a:fld>
             <a:endParaRPr lang="en-US"/>
           </a:p>
@@ -7767,7 +7780,7 @@
     </p:spTree>
     <p:extLst>
       <p:ext uri="{BB962C8B-B14F-4D97-AF65-F5344CB8AC3E}">
-        <p14:creationId xmlns="" xmlns:p14="http://schemas.microsoft.com/office/powerpoint/2010/main" val="2161804257"/>
+        <p14:creationId xmlns:p14="http://schemas.microsoft.com/office/powerpoint/2010/main" val="2161804257"/>
       </p:ext>
     </p:extLst>
   </p:cSld>
@@ -7812,7 +7825,7 @@
             <a:fld id="{C89270DE-7577-4549-AD96-0A377172EF43}" type="datetimeFigureOut">
               <a:rPr lang="en-US" smtClean="0"/>
               <a:pPr/>
-              <a:t>12/29/2019</a:t>
+              <a:t>12/17/2020</a:t>
             </a:fld>
             <a:endParaRPr lang="en-US"/>
           </a:p>
@@ -7864,7 +7877,7 @@
     </p:spTree>
     <p:extLst>
       <p:ext uri="{BB962C8B-B14F-4D97-AF65-F5344CB8AC3E}">
-        <p14:creationId xmlns="" xmlns:p14="http://schemas.microsoft.com/office/powerpoint/2010/main" val="1787600985"/>
+        <p14:creationId xmlns:p14="http://schemas.microsoft.com/office/powerpoint/2010/main" val="1787600985"/>
       </p:ext>
     </p:extLst>
   </p:cSld>
@@ -8104,7 +8117,7 @@
             <a:fld id="{C89270DE-7577-4549-AD96-0A377172EF43}" type="datetimeFigureOut">
               <a:rPr lang="en-US" smtClean="0"/>
               <a:pPr/>
-              <a:t>12/29/2019</a:t>
+              <a:t>12/17/2020</a:t>
             </a:fld>
             <a:endParaRPr lang="en-US"/>
           </a:p>
@@ -8156,7 +8169,7 @@
     </p:spTree>
     <p:extLst>
       <p:ext uri="{BB962C8B-B14F-4D97-AF65-F5344CB8AC3E}">
-        <p14:creationId xmlns="" xmlns:p14="http://schemas.microsoft.com/office/powerpoint/2010/main" val="1639783474"/>
+        <p14:creationId xmlns:p14="http://schemas.microsoft.com/office/powerpoint/2010/main" val="1639783474"/>
       </p:ext>
     </p:extLst>
   </p:cSld>
@@ -8378,7 +8391,7 @@
             <a:fld id="{C89270DE-7577-4549-AD96-0A377172EF43}" type="datetimeFigureOut">
               <a:rPr lang="en-US" smtClean="0"/>
               <a:pPr/>
-              <a:t>12/29/2019</a:t>
+              <a:t>12/17/2020</a:t>
             </a:fld>
             <a:endParaRPr lang="en-US"/>
           </a:p>
@@ -8430,7 +8443,7 @@
     </p:spTree>
     <p:extLst>
       <p:ext uri="{BB962C8B-B14F-4D97-AF65-F5344CB8AC3E}">
-        <p14:creationId xmlns="" xmlns:p14="http://schemas.microsoft.com/office/powerpoint/2010/main" val="1399789528"/>
+        <p14:creationId xmlns:p14="http://schemas.microsoft.com/office/powerpoint/2010/main" val="1399789528"/>
       </p:ext>
     </p:extLst>
   </p:cSld>
@@ -8550,7 +8563,7 @@
             <a:fld id="{C89270DE-7577-4549-AD96-0A377172EF43}" type="datetimeFigureOut">
               <a:rPr lang="en-US" smtClean="0"/>
               <a:pPr/>
-              <a:t>12/29/2019</a:t>
+              <a:t>12/17/2020</a:t>
             </a:fld>
             <a:endParaRPr lang="en-US"/>
           </a:p>
@@ -8602,7 +8615,7 @@
     </p:spTree>
     <p:extLst>
       <p:ext uri="{BB962C8B-B14F-4D97-AF65-F5344CB8AC3E}">
-        <p14:creationId xmlns="" xmlns:p14="http://schemas.microsoft.com/office/powerpoint/2010/main" val="2582524952"/>
+        <p14:creationId xmlns:p14="http://schemas.microsoft.com/office/powerpoint/2010/main" val="2582524952"/>
       </p:ext>
     </p:extLst>
   </p:cSld>
@@ -8732,7 +8745,7 @@
             <a:fld id="{C89270DE-7577-4549-AD96-0A377172EF43}" type="datetimeFigureOut">
               <a:rPr lang="en-US" smtClean="0"/>
               <a:pPr/>
-              <a:t>12/29/2019</a:t>
+              <a:t>12/17/2020</a:t>
             </a:fld>
             <a:endParaRPr lang="en-US"/>
           </a:p>
@@ -8784,7 +8797,7 @@
     </p:spTree>
     <p:extLst>
       <p:ext uri="{BB962C8B-B14F-4D97-AF65-F5344CB8AC3E}">
-        <p14:creationId xmlns="" xmlns:p14="http://schemas.microsoft.com/office/powerpoint/2010/main" val="2338115402"/>
+        <p14:creationId xmlns:p14="http://schemas.microsoft.com/office/powerpoint/2010/main" val="2338115402"/>
       </p:ext>
     </p:extLst>
   </p:cSld>
@@ -9517,7 +9530,7 @@
             <a:fld id="{C89270DE-7577-4549-AD96-0A377172EF43}" type="datetimeFigureOut">
               <a:rPr lang="en-US" smtClean="0"/>
               <a:pPr/>
-              <a:t>12/29/2019</a:t>
+              <a:t>12/17/2020</a:t>
             </a:fld>
             <a:endParaRPr lang="en-US"/>
           </a:p>
@@ -9569,7 +9582,7 @@
     </p:spTree>
     <p:extLst>
       <p:ext uri="{BB962C8B-B14F-4D97-AF65-F5344CB8AC3E}">
-        <p14:creationId xmlns="" xmlns:p14="http://schemas.microsoft.com/office/powerpoint/2010/main" val="288782076"/>
+        <p14:creationId xmlns:p14="http://schemas.microsoft.com/office/powerpoint/2010/main" val="288782076"/>
       </p:ext>
     </p:extLst>
   </p:cSld>
@@ -9811,7 +9824,7 @@
             <a:fld id="{3384F58F-C8A0-467D-A01E-9BAFE85BFF9F}" type="datetimeFigureOut">
               <a:rPr lang="zh-TW" altLang="en-US" smtClean="0"/>
               <a:pPr/>
-              <a:t>2019/12/29</a:t>
+              <a:t>2020/12/17</a:t>
             </a:fld>
             <a:endParaRPr lang="zh-TW" altLang="en-US"/>
           </a:p>
@@ -9992,7 +10005,7 @@
             <a:fld id="{C89270DE-7577-4549-AD96-0A377172EF43}" type="datetimeFigureOut">
               <a:rPr lang="en-US" smtClean="0"/>
               <a:pPr/>
-              <a:t>12/29/2019</a:t>
+              <a:t>12/17/2020</a:t>
             </a:fld>
             <a:endParaRPr lang="en-US"/>
           </a:p>
@@ -10044,7 +10057,7 @@
     </p:spTree>
     <p:extLst>
       <p:ext uri="{BB962C8B-B14F-4D97-AF65-F5344CB8AC3E}">
-        <p14:creationId xmlns="" xmlns:p14="http://schemas.microsoft.com/office/powerpoint/2010/main" val="4293135353"/>
+        <p14:creationId xmlns:p14="http://schemas.microsoft.com/office/powerpoint/2010/main" val="4293135353"/>
       </p:ext>
     </p:extLst>
   </p:cSld>
@@ -10241,7 +10254,7 @@
             <a:fld id="{C89270DE-7577-4549-AD96-0A377172EF43}" type="datetimeFigureOut">
               <a:rPr lang="en-US" smtClean="0"/>
               <a:pPr/>
-              <a:t>12/29/2019</a:t>
+              <a:t>12/17/2020</a:t>
             </a:fld>
             <a:endParaRPr lang="en-US"/>
           </a:p>
@@ -10293,7 +10306,7 @@
     </p:spTree>
     <p:extLst>
       <p:ext uri="{BB962C8B-B14F-4D97-AF65-F5344CB8AC3E}">
-        <p14:creationId xmlns="" xmlns:p14="http://schemas.microsoft.com/office/powerpoint/2010/main" val="143783560"/>
+        <p14:creationId xmlns:p14="http://schemas.microsoft.com/office/powerpoint/2010/main" val="143783560"/>
       </p:ext>
     </p:extLst>
   </p:cSld>
@@ -10475,7 +10488,7 @@
             <a:fld id="{C89270DE-7577-4549-AD96-0A377172EF43}" type="datetimeFigureOut">
               <a:rPr lang="en-US" smtClean="0"/>
               <a:pPr/>
-              <a:t>12/29/2019</a:t>
+              <a:t>12/17/2020</a:t>
             </a:fld>
             <a:endParaRPr lang="en-US"/>
           </a:p>
@@ -10527,7 +10540,7 @@
     </p:spTree>
     <p:extLst>
       <p:ext uri="{BB962C8B-B14F-4D97-AF65-F5344CB8AC3E}">
-        <p14:creationId xmlns="" xmlns:p14="http://schemas.microsoft.com/office/powerpoint/2010/main" val="2848911863"/>
+        <p14:creationId xmlns:p14="http://schemas.microsoft.com/office/powerpoint/2010/main" val="2848911863"/>
       </p:ext>
     </p:extLst>
   </p:cSld>
@@ -10851,7 +10864,7 @@
             <a:fld id="{C89270DE-7577-4549-AD96-0A377172EF43}" type="datetimeFigureOut">
               <a:rPr lang="en-US" smtClean="0"/>
               <a:pPr/>
-              <a:t>12/29/2019</a:t>
+              <a:t>12/17/2020</a:t>
             </a:fld>
             <a:endParaRPr lang="en-US"/>
           </a:p>
@@ -10903,7 +10916,7 @@
     </p:spTree>
     <p:extLst>
       <p:ext uri="{BB962C8B-B14F-4D97-AF65-F5344CB8AC3E}">
-        <p14:creationId xmlns="" xmlns:p14="http://schemas.microsoft.com/office/powerpoint/2010/main" val="3307446124"/>
+        <p14:creationId xmlns:p14="http://schemas.microsoft.com/office/powerpoint/2010/main" val="3307446124"/>
       </p:ext>
     </p:extLst>
   </p:cSld>
@@ -10976,7 +10989,7 @@
             <a:fld id="{C89270DE-7577-4549-AD96-0A377172EF43}" type="datetimeFigureOut">
               <a:rPr lang="en-US" smtClean="0"/>
               <a:pPr/>
-              <a:t>12/29/2019</a:t>
+              <a:t>12/17/2020</a:t>
             </a:fld>
             <a:endParaRPr lang="en-US"/>
           </a:p>
@@ -11028,7 +11041,7 @@
     </p:spTree>
     <p:extLst>
       <p:ext uri="{BB962C8B-B14F-4D97-AF65-F5344CB8AC3E}">
-        <p14:creationId xmlns="" xmlns:p14="http://schemas.microsoft.com/office/powerpoint/2010/main" val="2258692390"/>
+        <p14:creationId xmlns:p14="http://schemas.microsoft.com/office/powerpoint/2010/main" val="2258692390"/>
       </p:ext>
     </p:extLst>
   </p:cSld>
@@ -11073,7 +11086,7 @@
             <a:fld id="{C89270DE-7577-4549-AD96-0A377172EF43}" type="datetimeFigureOut">
               <a:rPr lang="en-US" smtClean="0"/>
               <a:pPr/>
-              <a:t>12/29/2019</a:t>
+              <a:t>12/17/2020</a:t>
             </a:fld>
             <a:endParaRPr lang="en-US"/>
           </a:p>
@@ -11125,7 +11138,7 @@
     </p:spTree>
     <p:extLst>
       <p:ext uri="{BB962C8B-B14F-4D97-AF65-F5344CB8AC3E}">
-        <p14:creationId xmlns="" xmlns:p14="http://schemas.microsoft.com/office/powerpoint/2010/main" val="2823363212"/>
+        <p14:creationId xmlns:p14="http://schemas.microsoft.com/office/powerpoint/2010/main" val="2823363212"/>
       </p:ext>
     </p:extLst>
   </p:cSld>
@@ -11330,7 +11343,7 @@
             <a:fld id="{C89270DE-7577-4549-AD96-0A377172EF43}" type="datetimeFigureOut">
               <a:rPr lang="en-US" smtClean="0"/>
               <a:pPr/>
-              <a:t>12/29/2019</a:t>
+              <a:t>12/17/2020</a:t>
             </a:fld>
             <a:endParaRPr lang="en-US"/>
           </a:p>
@@ -11382,7 +11395,7 @@
     </p:spTree>
     <p:extLst>
       <p:ext uri="{BB962C8B-B14F-4D97-AF65-F5344CB8AC3E}">
-        <p14:creationId xmlns="" xmlns:p14="http://schemas.microsoft.com/office/powerpoint/2010/main" val="3036016673"/>
+        <p14:creationId xmlns:p14="http://schemas.microsoft.com/office/powerpoint/2010/main" val="3036016673"/>
       </p:ext>
     </p:extLst>
   </p:cSld>
@@ -11595,7 +11608,7 @@
             <a:fld id="{C89270DE-7577-4549-AD96-0A377172EF43}" type="datetimeFigureOut">
               <a:rPr lang="en-US" smtClean="0"/>
               <a:pPr/>
-              <a:t>12/29/2019</a:t>
+              <a:t>12/17/2020</a:t>
             </a:fld>
             <a:endParaRPr lang="en-US"/>
           </a:p>
@@ -11647,7 +11660,7 @@
     </p:spTree>
     <p:extLst>
       <p:ext uri="{BB962C8B-B14F-4D97-AF65-F5344CB8AC3E}">
-        <p14:creationId xmlns="" xmlns:p14="http://schemas.microsoft.com/office/powerpoint/2010/main" val="633447560"/>
+        <p14:creationId xmlns:p14="http://schemas.microsoft.com/office/powerpoint/2010/main" val="633447560"/>
       </p:ext>
     </p:extLst>
   </p:cSld>
@@ -11848,7 +11861,7 @@
             <a:fld id="{C89270DE-7577-4549-AD96-0A377172EF43}" type="datetimeFigureOut">
               <a:rPr lang="en-US" smtClean="0"/>
               <a:pPr/>
-              <a:t>12/29/2019</a:t>
+              <a:t>12/17/2020</a:t>
             </a:fld>
             <a:endParaRPr lang="en-US"/>
           </a:p>
@@ -11900,7 +11913,7 @@
     </p:spTree>
     <p:extLst>
       <p:ext uri="{BB962C8B-B14F-4D97-AF65-F5344CB8AC3E}">
-        <p14:creationId xmlns="" xmlns:p14="http://schemas.microsoft.com/office/powerpoint/2010/main" val="3106836870"/>
+        <p14:creationId xmlns:p14="http://schemas.microsoft.com/office/powerpoint/2010/main" val="3106836870"/>
       </p:ext>
     </p:extLst>
   </p:cSld>
@@ -12164,7 +12177,7 @@
             <a:fld id="{C89270DE-7577-4549-AD96-0A377172EF43}" type="datetimeFigureOut">
               <a:rPr lang="en-US" smtClean="0"/>
               <a:pPr/>
-              <a:t>12/29/2019</a:t>
+              <a:t>12/17/2020</a:t>
             </a:fld>
             <a:endParaRPr lang="en-US"/>
           </a:p>
@@ -12306,7 +12319,7 @@
     </p:spTree>
     <p:extLst>
       <p:ext uri="{BB962C8B-B14F-4D97-AF65-F5344CB8AC3E}">
-        <p14:creationId xmlns="" xmlns:p14="http://schemas.microsoft.com/office/powerpoint/2010/main" val="1460951454"/>
+        <p14:creationId xmlns:p14="http://schemas.microsoft.com/office/powerpoint/2010/main" val="1460951454"/>
       </p:ext>
     </p:extLst>
   </p:cSld>
@@ -12682,7 +12695,7 @@
             <a:fld id="{3384F58F-C8A0-467D-A01E-9BAFE85BFF9F}" type="datetimeFigureOut">
               <a:rPr lang="zh-TW" altLang="en-US" smtClean="0"/>
               <a:pPr/>
-              <a:t>2019/12/29</a:t>
+              <a:t>2020/12/17</a:t>
             </a:fld>
             <a:endParaRPr lang="zh-TW" altLang="en-US"/>
           </a:p>
@@ -12938,7 +12951,7 @@
             <a:fld id="{C89270DE-7577-4549-AD96-0A377172EF43}" type="datetimeFigureOut">
               <a:rPr lang="en-US" smtClean="0"/>
               <a:pPr/>
-              <a:t>12/29/2019</a:t>
+              <a:t>12/17/2020</a:t>
             </a:fld>
             <a:endParaRPr lang="en-US"/>
           </a:p>
@@ -12990,7 +13003,7 @@
     </p:spTree>
     <p:extLst>
       <p:ext uri="{BB962C8B-B14F-4D97-AF65-F5344CB8AC3E}">
-        <p14:creationId xmlns="" xmlns:p14="http://schemas.microsoft.com/office/powerpoint/2010/main" val="3191693729"/>
+        <p14:creationId xmlns:p14="http://schemas.microsoft.com/office/powerpoint/2010/main" val="3191693729"/>
       </p:ext>
     </p:extLst>
   </p:cSld>
@@ -13254,7 +13267,7 @@
             <a:fld id="{C89270DE-7577-4549-AD96-0A377172EF43}" type="datetimeFigureOut">
               <a:rPr lang="en-US" smtClean="0"/>
               <a:pPr/>
-              <a:t>12/29/2019</a:t>
+              <a:t>12/17/2020</a:t>
             </a:fld>
             <a:endParaRPr lang="en-US"/>
           </a:p>
@@ -13388,7 +13401,7 @@
     </p:spTree>
     <p:extLst>
       <p:ext uri="{BB962C8B-B14F-4D97-AF65-F5344CB8AC3E}">
-        <p14:creationId xmlns="" xmlns:p14="http://schemas.microsoft.com/office/powerpoint/2010/main" val="3834834152"/>
+        <p14:creationId xmlns:p14="http://schemas.microsoft.com/office/powerpoint/2010/main" val="3834834152"/>
       </p:ext>
     </p:extLst>
   </p:cSld>
@@ -13649,7 +13662,7 @@
             <a:fld id="{C89270DE-7577-4549-AD96-0A377172EF43}" type="datetimeFigureOut">
               <a:rPr lang="en-US" smtClean="0"/>
               <a:pPr/>
-              <a:t>12/29/2019</a:t>
+              <a:t>12/17/2020</a:t>
             </a:fld>
             <a:endParaRPr lang="en-US"/>
           </a:p>
@@ -13701,7 +13714,7 @@
     </p:spTree>
     <p:extLst>
       <p:ext uri="{BB962C8B-B14F-4D97-AF65-F5344CB8AC3E}">
-        <p14:creationId xmlns="" xmlns:p14="http://schemas.microsoft.com/office/powerpoint/2010/main" val="4160288750"/>
+        <p14:creationId xmlns:p14="http://schemas.microsoft.com/office/powerpoint/2010/main" val="4160288750"/>
       </p:ext>
     </p:extLst>
   </p:cSld>
@@ -13821,7 +13834,7 @@
             <a:fld id="{C89270DE-7577-4549-AD96-0A377172EF43}" type="datetimeFigureOut">
               <a:rPr lang="en-US" smtClean="0"/>
               <a:pPr/>
-              <a:t>12/29/2019</a:t>
+              <a:t>12/17/2020</a:t>
             </a:fld>
             <a:endParaRPr lang="en-US"/>
           </a:p>
@@ -13873,7 +13886,7 @@
     </p:spTree>
     <p:extLst>
       <p:ext uri="{BB962C8B-B14F-4D97-AF65-F5344CB8AC3E}">
-        <p14:creationId xmlns="" xmlns:p14="http://schemas.microsoft.com/office/powerpoint/2010/main" val="3387607256"/>
+        <p14:creationId xmlns:p14="http://schemas.microsoft.com/office/powerpoint/2010/main" val="3387607256"/>
       </p:ext>
     </p:extLst>
   </p:cSld>
@@ -14003,7 +14016,7 @@
             <a:fld id="{C89270DE-7577-4549-AD96-0A377172EF43}" type="datetimeFigureOut">
               <a:rPr lang="en-US" smtClean="0"/>
               <a:pPr/>
-              <a:t>12/29/2019</a:t>
+              <a:t>12/17/2020</a:t>
             </a:fld>
             <a:endParaRPr lang="en-US"/>
           </a:p>
@@ -14055,7 +14068,7 @@
     </p:spTree>
     <p:extLst>
       <p:ext uri="{BB962C8B-B14F-4D97-AF65-F5344CB8AC3E}">
-        <p14:creationId xmlns="" xmlns:p14="http://schemas.microsoft.com/office/powerpoint/2010/main" val="832914275"/>
+        <p14:creationId xmlns:p14="http://schemas.microsoft.com/office/powerpoint/2010/main" val="832914275"/>
       </p:ext>
     </p:extLst>
   </p:cSld>
@@ -14292,7 +14305,7 @@
             <a:fld id="{C89270DE-7577-4549-AD96-0A377172EF43}" type="datetimeFigureOut">
               <a:rPr lang="en-US" smtClean="0"/>
               <a:pPr/>
-              <a:t>12/29/2019</a:t>
+              <a:t>12/17/2020</a:t>
             </a:fld>
             <a:endParaRPr lang="en-US"/>
           </a:p>
@@ -14382,7 +14395,7 @@
     </p:spTree>
     <p:extLst>
       <p:ext uri="{BB962C8B-B14F-4D97-AF65-F5344CB8AC3E}">
-        <p14:creationId xmlns="" xmlns:p14="http://schemas.microsoft.com/office/powerpoint/2010/main" val="2850706761"/>
+        <p14:creationId xmlns:p14="http://schemas.microsoft.com/office/powerpoint/2010/main" val="2850706761"/>
       </p:ext>
     </p:extLst>
   </p:cSld>
@@ -14506,7 +14519,7 @@
             <a:fld id="{C89270DE-7577-4549-AD96-0A377172EF43}" type="datetimeFigureOut">
               <a:rPr lang="en-US" smtClean="0"/>
               <a:pPr/>
-              <a:t>12/29/2019</a:t>
+              <a:t>12/17/2020</a:t>
             </a:fld>
             <a:endParaRPr lang="en-US"/>
           </a:p>
@@ -14558,7 +14571,7 @@
     </p:spTree>
     <p:extLst>
       <p:ext uri="{BB962C8B-B14F-4D97-AF65-F5344CB8AC3E}">
-        <p14:creationId xmlns="" xmlns:p14="http://schemas.microsoft.com/office/powerpoint/2010/main" val="1408618383"/>
+        <p14:creationId xmlns:p14="http://schemas.microsoft.com/office/powerpoint/2010/main" val="1408618383"/>
       </p:ext>
     </p:extLst>
   </p:cSld>
@@ -14851,7 +14864,7 @@
             <a:fld id="{C89270DE-7577-4549-AD96-0A377172EF43}" type="datetimeFigureOut">
               <a:rPr lang="en-US" smtClean="0"/>
               <a:pPr/>
-              <a:t>12/29/2019</a:t>
+              <a:t>12/17/2020</a:t>
             </a:fld>
             <a:endParaRPr lang="en-US"/>
           </a:p>
@@ -14941,7 +14954,7 @@
     </p:spTree>
     <p:extLst>
       <p:ext uri="{BB962C8B-B14F-4D97-AF65-F5344CB8AC3E}">
-        <p14:creationId xmlns="" xmlns:p14="http://schemas.microsoft.com/office/powerpoint/2010/main" val="3696528011"/>
+        <p14:creationId xmlns:p14="http://schemas.microsoft.com/office/powerpoint/2010/main" val="3696528011"/>
       </p:ext>
     </p:extLst>
   </p:cSld>
@@ -15128,7 +15141,7 @@
             <a:fld id="{C89270DE-7577-4549-AD96-0A377172EF43}" type="datetimeFigureOut">
               <a:rPr lang="en-US" smtClean="0"/>
               <a:pPr/>
-              <a:t>12/29/2019</a:t>
+              <a:t>12/17/2020</a:t>
             </a:fld>
             <a:endParaRPr lang="en-US"/>
           </a:p>
@@ -15180,7 +15193,7 @@
     </p:spTree>
     <p:extLst>
       <p:ext uri="{BB962C8B-B14F-4D97-AF65-F5344CB8AC3E}">
-        <p14:creationId xmlns="" xmlns:p14="http://schemas.microsoft.com/office/powerpoint/2010/main" val="1906631207"/>
+        <p14:creationId xmlns:p14="http://schemas.microsoft.com/office/powerpoint/2010/main" val="1906631207"/>
       </p:ext>
     </p:extLst>
   </p:cSld>
@@ -15509,7 +15522,7 @@
             <a:fld id="{C89270DE-7577-4549-AD96-0A377172EF43}" type="datetimeFigureOut">
               <a:rPr lang="en-US" smtClean="0"/>
               <a:pPr/>
-              <a:t>12/29/2019</a:t>
+              <a:t>12/17/2020</a:t>
             </a:fld>
             <a:endParaRPr lang="en-US"/>
           </a:p>
@@ -15561,7 +15574,7 @@
     </p:spTree>
     <p:extLst>
       <p:ext uri="{BB962C8B-B14F-4D97-AF65-F5344CB8AC3E}">
-        <p14:creationId xmlns="" xmlns:p14="http://schemas.microsoft.com/office/powerpoint/2010/main" val="3673596529"/>
+        <p14:creationId xmlns:p14="http://schemas.microsoft.com/office/powerpoint/2010/main" val="3673596529"/>
       </p:ext>
     </p:extLst>
   </p:cSld>
@@ -15633,7 +15646,7 @@
             <a:fld id="{3384F58F-C8A0-467D-A01E-9BAFE85BFF9F}" type="datetimeFigureOut">
               <a:rPr lang="zh-TW" altLang="en-US" smtClean="0"/>
               <a:pPr/>
-              <a:t>2019/12/29</a:t>
+              <a:t>2020/12/17</a:t>
             </a:fld>
             <a:endParaRPr lang="zh-TW" altLang="en-US"/>
           </a:p>
@@ -15756,7 +15769,7 @@
             <a:fld id="{C89270DE-7577-4549-AD96-0A377172EF43}" type="datetimeFigureOut">
               <a:rPr lang="en-US" smtClean="0"/>
               <a:pPr/>
-              <a:t>12/29/2019</a:t>
+              <a:t>12/17/2020</a:t>
             </a:fld>
             <a:endParaRPr lang="en-US"/>
           </a:p>
@@ -15808,7 +15821,7 @@
     </p:spTree>
     <p:extLst>
       <p:ext uri="{BB962C8B-B14F-4D97-AF65-F5344CB8AC3E}">
-        <p14:creationId xmlns="" xmlns:p14="http://schemas.microsoft.com/office/powerpoint/2010/main" val="4100846712"/>
+        <p14:creationId xmlns:p14="http://schemas.microsoft.com/office/powerpoint/2010/main" val="4100846712"/>
       </p:ext>
     </p:extLst>
   </p:cSld>
@@ -15929,7 +15942,7 @@
             <a:fld id="{C89270DE-7577-4549-AD96-0A377172EF43}" type="datetimeFigureOut">
               <a:rPr lang="en-US" smtClean="0"/>
               <a:pPr/>
-              <a:t>12/29/2019</a:t>
+              <a:t>12/17/2020</a:t>
             </a:fld>
             <a:endParaRPr lang="en-US"/>
           </a:p>
@@ -15989,7 +16002,7 @@
     </p:spTree>
     <p:extLst>
       <p:ext uri="{BB962C8B-B14F-4D97-AF65-F5344CB8AC3E}">
-        <p14:creationId xmlns="" xmlns:p14="http://schemas.microsoft.com/office/powerpoint/2010/main" val="4109185027"/>
+        <p14:creationId xmlns:p14="http://schemas.microsoft.com/office/powerpoint/2010/main" val="4109185027"/>
       </p:ext>
     </p:extLst>
   </p:cSld>
@@ -16285,7 +16298,7 @@
             <a:fld id="{C89270DE-7577-4549-AD96-0A377172EF43}" type="datetimeFigureOut">
               <a:rPr lang="en-US" smtClean="0"/>
               <a:pPr/>
-              <a:t>12/29/2019</a:t>
+              <a:t>12/17/2020</a:t>
             </a:fld>
             <a:endParaRPr lang="en-US"/>
           </a:p>
@@ -16358,7 +16371,7 @@
     </p:spTree>
     <p:extLst>
       <p:ext uri="{BB962C8B-B14F-4D97-AF65-F5344CB8AC3E}">
-        <p14:creationId xmlns="" xmlns:p14="http://schemas.microsoft.com/office/powerpoint/2010/main" val="3835058550"/>
+        <p14:creationId xmlns:p14="http://schemas.microsoft.com/office/powerpoint/2010/main" val="3835058550"/>
       </p:ext>
     </p:extLst>
   </p:cSld>
@@ -16669,7 +16682,7 @@
             <a:fld id="{C89270DE-7577-4549-AD96-0A377172EF43}" type="datetimeFigureOut">
               <a:rPr lang="en-US" smtClean="0"/>
               <a:pPr/>
-              <a:t>12/29/2019</a:t>
+              <a:t>12/17/2020</a:t>
             </a:fld>
             <a:endParaRPr lang="en-US"/>
           </a:p>
@@ -16721,7 +16734,7 @@
     </p:spTree>
     <p:extLst>
       <p:ext uri="{BB962C8B-B14F-4D97-AF65-F5344CB8AC3E}">
-        <p14:creationId xmlns="" xmlns:p14="http://schemas.microsoft.com/office/powerpoint/2010/main" val="1134711779"/>
+        <p14:creationId xmlns:p14="http://schemas.microsoft.com/office/powerpoint/2010/main" val="1134711779"/>
       </p:ext>
     </p:extLst>
   </p:cSld>
@@ -16841,7 +16854,7 @@
             <a:fld id="{C89270DE-7577-4549-AD96-0A377172EF43}" type="datetimeFigureOut">
               <a:rPr lang="en-US" smtClean="0"/>
               <a:pPr/>
-              <a:t>12/29/2019</a:t>
+              <a:t>12/17/2020</a:t>
             </a:fld>
             <a:endParaRPr lang="en-US"/>
           </a:p>
@@ -16893,7 +16906,7 @@
     </p:spTree>
     <p:extLst>
       <p:ext uri="{BB962C8B-B14F-4D97-AF65-F5344CB8AC3E}">
-        <p14:creationId xmlns="" xmlns:p14="http://schemas.microsoft.com/office/powerpoint/2010/main" val="2303264286"/>
+        <p14:creationId xmlns:p14="http://schemas.microsoft.com/office/powerpoint/2010/main" val="2303264286"/>
       </p:ext>
     </p:extLst>
   </p:cSld>
@@ -17099,7 +17112,7 @@
             <a:fld id="{C89270DE-7577-4549-AD96-0A377172EF43}" type="datetimeFigureOut">
               <a:rPr lang="en-US" smtClean="0"/>
               <a:pPr/>
-              <a:t>12/29/2019</a:t>
+              <a:t>12/17/2020</a:t>
             </a:fld>
             <a:endParaRPr lang="en-US"/>
           </a:p>
@@ -17151,7 +17164,7 @@
     </p:spTree>
     <p:extLst>
       <p:ext uri="{BB962C8B-B14F-4D97-AF65-F5344CB8AC3E}">
-        <p14:creationId xmlns="" xmlns:p14="http://schemas.microsoft.com/office/powerpoint/2010/main" val="4076735701"/>
+        <p14:creationId xmlns:p14="http://schemas.microsoft.com/office/powerpoint/2010/main" val="4076735701"/>
       </p:ext>
     </p:extLst>
   </p:cSld>
@@ -17200,7 +17213,7 @@
             <a:fld id="{3384F58F-C8A0-467D-A01E-9BAFE85BFF9F}" type="datetimeFigureOut">
               <a:rPr lang="zh-TW" altLang="en-US" smtClean="0"/>
               <a:pPr/>
-              <a:t>2019/12/29</a:t>
+              <a:t>2020/12/17</a:t>
             </a:fld>
             <a:endParaRPr lang="zh-TW" altLang="en-US"/>
           </a:p>
@@ -17486,7 +17499,7 @@
             <a:fld id="{3384F58F-C8A0-467D-A01E-9BAFE85BFF9F}" type="datetimeFigureOut">
               <a:rPr lang="zh-TW" altLang="en-US" smtClean="0"/>
               <a:pPr/>
-              <a:t>2019/12/29</a:t>
+              <a:t>2020/12/17</a:t>
             </a:fld>
             <a:endParaRPr lang="zh-TW" altLang="en-US"/>
           </a:p>
@@ -17752,7 +17765,7 @@
             <a:fld id="{3384F58F-C8A0-467D-A01E-9BAFE85BFF9F}" type="datetimeFigureOut">
               <a:rPr lang="zh-TW" altLang="en-US" smtClean="0"/>
               <a:pPr/>
-              <a:t>2019/12/29</a:t>
+              <a:t>2020/12/17</a:t>
             </a:fld>
             <a:endParaRPr lang="zh-TW" altLang="en-US"/>
           </a:p>
@@ -18004,7 +18017,7 @@
             <a:fld id="{3384F58F-C8A0-467D-A01E-9BAFE85BFF9F}" type="datetimeFigureOut">
               <a:rPr lang="zh-TW" altLang="en-US" smtClean="0"/>
               <a:pPr/>
-              <a:t>2019/12/29</a:t>
+              <a:t>2020/12/17</a:t>
             </a:fld>
             <a:endParaRPr lang="zh-TW" altLang="en-US"/>
           </a:p>
@@ -20476,7 +20489,7 @@
             <a:fld id="{3384F58F-C8A0-467D-A01E-9BAFE85BFF9F}" type="datetimeFigureOut">
               <a:rPr lang="zh-TW" altLang="en-US" smtClean="0"/>
               <a:pPr/>
-              <a:t>2019/12/29</a:t>
+              <a:t>2020/12/17</a:t>
             </a:fld>
             <a:endParaRPr lang="zh-TW" altLang="en-US"/>
           </a:p>
@@ -20562,7 +20575,7 @@
     </p:spTree>
     <p:extLst>
       <p:ext uri="{BB962C8B-B14F-4D97-AF65-F5344CB8AC3E}">
-        <p14:creationId xmlns="" xmlns:p14="http://schemas.microsoft.com/office/powerpoint/2010/main" val="2077495091"/>
+        <p14:creationId xmlns:p14="http://schemas.microsoft.com/office/powerpoint/2010/main" val="2077495091"/>
       </p:ext>
     </p:extLst>
   </p:cSld>
@@ -21172,7 +21185,7 @@
             <a:fld id="{C89270DE-7577-4549-AD96-0A377172EF43}" type="datetimeFigureOut">
               <a:rPr lang="en-US" smtClean="0"/>
               <a:pPr/>
-              <a:t>12/29/2019</a:t>
+              <a:t>12/17/2020</a:t>
             </a:fld>
             <a:endParaRPr lang="en-US"/>
           </a:p>
@@ -21256,7 +21269,7 @@
     </p:spTree>
     <p:extLst>
       <p:ext uri="{BB962C8B-B14F-4D97-AF65-F5344CB8AC3E}">
-        <p14:creationId xmlns="" xmlns:p14="http://schemas.microsoft.com/office/powerpoint/2010/main" val="1033442795"/>
+        <p14:creationId xmlns:p14="http://schemas.microsoft.com/office/powerpoint/2010/main" val="1033442795"/>
       </p:ext>
     </p:extLst>
   </p:cSld>
@@ -22300,7 +22313,7 @@
             <a:fld id="{C89270DE-7577-4549-AD96-0A377172EF43}" type="datetimeFigureOut">
               <a:rPr lang="en-US" smtClean="0"/>
               <a:pPr/>
-              <a:t>12/29/2019</a:t>
+              <a:t>12/17/2020</a:t>
             </a:fld>
             <a:endParaRPr lang="en-US"/>
           </a:p>
@@ -22386,7 +22399,7 @@
     </p:spTree>
     <p:extLst>
       <p:ext uri="{BB962C8B-B14F-4D97-AF65-F5344CB8AC3E}">
-        <p14:creationId xmlns="" xmlns:p14="http://schemas.microsoft.com/office/powerpoint/2010/main" val="3129595064"/>
+        <p14:creationId xmlns:p14="http://schemas.microsoft.com/office/powerpoint/2010/main" val="3129595064"/>
       </p:ext>
     </p:extLst>
   </p:cSld>
@@ -23035,7 +23048,7 @@
             <a:fld id="{C89270DE-7577-4549-AD96-0A377172EF43}" type="datetimeFigureOut">
               <a:rPr lang="en-US" smtClean="0"/>
               <a:pPr/>
-              <a:t>12/29/2019</a:t>
+              <a:t>12/17/2020</a:t>
             </a:fld>
             <a:endParaRPr lang="en-US"/>
           </a:p>
@@ -23157,7 +23170,7 @@
     </p:spTree>
     <p:extLst>
       <p:ext uri="{BB962C8B-B14F-4D97-AF65-F5344CB8AC3E}">
-        <p14:creationId xmlns="" xmlns:p14="http://schemas.microsoft.com/office/powerpoint/2010/main" val="1945528109"/>
+        <p14:creationId xmlns:p14="http://schemas.microsoft.com/office/powerpoint/2010/main" val="1945528109"/>
       </p:ext>
     </p:extLst>
   </p:cSld>
@@ -24060,581 +24073,6 @@
               <a:latin typeface="微軟正黑體" pitchFamily="34" charset="-120"/>
               <a:ea typeface="微軟正黑體" pitchFamily="34" charset="-120"/>
             </a:endParaRPr>
-          </a:p>
-        </p:txBody>
-      </p:sp>
-    </p:spTree>
-  </p:cSld>
-  <p:clrMapOvr>
-    <a:masterClrMapping/>
-  </p:clrMapOvr>
-  <p:timing>
-    <p:tnLst>
-      <p:par>
-        <p:cTn id="1" dur="indefinite" restart="never" nodeType="tmRoot"/>
-      </p:par>
-    </p:tnLst>
-  </p:timing>
-</p:sld>
-</file>
-
-<file path=ppt/slides/slide5.xml><?xml version="1.0" encoding="utf-8"?>
-<p:sld xmlns:a="http://schemas.openxmlformats.org/drawingml/2006/main" xmlns:r="http://schemas.openxmlformats.org/officeDocument/2006/relationships" xmlns:p="http://schemas.openxmlformats.org/presentationml/2006/main">
-  <p:cSld>
-    <p:spTree>
-      <p:nvGrpSpPr>
-        <p:cNvPr id="1" name=""/>
-        <p:cNvGrpSpPr/>
-        <p:nvPr/>
-      </p:nvGrpSpPr>
-      <p:grpSpPr>
-        <a:xfrm>
-          <a:off x="0" y="0"/>
-          <a:ext cx="0" cy="0"/>
-          <a:chOff x="0" y="0"/>
-          <a:chExt cx="0" cy="0"/>
-        </a:xfrm>
-      </p:grpSpPr>
-      <p:sp>
-        <p:nvSpPr>
-          <p:cNvPr id="4" name="標題 3"/>
-          <p:cNvSpPr>
-            <a:spLocks noGrp="1"/>
-          </p:cNvSpPr>
-          <p:nvPr>
-            <p:ph type="title"/>
-          </p:nvPr>
-        </p:nvSpPr>
-        <p:spPr/>
-        <p:txBody>
-          <a:bodyPr>
-            <a:normAutofit/>
-          </a:bodyPr>
-          <a:lstStyle/>
-          <a:p>
-            <a:r>
-              <a:rPr lang="zh-TW" altLang="en-US" sz="4000" b="1" dirty="0" smtClean="0">
-                <a:solidFill>
-                  <a:srgbClr val="000066"/>
-                </a:solidFill>
-                <a:latin typeface="微軟正黑體" pitchFamily="34" charset="-120"/>
-                <a:ea typeface="微軟正黑體" pitchFamily="34" charset="-120"/>
-              </a:rPr>
-              <a:t>主恩典</a:t>
-            </a:r>
-            <a:endParaRPr lang="zh-TW" altLang="en-US" sz="4000" b="1" dirty="0">
-              <a:solidFill>
-                <a:srgbClr val="000066"/>
-              </a:solidFill>
-              <a:latin typeface="微軟正黑體" pitchFamily="34" charset="-120"/>
-              <a:ea typeface="微軟正黑體" pitchFamily="34" charset="-120"/>
-            </a:endParaRPr>
-          </a:p>
-        </p:txBody>
-      </p:sp>
-      <p:sp>
-        <p:nvSpPr>
-          <p:cNvPr id="5" name="內容版面配置區 4"/>
-          <p:cNvSpPr>
-            <a:spLocks noGrp="1"/>
-          </p:cNvSpPr>
-          <p:nvPr>
-            <p:ph idx="1"/>
-          </p:nvPr>
-        </p:nvSpPr>
-        <p:spPr/>
-        <p:txBody>
-          <a:bodyPr>
-            <a:noAutofit/>
-          </a:bodyPr>
-          <a:lstStyle/>
-          <a:p>
-            <a:pPr algn="ctr">
-              <a:buNone/>
-            </a:pPr>
-            <a:r>
-              <a:rPr lang="zh-TW" altLang="en-US" sz="4800" b="1" dirty="0">
-                <a:solidFill>
-                  <a:srgbClr val="000066"/>
-                </a:solidFill>
-                <a:latin typeface="微軟正黑體" pitchFamily="34" charset="-120"/>
-                <a:ea typeface="微軟正黑體" pitchFamily="34" charset="-120"/>
-              </a:rPr>
-              <a:t>主恩典何等</a:t>
-            </a:r>
-            <a:r>
-              <a:rPr lang="zh-TW" altLang="en-US" sz="4800" b="1" dirty="0" smtClean="0">
-                <a:solidFill>
-                  <a:srgbClr val="000066"/>
-                </a:solidFill>
-                <a:latin typeface="微軟正黑體" pitchFamily="34" charset="-120"/>
-                <a:ea typeface="微軟正黑體" pitchFamily="34" charset="-120"/>
-              </a:rPr>
-              <a:t>美好</a:t>
-            </a:r>
-            <a:endParaRPr lang="en-US" altLang="zh-TW" sz="4800" b="1" dirty="0" smtClean="0">
-              <a:solidFill>
-                <a:srgbClr val="000066"/>
-              </a:solidFill>
-              <a:latin typeface="微軟正黑體" pitchFamily="34" charset="-120"/>
-              <a:ea typeface="微軟正黑體" pitchFamily="34" charset="-120"/>
-            </a:endParaRPr>
-          </a:p>
-          <a:p>
-            <a:pPr algn="ctr">
-              <a:buNone/>
-            </a:pPr>
-            <a:r>
-              <a:rPr lang="zh-TW" altLang="en-US" sz="4800" b="1" dirty="0" smtClean="0">
-                <a:solidFill>
-                  <a:srgbClr val="000066"/>
-                </a:solidFill>
-                <a:latin typeface="微軟正黑體" pitchFamily="34" charset="-120"/>
-                <a:ea typeface="微軟正黑體" pitchFamily="34" charset="-120"/>
-              </a:rPr>
-              <a:t>比</a:t>
-            </a:r>
-            <a:r>
-              <a:rPr lang="zh-TW" altLang="en-US" sz="4800" b="1" dirty="0">
-                <a:solidFill>
-                  <a:srgbClr val="000066"/>
-                </a:solidFill>
-                <a:latin typeface="微軟正黑體" pitchFamily="34" charset="-120"/>
-                <a:ea typeface="微軟正黑體" pitchFamily="34" charset="-120"/>
-              </a:rPr>
-              <a:t>海深也比山</a:t>
-            </a:r>
-            <a:r>
-              <a:rPr lang="zh-TW" altLang="en-US" sz="4800" b="1" dirty="0" smtClean="0">
-                <a:solidFill>
-                  <a:srgbClr val="000066"/>
-                </a:solidFill>
-                <a:latin typeface="微軟正黑體" pitchFamily="34" charset="-120"/>
-                <a:ea typeface="微軟正黑體" pitchFamily="34" charset="-120"/>
-              </a:rPr>
-              <a:t>高</a:t>
-            </a:r>
-            <a:endParaRPr lang="en-US" altLang="zh-TW" sz="4800" b="1" dirty="0">
-              <a:solidFill>
-                <a:srgbClr val="000066"/>
-              </a:solidFill>
-              <a:latin typeface="微軟正黑體" pitchFamily="34" charset="-120"/>
-              <a:ea typeface="微軟正黑體" pitchFamily="34" charset="-120"/>
-            </a:endParaRPr>
-          </a:p>
-          <a:p>
-            <a:pPr algn="ctr">
-              <a:buNone/>
-            </a:pPr>
-            <a:r>
-              <a:rPr lang="zh-TW" altLang="en-US" sz="4800" b="1" dirty="0" smtClean="0">
-                <a:solidFill>
-                  <a:srgbClr val="000066"/>
-                </a:solidFill>
-                <a:latin typeface="微軟正黑體" pitchFamily="34" charset="-120"/>
-                <a:ea typeface="微軟正黑體" pitchFamily="34" charset="-120"/>
-              </a:rPr>
-              <a:t>過去</a:t>
-            </a:r>
-            <a:r>
-              <a:rPr lang="zh-TW" altLang="en-US" sz="4800" b="1" dirty="0">
-                <a:solidFill>
-                  <a:srgbClr val="000066"/>
-                </a:solidFill>
-                <a:latin typeface="微軟正黑體" pitchFamily="34" charset="-120"/>
-                <a:ea typeface="微軟正黑體" pitchFamily="34" charset="-120"/>
-              </a:rPr>
-              <a:t>現在和</a:t>
-            </a:r>
-            <a:r>
-              <a:rPr lang="zh-TW" altLang="en-US" sz="4800" b="1" dirty="0" smtClean="0">
-                <a:solidFill>
-                  <a:srgbClr val="000066"/>
-                </a:solidFill>
-                <a:latin typeface="微軟正黑體" pitchFamily="34" charset="-120"/>
-                <a:ea typeface="微軟正黑體" pitchFamily="34" charset="-120"/>
-              </a:rPr>
-              <a:t>未來</a:t>
-            </a:r>
-            <a:endParaRPr lang="en-US" altLang="zh-TW" sz="4800" b="1" dirty="0" smtClean="0">
-              <a:solidFill>
-                <a:srgbClr val="000066"/>
-              </a:solidFill>
-              <a:latin typeface="微軟正黑體" pitchFamily="34" charset="-120"/>
-              <a:ea typeface="微軟正黑體" pitchFamily="34" charset="-120"/>
-            </a:endParaRPr>
-          </a:p>
-          <a:p>
-            <a:pPr algn="ctr">
-              <a:buNone/>
-            </a:pPr>
-            <a:r>
-              <a:rPr lang="zh-TW" altLang="en-US" sz="4800" b="1" dirty="0" smtClean="0">
-                <a:solidFill>
-                  <a:srgbClr val="000066"/>
-                </a:solidFill>
-                <a:latin typeface="微軟正黑體" pitchFamily="34" charset="-120"/>
-                <a:ea typeface="微軟正黑體" pitchFamily="34" charset="-120"/>
-              </a:rPr>
-              <a:t>主</a:t>
-            </a:r>
-            <a:r>
-              <a:rPr lang="zh-TW" altLang="en-US" sz="4800" b="1" dirty="0">
-                <a:solidFill>
-                  <a:srgbClr val="000066"/>
-                </a:solidFill>
-                <a:latin typeface="微軟正黑體" pitchFamily="34" charset="-120"/>
-                <a:ea typeface="微軟正黑體" pitchFamily="34" charset="-120"/>
-              </a:rPr>
-              <a:t>恩豐富奇妙</a:t>
-            </a:r>
-          </a:p>
-        </p:txBody>
-      </p:sp>
-    </p:spTree>
-  </p:cSld>
-  <p:clrMapOvr>
-    <a:masterClrMapping/>
-  </p:clrMapOvr>
-  <p:timing>
-    <p:tnLst>
-      <p:par>
-        <p:cTn id="1" dur="indefinite" restart="never" nodeType="tmRoot"/>
-      </p:par>
-    </p:tnLst>
-  </p:timing>
-</p:sld>
-</file>
-
-<file path=ppt/slides/slide6.xml><?xml version="1.0" encoding="utf-8"?>
-<p:sld xmlns:a="http://schemas.openxmlformats.org/drawingml/2006/main" xmlns:r="http://schemas.openxmlformats.org/officeDocument/2006/relationships" xmlns:p="http://schemas.openxmlformats.org/presentationml/2006/main">
-  <p:cSld>
-    <p:spTree>
-      <p:nvGrpSpPr>
-        <p:cNvPr id="1" name=""/>
-        <p:cNvGrpSpPr/>
-        <p:nvPr/>
-      </p:nvGrpSpPr>
-      <p:grpSpPr>
-        <a:xfrm>
-          <a:off x="0" y="0"/>
-          <a:ext cx="0" cy="0"/>
-          <a:chOff x="0" y="0"/>
-          <a:chExt cx="0" cy="0"/>
-        </a:xfrm>
-      </p:grpSpPr>
-      <p:sp>
-        <p:nvSpPr>
-          <p:cNvPr id="4" name="標題 3"/>
-          <p:cNvSpPr>
-            <a:spLocks noGrp="1"/>
-          </p:cNvSpPr>
-          <p:nvPr>
-            <p:ph type="title"/>
-          </p:nvPr>
-        </p:nvSpPr>
-        <p:spPr/>
-        <p:txBody>
-          <a:bodyPr>
-            <a:normAutofit/>
-          </a:bodyPr>
-          <a:lstStyle/>
-          <a:p>
-            <a:r>
-              <a:rPr lang="zh-TW" altLang="en-US" sz="4000" b="1" dirty="0">
-                <a:solidFill>
-                  <a:srgbClr val="000066"/>
-                </a:solidFill>
-                <a:latin typeface="微軟正黑體" pitchFamily="34" charset="-120"/>
-                <a:ea typeface="微軟正黑體" pitchFamily="34" charset="-120"/>
-              </a:rPr>
-              <a:t>主恩典</a:t>
-            </a:r>
-          </a:p>
-        </p:txBody>
-      </p:sp>
-      <p:sp>
-        <p:nvSpPr>
-          <p:cNvPr id="5" name="內容版面配置區 4"/>
-          <p:cNvSpPr>
-            <a:spLocks noGrp="1"/>
-          </p:cNvSpPr>
-          <p:nvPr>
-            <p:ph idx="1"/>
-          </p:nvPr>
-        </p:nvSpPr>
-        <p:spPr/>
-        <p:txBody>
-          <a:bodyPr>
-            <a:noAutofit/>
-          </a:bodyPr>
-          <a:lstStyle/>
-          <a:p>
-            <a:pPr algn="ctr">
-              <a:buNone/>
-            </a:pPr>
-            <a:r>
-              <a:rPr lang="zh-TW" altLang="en-US" sz="4800" b="1" dirty="0">
-                <a:solidFill>
-                  <a:srgbClr val="000066"/>
-                </a:solidFill>
-                <a:latin typeface="微軟正黑體" pitchFamily="34" charset="-120"/>
-                <a:ea typeface="微軟正黑體" pitchFamily="34" charset="-120"/>
-              </a:rPr>
-              <a:t>主的恩典大大小小</a:t>
-            </a:r>
-            <a:endParaRPr lang="en-US" altLang="zh-TW" sz="4800" b="1" dirty="0">
-              <a:solidFill>
-                <a:srgbClr val="000066"/>
-              </a:solidFill>
-              <a:latin typeface="微軟正黑體" pitchFamily="34" charset="-120"/>
-              <a:ea typeface="微軟正黑體" pitchFamily="34" charset="-120"/>
-            </a:endParaRPr>
-          </a:p>
-          <a:p>
-            <a:pPr algn="ctr">
-              <a:buNone/>
-            </a:pPr>
-            <a:r>
-              <a:rPr lang="zh-TW" altLang="en-US" sz="4800" b="1" dirty="0">
-                <a:solidFill>
-                  <a:srgbClr val="000066"/>
-                </a:solidFill>
-                <a:latin typeface="微軟正黑體" pitchFamily="34" charset="-120"/>
-                <a:ea typeface="微軟正黑體" pitchFamily="34" charset="-120"/>
-              </a:rPr>
-              <a:t>主的恩典從頭到腳</a:t>
-            </a:r>
-            <a:endParaRPr lang="en-US" altLang="zh-TW" sz="4800" b="1" dirty="0">
-              <a:solidFill>
-                <a:srgbClr val="000066"/>
-              </a:solidFill>
-              <a:latin typeface="微軟正黑體" pitchFamily="34" charset="-120"/>
-              <a:ea typeface="微軟正黑體" pitchFamily="34" charset="-120"/>
-            </a:endParaRPr>
-          </a:p>
-          <a:p>
-            <a:pPr algn="ctr">
-              <a:buNone/>
-            </a:pPr>
-            <a:r>
-              <a:rPr lang="zh-TW" altLang="en-US" sz="4800" b="1" dirty="0">
-                <a:solidFill>
-                  <a:srgbClr val="000066"/>
-                </a:solidFill>
-                <a:latin typeface="微軟正黑體" pitchFamily="34" charset="-120"/>
-                <a:ea typeface="微軟正黑體" pitchFamily="34" charset="-120"/>
-              </a:rPr>
-              <a:t>白白得來不能忘掉</a:t>
-            </a:r>
-            <a:endParaRPr lang="en-US" altLang="zh-TW" sz="4800" b="1" dirty="0">
-              <a:solidFill>
-                <a:srgbClr val="000066"/>
-              </a:solidFill>
-              <a:latin typeface="微軟正黑體" pitchFamily="34" charset="-120"/>
-              <a:ea typeface="微軟正黑體" pitchFamily="34" charset="-120"/>
-            </a:endParaRPr>
-          </a:p>
-          <a:p>
-            <a:pPr algn="ctr">
-              <a:buNone/>
-            </a:pPr>
-            <a:r>
-              <a:rPr lang="zh-TW" altLang="en-US" sz="4800" b="1" dirty="0">
-                <a:solidFill>
-                  <a:srgbClr val="000066"/>
-                </a:solidFill>
-                <a:latin typeface="微軟正黑體" pitchFamily="34" charset="-120"/>
-                <a:ea typeface="微軟正黑體" pitchFamily="34" charset="-120"/>
-              </a:rPr>
-              <a:t>感謝湧出如浪潮</a:t>
-            </a:r>
-          </a:p>
-        </p:txBody>
-      </p:sp>
-    </p:spTree>
-  </p:cSld>
-  <p:clrMapOvr>
-    <a:masterClrMapping/>
-  </p:clrMapOvr>
-  <p:timing>
-    <p:tnLst>
-      <p:par>
-        <p:cTn id="1" dur="indefinite" restart="never" nodeType="tmRoot"/>
-      </p:par>
-    </p:tnLst>
-  </p:timing>
-</p:sld>
-</file>
-
-<file path=ppt/slides/slide7.xml><?xml version="1.0" encoding="utf-8"?>
-<p:sld xmlns:a="http://schemas.openxmlformats.org/drawingml/2006/main" xmlns:r="http://schemas.openxmlformats.org/officeDocument/2006/relationships" xmlns:p="http://schemas.openxmlformats.org/presentationml/2006/main">
-  <p:cSld>
-    <p:spTree>
-      <p:nvGrpSpPr>
-        <p:cNvPr id="1" name=""/>
-        <p:cNvGrpSpPr/>
-        <p:nvPr/>
-      </p:nvGrpSpPr>
-      <p:grpSpPr>
-        <a:xfrm>
-          <a:off x="0" y="0"/>
-          <a:ext cx="0" cy="0"/>
-          <a:chOff x="0" y="0"/>
-          <a:chExt cx="0" cy="0"/>
-        </a:xfrm>
-      </p:grpSpPr>
-      <p:sp>
-        <p:nvSpPr>
-          <p:cNvPr id="4" name="標題 3"/>
-          <p:cNvSpPr>
-            <a:spLocks noGrp="1"/>
-          </p:cNvSpPr>
-          <p:nvPr>
-            <p:ph type="title"/>
-          </p:nvPr>
-        </p:nvSpPr>
-        <p:spPr/>
-        <p:txBody>
-          <a:bodyPr>
-            <a:normAutofit/>
-          </a:bodyPr>
-          <a:lstStyle/>
-          <a:p>
-            <a:r>
-              <a:rPr lang="zh-TW" altLang="en-US" sz="4000" b="1" dirty="0">
-                <a:solidFill>
-                  <a:srgbClr val="000066"/>
-                </a:solidFill>
-                <a:latin typeface="微軟正黑體" pitchFamily="34" charset="-120"/>
-                <a:ea typeface="微軟正黑體" pitchFamily="34" charset="-120"/>
-              </a:rPr>
-              <a:t>主恩典</a:t>
-            </a:r>
-          </a:p>
-        </p:txBody>
-      </p:sp>
-      <p:sp>
-        <p:nvSpPr>
-          <p:cNvPr id="5" name="內容版面配置區 4"/>
-          <p:cNvSpPr>
-            <a:spLocks noGrp="1"/>
-          </p:cNvSpPr>
-          <p:nvPr>
-            <p:ph idx="1"/>
-          </p:nvPr>
-        </p:nvSpPr>
-        <p:spPr>
-          <a:xfrm>
-            <a:off x="0" y="1600200"/>
-            <a:ext cx="9144000" cy="5257800"/>
-          </a:xfrm>
-        </p:spPr>
-        <p:txBody>
-          <a:bodyPr>
-            <a:normAutofit/>
-          </a:bodyPr>
-          <a:lstStyle/>
-          <a:p>
-            <a:pPr algn="ctr">
-              <a:buNone/>
-            </a:pPr>
-            <a:r>
-              <a:rPr lang="zh-TW" altLang="en-US" sz="4800" b="1" dirty="0">
-                <a:solidFill>
-                  <a:srgbClr val="000066"/>
-                </a:solidFill>
-                <a:latin typeface="微軟正黑體" pitchFamily="34" charset="-120"/>
-                <a:ea typeface="微軟正黑體" pitchFamily="34" charset="-120"/>
-              </a:rPr>
-              <a:t>啦  啦  啦  啦  啦</a:t>
-            </a:r>
-            <a:r>
-              <a:rPr lang="en-US" altLang="zh-TW" sz="4800" b="1" dirty="0">
-                <a:solidFill>
-                  <a:srgbClr val="000066"/>
-                </a:solidFill>
-                <a:latin typeface="微軟正黑體" pitchFamily="34" charset="-120"/>
-                <a:ea typeface="微軟正黑體" pitchFamily="34" charset="-120"/>
-              </a:rPr>
-              <a:t>  </a:t>
-            </a:r>
-            <a:r>
-              <a:rPr lang="zh-TW" altLang="en-US" sz="4800" b="1" dirty="0">
-                <a:solidFill>
-                  <a:srgbClr val="000066"/>
-                </a:solidFill>
-                <a:latin typeface="微軟正黑體" pitchFamily="34" charset="-120"/>
-                <a:ea typeface="微軟正黑體" pitchFamily="34" charset="-120"/>
-              </a:rPr>
-              <a:t>我要讚美</a:t>
-            </a:r>
-            <a:endParaRPr lang="en-US" altLang="zh-TW" sz="4800" b="1" dirty="0">
-              <a:solidFill>
-                <a:srgbClr val="000066"/>
-              </a:solidFill>
-              <a:latin typeface="微軟正黑體" pitchFamily="34" charset="-120"/>
-              <a:ea typeface="微軟正黑體" pitchFamily="34" charset="-120"/>
-            </a:endParaRPr>
-          </a:p>
-          <a:p>
-            <a:pPr algn="ctr">
-              <a:buNone/>
-            </a:pPr>
-            <a:r>
-              <a:rPr lang="zh-TW" altLang="en-US" sz="4800" b="1" dirty="0">
-                <a:solidFill>
-                  <a:srgbClr val="000066"/>
-                </a:solidFill>
-                <a:latin typeface="微軟正黑體" pitchFamily="34" charset="-120"/>
-                <a:ea typeface="微軟正黑體" pitchFamily="34" charset="-120"/>
-              </a:rPr>
-              <a:t>啦啦啦啦啦  我還要讚美</a:t>
-            </a:r>
-            <a:endParaRPr lang="en-US" altLang="zh-TW" sz="4800" b="1" dirty="0">
-              <a:solidFill>
-                <a:srgbClr val="000066"/>
-              </a:solidFill>
-              <a:latin typeface="微軟正黑體" pitchFamily="34" charset="-120"/>
-              <a:ea typeface="微軟正黑體" pitchFamily="34" charset="-120"/>
-            </a:endParaRPr>
-          </a:p>
-          <a:p>
-            <a:pPr algn="ctr">
-              <a:buNone/>
-            </a:pPr>
-            <a:r>
-              <a:rPr lang="zh-TW" altLang="en-US" sz="4800" b="1" dirty="0">
-                <a:solidFill>
-                  <a:srgbClr val="000066"/>
-                </a:solidFill>
-                <a:latin typeface="微軟正黑體" pitchFamily="34" charset="-120"/>
-                <a:ea typeface="微軟正黑體" pitchFamily="34" charset="-120"/>
-              </a:rPr>
-              <a:t>啦  啦  啦  啦  啦</a:t>
-            </a:r>
-            <a:endParaRPr lang="en-US" altLang="zh-TW" sz="4800" b="1" dirty="0">
-              <a:solidFill>
-                <a:srgbClr val="000066"/>
-              </a:solidFill>
-              <a:latin typeface="微軟正黑體" pitchFamily="34" charset="-120"/>
-              <a:ea typeface="微軟正黑體" pitchFamily="34" charset="-120"/>
-            </a:endParaRPr>
-          </a:p>
-          <a:p>
-            <a:pPr algn="ctr">
-              <a:buNone/>
-            </a:pPr>
-            <a:r>
-              <a:rPr lang="zh-TW" altLang="en-US" sz="4800" b="1" dirty="0">
-                <a:solidFill>
-                  <a:srgbClr val="000066"/>
-                </a:solidFill>
-                <a:latin typeface="微軟正黑體" pitchFamily="34" charset="-120"/>
-                <a:ea typeface="微軟正黑體" pitchFamily="34" charset="-120"/>
-              </a:rPr>
-              <a:t>我一生讚美  一生要來讚美主</a:t>
-            </a:r>
           </a:p>
         </p:txBody>
       </p:sp>
@@ -25735,7 +25173,7 @@
   <a:extraClrSchemeLst/>
   <a:extLst>
     <a:ext uri="{05A4C25C-085E-4340-85A3-A5531E510DB2}">
-      <thm15:themeFamily xmlns="" xmlns:thm15="http://schemas.microsoft.com/office/thememl/2012/main" name="Wisp" id="{7CB32D59-10C0-40DD-B7BD-2E94284A981C}" vid="{24B1A44C-C006-48B2-A4D7-E5549B3D8CD4}"/>
+      <thm15:themeFamily xmlns:thm15="http://schemas.microsoft.com/office/thememl/2012/main" name="Wisp" id="{7CB32D59-10C0-40DD-B7BD-2E94284A981C}" vid="{24B1A44C-C006-48B2-A4D7-E5549B3D8CD4}"/>
     </a:ext>
   </a:extLst>
 </a:theme>
@@ -25972,7 +25410,7 @@
   <a:extraClrSchemeLst/>
   <a:extLst>
     <a:ext uri="{05A4C25C-085E-4340-85A3-A5531E510DB2}">
-      <thm15:themeFamily xmlns="" xmlns:thm15="http://schemas.microsoft.com/office/thememl/2012/main" name="Basis" id="{5665723A-49BA-4B57-8411-A56F8F207965}" vid="{90E45F77-AEFC-46EF-A7C1-5B338C297B02}"/>
+      <thm15:themeFamily xmlns:thm15="http://schemas.microsoft.com/office/thememl/2012/main" name="Basis" id="{5665723A-49BA-4B57-8411-A56F8F207965}" vid="{90E45F77-AEFC-46EF-A7C1-5B338C297B02}"/>
     </a:ext>
   </a:extLst>
 </a:theme>
@@ -26229,7 +25667,7 @@
   <a:extraClrSchemeLst/>
   <a:extLst>
     <a:ext uri="{05A4C25C-085E-4340-85A3-A5531E510DB2}">
-      <thm15:themeFamily xmlns="" xmlns:thm15="http://schemas.microsoft.com/office/thememl/2012/main" name="Facet" id="{C0C680CD-088A-49FC-A102-D699147F32B2}" vid="{CFBC31BA-B70F-4F30-BCAA-4F3011E16C4D}"/>
+      <thm15:themeFamily xmlns:thm15="http://schemas.microsoft.com/office/thememl/2012/main" name="Facet" id="{C0C680CD-088A-49FC-A102-D699147F32B2}" vid="{CFBC31BA-B70F-4F30-BCAA-4F3011E16C4D}"/>
     </a:ext>
   </a:extLst>
 </a:theme>
@@ -26512,7 +25950,7 @@
   <a:extraClrSchemeLst/>
   <a:extLst>
     <a:ext uri="{05A4C25C-085E-4340-85A3-A5531E510DB2}">
-      <thm15:themeFamily xmlns="" xmlns:thm15="http://schemas.microsoft.com/office/thememl/2012/main" name="Retrospect" id="{5F128B03-DCCA-4EEB-AB3B-CF2899314A46}" vid="{3F1AAB62-24C6-49D2-8E01-B56FAC9A3DCD}"/>
+      <thm15:themeFamily xmlns:thm15="http://schemas.microsoft.com/office/thememl/2012/main" name="Retrospect" id="{5F128B03-DCCA-4EEB-AB3B-CF2899314A46}" vid="{3F1AAB62-24C6-49D2-8E01-B56FAC9A3DCD}"/>
     </a:ext>
   </a:extLst>
 </a:theme>

--- a/主的大家庭.pptx
+++ b/主的大家庭.pptx
@@ -13,6 +13,14 @@
     <p:sldId id="258" r:id="rId7"/>
     <p:sldId id="259" r:id="rId8"/>
     <p:sldId id="260" r:id="rId9"/>
+    <p:sldId id="261" r:id="rId10"/>
+    <p:sldId id="264" r:id="rId11"/>
+    <p:sldId id="262" r:id="rId12"/>
+    <p:sldId id="263" r:id="rId13"/>
+    <p:sldId id="265" r:id="rId14"/>
+    <p:sldId id="266" r:id="rId15"/>
+    <p:sldId id="267" r:id="rId16"/>
+    <p:sldId id="268" r:id="rId17"/>
   </p:sldIdLst>
   <p:sldSz cx="9144000" cy="6858000" type="screen4x3"/>
   <p:notesSz cx="6858000" cy="9144000"/>
@@ -113,7 +121,7 @@
   </p:defaultTextStyle>
   <p:extLst>
     <p:ext uri="{EFAFB233-063F-42B5-8137-9DF3F51BA10A}">
-      <p15:sldGuideLst xmlns:p15="http://schemas.microsoft.com/office/powerpoint/2012/main">
+      <p15:sldGuideLst xmlns:p15="http://schemas.microsoft.com/office/powerpoint/2012/main" xmlns="">
         <p15:guide id="1" orient="horz" pos="2160">
           <p15:clr>
             <a:srgbClr val="A4A3A4"/>
@@ -262,7 +270,7 @@
             <a:fld id="{3384F58F-C8A0-467D-A01E-9BAFE85BFF9F}" type="datetimeFigureOut">
               <a:rPr lang="zh-TW" altLang="en-US" smtClean="0"/>
               <a:pPr/>
-              <a:t>2020/12/17</a:t>
+              <a:t>2022/6/26</a:t>
             </a:fld>
             <a:endParaRPr lang="zh-TW" altLang="en-US"/>
           </a:p>
@@ -441,7 +449,7 @@
             <a:fld id="{3384F58F-C8A0-467D-A01E-9BAFE85BFF9F}" type="datetimeFigureOut">
               <a:rPr lang="zh-TW" altLang="en-US" smtClean="0"/>
               <a:pPr/>
-              <a:t>2020/12/17</a:t>
+              <a:t>2022/6/26</a:t>
             </a:fld>
             <a:endParaRPr lang="zh-TW" altLang="en-US"/>
           </a:p>
@@ -630,7 +638,7 @@
             <a:fld id="{3384F58F-C8A0-467D-A01E-9BAFE85BFF9F}" type="datetimeFigureOut">
               <a:rPr lang="zh-TW" altLang="en-US" smtClean="0"/>
               <a:pPr/>
-              <a:t>2020/12/17</a:t>
+              <a:t>2022/6/26</a:t>
             </a:fld>
             <a:endParaRPr lang="zh-TW" altLang="en-US"/>
           </a:p>
@@ -884,7 +892,7 @@
             <a:fld id="{3384F58F-C8A0-467D-A01E-9BAFE85BFF9F}" type="datetimeFigureOut">
               <a:rPr lang="zh-TW" altLang="en-US" smtClean="0"/>
               <a:pPr/>
-              <a:t>2020/12/17</a:t>
+              <a:t>2022/6/26</a:t>
             </a:fld>
             <a:endParaRPr lang="zh-TW" altLang="en-US"/>
           </a:p>
@@ -1023,7 +1031,7 @@
     </p:spTree>
     <p:extLst>
       <p:ext uri="{BB962C8B-B14F-4D97-AF65-F5344CB8AC3E}">
-        <p14:creationId xmlns:p14="http://schemas.microsoft.com/office/powerpoint/2010/main" val="1420252522"/>
+        <p14:creationId xmlns:p14="http://schemas.microsoft.com/office/powerpoint/2010/main" xmlns="" val="1420252522"/>
       </p:ext>
     </p:extLst>
   </p:cSld>
@@ -1153,7 +1161,7 @@
             <a:fld id="{3384F58F-C8A0-467D-A01E-9BAFE85BFF9F}" type="datetimeFigureOut">
               <a:rPr lang="zh-TW" altLang="en-US" smtClean="0"/>
               <a:pPr/>
-              <a:t>2020/12/17</a:t>
+              <a:t>2022/6/26</a:t>
             </a:fld>
             <a:endParaRPr lang="zh-TW" altLang="en-US"/>
           </a:p>
@@ -1287,7 +1295,7 @@
     </p:spTree>
     <p:extLst>
       <p:ext uri="{BB962C8B-B14F-4D97-AF65-F5344CB8AC3E}">
-        <p14:creationId xmlns:p14="http://schemas.microsoft.com/office/powerpoint/2010/main" val="2402873800"/>
+        <p14:creationId xmlns:p14="http://schemas.microsoft.com/office/powerpoint/2010/main" xmlns="" val="2402873800"/>
       </p:ext>
     </p:extLst>
   </p:cSld>
@@ -1484,7 +1492,7 @@
             <a:fld id="{3384F58F-C8A0-467D-A01E-9BAFE85BFF9F}" type="datetimeFigureOut">
               <a:rPr lang="zh-TW" altLang="en-US" smtClean="0"/>
               <a:pPr/>
-              <a:t>2020/12/17</a:t>
+              <a:t>2022/6/26</a:t>
             </a:fld>
             <a:endParaRPr lang="zh-TW" altLang="en-US"/>
           </a:p>
@@ -1623,7 +1631,7 @@
     </p:spTree>
     <p:extLst>
       <p:ext uri="{BB962C8B-B14F-4D97-AF65-F5344CB8AC3E}">
-        <p14:creationId xmlns:p14="http://schemas.microsoft.com/office/powerpoint/2010/main" val="1446301327"/>
+        <p14:creationId xmlns:p14="http://schemas.microsoft.com/office/powerpoint/2010/main" xmlns="" val="1446301327"/>
       </p:ext>
     </p:extLst>
   </p:cSld>
@@ -1809,7 +1817,7 @@
             <a:fld id="{3384F58F-C8A0-467D-A01E-9BAFE85BFF9F}" type="datetimeFigureOut">
               <a:rPr lang="zh-TW" altLang="en-US" smtClean="0"/>
               <a:pPr/>
-              <a:t>2020/12/17</a:t>
+              <a:t>2022/6/26</a:t>
             </a:fld>
             <a:endParaRPr lang="zh-TW" altLang="en-US"/>
           </a:p>
@@ -1948,7 +1956,7 @@
     </p:spTree>
     <p:extLst>
       <p:ext uri="{BB962C8B-B14F-4D97-AF65-F5344CB8AC3E}">
-        <p14:creationId xmlns:p14="http://schemas.microsoft.com/office/powerpoint/2010/main" val="3854665519"/>
+        <p14:creationId xmlns:p14="http://schemas.microsoft.com/office/powerpoint/2010/main" xmlns="" val="3854665519"/>
       </p:ext>
     </p:extLst>
   </p:cSld>
@@ -2268,7 +2276,7 @@
             <a:fld id="{3384F58F-C8A0-467D-A01E-9BAFE85BFF9F}" type="datetimeFigureOut">
               <a:rPr lang="zh-TW" altLang="en-US" smtClean="0"/>
               <a:pPr/>
-              <a:t>2020/12/17</a:t>
+              <a:t>2022/6/26</a:t>
             </a:fld>
             <a:endParaRPr lang="zh-TW" altLang="en-US"/>
           </a:p>
@@ -2407,7 +2415,7 @@
     </p:spTree>
     <p:extLst>
       <p:ext uri="{BB962C8B-B14F-4D97-AF65-F5344CB8AC3E}">
-        <p14:creationId xmlns:p14="http://schemas.microsoft.com/office/powerpoint/2010/main" val="997341680"/>
+        <p14:creationId xmlns:p14="http://schemas.microsoft.com/office/powerpoint/2010/main" xmlns="" val="997341680"/>
       </p:ext>
     </p:extLst>
   </p:cSld>
@@ -2475,7 +2483,7 @@
             <a:fld id="{3384F58F-C8A0-467D-A01E-9BAFE85BFF9F}" type="datetimeFigureOut">
               <a:rPr lang="zh-TW" altLang="en-US" smtClean="0"/>
               <a:pPr/>
-              <a:t>2020/12/17</a:t>
+              <a:t>2022/6/26</a:t>
             </a:fld>
             <a:endParaRPr lang="zh-TW" altLang="en-US"/>
           </a:p>
@@ -2609,7 +2617,7 @@
     </p:spTree>
     <p:extLst>
       <p:ext uri="{BB962C8B-B14F-4D97-AF65-F5344CB8AC3E}">
-        <p14:creationId xmlns:p14="http://schemas.microsoft.com/office/powerpoint/2010/main" val="3149438605"/>
+        <p14:creationId xmlns:p14="http://schemas.microsoft.com/office/powerpoint/2010/main" xmlns="" val="3149438605"/>
       </p:ext>
     </p:extLst>
   </p:cSld>
@@ -2654,7 +2662,7 @@
             <a:fld id="{3384F58F-C8A0-467D-A01E-9BAFE85BFF9F}" type="datetimeFigureOut">
               <a:rPr lang="zh-TW" altLang="en-US" smtClean="0"/>
               <a:pPr/>
-              <a:t>2020/12/17</a:t>
+              <a:t>2022/6/26</a:t>
             </a:fld>
             <a:endParaRPr lang="zh-TW" altLang="en-US"/>
           </a:p>
@@ -2788,7 +2796,7 @@
     </p:spTree>
     <p:extLst>
       <p:ext uri="{BB962C8B-B14F-4D97-AF65-F5344CB8AC3E}">
-        <p14:creationId xmlns:p14="http://schemas.microsoft.com/office/powerpoint/2010/main" val="1742955394"/>
+        <p14:creationId xmlns:p14="http://schemas.microsoft.com/office/powerpoint/2010/main" xmlns="" val="1742955394"/>
       </p:ext>
     </p:extLst>
   </p:cSld>
@@ -2989,7 +2997,7 @@
             <a:fld id="{3384F58F-C8A0-467D-A01E-9BAFE85BFF9F}" type="datetimeFigureOut">
               <a:rPr lang="zh-TW" altLang="en-US" smtClean="0"/>
               <a:pPr/>
-              <a:t>2020/12/17</a:t>
+              <a:t>2022/6/26</a:t>
             </a:fld>
             <a:endParaRPr lang="zh-TW" altLang="en-US"/>
           </a:p>
@@ -3123,7 +3131,7 @@
     </p:spTree>
     <p:extLst>
       <p:ext uri="{BB962C8B-B14F-4D97-AF65-F5344CB8AC3E}">
-        <p14:creationId xmlns:p14="http://schemas.microsoft.com/office/powerpoint/2010/main" val="2700973954"/>
+        <p14:creationId xmlns:p14="http://schemas.microsoft.com/office/powerpoint/2010/main" xmlns="" val="2700973954"/>
       </p:ext>
     </p:extLst>
   </p:cSld>
@@ -3247,7 +3255,7 @@
             <a:fld id="{3384F58F-C8A0-467D-A01E-9BAFE85BFF9F}" type="datetimeFigureOut">
               <a:rPr lang="zh-TW" altLang="en-US" smtClean="0"/>
               <a:pPr/>
-              <a:t>2020/12/17</a:t>
+              <a:t>2022/6/26</a:t>
             </a:fld>
             <a:endParaRPr lang="zh-TW" altLang="en-US"/>
           </a:p>
@@ -3515,7 +3523,7 @@
             <a:fld id="{3384F58F-C8A0-467D-A01E-9BAFE85BFF9F}" type="datetimeFigureOut">
               <a:rPr lang="zh-TW" altLang="en-US" smtClean="0"/>
               <a:pPr/>
-              <a:t>2020/12/17</a:t>
+              <a:t>2022/6/26</a:t>
             </a:fld>
             <a:endParaRPr lang="zh-TW" altLang="en-US"/>
           </a:p>
@@ -3654,7 +3662,7 @@
     </p:spTree>
     <p:extLst>
       <p:ext uri="{BB962C8B-B14F-4D97-AF65-F5344CB8AC3E}">
-        <p14:creationId xmlns:p14="http://schemas.microsoft.com/office/powerpoint/2010/main" val="2607302339"/>
+        <p14:creationId xmlns:p14="http://schemas.microsoft.com/office/powerpoint/2010/main" xmlns="" val="2607302339"/>
       </p:ext>
     </p:extLst>
   </p:cSld>
@@ -3855,7 +3863,7 @@
             <a:fld id="{3384F58F-C8A0-467D-A01E-9BAFE85BFF9F}" type="datetimeFigureOut">
               <a:rPr lang="zh-TW" altLang="en-US" smtClean="0"/>
               <a:pPr/>
-              <a:t>2020/12/17</a:t>
+              <a:t>2022/6/26</a:t>
             </a:fld>
             <a:endParaRPr lang="zh-TW" altLang="en-US"/>
           </a:p>
@@ -3994,7 +4002,7 @@
     </p:spTree>
     <p:extLst>
       <p:ext uri="{BB962C8B-B14F-4D97-AF65-F5344CB8AC3E}">
-        <p14:creationId xmlns:p14="http://schemas.microsoft.com/office/powerpoint/2010/main" val="2400830201"/>
+        <p14:creationId xmlns:p14="http://schemas.microsoft.com/office/powerpoint/2010/main" xmlns="" val="2400830201"/>
       </p:ext>
     </p:extLst>
   </p:cSld>
@@ -4258,7 +4266,7 @@
             <a:fld id="{3384F58F-C8A0-467D-A01E-9BAFE85BFF9F}" type="datetimeFigureOut">
               <a:rPr lang="zh-TW" altLang="en-US" smtClean="0"/>
               <a:pPr/>
-              <a:t>2020/12/17</a:t>
+              <a:t>2022/6/26</a:t>
             </a:fld>
             <a:endParaRPr lang="zh-TW" altLang="en-US"/>
           </a:p>
@@ -4473,7 +4481,7 @@
     </p:spTree>
     <p:extLst>
       <p:ext uri="{BB962C8B-B14F-4D97-AF65-F5344CB8AC3E}">
-        <p14:creationId xmlns:p14="http://schemas.microsoft.com/office/powerpoint/2010/main" val="126676221"/>
+        <p14:creationId xmlns:p14="http://schemas.microsoft.com/office/powerpoint/2010/main" xmlns="" val="126676221"/>
       </p:ext>
     </p:extLst>
   </p:cSld>
@@ -4596,7 +4604,7 @@
             <a:fld id="{3384F58F-C8A0-467D-A01E-9BAFE85BFF9F}" type="datetimeFigureOut">
               <a:rPr lang="zh-TW" altLang="en-US" smtClean="0"/>
               <a:pPr/>
-              <a:t>2020/12/17</a:t>
+              <a:t>2022/6/26</a:t>
             </a:fld>
             <a:endParaRPr lang="zh-TW" altLang="en-US"/>
           </a:p>
@@ -4735,7 +4743,7 @@
     </p:spTree>
     <p:extLst>
       <p:ext uri="{BB962C8B-B14F-4D97-AF65-F5344CB8AC3E}">
-        <p14:creationId xmlns:p14="http://schemas.microsoft.com/office/powerpoint/2010/main" val="3019115838"/>
+        <p14:creationId xmlns:p14="http://schemas.microsoft.com/office/powerpoint/2010/main" xmlns="" val="3019115838"/>
       </p:ext>
     </p:extLst>
   </p:cSld>
@@ -4918,7 +4926,7 @@
             <a:fld id="{3384F58F-C8A0-467D-A01E-9BAFE85BFF9F}" type="datetimeFigureOut">
               <a:rPr lang="zh-TW" altLang="en-US" smtClean="0"/>
               <a:pPr/>
-              <a:t>2020/12/17</a:t>
+              <a:t>2022/6/26</a:t>
             </a:fld>
             <a:endParaRPr lang="zh-TW" altLang="en-US"/>
           </a:p>
@@ -5133,7 +5141,7 @@
     </p:spTree>
     <p:extLst>
       <p:ext uri="{BB962C8B-B14F-4D97-AF65-F5344CB8AC3E}">
-        <p14:creationId xmlns:p14="http://schemas.microsoft.com/office/powerpoint/2010/main" val="1614387129"/>
+        <p14:creationId xmlns:p14="http://schemas.microsoft.com/office/powerpoint/2010/main" xmlns="" val="1614387129"/>
       </p:ext>
     </p:extLst>
   </p:cSld>
@@ -5316,7 +5324,7 @@
             <a:fld id="{3384F58F-C8A0-467D-A01E-9BAFE85BFF9F}" type="datetimeFigureOut">
               <a:rPr lang="zh-TW" altLang="en-US" smtClean="0"/>
               <a:pPr/>
-              <a:t>2020/12/17</a:t>
+              <a:t>2022/6/26</a:t>
             </a:fld>
             <a:endParaRPr lang="zh-TW" altLang="en-US"/>
           </a:p>
@@ -5455,7 +5463,7 @@
     </p:spTree>
     <p:extLst>
       <p:ext uri="{BB962C8B-B14F-4D97-AF65-F5344CB8AC3E}">
-        <p14:creationId xmlns:p14="http://schemas.microsoft.com/office/powerpoint/2010/main" val="3853056041"/>
+        <p14:creationId xmlns:p14="http://schemas.microsoft.com/office/powerpoint/2010/main" xmlns="" val="3853056041"/>
       </p:ext>
     </p:extLst>
   </p:cSld>
@@ -5575,7 +5583,7 @@
             <a:fld id="{3384F58F-C8A0-467D-A01E-9BAFE85BFF9F}" type="datetimeFigureOut">
               <a:rPr lang="zh-TW" altLang="en-US" smtClean="0"/>
               <a:pPr/>
-              <a:t>2020/12/17</a:t>
+              <a:t>2022/6/26</a:t>
             </a:fld>
             <a:endParaRPr lang="zh-TW" altLang="en-US"/>
           </a:p>
@@ -5709,7 +5717,7 @@
     </p:spTree>
     <p:extLst>
       <p:ext uri="{BB962C8B-B14F-4D97-AF65-F5344CB8AC3E}">
-        <p14:creationId xmlns:p14="http://schemas.microsoft.com/office/powerpoint/2010/main" val="3100766371"/>
+        <p14:creationId xmlns:p14="http://schemas.microsoft.com/office/powerpoint/2010/main" xmlns="" val="3100766371"/>
       </p:ext>
     </p:extLst>
   </p:cSld>
@@ -5839,7 +5847,7 @@
             <a:fld id="{3384F58F-C8A0-467D-A01E-9BAFE85BFF9F}" type="datetimeFigureOut">
               <a:rPr lang="zh-TW" altLang="en-US" smtClean="0"/>
               <a:pPr/>
-              <a:t>2020/12/17</a:t>
+              <a:t>2022/6/26</a:t>
             </a:fld>
             <a:endParaRPr lang="zh-TW" altLang="en-US"/>
           </a:p>
@@ -5973,7 +5981,7 @@
     </p:spTree>
     <p:extLst>
       <p:ext uri="{BB962C8B-B14F-4D97-AF65-F5344CB8AC3E}">
-        <p14:creationId xmlns:p14="http://schemas.microsoft.com/office/powerpoint/2010/main" val="2281816504"/>
+        <p14:creationId xmlns:p14="http://schemas.microsoft.com/office/powerpoint/2010/main" xmlns="" val="2281816504"/>
       </p:ext>
     </p:extLst>
   </p:cSld>
@@ -6180,7 +6188,7 @@
             <a:fld id="{C89270DE-7577-4549-AD96-0A377172EF43}" type="datetimeFigureOut">
               <a:rPr lang="en-US" smtClean="0"/>
               <a:pPr/>
-              <a:t>12/17/2020</a:t>
+              <a:t>6/26/2022</a:t>
             </a:fld>
             <a:endParaRPr lang="en-US"/>
           </a:p>
@@ -6283,7 +6291,7 @@
     </p:spTree>
     <p:extLst>
       <p:ext uri="{BB962C8B-B14F-4D97-AF65-F5344CB8AC3E}">
-        <p14:creationId xmlns:p14="http://schemas.microsoft.com/office/powerpoint/2010/main" val="2911672352"/>
+        <p14:creationId xmlns:p14="http://schemas.microsoft.com/office/powerpoint/2010/main" xmlns="" val="2911672352"/>
       </p:ext>
     </p:extLst>
   </p:cSld>
@@ -6403,7 +6411,7 @@
             <a:fld id="{C89270DE-7577-4549-AD96-0A377172EF43}" type="datetimeFigureOut">
               <a:rPr lang="en-US" smtClean="0"/>
               <a:pPr/>
-              <a:t>12/17/2020</a:t>
+              <a:t>6/26/2022</a:t>
             </a:fld>
             <a:endParaRPr lang="en-US"/>
           </a:p>
@@ -6455,7 +6463,7 @@
     </p:spTree>
     <p:extLst>
       <p:ext uri="{BB962C8B-B14F-4D97-AF65-F5344CB8AC3E}">
-        <p14:creationId xmlns:p14="http://schemas.microsoft.com/office/powerpoint/2010/main" val="1320305320"/>
+        <p14:creationId xmlns:p14="http://schemas.microsoft.com/office/powerpoint/2010/main" xmlns="" val="1320305320"/>
       </p:ext>
     </p:extLst>
   </p:cSld>
@@ -6601,7 +6609,7 @@
             <a:fld id="{3384F58F-C8A0-467D-A01E-9BAFE85BFF9F}" type="datetimeFigureOut">
               <a:rPr lang="zh-TW" altLang="en-US" smtClean="0"/>
               <a:pPr/>
-              <a:t>2020/12/17</a:t>
+              <a:t>2022/6/26</a:t>
             </a:fld>
             <a:endParaRPr lang="zh-TW" altLang="en-US"/>
           </a:p>
@@ -6857,7 +6865,7 @@
             <a:fld id="{C89270DE-7577-4549-AD96-0A377172EF43}" type="datetimeFigureOut">
               <a:rPr lang="en-US" smtClean="0"/>
               <a:pPr/>
-              <a:t>12/17/2020</a:t>
+              <a:t>6/26/2022</a:t>
             </a:fld>
             <a:endParaRPr lang="en-US"/>
           </a:p>
@@ -6944,7 +6952,7 @@
     </p:spTree>
     <p:extLst>
       <p:ext uri="{BB962C8B-B14F-4D97-AF65-F5344CB8AC3E}">
-        <p14:creationId xmlns:p14="http://schemas.microsoft.com/office/powerpoint/2010/main" val="3496850984"/>
+        <p14:creationId xmlns:p14="http://schemas.microsoft.com/office/powerpoint/2010/main" xmlns="" val="3496850984"/>
       </p:ext>
     </p:extLst>
   </p:cSld>
@@ -7182,7 +7190,7 @@
             <a:fld id="{C89270DE-7577-4549-AD96-0A377172EF43}" type="datetimeFigureOut">
               <a:rPr lang="en-US" smtClean="0"/>
               <a:pPr/>
-              <a:t>12/17/2020</a:t>
+              <a:t>6/26/2022</a:t>
             </a:fld>
             <a:endParaRPr lang="en-US"/>
           </a:p>
@@ -7234,7 +7242,7 @@
     </p:spTree>
     <p:extLst>
       <p:ext uri="{BB962C8B-B14F-4D97-AF65-F5344CB8AC3E}">
-        <p14:creationId xmlns:p14="http://schemas.microsoft.com/office/powerpoint/2010/main" val="3207825343"/>
+        <p14:creationId xmlns:p14="http://schemas.microsoft.com/office/powerpoint/2010/main" xmlns="" val="3207825343"/>
       </p:ext>
     </p:extLst>
   </p:cSld>
@@ -7608,7 +7616,7 @@
             <a:fld id="{C89270DE-7577-4549-AD96-0A377172EF43}" type="datetimeFigureOut">
               <a:rPr lang="en-US" smtClean="0"/>
               <a:pPr/>
-              <a:t>12/17/2020</a:t>
+              <a:t>6/26/2022</a:t>
             </a:fld>
             <a:endParaRPr lang="en-US"/>
           </a:p>
@@ -7660,7 +7668,7 @@
     </p:spTree>
     <p:extLst>
       <p:ext uri="{BB962C8B-B14F-4D97-AF65-F5344CB8AC3E}">
-        <p14:creationId xmlns:p14="http://schemas.microsoft.com/office/powerpoint/2010/main" val="1375813665"/>
+        <p14:creationId xmlns:p14="http://schemas.microsoft.com/office/powerpoint/2010/main" xmlns="" val="1375813665"/>
       </p:ext>
     </p:extLst>
   </p:cSld>
@@ -7728,7 +7736,7 @@
             <a:fld id="{C89270DE-7577-4549-AD96-0A377172EF43}" type="datetimeFigureOut">
               <a:rPr lang="en-US" smtClean="0"/>
               <a:pPr/>
-              <a:t>12/17/2020</a:t>
+              <a:t>6/26/2022</a:t>
             </a:fld>
             <a:endParaRPr lang="en-US"/>
           </a:p>
@@ -7780,7 +7788,7 @@
     </p:spTree>
     <p:extLst>
       <p:ext uri="{BB962C8B-B14F-4D97-AF65-F5344CB8AC3E}">
-        <p14:creationId xmlns:p14="http://schemas.microsoft.com/office/powerpoint/2010/main" val="2161804257"/>
+        <p14:creationId xmlns:p14="http://schemas.microsoft.com/office/powerpoint/2010/main" xmlns="" val="2161804257"/>
       </p:ext>
     </p:extLst>
   </p:cSld>
@@ -7825,7 +7833,7 @@
             <a:fld id="{C89270DE-7577-4549-AD96-0A377172EF43}" type="datetimeFigureOut">
               <a:rPr lang="en-US" smtClean="0"/>
               <a:pPr/>
-              <a:t>12/17/2020</a:t>
+              <a:t>6/26/2022</a:t>
             </a:fld>
             <a:endParaRPr lang="en-US"/>
           </a:p>
@@ -7877,7 +7885,7 @@
     </p:spTree>
     <p:extLst>
       <p:ext uri="{BB962C8B-B14F-4D97-AF65-F5344CB8AC3E}">
-        <p14:creationId xmlns:p14="http://schemas.microsoft.com/office/powerpoint/2010/main" val="1787600985"/>
+        <p14:creationId xmlns:p14="http://schemas.microsoft.com/office/powerpoint/2010/main" xmlns="" val="1787600985"/>
       </p:ext>
     </p:extLst>
   </p:cSld>
@@ -8117,7 +8125,7 @@
             <a:fld id="{C89270DE-7577-4549-AD96-0A377172EF43}" type="datetimeFigureOut">
               <a:rPr lang="en-US" smtClean="0"/>
               <a:pPr/>
-              <a:t>12/17/2020</a:t>
+              <a:t>6/26/2022</a:t>
             </a:fld>
             <a:endParaRPr lang="en-US"/>
           </a:p>
@@ -8169,7 +8177,7 @@
     </p:spTree>
     <p:extLst>
       <p:ext uri="{BB962C8B-B14F-4D97-AF65-F5344CB8AC3E}">
-        <p14:creationId xmlns:p14="http://schemas.microsoft.com/office/powerpoint/2010/main" val="1639783474"/>
+        <p14:creationId xmlns:p14="http://schemas.microsoft.com/office/powerpoint/2010/main" xmlns="" val="1639783474"/>
       </p:ext>
     </p:extLst>
   </p:cSld>
@@ -8391,7 +8399,7 @@
             <a:fld id="{C89270DE-7577-4549-AD96-0A377172EF43}" type="datetimeFigureOut">
               <a:rPr lang="en-US" smtClean="0"/>
               <a:pPr/>
-              <a:t>12/17/2020</a:t>
+              <a:t>6/26/2022</a:t>
             </a:fld>
             <a:endParaRPr lang="en-US"/>
           </a:p>
@@ -8443,7 +8451,7 @@
     </p:spTree>
     <p:extLst>
       <p:ext uri="{BB962C8B-B14F-4D97-AF65-F5344CB8AC3E}">
-        <p14:creationId xmlns:p14="http://schemas.microsoft.com/office/powerpoint/2010/main" val="1399789528"/>
+        <p14:creationId xmlns:p14="http://schemas.microsoft.com/office/powerpoint/2010/main" xmlns="" val="1399789528"/>
       </p:ext>
     </p:extLst>
   </p:cSld>
@@ -8563,7 +8571,7 @@
             <a:fld id="{C89270DE-7577-4549-AD96-0A377172EF43}" type="datetimeFigureOut">
               <a:rPr lang="en-US" smtClean="0"/>
               <a:pPr/>
-              <a:t>12/17/2020</a:t>
+              <a:t>6/26/2022</a:t>
             </a:fld>
             <a:endParaRPr lang="en-US"/>
           </a:p>
@@ -8615,7 +8623,7 @@
     </p:spTree>
     <p:extLst>
       <p:ext uri="{BB962C8B-B14F-4D97-AF65-F5344CB8AC3E}">
-        <p14:creationId xmlns:p14="http://schemas.microsoft.com/office/powerpoint/2010/main" val="2582524952"/>
+        <p14:creationId xmlns:p14="http://schemas.microsoft.com/office/powerpoint/2010/main" xmlns="" val="2582524952"/>
       </p:ext>
     </p:extLst>
   </p:cSld>
@@ -8745,7 +8753,7 @@
             <a:fld id="{C89270DE-7577-4549-AD96-0A377172EF43}" type="datetimeFigureOut">
               <a:rPr lang="en-US" smtClean="0"/>
               <a:pPr/>
-              <a:t>12/17/2020</a:t>
+              <a:t>6/26/2022</a:t>
             </a:fld>
             <a:endParaRPr lang="en-US"/>
           </a:p>
@@ -8797,7 +8805,7 @@
     </p:spTree>
     <p:extLst>
       <p:ext uri="{BB962C8B-B14F-4D97-AF65-F5344CB8AC3E}">
-        <p14:creationId xmlns:p14="http://schemas.microsoft.com/office/powerpoint/2010/main" val="2338115402"/>
+        <p14:creationId xmlns:p14="http://schemas.microsoft.com/office/powerpoint/2010/main" xmlns="" val="2338115402"/>
       </p:ext>
     </p:extLst>
   </p:cSld>
@@ -9530,7 +9538,7 @@
             <a:fld id="{C89270DE-7577-4549-AD96-0A377172EF43}" type="datetimeFigureOut">
               <a:rPr lang="en-US" smtClean="0"/>
               <a:pPr/>
-              <a:t>12/17/2020</a:t>
+              <a:t>6/26/2022</a:t>
             </a:fld>
             <a:endParaRPr lang="en-US"/>
           </a:p>
@@ -9582,7 +9590,7 @@
     </p:spTree>
     <p:extLst>
       <p:ext uri="{BB962C8B-B14F-4D97-AF65-F5344CB8AC3E}">
-        <p14:creationId xmlns:p14="http://schemas.microsoft.com/office/powerpoint/2010/main" val="288782076"/>
+        <p14:creationId xmlns:p14="http://schemas.microsoft.com/office/powerpoint/2010/main" xmlns="" val="288782076"/>
       </p:ext>
     </p:extLst>
   </p:cSld>
@@ -9824,7 +9832,7 @@
             <a:fld id="{3384F58F-C8A0-467D-A01E-9BAFE85BFF9F}" type="datetimeFigureOut">
               <a:rPr lang="zh-TW" altLang="en-US" smtClean="0"/>
               <a:pPr/>
-              <a:t>2020/12/17</a:t>
+              <a:t>2022/6/26</a:t>
             </a:fld>
             <a:endParaRPr lang="zh-TW" altLang="en-US"/>
           </a:p>
@@ -10005,7 +10013,7 @@
             <a:fld id="{C89270DE-7577-4549-AD96-0A377172EF43}" type="datetimeFigureOut">
               <a:rPr lang="en-US" smtClean="0"/>
               <a:pPr/>
-              <a:t>12/17/2020</a:t>
+              <a:t>6/26/2022</a:t>
             </a:fld>
             <a:endParaRPr lang="en-US"/>
           </a:p>
@@ -10057,7 +10065,7 @@
     </p:spTree>
     <p:extLst>
       <p:ext uri="{BB962C8B-B14F-4D97-AF65-F5344CB8AC3E}">
-        <p14:creationId xmlns:p14="http://schemas.microsoft.com/office/powerpoint/2010/main" val="4293135353"/>
+        <p14:creationId xmlns:p14="http://schemas.microsoft.com/office/powerpoint/2010/main" xmlns="" val="4293135353"/>
       </p:ext>
     </p:extLst>
   </p:cSld>
@@ -10254,7 +10262,7 @@
             <a:fld id="{C89270DE-7577-4549-AD96-0A377172EF43}" type="datetimeFigureOut">
               <a:rPr lang="en-US" smtClean="0"/>
               <a:pPr/>
-              <a:t>12/17/2020</a:t>
+              <a:t>6/26/2022</a:t>
             </a:fld>
             <a:endParaRPr lang="en-US"/>
           </a:p>
@@ -10306,7 +10314,7 @@
     </p:spTree>
     <p:extLst>
       <p:ext uri="{BB962C8B-B14F-4D97-AF65-F5344CB8AC3E}">
-        <p14:creationId xmlns:p14="http://schemas.microsoft.com/office/powerpoint/2010/main" val="143783560"/>
+        <p14:creationId xmlns:p14="http://schemas.microsoft.com/office/powerpoint/2010/main" xmlns="" val="143783560"/>
       </p:ext>
     </p:extLst>
   </p:cSld>
@@ -10488,7 +10496,7 @@
             <a:fld id="{C89270DE-7577-4549-AD96-0A377172EF43}" type="datetimeFigureOut">
               <a:rPr lang="en-US" smtClean="0"/>
               <a:pPr/>
-              <a:t>12/17/2020</a:t>
+              <a:t>6/26/2022</a:t>
             </a:fld>
             <a:endParaRPr lang="en-US"/>
           </a:p>
@@ -10540,7 +10548,7 @@
     </p:spTree>
     <p:extLst>
       <p:ext uri="{BB962C8B-B14F-4D97-AF65-F5344CB8AC3E}">
-        <p14:creationId xmlns:p14="http://schemas.microsoft.com/office/powerpoint/2010/main" val="2848911863"/>
+        <p14:creationId xmlns:p14="http://schemas.microsoft.com/office/powerpoint/2010/main" xmlns="" val="2848911863"/>
       </p:ext>
     </p:extLst>
   </p:cSld>
@@ -10864,7 +10872,7 @@
             <a:fld id="{C89270DE-7577-4549-AD96-0A377172EF43}" type="datetimeFigureOut">
               <a:rPr lang="en-US" smtClean="0"/>
               <a:pPr/>
-              <a:t>12/17/2020</a:t>
+              <a:t>6/26/2022</a:t>
             </a:fld>
             <a:endParaRPr lang="en-US"/>
           </a:p>
@@ -10916,7 +10924,7 @@
     </p:spTree>
     <p:extLst>
       <p:ext uri="{BB962C8B-B14F-4D97-AF65-F5344CB8AC3E}">
-        <p14:creationId xmlns:p14="http://schemas.microsoft.com/office/powerpoint/2010/main" val="3307446124"/>
+        <p14:creationId xmlns:p14="http://schemas.microsoft.com/office/powerpoint/2010/main" xmlns="" val="3307446124"/>
       </p:ext>
     </p:extLst>
   </p:cSld>
@@ -10989,7 +10997,7 @@
             <a:fld id="{C89270DE-7577-4549-AD96-0A377172EF43}" type="datetimeFigureOut">
               <a:rPr lang="en-US" smtClean="0"/>
               <a:pPr/>
-              <a:t>12/17/2020</a:t>
+              <a:t>6/26/2022</a:t>
             </a:fld>
             <a:endParaRPr lang="en-US"/>
           </a:p>
@@ -11041,7 +11049,7 @@
     </p:spTree>
     <p:extLst>
       <p:ext uri="{BB962C8B-B14F-4D97-AF65-F5344CB8AC3E}">
-        <p14:creationId xmlns:p14="http://schemas.microsoft.com/office/powerpoint/2010/main" val="2258692390"/>
+        <p14:creationId xmlns:p14="http://schemas.microsoft.com/office/powerpoint/2010/main" xmlns="" val="2258692390"/>
       </p:ext>
     </p:extLst>
   </p:cSld>
@@ -11086,7 +11094,7 @@
             <a:fld id="{C89270DE-7577-4549-AD96-0A377172EF43}" type="datetimeFigureOut">
               <a:rPr lang="en-US" smtClean="0"/>
               <a:pPr/>
-              <a:t>12/17/2020</a:t>
+              <a:t>6/26/2022</a:t>
             </a:fld>
             <a:endParaRPr lang="en-US"/>
           </a:p>
@@ -11138,7 +11146,7 @@
     </p:spTree>
     <p:extLst>
       <p:ext uri="{BB962C8B-B14F-4D97-AF65-F5344CB8AC3E}">
-        <p14:creationId xmlns:p14="http://schemas.microsoft.com/office/powerpoint/2010/main" val="2823363212"/>
+        <p14:creationId xmlns:p14="http://schemas.microsoft.com/office/powerpoint/2010/main" xmlns="" val="2823363212"/>
       </p:ext>
     </p:extLst>
   </p:cSld>
@@ -11343,7 +11351,7 @@
             <a:fld id="{C89270DE-7577-4549-AD96-0A377172EF43}" type="datetimeFigureOut">
               <a:rPr lang="en-US" smtClean="0"/>
               <a:pPr/>
-              <a:t>12/17/2020</a:t>
+              <a:t>6/26/2022</a:t>
             </a:fld>
             <a:endParaRPr lang="en-US"/>
           </a:p>
@@ -11395,7 +11403,7 @@
     </p:spTree>
     <p:extLst>
       <p:ext uri="{BB962C8B-B14F-4D97-AF65-F5344CB8AC3E}">
-        <p14:creationId xmlns:p14="http://schemas.microsoft.com/office/powerpoint/2010/main" val="3036016673"/>
+        <p14:creationId xmlns:p14="http://schemas.microsoft.com/office/powerpoint/2010/main" xmlns="" val="3036016673"/>
       </p:ext>
     </p:extLst>
   </p:cSld>
@@ -11608,7 +11616,7 @@
             <a:fld id="{C89270DE-7577-4549-AD96-0A377172EF43}" type="datetimeFigureOut">
               <a:rPr lang="en-US" smtClean="0"/>
               <a:pPr/>
-              <a:t>12/17/2020</a:t>
+              <a:t>6/26/2022</a:t>
             </a:fld>
             <a:endParaRPr lang="en-US"/>
           </a:p>
@@ -11660,7 +11668,7 @@
     </p:spTree>
     <p:extLst>
       <p:ext uri="{BB962C8B-B14F-4D97-AF65-F5344CB8AC3E}">
-        <p14:creationId xmlns:p14="http://schemas.microsoft.com/office/powerpoint/2010/main" val="633447560"/>
+        <p14:creationId xmlns:p14="http://schemas.microsoft.com/office/powerpoint/2010/main" xmlns="" val="633447560"/>
       </p:ext>
     </p:extLst>
   </p:cSld>
@@ -11861,7 +11869,7 @@
             <a:fld id="{C89270DE-7577-4549-AD96-0A377172EF43}" type="datetimeFigureOut">
               <a:rPr lang="en-US" smtClean="0"/>
               <a:pPr/>
-              <a:t>12/17/2020</a:t>
+              <a:t>6/26/2022</a:t>
             </a:fld>
             <a:endParaRPr lang="en-US"/>
           </a:p>
@@ -11913,7 +11921,7 @@
     </p:spTree>
     <p:extLst>
       <p:ext uri="{BB962C8B-B14F-4D97-AF65-F5344CB8AC3E}">
-        <p14:creationId xmlns:p14="http://schemas.microsoft.com/office/powerpoint/2010/main" val="3106836870"/>
+        <p14:creationId xmlns:p14="http://schemas.microsoft.com/office/powerpoint/2010/main" xmlns="" val="3106836870"/>
       </p:ext>
     </p:extLst>
   </p:cSld>
@@ -12177,7 +12185,7 @@
             <a:fld id="{C89270DE-7577-4549-AD96-0A377172EF43}" type="datetimeFigureOut">
               <a:rPr lang="en-US" smtClean="0"/>
               <a:pPr/>
-              <a:t>12/17/2020</a:t>
+              <a:t>6/26/2022</a:t>
             </a:fld>
             <a:endParaRPr lang="en-US"/>
           </a:p>
@@ -12319,7 +12327,7 @@
     </p:spTree>
     <p:extLst>
       <p:ext uri="{BB962C8B-B14F-4D97-AF65-F5344CB8AC3E}">
-        <p14:creationId xmlns:p14="http://schemas.microsoft.com/office/powerpoint/2010/main" val="1460951454"/>
+        <p14:creationId xmlns:p14="http://schemas.microsoft.com/office/powerpoint/2010/main" xmlns="" val="1460951454"/>
       </p:ext>
     </p:extLst>
   </p:cSld>
@@ -12695,7 +12703,7 @@
             <a:fld id="{3384F58F-C8A0-467D-A01E-9BAFE85BFF9F}" type="datetimeFigureOut">
               <a:rPr lang="zh-TW" altLang="en-US" smtClean="0"/>
               <a:pPr/>
-              <a:t>2020/12/17</a:t>
+              <a:t>2022/6/26</a:t>
             </a:fld>
             <a:endParaRPr lang="zh-TW" altLang="en-US"/>
           </a:p>
@@ -12951,7 +12959,7 @@
             <a:fld id="{C89270DE-7577-4549-AD96-0A377172EF43}" type="datetimeFigureOut">
               <a:rPr lang="en-US" smtClean="0"/>
               <a:pPr/>
-              <a:t>12/17/2020</a:t>
+              <a:t>6/26/2022</a:t>
             </a:fld>
             <a:endParaRPr lang="en-US"/>
           </a:p>
@@ -13003,7 +13011,7 @@
     </p:spTree>
     <p:extLst>
       <p:ext uri="{BB962C8B-B14F-4D97-AF65-F5344CB8AC3E}">
-        <p14:creationId xmlns:p14="http://schemas.microsoft.com/office/powerpoint/2010/main" val="3191693729"/>
+        <p14:creationId xmlns:p14="http://schemas.microsoft.com/office/powerpoint/2010/main" xmlns="" val="3191693729"/>
       </p:ext>
     </p:extLst>
   </p:cSld>
@@ -13267,7 +13275,7 @@
             <a:fld id="{C89270DE-7577-4549-AD96-0A377172EF43}" type="datetimeFigureOut">
               <a:rPr lang="en-US" smtClean="0"/>
               <a:pPr/>
-              <a:t>12/17/2020</a:t>
+              <a:t>6/26/2022</a:t>
             </a:fld>
             <a:endParaRPr lang="en-US"/>
           </a:p>
@@ -13401,7 +13409,7 @@
     </p:spTree>
     <p:extLst>
       <p:ext uri="{BB962C8B-B14F-4D97-AF65-F5344CB8AC3E}">
-        <p14:creationId xmlns:p14="http://schemas.microsoft.com/office/powerpoint/2010/main" val="3834834152"/>
+        <p14:creationId xmlns:p14="http://schemas.microsoft.com/office/powerpoint/2010/main" xmlns="" val="3834834152"/>
       </p:ext>
     </p:extLst>
   </p:cSld>
@@ -13662,7 +13670,7 @@
             <a:fld id="{C89270DE-7577-4549-AD96-0A377172EF43}" type="datetimeFigureOut">
               <a:rPr lang="en-US" smtClean="0"/>
               <a:pPr/>
-              <a:t>12/17/2020</a:t>
+              <a:t>6/26/2022</a:t>
             </a:fld>
             <a:endParaRPr lang="en-US"/>
           </a:p>
@@ -13714,7 +13722,7 @@
     </p:spTree>
     <p:extLst>
       <p:ext uri="{BB962C8B-B14F-4D97-AF65-F5344CB8AC3E}">
-        <p14:creationId xmlns:p14="http://schemas.microsoft.com/office/powerpoint/2010/main" val="4160288750"/>
+        <p14:creationId xmlns:p14="http://schemas.microsoft.com/office/powerpoint/2010/main" xmlns="" val="4160288750"/>
       </p:ext>
     </p:extLst>
   </p:cSld>
@@ -13834,7 +13842,7 @@
             <a:fld id="{C89270DE-7577-4549-AD96-0A377172EF43}" type="datetimeFigureOut">
               <a:rPr lang="en-US" smtClean="0"/>
               <a:pPr/>
-              <a:t>12/17/2020</a:t>
+              <a:t>6/26/2022</a:t>
             </a:fld>
             <a:endParaRPr lang="en-US"/>
           </a:p>
@@ -13886,7 +13894,7 @@
     </p:spTree>
     <p:extLst>
       <p:ext uri="{BB962C8B-B14F-4D97-AF65-F5344CB8AC3E}">
-        <p14:creationId xmlns:p14="http://schemas.microsoft.com/office/powerpoint/2010/main" val="3387607256"/>
+        <p14:creationId xmlns:p14="http://schemas.microsoft.com/office/powerpoint/2010/main" xmlns="" val="3387607256"/>
       </p:ext>
     </p:extLst>
   </p:cSld>
@@ -14016,7 +14024,7 @@
             <a:fld id="{C89270DE-7577-4549-AD96-0A377172EF43}" type="datetimeFigureOut">
               <a:rPr lang="en-US" smtClean="0"/>
               <a:pPr/>
-              <a:t>12/17/2020</a:t>
+              <a:t>6/26/2022</a:t>
             </a:fld>
             <a:endParaRPr lang="en-US"/>
           </a:p>
@@ -14068,7 +14076,7 @@
     </p:spTree>
     <p:extLst>
       <p:ext uri="{BB962C8B-B14F-4D97-AF65-F5344CB8AC3E}">
-        <p14:creationId xmlns:p14="http://schemas.microsoft.com/office/powerpoint/2010/main" val="832914275"/>
+        <p14:creationId xmlns:p14="http://schemas.microsoft.com/office/powerpoint/2010/main" xmlns="" val="832914275"/>
       </p:ext>
     </p:extLst>
   </p:cSld>
@@ -14305,7 +14313,7 @@
             <a:fld id="{C89270DE-7577-4549-AD96-0A377172EF43}" type="datetimeFigureOut">
               <a:rPr lang="en-US" smtClean="0"/>
               <a:pPr/>
-              <a:t>12/17/2020</a:t>
+              <a:t>6/26/2022</a:t>
             </a:fld>
             <a:endParaRPr lang="en-US"/>
           </a:p>
@@ -14395,7 +14403,7 @@
     </p:spTree>
     <p:extLst>
       <p:ext uri="{BB962C8B-B14F-4D97-AF65-F5344CB8AC3E}">
-        <p14:creationId xmlns:p14="http://schemas.microsoft.com/office/powerpoint/2010/main" val="2850706761"/>
+        <p14:creationId xmlns:p14="http://schemas.microsoft.com/office/powerpoint/2010/main" xmlns="" val="2850706761"/>
       </p:ext>
     </p:extLst>
   </p:cSld>
@@ -14519,7 +14527,7 @@
             <a:fld id="{C89270DE-7577-4549-AD96-0A377172EF43}" type="datetimeFigureOut">
               <a:rPr lang="en-US" smtClean="0"/>
               <a:pPr/>
-              <a:t>12/17/2020</a:t>
+              <a:t>6/26/2022</a:t>
             </a:fld>
             <a:endParaRPr lang="en-US"/>
           </a:p>
@@ -14571,7 +14579,7 @@
     </p:spTree>
     <p:extLst>
       <p:ext uri="{BB962C8B-B14F-4D97-AF65-F5344CB8AC3E}">
-        <p14:creationId xmlns:p14="http://schemas.microsoft.com/office/powerpoint/2010/main" val="1408618383"/>
+        <p14:creationId xmlns:p14="http://schemas.microsoft.com/office/powerpoint/2010/main" xmlns="" val="1408618383"/>
       </p:ext>
     </p:extLst>
   </p:cSld>
@@ -14864,7 +14872,7 @@
             <a:fld id="{C89270DE-7577-4549-AD96-0A377172EF43}" type="datetimeFigureOut">
               <a:rPr lang="en-US" smtClean="0"/>
               <a:pPr/>
-              <a:t>12/17/2020</a:t>
+              <a:t>6/26/2022</a:t>
             </a:fld>
             <a:endParaRPr lang="en-US"/>
           </a:p>
@@ -14954,7 +14962,7 @@
     </p:spTree>
     <p:extLst>
       <p:ext uri="{BB962C8B-B14F-4D97-AF65-F5344CB8AC3E}">
-        <p14:creationId xmlns:p14="http://schemas.microsoft.com/office/powerpoint/2010/main" val="3696528011"/>
+        <p14:creationId xmlns:p14="http://schemas.microsoft.com/office/powerpoint/2010/main" xmlns="" val="3696528011"/>
       </p:ext>
     </p:extLst>
   </p:cSld>
@@ -15141,7 +15149,7 @@
             <a:fld id="{C89270DE-7577-4549-AD96-0A377172EF43}" type="datetimeFigureOut">
               <a:rPr lang="en-US" smtClean="0"/>
               <a:pPr/>
-              <a:t>12/17/2020</a:t>
+              <a:t>6/26/2022</a:t>
             </a:fld>
             <a:endParaRPr lang="en-US"/>
           </a:p>
@@ -15193,7 +15201,7 @@
     </p:spTree>
     <p:extLst>
       <p:ext uri="{BB962C8B-B14F-4D97-AF65-F5344CB8AC3E}">
-        <p14:creationId xmlns:p14="http://schemas.microsoft.com/office/powerpoint/2010/main" val="1906631207"/>
+        <p14:creationId xmlns:p14="http://schemas.microsoft.com/office/powerpoint/2010/main" xmlns="" val="1906631207"/>
       </p:ext>
     </p:extLst>
   </p:cSld>
@@ -15522,7 +15530,7 @@
             <a:fld id="{C89270DE-7577-4549-AD96-0A377172EF43}" type="datetimeFigureOut">
               <a:rPr lang="en-US" smtClean="0"/>
               <a:pPr/>
-              <a:t>12/17/2020</a:t>
+              <a:t>6/26/2022</a:t>
             </a:fld>
             <a:endParaRPr lang="en-US"/>
           </a:p>
@@ -15574,7 +15582,7 @@
     </p:spTree>
     <p:extLst>
       <p:ext uri="{BB962C8B-B14F-4D97-AF65-F5344CB8AC3E}">
-        <p14:creationId xmlns:p14="http://schemas.microsoft.com/office/powerpoint/2010/main" val="3673596529"/>
+        <p14:creationId xmlns:p14="http://schemas.microsoft.com/office/powerpoint/2010/main" xmlns="" val="3673596529"/>
       </p:ext>
     </p:extLst>
   </p:cSld>
@@ -15646,7 +15654,7 @@
             <a:fld id="{3384F58F-C8A0-467D-A01E-9BAFE85BFF9F}" type="datetimeFigureOut">
               <a:rPr lang="zh-TW" altLang="en-US" smtClean="0"/>
               <a:pPr/>
-              <a:t>2020/12/17</a:t>
+              <a:t>2022/6/26</a:t>
             </a:fld>
             <a:endParaRPr lang="zh-TW" altLang="en-US"/>
           </a:p>
@@ -15769,7 +15777,7 @@
             <a:fld id="{C89270DE-7577-4549-AD96-0A377172EF43}" type="datetimeFigureOut">
               <a:rPr lang="en-US" smtClean="0"/>
               <a:pPr/>
-              <a:t>12/17/2020</a:t>
+              <a:t>6/26/2022</a:t>
             </a:fld>
             <a:endParaRPr lang="en-US"/>
           </a:p>
@@ -15821,7 +15829,7 @@
     </p:spTree>
     <p:extLst>
       <p:ext uri="{BB962C8B-B14F-4D97-AF65-F5344CB8AC3E}">
-        <p14:creationId xmlns:p14="http://schemas.microsoft.com/office/powerpoint/2010/main" val="4100846712"/>
+        <p14:creationId xmlns:p14="http://schemas.microsoft.com/office/powerpoint/2010/main" xmlns="" val="4100846712"/>
       </p:ext>
     </p:extLst>
   </p:cSld>
@@ -15942,7 +15950,7 @@
             <a:fld id="{C89270DE-7577-4549-AD96-0A377172EF43}" type="datetimeFigureOut">
               <a:rPr lang="en-US" smtClean="0"/>
               <a:pPr/>
-              <a:t>12/17/2020</a:t>
+              <a:t>6/26/2022</a:t>
             </a:fld>
             <a:endParaRPr lang="en-US"/>
           </a:p>
@@ -16002,7 +16010,7 @@
     </p:spTree>
     <p:extLst>
       <p:ext uri="{BB962C8B-B14F-4D97-AF65-F5344CB8AC3E}">
-        <p14:creationId xmlns:p14="http://schemas.microsoft.com/office/powerpoint/2010/main" val="4109185027"/>
+        <p14:creationId xmlns:p14="http://schemas.microsoft.com/office/powerpoint/2010/main" xmlns="" val="4109185027"/>
       </p:ext>
     </p:extLst>
   </p:cSld>
@@ -16298,7 +16306,7 @@
             <a:fld id="{C89270DE-7577-4549-AD96-0A377172EF43}" type="datetimeFigureOut">
               <a:rPr lang="en-US" smtClean="0"/>
               <a:pPr/>
-              <a:t>12/17/2020</a:t>
+              <a:t>6/26/2022</a:t>
             </a:fld>
             <a:endParaRPr lang="en-US"/>
           </a:p>
@@ -16371,7 +16379,7 @@
     </p:spTree>
     <p:extLst>
       <p:ext uri="{BB962C8B-B14F-4D97-AF65-F5344CB8AC3E}">
-        <p14:creationId xmlns:p14="http://schemas.microsoft.com/office/powerpoint/2010/main" val="3835058550"/>
+        <p14:creationId xmlns:p14="http://schemas.microsoft.com/office/powerpoint/2010/main" xmlns="" val="3835058550"/>
       </p:ext>
     </p:extLst>
   </p:cSld>
@@ -16682,7 +16690,7 @@
             <a:fld id="{C89270DE-7577-4549-AD96-0A377172EF43}" type="datetimeFigureOut">
               <a:rPr lang="en-US" smtClean="0"/>
               <a:pPr/>
-              <a:t>12/17/2020</a:t>
+              <a:t>6/26/2022</a:t>
             </a:fld>
             <a:endParaRPr lang="en-US"/>
           </a:p>
@@ -16734,7 +16742,7 @@
     </p:spTree>
     <p:extLst>
       <p:ext uri="{BB962C8B-B14F-4D97-AF65-F5344CB8AC3E}">
-        <p14:creationId xmlns:p14="http://schemas.microsoft.com/office/powerpoint/2010/main" val="1134711779"/>
+        <p14:creationId xmlns:p14="http://schemas.microsoft.com/office/powerpoint/2010/main" xmlns="" val="1134711779"/>
       </p:ext>
     </p:extLst>
   </p:cSld>
@@ -16854,7 +16862,7 @@
             <a:fld id="{C89270DE-7577-4549-AD96-0A377172EF43}" type="datetimeFigureOut">
               <a:rPr lang="en-US" smtClean="0"/>
               <a:pPr/>
-              <a:t>12/17/2020</a:t>
+              <a:t>6/26/2022</a:t>
             </a:fld>
             <a:endParaRPr lang="en-US"/>
           </a:p>
@@ -16906,7 +16914,7 @@
     </p:spTree>
     <p:extLst>
       <p:ext uri="{BB962C8B-B14F-4D97-AF65-F5344CB8AC3E}">
-        <p14:creationId xmlns:p14="http://schemas.microsoft.com/office/powerpoint/2010/main" val="2303264286"/>
+        <p14:creationId xmlns:p14="http://schemas.microsoft.com/office/powerpoint/2010/main" xmlns="" val="2303264286"/>
       </p:ext>
     </p:extLst>
   </p:cSld>
@@ -17112,7 +17120,7 @@
             <a:fld id="{C89270DE-7577-4549-AD96-0A377172EF43}" type="datetimeFigureOut">
               <a:rPr lang="en-US" smtClean="0"/>
               <a:pPr/>
-              <a:t>12/17/2020</a:t>
+              <a:t>6/26/2022</a:t>
             </a:fld>
             <a:endParaRPr lang="en-US"/>
           </a:p>
@@ -17164,7 +17172,7 @@
     </p:spTree>
     <p:extLst>
       <p:ext uri="{BB962C8B-B14F-4D97-AF65-F5344CB8AC3E}">
-        <p14:creationId xmlns:p14="http://schemas.microsoft.com/office/powerpoint/2010/main" val="4076735701"/>
+        <p14:creationId xmlns:p14="http://schemas.microsoft.com/office/powerpoint/2010/main" xmlns="" val="4076735701"/>
       </p:ext>
     </p:extLst>
   </p:cSld>
@@ -17213,7 +17221,7 @@
             <a:fld id="{3384F58F-C8A0-467D-A01E-9BAFE85BFF9F}" type="datetimeFigureOut">
               <a:rPr lang="zh-TW" altLang="en-US" smtClean="0"/>
               <a:pPr/>
-              <a:t>2020/12/17</a:t>
+              <a:t>2022/6/26</a:t>
             </a:fld>
             <a:endParaRPr lang="zh-TW" altLang="en-US"/>
           </a:p>
@@ -17499,7 +17507,7 @@
             <a:fld id="{3384F58F-C8A0-467D-A01E-9BAFE85BFF9F}" type="datetimeFigureOut">
               <a:rPr lang="zh-TW" altLang="en-US" smtClean="0"/>
               <a:pPr/>
-              <a:t>2020/12/17</a:t>
+              <a:t>2022/6/26</a:t>
             </a:fld>
             <a:endParaRPr lang="zh-TW" altLang="en-US"/>
           </a:p>
@@ -17765,7 +17773,7 @@
             <a:fld id="{3384F58F-C8A0-467D-A01E-9BAFE85BFF9F}" type="datetimeFigureOut">
               <a:rPr lang="zh-TW" altLang="en-US" smtClean="0"/>
               <a:pPr/>
-              <a:t>2020/12/17</a:t>
+              <a:t>2022/6/26</a:t>
             </a:fld>
             <a:endParaRPr lang="zh-TW" altLang="en-US"/>
           </a:p>
@@ -18017,7 +18025,7 @@
             <a:fld id="{3384F58F-C8A0-467D-A01E-9BAFE85BFF9F}" type="datetimeFigureOut">
               <a:rPr lang="zh-TW" altLang="en-US" smtClean="0"/>
               <a:pPr/>
-              <a:t>2020/12/17</a:t>
+              <a:t>2022/6/26</a:t>
             </a:fld>
             <a:endParaRPr lang="zh-TW" altLang="en-US"/>
           </a:p>
@@ -20489,7 +20497,7 @@
             <a:fld id="{3384F58F-C8A0-467D-A01E-9BAFE85BFF9F}" type="datetimeFigureOut">
               <a:rPr lang="zh-TW" altLang="en-US" smtClean="0"/>
               <a:pPr/>
-              <a:t>2020/12/17</a:t>
+              <a:t>2022/6/26</a:t>
             </a:fld>
             <a:endParaRPr lang="zh-TW" altLang="en-US"/>
           </a:p>
@@ -20575,7 +20583,7 @@
     </p:spTree>
     <p:extLst>
       <p:ext uri="{BB962C8B-B14F-4D97-AF65-F5344CB8AC3E}">
-        <p14:creationId xmlns:p14="http://schemas.microsoft.com/office/powerpoint/2010/main" val="2077495091"/>
+        <p14:creationId xmlns:p14="http://schemas.microsoft.com/office/powerpoint/2010/main" xmlns="" val="2077495091"/>
       </p:ext>
     </p:extLst>
   </p:cSld>
@@ -21185,7 +21193,7 @@
             <a:fld id="{C89270DE-7577-4549-AD96-0A377172EF43}" type="datetimeFigureOut">
               <a:rPr lang="en-US" smtClean="0"/>
               <a:pPr/>
-              <a:t>12/17/2020</a:t>
+              <a:t>6/26/2022</a:t>
             </a:fld>
             <a:endParaRPr lang="en-US"/>
           </a:p>
@@ -21269,7 +21277,7 @@
     </p:spTree>
     <p:extLst>
       <p:ext uri="{BB962C8B-B14F-4D97-AF65-F5344CB8AC3E}">
-        <p14:creationId xmlns:p14="http://schemas.microsoft.com/office/powerpoint/2010/main" val="1033442795"/>
+        <p14:creationId xmlns:p14="http://schemas.microsoft.com/office/powerpoint/2010/main" xmlns="" val="1033442795"/>
       </p:ext>
     </p:extLst>
   </p:cSld>
@@ -22313,7 +22321,7 @@
             <a:fld id="{C89270DE-7577-4549-AD96-0A377172EF43}" type="datetimeFigureOut">
               <a:rPr lang="en-US" smtClean="0"/>
               <a:pPr/>
-              <a:t>12/17/2020</a:t>
+              <a:t>6/26/2022</a:t>
             </a:fld>
             <a:endParaRPr lang="en-US"/>
           </a:p>
@@ -22399,7 +22407,7 @@
     </p:spTree>
     <p:extLst>
       <p:ext uri="{BB962C8B-B14F-4D97-AF65-F5344CB8AC3E}">
-        <p14:creationId xmlns:p14="http://schemas.microsoft.com/office/powerpoint/2010/main" val="3129595064"/>
+        <p14:creationId xmlns:p14="http://schemas.microsoft.com/office/powerpoint/2010/main" xmlns="" val="3129595064"/>
       </p:ext>
     </p:extLst>
   </p:cSld>
@@ -23048,7 +23056,7 @@
             <a:fld id="{C89270DE-7577-4549-AD96-0A377172EF43}" type="datetimeFigureOut">
               <a:rPr lang="en-US" smtClean="0"/>
               <a:pPr/>
-              <a:t>12/17/2020</a:t>
+              <a:t>6/26/2022</a:t>
             </a:fld>
             <a:endParaRPr lang="en-US"/>
           </a:p>
@@ -23170,7 +23178,7 @@
     </p:spTree>
     <p:extLst>
       <p:ext uri="{BB962C8B-B14F-4D97-AF65-F5344CB8AC3E}">
-        <p14:creationId xmlns:p14="http://schemas.microsoft.com/office/powerpoint/2010/main" val="1945528109"/>
+        <p14:creationId xmlns:p14="http://schemas.microsoft.com/office/powerpoint/2010/main" xmlns="" val="1945528109"/>
       </p:ext>
     </p:extLst>
   </p:cSld>
@@ -23690,6 +23698,220 @@
 </p:sld>
 </file>
 
+<file path=ppt/slides/slide10.xml><?xml version="1.0" encoding="utf-8"?>
+<p:sld xmlns:a="http://schemas.openxmlformats.org/drawingml/2006/main" xmlns:r="http://schemas.openxmlformats.org/officeDocument/2006/relationships" xmlns:p="http://schemas.openxmlformats.org/presentationml/2006/main">
+  <p:cSld>
+    <p:spTree>
+      <p:nvGrpSpPr>
+        <p:cNvPr id="1" name=""/>
+        <p:cNvGrpSpPr/>
+        <p:nvPr/>
+      </p:nvGrpSpPr>
+      <p:grpSpPr>
+        <a:xfrm>
+          <a:off x="0" y="0"/>
+          <a:ext cx="0" cy="0"/>
+          <a:chOff x="0" y="0"/>
+          <a:chExt cx="0" cy="0"/>
+        </a:xfrm>
+      </p:grpSpPr>
+      <p:sp>
+        <p:nvSpPr>
+          <p:cNvPr id="2" name="標題 1"/>
+          <p:cNvSpPr>
+            <a:spLocks noGrp="1"/>
+          </p:cNvSpPr>
+          <p:nvPr>
+            <p:ph type="title"/>
+          </p:nvPr>
+        </p:nvSpPr>
+        <p:spPr/>
+        <p:txBody>
+          <a:bodyPr/>
+          <a:lstStyle/>
+          <a:p>
+            <a:endParaRPr lang="zh-TW" altLang="en-US"/>
+          </a:p>
+        </p:txBody>
+      </p:sp>
+      <p:sp>
+        <p:nvSpPr>
+          <p:cNvPr id="3" name="內容版面配置區 2"/>
+          <p:cNvSpPr>
+            <a:spLocks noGrp="1"/>
+          </p:cNvSpPr>
+          <p:nvPr>
+            <p:ph idx="1"/>
+          </p:nvPr>
+        </p:nvSpPr>
+        <p:spPr/>
+        <p:txBody>
+          <a:bodyPr/>
+          <a:lstStyle/>
+          <a:p>
+            <a:r>
+              <a:rPr lang="zh-TW" altLang="en-US" dirty="0" smtClean="0"/>
+              <a:t>讓愛留痕，是你淌著血水，鞭傷記印，為了拯救罪人，</a:t>
+            </a:r>
+            <a:br>
+              <a:rPr lang="zh-TW" altLang="en-US" dirty="0" smtClean="0"/>
+            </a:br>
+            <a:r>
+              <a:rPr lang="zh-TW" altLang="en-US" dirty="0" smtClean="0"/>
+              <a:t>痛苦犧牲釘死捨身成仁，憐憫體諒恩賜新生，</a:t>
+            </a:r>
+            <a:br>
+              <a:rPr lang="zh-TW" altLang="en-US" dirty="0" smtClean="0"/>
+            </a:br>
+            <a:r>
+              <a:rPr lang="zh-TW" altLang="en-US" dirty="0" smtClean="0"/>
+              <a:t>讓愛留痕，是你牽著我手，伴我同行，重拾信任不再疑問，</a:t>
+            </a:r>
+            <a:br>
+              <a:rPr lang="zh-TW" altLang="en-US" dirty="0" smtClean="0"/>
+            </a:br>
+            <a:r>
+              <a:rPr lang="zh-TW" altLang="en-US" dirty="0" smtClean="0"/>
+              <a:t>愁霧化作微塵，含淚細看十架上刻骨銘心，慈愛烙印</a:t>
+            </a:r>
+            <a:endParaRPr lang="zh-TW" altLang="en-US" dirty="0"/>
+          </a:p>
+        </p:txBody>
+      </p:sp>
+    </p:spTree>
+  </p:cSld>
+  <p:clrMapOvr>
+    <a:masterClrMapping/>
+  </p:clrMapOvr>
+</p:sld>
+</file>
+
+<file path=ppt/slides/slide11.xml><?xml version="1.0" encoding="utf-8"?>
+<p:sld xmlns:a="http://schemas.openxmlformats.org/drawingml/2006/main" xmlns:r="http://schemas.openxmlformats.org/officeDocument/2006/relationships" xmlns:p="http://schemas.openxmlformats.org/presentationml/2006/main">
+  <p:cSld>
+    <p:spTree>
+      <p:nvGrpSpPr>
+        <p:cNvPr id="1" name=""/>
+        <p:cNvGrpSpPr/>
+        <p:nvPr/>
+      </p:nvGrpSpPr>
+      <p:grpSpPr>
+        <a:xfrm>
+          <a:off x="0" y="0"/>
+          <a:ext cx="0" cy="0"/>
+          <a:chOff x="0" y="0"/>
+          <a:chExt cx="0" cy="0"/>
+        </a:xfrm>
+      </p:grpSpPr>
+      <p:sp>
+        <p:nvSpPr>
+          <p:cNvPr id="2" name="標題 1"/>
+          <p:cNvSpPr>
+            <a:spLocks noGrp="1"/>
+          </p:cNvSpPr>
+          <p:nvPr>
+            <p:ph type="title"/>
+          </p:nvPr>
+        </p:nvSpPr>
+        <p:spPr/>
+        <p:txBody>
+          <a:bodyPr/>
+          <a:lstStyle/>
+          <a:p>
+            <a:endParaRPr lang="zh-TW" altLang="en-US"/>
+          </a:p>
+        </p:txBody>
+      </p:sp>
+      <p:sp>
+        <p:nvSpPr>
+          <p:cNvPr id="3" name="內容版面配置區 2"/>
+          <p:cNvSpPr>
+            <a:spLocks noGrp="1"/>
+          </p:cNvSpPr>
+          <p:nvPr>
+            <p:ph idx="1"/>
+          </p:nvPr>
+        </p:nvSpPr>
+        <p:spPr/>
+        <p:txBody>
+          <a:bodyPr/>
+          <a:lstStyle/>
+          <a:p>
+            <a:endParaRPr lang="zh-TW" altLang="en-US"/>
+          </a:p>
+        </p:txBody>
+      </p:sp>
+    </p:spTree>
+  </p:cSld>
+  <p:clrMapOvr>
+    <a:masterClrMapping/>
+  </p:clrMapOvr>
+</p:sld>
+</file>
+
+<file path=ppt/slides/slide12.xml><?xml version="1.0" encoding="utf-8"?>
+<p:sld xmlns:a="http://schemas.openxmlformats.org/drawingml/2006/main" xmlns:r="http://schemas.openxmlformats.org/officeDocument/2006/relationships" xmlns:p="http://schemas.openxmlformats.org/presentationml/2006/main">
+  <p:cSld>
+    <p:spTree>
+      <p:nvGrpSpPr>
+        <p:cNvPr id="1" name=""/>
+        <p:cNvGrpSpPr/>
+        <p:nvPr/>
+      </p:nvGrpSpPr>
+      <p:grpSpPr>
+        <a:xfrm>
+          <a:off x="0" y="0"/>
+          <a:ext cx="0" cy="0"/>
+          <a:chOff x="0" y="0"/>
+          <a:chExt cx="0" cy="0"/>
+        </a:xfrm>
+      </p:grpSpPr>
+      <p:sp>
+        <p:nvSpPr>
+          <p:cNvPr id="2" name="標題 1"/>
+          <p:cNvSpPr>
+            <a:spLocks noGrp="1"/>
+          </p:cNvSpPr>
+          <p:nvPr>
+            <p:ph type="title"/>
+          </p:nvPr>
+        </p:nvSpPr>
+        <p:spPr/>
+        <p:txBody>
+          <a:bodyPr/>
+          <a:lstStyle/>
+          <a:p>
+            <a:endParaRPr lang="zh-TW" altLang="en-US"/>
+          </a:p>
+        </p:txBody>
+      </p:sp>
+      <p:sp>
+        <p:nvSpPr>
+          <p:cNvPr id="3" name="內容版面配置區 2"/>
+          <p:cNvSpPr>
+            <a:spLocks noGrp="1"/>
+          </p:cNvSpPr>
+          <p:nvPr>
+            <p:ph idx="1"/>
+          </p:nvPr>
+        </p:nvSpPr>
+        <p:spPr/>
+        <p:txBody>
+          <a:bodyPr/>
+          <a:lstStyle/>
+          <a:p>
+            <a:endParaRPr lang="zh-TW" altLang="en-US"/>
+          </a:p>
+        </p:txBody>
+      </p:sp>
+    </p:spTree>
+  </p:cSld>
+  <p:clrMapOvr>
+    <a:masterClrMapping/>
+  </p:clrMapOvr>
+</p:sld>
+</file>
+
 <file path=ppt/slides/slide2.xml><?xml version="1.0" encoding="utf-8"?>
 <p:sld xmlns:a="http://schemas.openxmlformats.org/drawingml/2006/main" xmlns:r="http://schemas.openxmlformats.org/officeDocument/2006/relationships" xmlns:p="http://schemas.openxmlformats.org/presentationml/2006/main">
   <p:cSld>
@@ -24088,6 +24310,440 @@
       </p:par>
     </p:tnLst>
   </p:timing>
+</p:sld>
+</file>
+
+<file path=ppt/slides/slide5.xml><?xml version="1.0" encoding="utf-8"?>
+<p:sld xmlns:a="http://schemas.openxmlformats.org/drawingml/2006/main" xmlns:r="http://schemas.openxmlformats.org/officeDocument/2006/relationships" xmlns:p="http://schemas.openxmlformats.org/presentationml/2006/main">
+  <p:cSld>
+    <p:spTree>
+      <p:nvGrpSpPr>
+        <p:cNvPr id="1" name=""/>
+        <p:cNvGrpSpPr/>
+        <p:nvPr/>
+      </p:nvGrpSpPr>
+      <p:grpSpPr>
+        <a:xfrm>
+          <a:off x="0" y="0"/>
+          <a:ext cx="0" cy="0"/>
+          <a:chOff x="0" y="0"/>
+          <a:chExt cx="0" cy="0"/>
+        </a:xfrm>
+      </p:grpSpPr>
+      <p:sp>
+        <p:nvSpPr>
+          <p:cNvPr id="2" name="標題 1"/>
+          <p:cNvSpPr>
+            <a:spLocks noGrp="1"/>
+          </p:cNvSpPr>
+          <p:nvPr>
+            <p:ph type="title"/>
+          </p:nvPr>
+        </p:nvSpPr>
+        <p:spPr/>
+        <p:txBody>
+          <a:bodyPr/>
+          <a:lstStyle/>
+          <a:p>
+            <a:endParaRPr lang="zh-TW" altLang="en-US"/>
+          </a:p>
+        </p:txBody>
+      </p:sp>
+      <p:sp>
+        <p:nvSpPr>
+          <p:cNvPr id="3" name="內容版面配置區 2"/>
+          <p:cNvSpPr>
+            <a:spLocks noGrp="1"/>
+          </p:cNvSpPr>
+          <p:nvPr>
+            <p:ph idx="1"/>
+          </p:nvPr>
+        </p:nvSpPr>
+        <p:spPr/>
+        <p:txBody>
+          <a:bodyPr/>
+          <a:lstStyle/>
+          <a:p>
+            <a:pPr>
+              <a:buNone/>
+            </a:pPr>
+            <a:r>
+              <a:rPr lang="zh-TW" altLang="en-US" dirty="0" smtClean="0"/>
+              <a:t>在幻變中似被忘掉，獨木破舟朗蕩飄搖，</a:t>
+            </a:r>
+            <a:br>
+              <a:rPr lang="zh-TW" altLang="en-US" dirty="0" smtClean="0"/>
+            </a:br>
+            <a:r>
+              <a:rPr lang="zh-TW" altLang="en-US" dirty="0" smtClean="0"/>
+              <a:t>奔波困苦流離，深感渺小，</a:t>
+            </a:r>
+            <a:br>
+              <a:rPr lang="zh-TW" altLang="en-US" dirty="0" smtClean="0"/>
+            </a:br>
+            <a:r>
+              <a:rPr lang="zh-TW" altLang="en-US" dirty="0" smtClean="0"/>
+              <a:t>受盡壓迫滿懷恨怨，偽造笑聲人潮中打轉，</a:t>
+            </a:r>
+            <a:br>
+              <a:rPr lang="zh-TW" altLang="en-US" dirty="0" smtClean="0"/>
+            </a:br>
+            <a:r>
+              <a:rPr lang="zh-TW" altLang="en-US" dirty="0" smtClean="0"/>
+              <a:t>太多虛假與籌算，怎麼拆穿</a:t>
+            </a:r>
+            <a:endParaRPr lang="zh-TW" altLang="en-US" dirty="0"/>
+          </a:p>
+        </p:txBody>
+      </p:sp>
+    </p:spTree>
+  </p:cSld>
+  <p:clrMapOvr>
+    <a:masterClrMapping/>
+  </p:clrMapOvr>
+</p:sld>
+</file>
+
+<file path=ppt/slides/slide6.xml><?xml version="1.0" encoding="utf-8"?>
+<p:sld xmlns:a="http://schemas.openxmlformats.org/drawingml/2006/main" xmlns:r="http://schemas.openxmlformats.org/officeDocument/2006/relationships" xmlns:p="http://schemas.openxmlformats.org/presentationml/2006/main">
+  <p:cSld>
+    <p:spTree>
+      <p:nvGrpSpPr>
+        <p:cNvPr id="1" name=""/>
+        <p:cNvGrpSpPr/>
+        <p:nvPr/>
+      </p:nvGrpSpPr>
+      <p:grpSpPr>
+        <a:xfrm>
+          <a:off x="0" y="0"/>
+          <a:ext cx="0" cy="0"/>
+          <a:chOff x="0" y="0"/>
+          <a:chExt cx="0" cy="0"/>
+        </a:xfrm>
+      </p:grpSpPr>
+      <p:sp>
+        <p:nvSpPr>
+          <p:cNvPr id="2" name="標題 1"/>
+          <p:cNvSpPr>
+            <a:spLocks noGrp="1"/>
+          </p:cNvSpPr>
+          <p:nvPr>
+            <p:ph type="title"/>
+          </p:nvPr>
+        </p:nvSpPr>
+        <p:spPr/>
+        <p:txBody>
+          <a:bodyPr/>
+          <a:lstStyle/>
+          <a:p>
+            <a:endParaRPr lang="zh-TW" altLang="en-US"/>
+          </a:p>
+        </p:txBody>
+      </p:sp>
+      <p:sp>
+        <p:nvSpPr>
+          <p:cNvPr id="3" name="內容版面配置區 2"/>
+          <p:cNvSpPr>
+            <a:spLocks noGrp="1"/>
+          </p:cNvSpPr>
+          <p:nvPr>
+            <p:ph idx="1"/>
+          </p:nvPr>
+        </p:nvSpPr>
+        <p:spPr/>
+        <p:txBody>
+          <a:bodyPr/>
+          <a:lstStyle/>
+          <a:p>
+            <a:r>
+              <a:rPr lang="zh-TW" altLang="en-US" dirty="0" smtClean="0"/>
+              <a:t>誰願意不計較條件，將真摯關注實現，</a:t>
+            </a:r>
+            <a:br>
+              <a:rPr lang="zh-TW" altLang="en-US" dirty="0" smtClean="0"/>
+            </a:br>
+            <a:r>
+              <a:rPr lang="zh-TW" altLang="en-US" dirty="0" smtClean="0"/>
+              <a:t>無言付出身心相獻，令我溫暖</a:t>
+            </a:r>
+            <a:endParaRPr lang="zh-TW" altLang="en-US" dirty="0"/>
+          </a:p>
+        </p:txBody>
+      </p:sp>
+    </p:spTree>
+  </p:cSld>
+  <p:clrMapOvr>
+    <a:masterClrMapping/>
+  </p:clrMapOvr>
+</p:sld>
+</file>
+
+<file path=ppt/slides/slide7.xml><?xml version="1.0" encoding="utf-8"?>
+<p:sld xmlns:a="http://schemas.openxmlformats.org/drawingml/2006/main" xmlns:r="http://schemas.openxmlformats.org/officeDocument/2006/relationships" xmlns:p="http://schemas.openxmlformats.org/presentationml/2006/main">
+  <p:cSld>
+    <p:spTree>
+      <p:nvGrpSpPr>
+        <p:cNvPr id="1" name=""/>
+        <p:cNvGrpSpPr/>
+        <p:nvPr/>
+      </p:nvGrpSpPr>
+      <p:grpSpPr>
+        <a:xfrm>
+          <a:off x="0" y="0"/>
+          <a:ext cx="0" cy="0"/>
+          <a:chOff x="0" y="0"/>
+          <a:chExt cx="0" cy="0"/>
+        </a:xfrm>
+      </p:grpSpPr>
+      <p:sp>
+        <p:nvSpPr>
+          <p:cNvPr id="2" name="標題 1"/>
+          <p:cNvSpPr>
+            <a:spLocks noGrp="1"/>
+          </p:cNvSpPr>
+          <p:nvPr>
+            <p:ph type="title"/>
+          </p:nvPr>
+        </p:nvSpPr>
+        <p:spPr/>
+        <p:txBody>
+          <a:bodyPr/>
+          <a:lstStyle/>
+          <a:p>
+            <a:endParaRPr lang="zh-TW" altLang="en-US"/>
+          </a:p>
+        </p:txBody>
+      </p:sp>
+      <p:sp>
+        <p:nvSpPr>
+          <p:cNvPr id="3" name="內容版面配置區 2"/>
+          <p:cNvSpPr>
+            <a:spLocks noGrp="1"/>
+          </p:cNvSpPr>
+          <p:nvPr>
+            <p:ph idx="1"/>
+          </p:nvPr>
+        </p:nvSpPr>
+        <p:spPr/>
+        <p:txBody>
+          <a:bodyPr/>
+          <a:lstStyle/>
+          <a:p>
+            <a:pPr>
+              <a:buNone/>
+            </a:pPr>
+            <a:r>
+              <a:rPr lang="zh-TW" altLang="en-US" dirty="0" smtClean="0"/>
+              <a:t>  </a:t>
+            </a:r>
+            <a:r>
+              <a:rPr lang="zh-TW" altLang="en-US" b="1" dirty="0" smtClean="0"/>
+              <a:t>讓</a:t>
+            </a:r>
+            <a:r>
+              <a:rPr lang="zh-TW" altLang="en-US" b="1" dirty="0" smtClean="0"/>
+              <a:t>愛留痕，是你淌著血水，鞭傷記印，</a:t>
+            </a:r>
+            <a:r>
+              <a:rPr lang="zh-TW" altLang="en-US" b="1" dirty="0" smtClean="0"/>
+              <a:t>為了拯救</a:t>
+            </a:r>
+            <a:r>
+              <a:rPr lang="zh-TW" altLang="en-US" b="1" dirty="0" smtClean="0"/>
+              <a:t>罪人，</a:t>
+            </a:r>
+            <a:br>
+              <a:rPr lang="zh-TW" altLang="en-US" b="1" dirty="0" smtClean="0"/>
+            </a:br>
+            <a:r>
+              <a:rPr lang="zh-TW" altLang="en-US" b="1" dirty="0" smtClean="0"/>
+              <a:t>痛苦犧牲釘死捨身成仁，憐憫體諒恩賜新生，</a:t>
+            </a:r>
+            <a:br>
+              <a:rPr lang="zh-TW" altLang="en-US" b="1" dirty="0" smtClean="0"/>
+            </a:br>
+            <a:r>
+              <a:rPr lang="zh-TW" altLang="en-US" b="1" dirty="0" smtClean="0"/>
+              <a:t>讓愛留痕，是你牽著我手，伴我同行，重拾信任不再疑問，</a:t>
+            </a:r>
+            <a:br>
+              <a:rPr lang="zh-TW" altLang="en-US" b="1" dirty="0" smtClean="0"/>
+            </a:br>
+            <a:r>
+              <a:rPr lang="zh-TW" altLang="en-US" b="1" dirty="0" smtClean="0"/>
+              <a:t>愁霧化作微塵，含淚細看十架上刻骨銘心，慈愛烙印</a:t>
+            </a:r>
+            <a:endParaRPr lang="zh-TW" altLang="en-US" b="1" dirty="0"/>
+          </a:p>
+        </p:txBody>
+      </p:sp>
+    </p:spTree>
+  </p:cSld>
+  <p:clrMapOvr>
+    <a:masterClrMapping/>
+  </p:clrMapOvr>
+</p:sld>
+</file>
+
+<file path=ppt/slides/slide8.xml><?xml version="1.0" encoding="utf-8"?>
+<p:sld xmlns:a="http://schemas.openxmlformats.org/drawingml/2006/main" xmlns:r="http://schemas.openxmlformats.org/officeDocument/2006/relationships" xmlns:p="http://schemas.openxmlformats.org/presentationml/2006/main">
+  <p:cSld>
+    <p:spTree>
+      <p:nvGrpSpPr>
+        <p:cNvPr id="1" name=""/>
+        <p:cNvGrpSpPr/>
+        <p:nvPr/>
+      </p:nvGrpSpPr>
+      <p:grpSpPr>
+        <a:xfrm>
+          <a:off x="0" y="0"/>
+          <a:ext cx="0" cy="0"/>
+          <a:chOff x="0" y="0"/>
+          <a:chExt cx="0" cy="0"/>
+        </a:xfrm>
+      </p:grpSpPr>
+      <p:sp>
+        <p:nvSpPr>
+          <p:cNvPr id="2" name="標題 1"/>
+          <p:cNvSpPr>
+            <a:spLocks noGrp="1"/>
+          </p:cNvSpPr>
+          <p:nvPr>
+            <p:ph type="title"/>
+          </p:nvPr>
+        </p:nvSpPr>
+        <p:spPr/>
+        <p:txBody>
+          <a:bodyPr/>
+          <a:lstStyle/>
+          <a:p>
+            <a:endParaRPr lang="zh-TW" altLang="en-US"/>
+          </a:p>
+        </p:txBody>
+      </p:sp>
+      <p:sp>
+        <p:nvSpPr>
+          <p:cNvPr id="3" name="內容版面配置區 2"/>
+          <p:cNvSpPr>
+            <a:spLocks noGrp="1"/>
+          </p:cNvSpPr>
+          <p:nvPr>
+            <p:ph idx="1"/>
+          </p:nvPr>
+        </p:nvSpPr>
+        <p:spPr/>
+        <p:txBody>
+          <a:bodyPr/>
+          <a:lstStyle/>
+          <a:p>
+            <a:r>
+              <a:rPr lang="zh-TW" altLang="en-US" dirty="0" smtClean="0"/>
+              <a:t>閱讀你牽掛著名字，烙在你手每度釘痕，</a:t>
+            </a:r>
+            <a:br>
+              <a:rPr lang="zh-TW" altLang="en-US" dirty="0" smtClean="0"/>
+            </a:br>
+            <a:r>
+              <a:rPr lang="zh-TW" altLang="en-US" dirty="0" smtClean="0"/>
+              <a:t>安撫戰兢靈魂，觸摸我心，</a:t>
+            </a:r>
+            <a:br>
+              <a:rPr lang="zh-TW" altLang="en-US" dirty="0" smtClean="0"/>
+            </a:br>
+            <a:r>
+              <a:rPr lang="zh-TW" altLang="en-US" dirty="0" smtClean="0"/>
+              <a:t>就像母親 晝夜護蔭，伏在臂彎孩兒不抖震，</a:t>
+            </a:r>
+            <a:br>
+              <a:rPr lang="zh-TW" altLang="en-US" dirty="0" smtClean="0"/>
+            </a:br>
+            <a:r>
+              <a:rPr lang="zh-TW" altLang="en-US" dirty="0" smtClean="0"/>
+              <a:t>那溫馨感覺沉浸，再沒遺憾</a:t>
+            </a:r>
+            <a:endParaRPr lang="zh-TW" altLang="en-US" dirty="0"/>
+          </a:p>
+        </p:txBody>
+      </p:sp>
+    </p:spTree>
+  </p:cSld>
+  <p:clrMapOvr>
+    <a:masterClrMapping/>
+  </p:clrMapOvr>
+</p:sld>
+</file>
+
+<file path=ppt/slides/slide9.xml><?xml version="1.0" encoding="utf-8"?>
+<p:sld xmlns:a="http://schemas.openxmlformats.org/drawingml/2006/main" xmlns:r="http://schemas.openxmlformats.org/officeDocument/2006/relationships" xmlns:p="http://schemas.openxmlformats.org/presentationml/2006/main">
+  <p:cSld>
+    <p:spTree>
+      <p:nvGrpSpPr>
+        <p:cNvPr id="1" name=""/>
+        <p:cNvGrpSpPr/>
+        <p:nvPr/>
+      </p:nvGrpSpPr>
+      <p:grpSpPr>
+        <a:xfrm>
+          <a:off x="0" y="0"/>
+          <a:ext cx="0" cy="0"/>
+          <a:chOff x="0" y="0"/>
+          <a:chExt cx="0" cy="0"/>
+        </a:xfrm>
+      </p:grpSpPr>
+      <p:sp>
+        <p:nvSpPr>
+          <p:cNvPr id="2" name="標題 1"/>
+          <p:cNvSpPr>
+            <a:spLocks noGrp="1"/>
+          </p:cNvSpPr>
+          <p:nvPr>
+            <p:ph type="title"/>
+          </p:nvPr>
+        </p:nvSpPr>
+        <p:spPr/>
+        <p:txBody>
+          <a:bodyPr/>
+          <a:lstStyle/>
+          <a:p>
+            <a:endParaRPr lang="zh-TW" altLang="en-US"/>
+          </a:p>
+        </p:txBody>
+      </p:sp>
+      <p:sp>
+        <p:nvSpPr>
+          <p:cNvPr id="3" name="內容版面配置區 2"/>
+          <p:cNvSpPr>
+            <a:spLocks noGrp="1"/>
+          </p:cNvSpPr>
+          <p:nvPr>
+            <p:ph idx="1"/>
+          </p:nvPr>
+        </p:nvSpPr>
+        <p:spPr/>
+        <p:txBody>
+          <a:bodyPr/>
+          <a:lstStyle/>
+          <a:p>
+            <a:r>
+              <a:rPr lang="zh-TW" altLang="en-US" dirty="0" smtClean="0"/>
+              <a:t>誰像恩主對我著緊，珍惜你所托重任，</a:t>
+            </a:r>
+            <a:br>
+              <a:rPr lang="zh-TW" altLang="en-US" dirty="0" smtClean="0"/>
+            </a:br>
+            <a:r>
+              <a:rPr lang="zh-TW" altLang="en-US" dirty="0" smtClean="0"/>
+              <a:t>長路夜深經過幽暗，望你指引</a:t>
+            </a:r>
+            <a:endParaRPr lang="zh-TW" altLang="en-US" dirty="0"/>
+          </a:p>
+        </p:txBody>
+      </p:sp>
+    </p:spTree>
+  </p:cSld>
+  <p:clrMapOvr>
+    <a:masterClrMapping/>
+  </p:clrMapOvr>
 </p:sld>
 </file>
 
@@ -25173,7 +25829,7 @@
   <a:extraClrSchemeLst/>
   <a:extLst>
     <a:ext uri="{05A4C25C-085E-4340-85A3-A5531E510DB2}">
-      <thm15:themeFamily xmlns:thm15="http://schemas.microsoft.com/office/thememl/2012/main" name="Wisp" id="{7CB32D59-10C0-40DD-B7BD-2E94284A981C}" vid="{24B1A44C-C006-48B2-A4D7-E5549B3D8CD4}"/>
+      <thm15:themeFamily xmlns:thm15="http://schemas.microsoft.com/office/thememl/2012/main" xmlns="" name="Wisp" id="{7CB32D59-10C0-40DD-B7BD-2E94284A981C}" vid="{24B1A44C-C006-48B2-A4D7-E5549B3D8CD4}"/>
     </a:ext>
   </a:extLst>
 </a:theme>
@@ -25410,7 +26066,7 @@
   <a:extraClrSchemeLst/>
   <a:extLst>
     <a:ext uri="{05A4C25C-085E-4340-85A3-A5531E510DB2}">
-      <thm15:themeFamily xmlns:thm15="http://schemas.microsoft.com/office/thememl/2012/main" name="Basis" id="{5665723A-49BA-4B57-8411-A56F8F207965}" vid="{90E45F77-AEFC-46EF-A7C1-5B338C297B02}"/>
+      <thm15:themeFamily xmlns:thm15="http://schemas.microsoft.com/office/thememl/2012/main" xmlns="" name="Basis" id="{5665723A-49BA-4B57-8411-A56F8F207965}" vid="{90E45F77-AEFC-46EF-A7C1-5B338C297B02}"/>
     </a:ext>
   </a:extLst>
 </a:theme>
@@ -25667,7 +26323,7 @@
   <a:extraClrSchemeLst/>
   <a:extLst>
     <a:ext uri="{05A4C25C-085E-4340-85A3-A5531E510DB2}">
-      <thm15:themeFamily xmlns:thm15="http://schemas.microsoft.com/office/thememl/2012/main" name="Facet" id="{C0C680CD-088A-49FC-A102-D699147F32B2}" vid="{CFBC31BA-B70F-4F30-BCAA-4F3011E16C4D}"/>
+      <thm15:themeFamily xmlns:thm15="http://schemas.microsoft.com/office/thememl/2012/main" xmlns="" name="Facet" id="{C0C680CD-088A-49FC-A102-D699147F32B2}" vid="{CFBC31BA-B70F-4F30-BCAA-4F3011E16C4D}"/>
     </a:ext>
   </a:extLst>
 </a:theme>
@@ -25950,7 +26606,7 @@
   <a:extraClrSchemeLst/>
   <a:extLst>
     <a:ext uri="{05A4C25C-085E-4340-85A3-A5531E510DB2}">
-      <thm15:themeFamily xmlns:thm15="http://schemas.microsoft.com/office/thememl/2012/main" name="Retrospect" id="{5F128B03-DCCA-4EEB-AB3B-CF2899314A46}" vid="{3F1AAB62-24C6-49D2-8E01-B56FAC9A3DCD}"/>
+      <thm15:themeFamily xmlns:thm15="http://schemas.microsoft.com/office/thememl/2012/main" xmlns="" name="Retrospect" id="{5F128B03-DCCA-4EEB-AB3B-CF2899314A46}" vid="{3F1AAB62-24C6-49D2-8E01-B56FAC9A3DCD}"/>
     </a:ext>
   </a:extLst>
 </a:theme>

--- a/主的大家庭.pptx
+++ b/主的大家庭.pptx
@@ -13,16 +13,8 @@
     <p:sldId id="258" r:id="rId7"/>
     <p:sldId id="259" r:id="rId8"/>
     <p:sldId id="260" r:id="rId9"/>
-    <p:sldId id="261" r:id="rId10"/>
-    <p:sldId id="264" r:id="rId11"/>
-    <p:sldId id="262" r:id="rId12"/>
-    <p:sldId id="263" r:id="rId13"/>
-    <p:sldId id="265" r:id="rId14"/>
-    <p:sldId id="266" r:id="rId15"/>
-    <p:sldId id="267" r:id="rId16"/>
-    <p:sldId id="268" r:id="rId17"/>
   </p:sldIdLst>
-  <p:sldSz cx="9144000" cy="6858000" type="screen4x3"/>
+  <p:sldSz cx="9144000" cy="5143500" type="screen16x9"/>
   <p:notesSz cx="6858000" cy="9144000"/>
   <p:defaultTextStyle>
     <a:defPPr>
@@ -121,7 +113,7 @@
   </p:defaultTextStyle>
   <p:extLst>
     <p:ext uri="{EFAFB233-063F-42B5-8137-9DF3F51BA10A}">
-      <p15:sldGuideLst xmlns:p15="http://schemas.microsoft.com/office/powerpoint/2012/main" xmlns="">
+      <p15:sldGuideLst xmlns="" xmlns:p15="http://schemas.microsoft.com/office/powerpoint/2012/main">
         <p15:guide id="1" orient="horz" pos="2160">
           <p15:clr>
             <a:srgbClr val="A4A3A4"/>
@@ -167,8 +159,8 @@
         </p:nvSpPr>
         <p:spPr>
           <a:xfrm>
-            <a:off x="685800" y="2130425"/>
-            <a:ext cx="7772400" cy="1470025"/>
+            <a:off x="685800" y="1597819"/>
+            <a:ext cx="7772400" cy="1102519"/>
           </a:xfrm>
         </p:spPr>
         <p:txBody>
@@ -195,8 +187,8 @@
         </p:nvSpPr>
         <p:spPr>
           <a:xfrm>
-            <a:off x="1371600" y="3886200"/>
-            <a:ext cx="6400800" cy="1752600"/>
+            <a:off x="1371600" y="2914650"/>
+            <a:ext cx="6400800" cy="1314450"/>
           </a:xfrm>
         </p:spPr>
         <p:txBody>
@@ -270,7 +262,7 @@
             <a:fld id="{3384F58F-C8A0-467D-A01E-9BAFE85BFF9F}" type="datetimeFigureOut">
               <a:rPr lang="zh-TW" altLang="en-US" smtClean="0"/>
               <a:pPr/>
-              <a:t>2022/6/26</a:t>
+              <a:t>2023/1/29</a:t>
             </a:fld>
             <a:endParaRPr lang="zh-TW" altLang="en-US"/>
           </a:p>
@@ -449,7 +441,7 @@
             <a:fld id="{3384F58F-C8A0-467D-A01E-9BAFE85BFF9F}" type="datetimeFigureOut">
               <a:rPr lang="zh-TW" altLang="en-US" smtClean="0"/>
               <a:pPr/>
-              <a:t>2022/6/26</a:t>
+              <a:t>2023/1/29</a:t>
             </a:fld>
             <a:endParaRPr lang="zh-TW" altLang="en-US"/>
           </a:p>
@@ -543,8 +535,8 @@
         </p:nvSpPr>
         <p:spPr>
           <a:xfrm>
-            <a:off x="6629400" y="274638"/>
-            <a:ext cx="2057400" cy="5851525"/>
+            <a:off x="6629400" y="205979"/>
+            <a:ext cx="2057400" cy="4388644"/>
           </a:xfrm>
         </p:spPr>
         <p:txBody>
@@ -571,8 +563,8 @@
         </p:nvSpPr>
         <p:spPr>
           <a:xfrm>
-            <a:off x="457200" y="274638"/>
-            <a:ext cx="6019800" cy="5851525"/>
+            <a:off x="457200" y="205979"/>
+            <a:ext cx="6019800" cy="4388644"/>
           </a:xfrm>
         </p:spPr>
         <p:txBody>
@@ -638,7 +630,7 @@
             <a:fld id="{3384F58F-C8A0-467D-A01E-9BAFE85BFF9F}" type="datetimeFigureOut">
               <a:rPr lang="zh-TW" altLang="en-US" smtClean="0"/>
               <a:pPr/>
-              <a:t>2022/6/26</a:t>
+              <a:t>2023/1/29</a:t>
             </a:fld>
             <a:endParaRPr lang="zh-TW" altLang="en-US"/>
           </a:p>
@@ -732,8 +724,8 @@
         </p:nvSpPr>
         <p:spPr>
           <a:xfrm>
-            <a:off x="1941910" y="2514601"/>
-            <a:ext cx="6686549" cy="2262781"/>
+            <a:off x="1941910" y="1885951"/>
+            <a:ext cx="6686549" cy="1697086"/>
           </a:xfrm>
         </p:spPr>
         <p:txBody>
@@ -766,8 +758,8 @@
         </p:nvSpPr>
         <p:spPr>
           <a:xfrm>
-            <a:off x="1941910" y="4777380"/>
-            <a:ext cx="6686549" cy="1126283"/>
+            <a:off x="1941910" y="3583036"/>
+            <a:ext cx="6686549" cy="844712"/>
           </a:xfrm>
         </p:spPr>
         <p:txBody>
@@ -892,7 +884,7 @@
             <a:fld id="{3384F58F-C8A0-467D-A01E-9BAFE85BFF9F}" type="datetimeFigureOut">
               <a:rPr lang="zh-TW" altLang="en-US" smtClean="0"/>
               <a:pPr/>
-              <a:t>2022/6/26</a:t>
+              <a:t>2023/1/29</a:t>
             </a:fld>
             <a:endParaRPr lang="zh-TW" altLang="en-US"/>
           </a:p>
@@ -925,8 +917,8 @@
         </p:nvSpPr>
         <p:spPr bwMode="auto">
           <a:xfrm>
-            <a:off x="0" y="4323811"/>
-            <a:ext cx="1308489" cy="778589"/>
+            <a:off x="0" y="3242859"/>
+            <a:ext cx="1308489" cy="583942"/>
           </a:xfrm>
           <a:custGeom>
             <a:avLst/>
@@ -1011,8 +1003,8 @@
         </p:nvSpPr>
         <p:spPr>
           <a:xfrm>
-            <a:off x="398860" y="4529541"/>
-            <a:ext cx="584825" cy="365125"/>
+            <a:off x="398861" y="3397156"/>
+            <a:ext cx="584825" cy="273844"/>
           </a:xfrm>
         </p:spPr>
         <p:txBody>
@@ -1031,7 +1023,7 @@
     </p:spTree>
     <p:extLst>
       <p:ext uri="{BB962C8B-B14F-4D97-AF65-F5344CB8AC3E}">
-        <p14:creationId xmlns:p14="http://schemas.microsoft.com/office/powerpoint/2010/main" xmlns="" val="1420252522"/>
+        <p14:creationId xmlns="" xmlns:p14="http://schemas.microsoft.com/office/powerpoint/2010/main" val="1420252522"/>
       </p:ext>
     </p:extLst>
   </p:cSld>
@@ -1070,8 +1062,8 @@
         </p:nvSpPr>
         <p:spPr>
           <a:xfrm>
-            <a:off x="1944694" y="624110"/>
-            <a:ext cx="6683765" cy="1280890"/>
+            <a:off x="1944694" y="468082"/>
+            <a:ext cx="6683765" cy="960668"/>
           </a:xfrm>
         </p:spPr>
         <p:txBody>
@@ -1098,8 +1090,8 @@
         </p:nvSpPr>
         <p:spPr>
           <a:xfrm>
-            <a:off x="1941909" y="2133600"/>
-            <a:ext cx="6686550" cy="3777622"/>
+            <a:off x="1941909" y="1600200"/>
+            <a:ext cx="6686550" cy="2833217"/>
           </a:xfrm>
         </p:spPr>
         <p:txBody>
@@ -1161,7 +1153,7 @@
             <a:fld id="{3384F58F-C8A0-467D-A01E-9BAFE85BFF9F}" type="datetimeFigureOut">
               <a:rPr lang="zh-TW" altLang="en-US" smtClean="0"/>
               <a:pPr/>
-              <a:t>2022/6/26</a:t>
+              <a:t>2023/1/29</a:t>
             </a:fld>
             <a:endParaRPr lang="zh-TW" altLang="en-US"/>
           </a:p>
@@ -1194,8 +1186,8 @@
         </p:nvSpPr>
         <p:spPr bwMode="auto">
           <a:xfrm flipV="1">
-            <a:off x="-3141" y="714376"/>
-            <a:ext cx="1191395" cy="507297"/>
+            <a:off x="-3141" y="535782"/>
+            <a:ext cx="1191395" cy="380473"/>
           </a:xfrm>
           <a:custGeom>
             <a:avLst/>
@@ -1295,7 +1287,7 @@
     </p:spTree>
     <p:extLst>
       <p:ext uri="{BB962C8B-B14F-4D97-AF65-F5344CB8AC3E}">
-        <p14:creationId xmlns:p14="http://schemas.microsoft.com/office/powerpoint/2010/main" xmlns="" val="2402873800"/>
+        <p14:creationId xmlns="" xmlns:p14="http://schemas.microsoft.com/office/powerpoint/2010/main" val="2402873800"/>
       </p:ext>
     </p:extLst>
   </p:cSld>
@@ -1334,8 +1326,8 @@
         </p:nvSpPr>
         <p:spPr>
           <a:xfrm>
-            <a:off x="1941910" y="2058750"/>
-            <a:ext cx="6686549" cy="1468800"/>
+            <a:off x="1941910" y="1544063"/>
+            <a:ext cx="6686549" cy="1101600"/>
           </a:xfrm>
         </p:spPr>
         <p:txBody>
@@ -1366,8 +1358,8 @@
         </p:nvSpPr>
         <p:spPr>
           <a:xfrm>
-            <a:off x="1941910" y="3530129"/>
-            <a:ext cx="6686549" cy="860400"/>
+            <a:off x="1941910" y="2647597"/>
+            <a:ext cx="6686549" cy="645300"/>
           </a:xfrm>
         </p:spPr>
         <p:txBody>
@@ -1492,7 +1484,7 @@
             <a:fld id="{3384F58F-C8A0-467D-A01E-9BAFE85BFF9F}" type="datetimeFigureOut">
               <a:rPr lang="zh-TW" altLang="en-US" smtClean="0"/>
               <a:pPr/>
-              <a:t>2022/6/26</a:t>
+              <a:t>2023/1/29</a:t>
             </a:fld>
             <a:endParaRPr lang="zh-TW" altLang="en-US"/>
           </a:p>
@@ -1525,8 +1517,8 @@
         </p:nvSpPr>
         <p:spPr bwMode="auto">
           <a:xfrm flipV="1">
-            <a:off x="-3141" y="3178176"/>
-            <a:ext cx="1191395" cy="507297"/>
+            <a:off x="-3141" y="2383632"/>
+            <a:ext cx="1191395" cy="380473"/>
           </a:xfrm>
           <a:custGeom>
             <a:avLst/>
@@ -1611,8 +1603,8 @@
         </p:nvSpPr>
         <p:spPr>
           <a:xfrm>
-            <a:off x="398860" y="3244140"/>
-            <a:ext cx="584825" cy="365125"/>
+            <a:off x="398861" y="2433105"/>
+            <a:ext cx="584825" cy="273844"/>
           </a:xfrm>
         </p:spPr>
         <p:txBody>
@@ -1631,7 +1623,7 @@
     </p:spTree>
     <p:extLst>
       <p:ext uri="{BB962C8B-B14F-4D97-AF65-F5344CB8AC3E}">
-        <p14:creationId xmlns:p14="http://schemas.microsoft.com/office/powerpoint/2010/main" xmlns="" val="1446301327"/>
+        <p14:creationId xmlns="" xmlns:p14="http://schemas.microsoft.com/office/powerpoint/2010/main" val="1446301327"/>
       </p:ext>
     </p:extLst>
   </p:cSld>
@@ -1693,8 +1685,8 @@
         </p:nvSpPr>
         <p:spPr>
           <a:xfrm>
-            <a:off x="1941909" y="2133600"/>
-            <a:ext cx="3235398" cy="3777622"/>
+            <a:off x="1941909" y="1600200"/>
+            <a:ext cx="3235398" cy="2833217"/>
           </a:xfrm>
         </p:spPr>
         <p:txBody>
@@ -1752,8 +1744,8 @@
         </p:nvSpPr>
         <p:spPr>
           <a:xfrm>
-            <a:off x="5393060" y="2126222"/>
-            <a:ext cx="3235398" cy="3777622"/>
+            <a:off x="5393060" y="1594666"/>
+            <a:ext cx="3235398" cy="2833217"/>
           </a:xfrm>
         </p:spPr>
         <p:txBody>
@@ -1817,7 +1809,7 @@
             <a:fld id="{3384F58F-C8A0-467D-A01E-9BAFE85BFF9F}" type="datetimeFigureOut">
               <a:rPr lang="zh-TW" altLang="en-US" smtClean="0"/>
               <a:pPr/>
-              <a:t>2022/6/26</a:t>
+              <a:t>2023/1/29</a:t>
             </a:fld>
             <a:endParaRPr lang="zh-TW" altLang="en-US"/>
           </a:p>
@@ -1850,8 +1842,8 @@
         </p:nvSpPr>
         <p:spPr bwMode="auto">
           <a:xfrm flipV="1">
-            <a:off x="-3141" y="714376"/>
-            <a:ext cx="1191395" cy="507297"/>
+            <a:off x="-3141" y="535782"/>
+            <a:ext cx="1191395" cy="380473"/>
           </a:xfrm>
           <a:custGeom>
             <a:avLst/>
@@ -1936,8 +1928,8 @@
         </p:nvSpPr>
         <p:spPr>
           <a:xfrm>
-            <a:off x="398860" y="787783"/>
-            <a:ext cx="584825" cy="365125"/>
+            <a:off x="398861" y="590838"/>
+            <a:ext cx="584825" cy="273844"/>
           </a:xfrm>
         </p:spPr>
         <p:txBody>
@@ -1956,7 +1948,7 @@
     </p:spTree>
     <p:extLst>
       <p:ext uri="{BB962C8B-B14F-4D97-AF65-F5344CB8AC3E}">
-        <p14:creationId xmlns:p14="http://schemas.microsoft.com/office/powerpoint/2010/main" xmlns="" val="3854665519"/>
+        <p14:creationId xmlns="" xmlns:p14="http://schemas.microsoft.com/office/powerpoint/2010/main" val="3854665519"/>
       </p:ext>
     </p:extLst>
   </p:cSld>
@@ -2018,8 +2010,8 @@
         </p:nvSpPr>
         <p:spPr>
           <a:xfrm>
-            <a:off x="2204530" y="1972703"/>
-            <a:ext cx="2994549" cy="576262"/>
+            <a:off x="2204531" y="1479527"/>
+            <a:ext cx="2994549" cy="432197"/>
           </a:xfrm>
         </p:spPr>
         <p:txBody>
@@ -2085,8 +2077,8 @@
         </p:nvSpPr>
         <p:spPr>
           <a:xfrm>
-            <a:off x="1941909" y="2548966"/>
-            <a:ext cx="3257170" cy="3354060"/>
+            <a:off x="1941909" y="1911724"/>
+            <a:ext cx="3257170" cy="2515545"/>
           </a:xfrm>
         </p:spPr>
         <p:txBody>
@@ -2144,8 +2136,8 @@
         </p:nvSpPr>
         <p:spPr>
           <a:xfrm>
-            <a:off x="5629972" y="1969475"/>
-            <a:ext cx="2999251" cy="576262"/>
+            <a:off x="5629973" y="1477106"/>
+            <a:ext cx="2999251" cy="432197"/>
           </a:xfrm>
         </p:spPr>
         <p:txBody>
@@ -2211,8 +2203,8 @@
         </p:nvSpPr>
         <p:spPr>
           <a:xfrm>
-            <a:off x="5375218" y="2545738"/>
-            <a:ext cx="3254006" cy="3354060"/>
+            <a:off x="5375218" y="1909304"/>
+            <a:ext cx="3254006" cy="2515545"/>
           </a:xfrm>
         </p:spPr>
         <p:txBody>
@@ -2276,7 +2268,7 @@
             <a:fld id="{3384F58F-C8A0-467D-A01E-9BAFE85BFF9F}" type="datetimeFigureOut">
               <a:rPr lang="zh-TW" altLang="en-US" smtClean="0"/>
               <a:pPr/>
-              <a:t>2022/6/26</a:t>
+              <a:t>2023/1/29</a:t>
             </a:fld>
             <a:endParaRPr lang="zh-TW" altLang="en-US"/>
           </a:p>
@@ -2309,8 +2301,8 @@
         </p:nvSpPr>
         <p:spPr bwMode="auto">
           <a:xfrm flipV="1">
-            <a:off x="-3141" y="714376"/>
-            <a:ext cx="1191395" cy="507297"/>
+            <a:off x="-3141" y="535782"/>
+            <a:ext cx="1191395" cy="380473"/>
           </a:xfrm>
           <a:custGeom>
             <a:avLst/>
@@ -2395,8 +2387,8 @@
         </p:nvSpPr>
         <p:spPr>
           <a:xfrm>
-            <a:off x="398860" y="787783"/>
-            <a:ext cx="584825" cy="365125"/>
+            <a:off x="398861" y="590838"/>
+            <a:ext cx="584825" cy="273844"/>
           </a:xfrm>
         </p:spPr>
         <p:txBody>
@@ -2415,7 +2407,7 @@
     </p:spTree>
     <p:extLst>
       <p:ext uri="{BB962C8B-B14F-4D97-AF65-F5344CB8AC3E}">
-        <p14:creationId xmlns:p14="http://schemas.microsoft.com/office/powerpoint/2010/main" xmlns="" val="997341680"/>
+        <p14:creationId xmlns="" xmlns:p14="http://schemas.microsoft.com/office/powerpoint/2010/main" val="997341680"/>
       </p:ext>
     </p:extLst>
   </p:cSld>
@@ -2483,7 +2475,7 @@
             <a:fld id="{3384F58F-C8A0-467D-A01E-9BAFE85BFF9F}" type="datetimeFigureOut">
               <a:rPr lang="zh-TW" altLang="en-US" smtClean="0"/>
               <a:pPr/>
-              <a:t>2022/6/26</a:t>
+              <a:t>2023/1/29</a:t>
             </a:fld>
             <a:endParaRPr lang="zh-TW" altLang="en-US"/>
           </a:p>
@@ -2516,8 +2508,8 @@
         </p:nvSpPr>
         <p:spPr bwMode="auto">
           <a:xfrm flipV="1">
-            <a:off x="-3141" y="714376"/>
-            <a:ext cx="1191395" cy="507297"/>
+            <a:off x="-3141" y="535782"/>
+            <a:ext cx="1191395" cy="380473"/>
           </a:xfrm>
           <a:custGeom>
             <a:avLst/>
@@ -2617,7 +2609,7 @@
     </p:spTree>
     <p:extLst>
       <p:ext uri="{BB962C8B-B14F-4D97-AF65-F5344CB8AC3E}">
-        <p14:creationId xmlns:p14="http://schemas.microsoft.com/office/powerpoint/2010/main" xmlns="" val="3149438605"/>
+        <p14:creationId xmlns="" xmlns:p14="http://schemas.microsoft.com/office/powerpoint/2010/main" val="3149438605"/>
       </p:ext>
     </p:extLst>
   </p:cSld>
@@ -2662,7 +2654,7 @@
             <a:fld id="{3384F58F-C8A0-467D-A01E-9BAFE85BFF9F}" type="datetimeFigureOut">
               <a:rPr lang="zh-TW" altLang="en-US" smtClean="0"/>
               <a:pPr/>
-              <a:t>2022/6/26</a:t>
+              <a:t>2023/1/29</a:t>
             </a:fld>
             <a:endParaRPr lang="zh-TW" altLang="en-US"/>
           </a:p>
@@ -2695,8 +2687,8 @@
         </p:nvSpPr>
         <p:spPr bwMode="auto">
           <a:xfrm flipV="1">
-            <a:off x="-3141" y="714376"/>
-            <a:ext cx="1191395" cy="507297"/>
+            <a:off x="-3141" y="535782"/>
+            <a:ext cx="1191395" cy="380473"/>
           </a:xfrm>
           <a:custGeom>
             <a:avLst/>
@@ -2796,7 +2788,7 @@
     </p:spTree>
     <p:extLst>
       <p:ext uri="{BB962C8B-B14F-4D97-AF65-F5344CB8AC3E}">
-        <p14:creationId xmlns:p14="http://schemas.microsoft.com/office/powerpoint/2010/main" xmlns="" val="1742955394"/>
+        <p14:creationId xmlns="" xmlns:p14="http://schemas.microsoft.com/office/powerpoint/2010/main" val="1742955394"/>
       </p:ext>
     </p:extLst>
   </p:cSld>
@@ -2835,8 +2827,8 @@
         </p:nvSpPr>
         <p:spPr>
           <a:xfrm>
-            <a:off x="1941909" y="446088"/>
-            <a:ext cx="2628899" cy="976312"/>
+            <a:off x="1941909" y="334566"/>
+            <a:ext cx="2628899" cy="732234"/>
           </a:xfrm>
         </p:spPr>
         <p:txBody>
@@ -2867,8 +2859,8 @@
         </p:nvSpPr>
         <p:spPr>
           <a:xfrm>
-            <a:off x="4742259" y="446089"/>
-            <a:ext cx="3886200" cy="5414963"/>
+            <a:off x="4742259" y="334567"/>
+            <a:ext cx="3886200" cy="4061222"/>
           </a:xfrm>
         </p:spPr>
         <p:txBody>
@@ -2926,8 +2918,8 @@
         </p:nvSpPr>
         <p:spPr>
           <a:xfrm>
-            <a:off x="1941909" y="1598613"/>
-            <a:ext cx="2628899" cy="4262436"/>
+            <a:off x="1941909" y="1198960"/>
+            <a:ext cx="2628899" cy="3196827"/>
           </a:xfrm>
         </p:spPr>
         <p:txBody>
@@ -2997,7 +2989,7 @@
             <a:fld id="{3384F58F-C8A0-467D-A01E-9BAFE85BFF9F}" type="datetimeFigureOut">
               <a:rPr lang="zh-TW" altLang="en-US" smtClean="0"/>
               <a:pPr/>
-              <a:t>2022/6/26</a:t>
+              <a:t>2023/1/29</a:t>
             </a:fld>
             <a:endParaRPr lang="zh-TW" altLang="en-US"/>
           </a:p>
@@ -3030,8 +3022,8 @@
         </p:nvSpPr>
         <p:spPr bwMode="auto">
           <a:xfrm flipV="1">
-            <a:off x="-3141" y="714376"/>
-            <a:ext cx="1191395" cy="507297"/>
+            <a:off x="-3141" y="535782"/>
+            <a:ext cx="1191395" cy="380473"/>
           </a:xfrm>
           <a:custGeom>
             <a:avLst/>
@@ -3131,7 +3123,7 @@
     </p:spTree>
     <p:extLst>
       <p:ext uri="{BB962C8B-B14F-4D97-AF65-F5344CB8AC3E}">
-        <p14:creationId xmlns:p14="http://schemas.microsoft.com/office/powerpoint/2010/main" xmlns="" val="2700973954"/>
+        <p14:creationId xmlns="" xmlns:p14="http://schemas.microsoft.com/office/powerpoint/2010/main" val="2700973954"/>
       </p:ext>
     </p:extLst>
   </p:cSld>
@@ -3255,7 +3247,7 @@
             <a:fld id="{3384F58F-C8A0-467D-A01E-9BAFE85BFF9F}" type="datetimeFigureOut">
               <a:rPr lang="zh-TW" altLang="en-US" smtClean="0"/>
               <a:pPr/>
-              <a:t>2022/6/26</a:t>
+              <a:t>2023/1/29</a:t>
             </a:fld>
             <a:endParaRPr lang="zh-TW" altLang="en-US"/>
           </a:p>
@@ -3349,8 +3341,8 @@
         </p:nvSpPr>
         <p:spPr>
           <a:xfrm>
-            <a:off x="1941910" y="4800600"/>
-            <a:ext cx="6686550" cy="566738"/>
+            <a:off x="1941910" y="3600450"/>
+            <a:ext cx="6686550" cy="425054"/>
           </a:xfrm>
         </p:spPr>
         <p:txBody>
@@ -3383,8 +3375,8 @@
         </p:nvSpPr>
         <p:spPr>
           <a:xfrm>
-            <a:off x="1941909" y="634965"/>
-            <a:ext cx="6686550" cy="3854970"/>
+            <a:off x="1941909" y="476224"/>
+            <a:ext cx="6686550" cy="2891228"/>
           </a:xfrm>
         </p:spPr>
         <p:txBody>
@@ -3450,8 +3442,8 @@
         </p:nvSpPr>
         <p:spPr>
           <a:xfrm>
-            <a:off x="1941910" y="5367338"/>
-            <a:ext cx="6686550" cy="493712"/>
+            <a:off x="1941910" y="4025504"/>
+            <a:ext cx="6686550" cy="370284"/>
           </a:xfrm>
         </p:spPr>
         <p:txBody>
@@ -3523,7 +3515,7 @@
             <a:fld id="{3384F58F-C8A0-467D-A01E-9BAFE85BFF9F}" type="datetimeFigureOut">
               <a:rPr lang="zh-TW" altLang="en-US" smtClean="0"/>
               <a:pPr/>
-              <a:t>2022/6/26</a:t>
+              <a:t>2023/1/29</a:t>
             </a:fld>
             <a:endParaRPr lang="zh-TW" altLang="en-US"/>
           </a:p>
@@ -3556,8 +3548,8 @@
         </p:nvSpPr>
         <p:spPr bwMode="auto">
           <a:xfrm flipV="1">
-            <a:off x="-3141" y="4911726"/>
-            <a:ext cx="1191395" cy="507297"/>
+            <a:off x="-3141" y="3683795"/>
+            <a:ext cx="1191395" cy="380473"/>
           </a:xfrm>
           <a:custGeom>
             <a:avLst/>
@@ -3642,8 +3634,8 @@
         </p:nvSpPr>
         <p:spPr>
           <a:xfrm>
-            <a:off x="398860" y="4983088"/>
-            <a:ext cx="584825" cy="365125"/>
+            <a:off x="398861" y="3737316"/>
+            <a:ext cx="584825" cy="273844"/>
           </a:xfrm>
         </p:spPr>
         <p:txBody>
@@ -3662,7 +3654,7 @@
     </p:spTree>
     <p:extLst>
       <p:ext uri="{BB962C8B-B14F-4D97-AF65-F5344CB8AC3E}">
-        <p14:creationId xmlns:p14="http://schemas.microsoft.com/office/powerpoint/2010/main" xmlns="" val="2607302339"/>
+        <p14:creationId xmlns="" xmlns:p14="http://schemas.microsoft.com/office/powerpoint/2010/main" val="2607302339"/>
       </p:ext>
     </p:extLst>
   </p:cSld>
@@ -3701,8 +3693,8 @@
         </p:nvSpPr>
         <p:spPr>
           <a:xfrm>
-            <a:off x="1941910" y="609600"/>
-            <a:ext cx="6686549" cy="3117040"/>
+            <a:off x="1941910" y="457200"/>
+            <a:ext cx="6686549" cy="2337780"/>
           </a:xfrm>
         </p:spPr>
         <p:txBody>
@@ -3735,8 +3727,8 @@
         </p:nvSpPr>
         <p:spPr>
           <a:xfrm>
-            <a:off x="1941910" y="4354046"/>
-            <a:ext cx="6686549" cy="1555864"/>
+            <a:off x="1941910" y="3265535"/>
+            <a:ext cx="6686549" cy="1166898"/>
           </a:xfrm>
         </p:spPr>
         <p:txBody>
@@ -3863,7 +3855,7 @@
             <a:fld id="{3384F58F-C8A0-467D-A01E-9BAFE85BFF9F}" type="datetimeFigureOut">
               <a:rPr lang="zh-TW" altLang="en-US" smtClean="0"/>
               <a:pPr/>
-              <a:t>2022/6/26</a:t>
+              <a:t>2023/1/29</a:t>
             </a:fld>
             <a:endParaRPr lang="zh-TW" altLang="en-US"/>
           </a:p>
@@ -3896,8 +3888,8 @@
         </p:nvSpPr>
         <p:spPr bwMode="auto">
           <a:xfrm flipV="1">
-            <a:off x="-3141" y="3178176"/>
-            <a:ext cx="1191395" cy="507297"/>
+            <a:off x="-3141" y="2383632"/>
+            <a:ext cx="1191395" cy="380473"/>
           </a:xfrm>
           <a:custGeom>
             <a:avLst/>
@@ -3982,8 +3974,8 @@
         </p:nvSpPr>
         <p:spPr>
           <a:xfrm>
-            <a:off x="398860" y="3244140"/>
-            <a:ext cx="584825" cy="365125"/>
+            <a:off x="398861" y="2433105"/>
+            <a:ext cx="584825" cy="273844"/>
           </a:xfrm>
         </p:spPr>
         <p:txBody>
@@ -4002,7 +3994,7 @@
     </p:spTree>
     <p:extLst>
       <p:ext uri="{BB962C8B-B14F-4D97-AF65-F5344CB8AC3E}">
-        <p14:creationId xmlns:p14="http://schemas.microsoft.com/office/powerpoint/2010/main" xmlns="" val="2400830201"/>
+        <p14:creationId xmlns="" xmlns:p14="http://schemas.microsoft.com/office/powerpoint/2010/main" val="2400830201"/>
       </p:ext>
     </p:extLst>
   </p:cSld>
@@ -4041,8 +4033,8 @@
         </p:nvSpPr>
         <p:spPr>
           <a:xfrm>
-            <a:off x="2137462" y="609600"/>
-            <a:ext cx="6295445" cy="2895600"/>
+            <a:off x="2137462" y="457200"/>
+            <a:ext cx="6295445" cy="2171700"/>
           </a:xfrm>
         </p:spPr>
         <p:txBody>
@@ -4075,8 +4067,8 @@
         </p:nvSpPr>
         <p:spPr>
           <a:xfrm>
-            <a:off x="2456259" y="3505200"/>
-            <a:ext cx="5652416" cy="381000"/>
+            <a:off x="2456259" y="2628900"/>
+            <a:ext cx="5652416" cy="285750"/>
           </a:xfrm>
         </p:spPr>
         <p:txBody>
@@ -4138,8 +4130,8 @@
         </p:nvSpPr>
         <p:spPr>
           <a:xfrm>
-            <a:off x="1941910" y="4354046"/>
-            <a:ext cx="6686549" cy="1555864"/>
+            <a:off x="1941910" y="3265535"/>
+            <a:ext cx="6686549" cy="1166898"/>
           </a:xfrm>
         </p:spPr>
         <p:txBody>
@@ -4266,7 +4258,7 @@
             <a:fld id="{3384F58F-C8A0-467D-A01E-9BAFE85BFF9F}" type="datetimeFigureOut">
               <a:rPr lang="zh-TW" altLang="en-US" smtClean="0"/>
               <a:pPr/>
-              <a:t>2022/6/26</a:t>
+              <a:t>2023/1/29</a:t>
             </a:fld>
             <a:endParaRPr lang="zh-TW" altLang="en-US"/>
           </a:p>
@@ -4299,8 +4291,8 @@
         </p:nvSpPr>
         <p:spPr bwMode="auto">
           <a:xfrm flipV="1">
-            <a:off x="-3141" y="3178176"/>
-            <a:ext cx="1191395" cy="507297"/>
+            <a:off x="-3141" y="2383632"/>
+            <a:ext cx="1191395" cy="380473"/>
           </a:xfrm>
           <a:custGeom>
             <a:avLst/>
@@ -4385,8 +4377,8 @@
         </p:nvSpPr>
         <p:spPr>
           <a:xfrm>
-            <a:off x="398860" y="3244140"/>
-            <a:ext cx="584825" cy="365125"/>
+            <a:off x="398861" y="2433105"/>
+            <a:ext cx="584825" cy="273844"/>
           </a:xfrm>
         </p:spPr>
         <p:txBody>
@@ -4410,8 +4402,8 @@
         </p:nvSpPr>
         <p:spPr>
           <a:xfrm>
-            <a:off x="1850739" y="648005"/>
-            <a:ext cx="457200" cy="584776"/>
+            <a:off x="1850739" y="486004"/>
+            <a:ext cx="457200" cy="438582"/>
           </a:xfrm>
           <a:prstGeom prst="rect">
             <a:avLst/>
@@ -4448,8 +4440,8 @@
         </p:nvSpPr>
         <p:spPr>
           <a:xfrm>
-            <a:off x="8336139" y="2905306"/>
-            <a:ext cx="457200" cy="584776"/>
+            <a:off x="8336139" y="2178980"/>
+            <a:ext cx="457200" cy="438582"/>
           </a:xfrm>
           <a:prstGeom prst="rect">
             <a:avLst/>
@@ -4481,7 +4473,7 @@
     </p:spTree>
     <p:extLst>
       <p:ext uri="{BB962C8B-B14F-4D97-AF65-F5344CB8AC3E}">
-        <p14:creationId xmlns:p14="http://schemas.microsoft.com/office/powerpoint/2010/main" xmlns="" val="126676221"/>
+        <p14:creationId xmlns="" xmlns:p14="http://schemas.microsoft.com/office/powerpoint/2010/main" val="126676221"/>
       </p:ext>
     </p:extLst>
   </p:cSld>
@@ -4520,8 +4512,8 @@
         </p:nvSpPr>
         <p:spPr>
           <a:xfrm>
-            <a:off x="1941910" y="2438401"/>
-            <a:ext cx="6686550" cy="2724845"/>
+            <a:off x="1941910" y="1828801"/>
+            <a:ext cx="6686550" cy="2043634"/>
           </a:xfrm>
         </p:spPr>
         <p:txBody>
@@ -4554,8 +4546,8 @@
         </p:nvSpPr>
         <p:spPr>
           <a:xfrm>
-            <a:off x="1941910" y="5181600"/>
-            <a:ext cx="6686550" cy="729622"/>
+            <a:off x="1941910" y="3886200"/>
+            <a:ext cx="6686550" cy="547217"/>
           </a:xfrm>
         </p:spPr>
         <p:txBody>
@@ -4604,7 +4596,7 @@
             <a:fld id="{3384F58F-C8A0-467D-A01E-9BAFE85BFF9F}" type="datetimeFigureOut">
               <a:rPr lang="zh-TW" altLang="en-US" smtClean="0"/>
               <a:pPr/>
-              <a:t>2022/6/26</a:t>
+              <a:t>2023/1/29</a:t>
             </a:fld>
             <a:endParaRPr lang="zh-TW" altLang="en-US"/>
           </a:p>
@@ -4637,8 +4629,8 @@
         </p:nvSpPr>
         <p:spPr bwMode="auto">
           <a:xfrm flipV="1">
-            <a:off x="-3141" y="4911726"/>
-            <a:ext cx="1191395" cy="507297"/>
+            <a:off x="-3141" y="3683795"/>
+            <a:ext cx="1191395" cy="380473"/>
           </a:xfrm>
           <a:custGeom>
             <a:avLst/>
@@ -4723,8 +4715,8 @@
         </p:nvSpPr>
         <p:spPr>
           <a:xfrm>
-            <a:off x="398860" y="4983088"/>
-            <a:ext cx="584825" cy="365125"/>
+            <a:off x="398861" y="3737316"/>
+            <a:ext cx="584825" cy="273844"/>
           </a:xfrm>
         </p:spPr>
         <p:txBody>
@@ -4743,7 +4735,7 @@
     </p:spTree>
     <p:extLst>
       <p:ext uri="{BB962C8B-B14F-4D97-AF65-F5344CB8AC3E}">
-        <p14:creationId xmlns:p14="http://schemas.microsoft.com/office/powerpoint/2010/main" xmlns="" val="3019115838"/>
+        <p14:creationId xmlns="" xmlns:p14="http://schemas.microsoft.com/office/powerpoint/2010/main" val="3019115838"/>
       </p:ext>
     </p:extLst>
   </p:cSld>
@@ -4782,8 +4774,8 @@
         </p:nvSpPr>
         <p:spPr>
           <a:xfrm>
-            <a:off x="2137462" y="609600"/>
-            <a:ext cx="6295445" cy="2895600"/>
+            <a:off x="2137462" y="457200"/>
+            <a:ext cx="6295445" cy="2171700"/>
           </a:xfrm>
         </p:spPr>
         <p:txBody>
@@ -4816,8 +4808,8 @@
         </p:nvSpPr>
         <p:spPr>
           <a:xfrm>
-            <a:off x="1941909" y="4343400"/>
-            <a:ext cx="6686550" cy="838200"/>
+            <a:off x="1941909" y="3257550"/>
+            <a:ext cx="6686550" cy="628650"/>
           </a:xfrm>
         </p:spPr>
         <p:txBody>
@@ -4876,8 +4868,8 @@
         </p:nvSpPr>
         <p:spPr>
           <a:xfrm>
-            <a:off x="1941910" y="5181600"/>
-            <a:ext cx="6686550" cy="729622"/>
+            <a:off x="1941910" y="3886200"/>
+            <a:ext cx="6686550" cy="547217"/>
           </a:xfrm>
         </p:spPr>
         <p:txBody>
@@ -4926,7 +4918,7 @@
             <a:fld id="{3384F58F-C8A0-467D-A01E-9BAFE85BFF9F}" type="datetimeFigureOut">
               <a:rPr lang="zh-TW" altLang="en-US" smtClean="0"/>
               <a:pPr/>
-              <a:t>2022/6/26</a:t>
+              <a:t>2023/1/29</a:t>
             </a:fld>
             <a:endParaRPr lang="zh-TW" altLang="en-US"/>
           </a:p>
@@ -4959,8 +4951,8 @@
         </p:nvSpPr>
         <p:spPr bwMode="auto">
           <a:xfrm flipV="1">
-            <a:off x="-3141" y="4911726"/>
-            <a:ext cx="1191395" cy="507297"/>
+            <a:off x="-3141" y="3683795"/>
+            <a:ext cx="1191395" cy="380473"/>
           </a:xfrm>
           <a:custGeom>
             <a:avLst/>
@@ -5045,8 +5037,8 @@
         </p:nvSpPr>
         <p:spPr>
           <a:xfrm>
-            <a:off x="398860" y="4983088"/>
-            <a:ext cx="584825" cy="365125"/>
+            <a:off x="398861" y="3737316"/>
+            <a:ext cx="584825" cy="273844"/>
           </a:xfrm>
         </p:spPr>
         <p:txBody>
@@ -5070,8 +5062,8 @@
         </p:nvSpPr>
         <p:spPr>
           <a:xfrm>
-            <a:off x="1850739" y="648005"/>
-            <a:ext cx="457200" cy="584776"/>
+            <a:off x="1850739" y="486004"/>
+            <a:ext cx="457200" cy="438582"/>
           </a:xfrm>
           <a:prstGeom prst="rect">
             <a:avLst/>
@@ -5108,8 +5100,8 @@
         </p:nvSpPr>
         <p:spPr>
           <a:xfrm>
-            <a:off x="8336139" y="2905306"/>
-            <a:ext cx="457200" cy="584776"/>
+            <a:off x="8336139" y="2178980"/>
+            <a:ext cx="457200" cy="438582"/>
           </a:xfrm>
           <a:prstGeom prst="rect">
             <a:avLst/>
@@ -5141,7 +5133,7 @@
     </p:spTree>
     <p:extLst>
       <p:ext uri="{BB962C8B-B14F-4D97-AF65-F5344CB8AC3E}">
-        <p14:creationId xmlns:p14="http://schemas.microsoft.com/office/powerpoint/2010/main" xmlns="" val="1614387129"/>
+        <p14:creationId xmlns="" xmlns:p14="http://schemas.microsoft.com/office/powerpoint/2010/main" val="1614387129"/>
       </p:ext>
     </p:extLst>
   </p:cSld>
@@ -5180,8 +5172,8 @@
         </p:nvSpPr>
         <p:spPr>
           <a:xfrm>
-            <a:off x="1941910" y="627407"/>
-            <a:ext cx="6686549" cy="2880020"/>
+            <a:off x="1941910" y="470555"/>
+            <a:ext cx="6686549" cy="2160015"/>
           </a:xfrm>
         </p:spPr>
         <p:txBody>
@@ -5214,8 +5206,8 @@
         </p:nvSpPr>
         <p:spPr>
           <a:xfrm>
-            <a:off x="1941909" y="4343400"/>
-            <a:ext cx="6686550" cy="838200"/>
+            <a:off x="1941909" y="3257550"/>
+            <a:ext cx="6686550" cy="628650"/>
           </a:xfrm>
         </p:spPr>
         <p:txBody>
@@ -5274,8 +5266,8 @@
         </p:nvSpPr>
         <p:spPr>
           <a:xfrm>
-            <a:off x="1941910" y="5181600"/>
-            <a:ext cx="6686550" cy="729622"/>
+            <a:off x="1941910" y="3886200"/>
+            <a:ext cx="6686550" cy="547217"/>
           </a:xfrm>
         </p:spPr>
         <p:txBody>
@@ -5324,7 +5316,7 @@
             <a:fld id="{3384F58F-C8A0-467D-A01E-9BAFE85BFF9F}" type="datetimeFigureOut">
               <a:rPr lang="zh-TW" altLang="en-US" smtClean="0"/>
               <a:pPr/>
-              <a:t>2022/6/26</a:t>
+              <a:t>2023/1/29</a:t>
             </a:fld>
             <a:endParaRPr lang="zh-TW" altLang="en-US"/>
           </a:p>
@@ -5357,8 +5349,8 @@
         </p:nvSpPr>
         <p:spPr bwMode="auto">
           <a:xfrm flipV="1">
-            <a:off x="-3141" y="4911726"/>
-            <a:ext cx="1191395" cy="507297"/>
+            <a:off x="-3141" y="3683795"/>
+            <a:ext cx="1191395" cy="380473"/>
           </a:xfrm>
           <a:custGeom>
             <a:avLst/>
@@ -5443,8 +5435,8 @@
         </p:nvSpPr>
         <p:spPr>
           <a:xfrm>
-            <a:off x="398860" y="4983088"/>
-            <a:ext cx="584825" cy="365125"/>
+            <a:off x="398861" y="3737316"/>
+            <a:ext cx="584825" cy="273844"/>
           </a:xfrm>
         </p:spPr>
         <p:txBody>
@@ -5463,7 +5455,7 @@
     </p:spTree>
     <p:extLst>
       <p:ext uri="{BB962C8B-B14F-4D97-AF65-F5344CB8AC3E}">
-        <p14:creationId xmlns:p14="http://schemas.microsoft.com/office/powerpoint/2010/main" xmlns="" val="3853056041"/>
+        <p14:creationId xmlns="" xmlns:p14="http://schemas.microsoft.com/office/powerpoint/2010/main" val="3853056041"/>
       </p:ext>
     </p:extLst>
   </p:cSld>
@@ -5583,7 +5575,7 @@
             <a:fld id="{3384F58F-C8A0-467D-A01E-9BAFE85BFF9F}" type="datetimeFigureOut">
               <a:rPr lang="zh-TW" altLang="en-US" smtClean="0"/>
               <a:pPr/>
-              <a:t>2022/6/26</a:t>
+              <a:t>2023/1/29</a:t>
             </a:fld>
             <a:endParaRPr lang="zh-TW" altLang="en-US"/>
           </a:p>
@@ -5616,8 +5608,8 @@
         </p:nvSpPr>
         <p:spPr bwMode="auto">
           <a:xfrm flipV="1">
-            <a:off x="-3141" y="714376"/>
-            <a:ext cx="1191395" cy="507297"/>
+            <a:off x="-3141" y="535782"/>
+            <a:ext cx="1191395" cy="380473"/>
           </a:xfrm>
           <a:custGeom>
             <a:avLst/>
@@ -5717,7 +5709,7 @@
     </p:spTree>
     <p:extLst>
       <p:ext uri="{BB962C8B-B14F-4D97-AF65-F5344CB8AC3E}">
-        <p14:creationId xmlns:p14="http://schemas.microsoft.com/office/powerpoint/2010/main" xmlns="" val="3100766371"/>
+        <p14:creationId xmlns="" xmlns:p14="http://schemas.microsoft.com/office/powerpoint/2010/main" val="3100766371"/>
       </p:ext>
     </p:extLst>
   </p:cSld>
@@ -5756,8 +5748,8 @@
         </p:nvSpPr>
         <p:spPr>
           <a:xfrm>
-            <a:off x="6971109" y="627406"/>
-            <a:ext cx="1655701" cy="5283817"/>
+            <a:off x="6971110" y="470555"/>
+            <a:ext cx="1655701" cy="3962863"/>
           </a:xfrm>
         </p:spPr>
         <p:txBody>
@@ -5784,8 +5776,8 @@
         </p:nvSpPr>
         <p:spPr>
           <a:xfrm>
-            <a:off x="1941909" y="627406"/>
-            <a:ext cx="4857750" cy="5283817"/>
+            <a:off x="1941909" y="470555"/>
+            <a:ext cx="4857750" cy="3962863"/>
           </a:xfrm>
         </p:spPr>
         <p:txBody>
@@ -5847,7 +5839,7 @@
             <a:fld id="{3384F58F-C8A0-467D-A01E-9BAFE85BFF9F}" type="datetimeFigureOut">
               <a:rPr lang="zh-TW" altLang="en-US" smtClean="0"/>
               <a:pPr/>
-              <a:t>2022/6/26</a:t>
+              <a:t>2023/1/29</a:t>
             </a:fld>
             <a:endParaRPr lang="zh-TW" altLang="en-US"/>
           </a:p>
@@ -5880,8 +5872,8 @@
         </p:nvSpPr>
         <p:spPr bwMode="auto">
           <a:xfrm flipV="1">
-            <a:off x="-3141" y="714376"/>
-            <a:ext cx="1191395" cy="507297"/>
+            <a:off x="-3141" y="535782"/>
+            <a:ext cx="1191395" cy="380473"/>
           </a:xfrm>
           <a:custGeom>
             <a:avLst/>
@@ -5981,7 +5973,7 @@
     </p:spTree>
     <p:extLst>
       <p:ext uri="{BB962C8B-B14F-4D97-AF65-F5344CB8AC3E}">
-        <p14:creationId xmlns:p14="http://schemas.microsoft.com/office/powerpoint/2010/main" xmlns="" val="2281816504"/>
+        <p14:creationId xmlns="" xmlns:p14="http://schemas.microsoft.com/office/powerpoint/2010/main" val="2281816504"/>
       </p:ext>
     </p:extLst>
   </p:cSld>
@@ -6018,8 +6010,8 @@
         </p:nvSpPr>
         <p:spPr>
           <a:xfrm>
-            <a:off x="173355" y="243840"/>
-            <a:ext cx="8793480" cy="6377939"/>
+            <a:off x="173355" y="182880"/>
+            <a:ext cx="8793480" cy="4783454"/>
           </a:xfrm>
           <a:prstGeom prst="rect">
             <a:avLst/>
@@ -6062,8 +6054,8 @@
         </p:nvSpPr>
         <p:spPr>
           <a:xfrm>
-            <a:off x="832485" y="882376"/>
-            <a:ext cx="7475220" cy="2926080"/>
+            <a:off x="832485" y="661782"/>
+            <a:ext cx="7475220" cy="2194560"/>
           </a:xfrm>
         </p:spPr>
         <p:txBody>
@@ -6103,8 +6095,8 @@
         </p:nvSpPr>
         <p:spPr>
           <a:xfrm>
-            <a:off x="1282148" y="3869639"/>
-            <a:ext cx="6575895" cy="1388165"/>
+            <a:off x="1282149" y="2902230"/>
+            <a:ext cx="6575895" cy="1041124"/>
           </a:xfrm>
         </p:spPr>
         <p:txBody>
@@ -6188,7 +6180,7 @@
             <a:fld id="{C89270DE-7577-4549-AD96-0A377172EF43}" type="datetimeFigureOut">
               <a:rPr lang="en-US" smtClean="0"/>
               <a:pPr/>
-              <a:t>6/26/2022</a:t>
+              <a:t>1/29/2023</a:t>
             </a:fld>
             <a:endParaRPr lang="en-US"/>
           </a:p>
@@ -6261,7 +6253,7 @@
         </p:nvCxnSpPr>
         <p:spPr>
           <a:xfrm>
-            <a:off x="1483997" y="3733800"/>
+            <a:off x="1483998" y="2800350"/>
             <a:ext cx="6172201" cy="0"/>
           </a:xfrm>
           <a:prstGeom prst="line">
@@ -6291,7 +6283,7 @@
     </p:spTree>
     <p:extLst>
       <p:ext uri="{BB962C8B-B14F-4D97-AF65-F5344CB8AC3E}">
-        <p14:creationId xmlns:p14="http://schemas.microsoft.com/office/powerpoint/2010/main" xmlns="" val="2911672352"/>
+        <p14:creationId xmlns="" xmlns:p14="http://schemas.microsoft.com/office/powerpoint/2010/main" val="2911672352"/>
       </p:ext>
     </p:extLst>
   </p:cSld>
@@ -6411,7 +6403,7 @@
             <a:fld id="{C89270DE-7577-4549-AD96-0A377172EF43}" type="datetimeFigureOut">
               <a:rPr lang="en-US" smtClean="0"/>
               <a:pPr/>
-              <a:t>6/26/2022</a:t>
+              <a:t>1/29/2023</a:t>
             </a:fld>
             <a:endParaRPr lang="en-US"/>
           </a:p>
@@ -6463,7 +6455,7 @@
     </p:spTree>
     <p:extLst>
       <p:ext uri="{BB962C8B-B14F-4D97-AF65-F5344CB8AC3E}">
-        <p14:creationId xmlns:p14="http://schemas.microsoft.com/office/powerpoint/2010/main" xmlns="" val="1320305320"/>
+        <p14:creationId xmlns="" xmlns:p14="http://schemas.microsoft.com/office/powerpoint/2010/main" val="1320305320"/>
       </p:ext>
     </p:extLst>
   </p:cSld>
@@ -6502,8 +6494,8 @@
         </p:nvSpPr>
         <p:spPr>
           <a:xfrm>
-            <a:off x="722313" y="4406900"/>
-            <a:ext cx="7772400" cy="1362075"/>
+            <a:off x="722313" y="3305176"/>
+            <a:ext cx="7772400" cy="1021556"/>
           </a:xfrm>
         </p:spPr>
         <p:txBody>
@@ -6534,8 +6526,8 @@
         </p:nvSpPr>
         <p:spPr>
           <a:xfrm>
-            <a:off x="722313" y="2906713"/>
-            <a:ext cx="7772400" cy="1500187"/>
+            <a:off x="722313" y="2180035"/>
+            <a:ext cx="7772400" cy="1125140"/>
           </a:xfrm>
         </p:spPr>
         <p:txBody>
@@ -6609,7 +6601,7 @@
             <a:fld id="{3384F58F-C8A0-467D-A01E-9BAFE85BFF9F}" type="datetimeFigureOut">
               <a:rPr lang="zh-TW" altLang="en-US" smtClean="0"/>
               <a:pPr/>
-              <a:t>2022/6/26</a:t>
+              <a:t>2023/1/29</a:t>
             </a:fld>
             <a:endParaRPr lang="zh-TW" altLang="en-US"/>
           </a:p>
@@ -6703,8 +6695,8 @@
         </p:nvSpPr>
         <p:spPr>
           <a:xfrm>
-            <a:off x="829818" y="1173575"/>
-            <a:ext cx="7475220" cy="2926080"/>
+            <a:off x="829818" y="880181"/>
+            <a:ext cx="7475220" cy="2194560"/>
           </a:xfrm>
         </p:spPr>
         <p:txBody>
@@ -6740,8 +6732,8 @@
         </p:nvSpPr>
         <p:spPr>
           <a:xfrm>
-            <a:off x="1282446" y="4154520"/>
-            <a:ext cx="6576822" cy="1363806"/>
+            <a:off x="1282446" y="3115890"/>
+            <a:ext cx="6576822" cy="1022855"/>
           </a:xfrm>
         </p:spPr>
         <p:txBody>
@@ -6865,7 +6857,7 @@
             <a:fld id="{C89270DE-7577-4549-AD96-0A377172EF43}" type="datetimeFigureOut">
               <a:rPr lang="en-US" smtClean="0"/>
               <a:pPr/>
-              <a:t>6/26/2022</a:t>
+              <a:t>1/29/2023</a:t>
             </a:fld>
             <a:endParaRPr lang="en-US"/>
           </a:p>
@@ -6922,7 +6914,7 @@
         </p:nvCxnSpPr>
         <p:spPr>
           <a:xfrm>
-            <a:off x="1485902" y="4020408"/>
+            <a:off x="1485903" y="3015306"/>
             <a:ext cx="6172201" cy="0"/>
           </a:xfrm>
           <a:prstGeom prst="line">
@@ -6952,7 +6944,7 @@
     </p:spTree>
     <p:extLst>
       <p:ext uri="{BB962C8B-B14F-4D97-AF65-F5344CB8AC3E}">
-        <p14:creationId xmlns:p14="http://schemas.microsoft.com/office/powerpoint/2010/main" xmlns="" val="3496850984"/>
+        <p14:creationId xmlns="" xmlns:p14="http://schemas.microsoft.com/office/powerpoint/2010/main" val="3496850984"/>
       </p:ext>
     </p:extLst>
   </p:cSld>
@@ -7014,8 +7006,8 @@
         </p:nvSpPr>
         <p:spPr>
           <a:xfrm>
-            <a:off x="857250" y="2057399"/>
-            <a:ext cx="3566160" cy="4023360"/>
+            <a:off x="857250" y="1543049"/>
+            <a:ext cx="3566160" cy="3017520"/>
           </a:xfrm>
         </p:spPr>
         <p:txBody>
@@ -7099,8 +7091,8 @@
         </p:nvSpPr>
         <p:spPr>
           <a:xfrm>
-            <a:off x="4700709" y="2057400"/>
-            <a:ext cx="3566160" cy="4023360"/>
+            <a:off x="4700709" y="1543050"/>
+            <a:ext cx="3566160" cy="3017520"/>
           </a:xfrm>
         </p:spPr>
         <p:txBody>
@@ -7190,7 +7182,7 @@
             <a:fld id="{C89270DE-7577-4549-AD96-0A377172EF43}" type="datetimeFigureOut">
               <a:rPr lang="en-US" smtClean="0"/>
               <a:pPr/>
-              <a:t>6/26/2022</a:t>
+              <a:t>1/29/2023</a:t>
             </a:fld>
             <a:endParaRPr lang="en-US"/>
           </a:p>
@@ -7242,7 +7234,7 @@
     </p:spTree>
     <p:extLst>
       <p:ext uri="{BB962C8B-B14F-4D97-AF65-F5344CB8AC3E}">
-        <p14:creationId xmlns:p14="http://schemas.microsoft.com/office/powerpoint/2010/main" xmlns="" val="3207825343"/>
+        <p14:creationId xmlns="" xmlns:p14="http://schemas.microsoft.com/office/powerpoint/2010/main" val="3207825343"/>
       </p:ext>
     </p:extLst>
   </p:cSld>
@@ -7304,8 +7296,8 @@
         </p:nvSpPr>
         <p:spPr>
           <a:xfrm>
-            <a:off x="857250" y="2001511"/>
-            <a:ext cx="3566160" cy="777240"/>
+            <a:off x="857250" y="1501133"/>
+            <a:ext cx="3566160" cy="582930"/>
           </a:xfrm>
         </p:spPr>
         <p:txBody>
@@ -7372,8 +7364,8 @@
         </p:nvSpPr>
         <p:spPr>
           <a:xfrm>
-            <a:off x="857250" y="2721483"/>
-            <a:ext cx="3566160" cy="3383280"/>
+            <a:off x="857250" y="2041112"/>
+            <a:ext cx="3566160" cy="2537460"/>
           </a:xfrm>
         </p:spPr>
         <p:txBody>
@@ -7457,8 +7449,8 @@
         </p:nvSpPr>
         <p:spPr>
           <a:xfrm>
-            <a:off x="4701880" y="1999032"/>
-            <a:ext cx="3566160" cy="777240"/>
+            <a:off x="4701880" y="1499274"/>
+            <a:ext cx="3566160" cy="582930"/>
           </a:xfrm>
         </p:spPr>
         <p:txBody>
@@ -7525,8 +7517,8 @@
         </p:nvSpPr>
         <p:spPr>
           <a:xfrm>
-            <a:off x="4701880" y="2719322"/>
-            <a:ext cx="3566160" cy="3383280"/>
+            <a:off x="4701880" y="2039492"/>
+            <a:ext cx="3566160" cy="2537460"/>
           </a:xfrm>
         </p:spPr>
         <p:txBody>
@@ -7616,7 +7608,7 @@
             <a:fld id="{C89270DE-7577-4549-AD96-0A377172EF43}" type="datetimeFigureOut">
               <a:rPr lang="en-US" smtClean="0"/>
               <a:pPr/>
-              <a:t>6/26/2022</a:t>
+              <a:t>1/29/2023</a:t>
             </a:fld>
             <a:endParaRPr lang="en-US"/>
           </a:p>
@@ -7668,7 +7660,7 @@
     </p:spTree>
     <p:extLst>
       <p:ext uri="{BB962C8B-B14F-4D97-AF65-F5344CB8AC3E}">
-        <p14:creationId xmlns:p14="http://schemas.microsoft.com/office/powerpoint/2010/main" xmlns="" val="1375813665"/>
+        <p14:creationId xmlns="" xmlns:p14="http://schemas.microsoft.com/office/powerpoint/2010/main" val="1375813665"/>
       </p:ext>
     </p:extLst>
   </p:cSld>
@@ -7736,7 +7728,7 @@
             <a:fld id="{C89270DE-7577-4549-AD96-0A377172EF43}" type="datetimeFigureOut">
               <a:rPr lang="en-US" smtClean="0"/>
               <a:pPr/>
-              <a:t>6/26/2022</a:t>
+              <a:t>1/29/2023</a:t>
             </a:fld>
             <a:endParaRPr lang="en-US"/>
           </a:p>
@@ -7788,7 +7780,7 @@
     </p:spTree>
     <p:extLst>
       <p:ext uri="{BB962C8B-B14F-4D97-AF65-F5344CB8AC3E}">
-        <p14:creationId xmlns:p14="http://schemas.microsoft.com/office/powerpoint/2010/main" xmlns="" val="2161804257"/>
+        <p14:creationId xmlns="" xmlns:p14="http://schemas.microsoft.com/office/powerpoint/2010/main" val="2161804257"/>
       </p:ext>
     </p:extLst>
   </p:cSld>
@@ -7833,7 +7825,7 @@
             <a:fld id="{C89270DE-7577-4549-AD96-0A377172EF43}" type="datetimeFigureOut">
               <a:rPr lang="en-US" smtClean="0"/>
               <a:pPr/>
-              <a:t>6/26/2022</a:t>
+              <a:t>1/29/2023</a:t>
             </a:fld>
             <a:endParaRPr lang="en-US"/>
           </a:p>
@@ -7885,7 +7877,7 @@
     </p:spTree>
     <p:extLst>
       <p:ext uri="{BB962C8B-B14F-4D97-AF65-F5344CB8AC3E}">
-        <p14:creationId xmlns:p14="http://schemas.microsoft.com/office/powerpoint/2010/main" xmlns="" val="1787600985"/>
+        <p14:creationId xmlns="" xmlns:p14="http://schemas.microsoft.com/office/powerpoint/2010/main" val="1787600985"/>
       </p:ext>
     </p:extLst>
   </p:cSld>
@@ -7924,8 +7916,8 @@
         </p:nvSpPr>
         <p:spPr>
           <a:xfrm>
-            <a:off x="857250" y="1097280"/>
-            <a:ext cx="2948940" cy="1737360"/>
+            <a:off x="857250" y="822960"/>
+            <a:ext cx="2948940" cy="1303020"/>
           </a:xfrm>
         </p:spPr>
         <p:txBody>
@@ -7961,8 +7953,8 @@
         </p:nvSpPr>
         <p:spPr>
           <a:xfrm>
-            <a:off x="4389119" y="1097280"/>
-            <a:ext cx="3909060" cy="4663440"/>
+            <a:off x="4389119" y="822960"/>
+            <a:ext cx="3909060" cy="3497580"/>
           </a:xfrm>
         </p:spPr>
         <p:txBody>
@@ -8046,8 +8038,8 @@
         </p:nvSpPr>
         <p:spPr>
           <a:xfrm>
-            <a:off x="857250" y="2834640"/>
-            <a:ext cx="2948940" cy="3017520"/>
+            <a:off x="857250" y="2125980"/>
+            <a:ext cx="2948940" cy="2263140"/>
           </a:xfrm>
         </p:spPr>
         <p:txBody>
@@ -8125,7 +8117,7 @@
             <a:fld id="{C89270DE-7577-4549-AD96-0A377172EF43}" type="datetimeFigureOut">
               <a:rPr lang="en-US" smtClean="0"/>
               <a:pPr/>
-              <a:t>6/26/2022</a:t>
+              <a:t>1/29/2023</a:t>
             </a:fld>
             <a:endParaRPr lang="en-US"/>
           </a:p>
@@ -8177,7 +8169,7 @@
     </p:spTree>
     <p:extLst>
       <p:ext uri="{BB962C8B-B14F-4D97-AF65-F5344CB8AC3E}">
-        <p14:creationId xmlns:p14="http://schemas.microsoft.com/office/powerpoint/2010/main" xmlns="" val="1639783474"/>
+        <p14:creationId xmlns="" xmlns:p14="http://schemas.microsoft.com/office/powerpoint/2010/main" val="1639783474"/>
       </p:ext>
     </p:extLst>
   </p:cSld>
@@ -8216,8 +8208,8 @@
         </p:nvSpPr>
         <p:spPr>
           <a:xfrm>
-            <a:off x="857250" y="1097280"/>
-            <a:ext cx="2948940" cy="1737360"/>
+            <a:off x="857250" y="822960"/>
+            <a:ext cx="2948940" cy="1303020"/>
           </a:xfrm>
         </p:spPr>
         <p:txBody>
@@ -8253,8 +8245,8 @@
         </p:nvSpPr>
         <p:spPr>
           <a:xfrm>
-            <a:off x="4059936" y="1069847"/>
-            <a:ext cx="4574286" cy="4800600"/>
+            <a:off x="4059936" y="802385"/>
+            <a:ext cx="4574286" cy="3600450"/>
           </a:xfrm>
         </p:spPr>
         <p:txBody>
@@ -8320,8 +8312,8 @@
         </p:nvSpPr>
         <p:spPr>
           <a:xfrm>
-            <a:off x="857250" y="2834640"/>
-            <a:ext cx="2948940" cy="2880360"/>
+            <a:off x="857250" y="2125980"/>
+            <a:ext cx="2948940" cy="2160270"/>
           </a:xfrm>
         </p:spPr>
         <p:txBody>
@@ -8399,7 +8391,7 @@
             <a:fld id="{C89270DE-7577-4549-AD96-0A377172EF43}" type="datetimeFigureOut">
               <a:rPr lang="en-US" smtClean="0"/>
               <a:pPr/>
-              <a:t>6/26/2022</a:t>
+              <a:t>1/29/2023</a:t>
             </a:fld>
             <a:endParaRPr lang="en-US"/>
           </a:p>
@@ -8451,7 +8443,7 @@
     </p:spTree>
     <p:extLst>
       <p:ext uri="{BB962C8B-B14F-4D97-AF65-F5344CB8AC3E}">
-        <p14:creationId xmlns:p14="http://schemas.microsoft.com/office/powerpoint/2010/main" xmlns="" val="1399789528"/>
+        <p14:creationId xmlns="" xmlns:p14="http://schemas.microsoft.com/office/powerpoint/2010/main" val="1399789528"/>
       </p:ext>
     </p:extLst>
   </p:cSld>
@@ -8571,7 +8563,7 @@
             <a:fld id="{C89270DE-7577-4549-AD96-0A377172EF43}" type="datetimeFigureOut">
               <a:rPr lang="en-US" smtClean="0"/>
               <a:pPr/>
-              <a:t>6/26/2022</a:t>
+              <a:t>1/29/2023</a:t>
             </a:fld>
             <a:endParaRPr lang="en-US"/>
           </a:p>
@@ -8623,7 +8615,7 @@
     </p:spTree>
     <p:extLst>
       <p:ext uri="{BB962C8B-B14F-4D97-AF65-F5344CB8AC3E}">
-        <p14:creationId xmlns:p14="http://schemas.microsoft.com/office/powerpoint/2010/main" xmlns="" val="2582524952"/>
+        <p14:creationId xmlns="" xmlns:p14="http://schemas.microsoft.com/office/powerpoint/2010/main" val="2582524952"/>
       </p:ext>
     </p:extLst>
   </p:cSld>
@@ -8662,8 +8654,8 @@
         </p:nvSpPr>
         <p:spPr>
           <a:xfrm>
-            <a:off x="6543677" y="762000"/>
-            <a:ext cx="1743075" cy="5410200"/>
+            <a:off x="6543678" y="571500"/>
+            <a:ext cx="1743075" cy="4057650"/>
           </a:xfrm>
         </p:spPr>
         <p:txBody>
@@ -8690,8 +8682,8 @@
         </p:nvSpPr>
         <p:spPr>
           <a:xfrm>
-            <a:off x="857252" y="762000"/>
-            <a:ext cx="5572125" cy="5410200"/>
+            <a:off x="857253" y="571500"/>
+            <a:ext cx="5572125" cy="4057650"/>
           </a:xfrm>
         </p:spPr>
         <p:txBody>
@@ -8753,7 +8745,7 @@
             <a:fld id="{C89270DE-7577-4549-AD96-0A377172EF43}" type="datetimeFigureOut">
               <a:rPr lang="en-US" smtClean="0"/>
               <a:pPr/>
-              <a:t>6/26/2022</a:t>
+              <a:t>1/29/2023</a:t>
             </a:fld>
             <a:endParaRPr lang="en-US"/>
           </a:p>
@@ -8805,7 +8797,7 @@
     </p:spTree>
     <p:extLst>
       <p:ext uri="{BB962C8B-B14F-4D97-AF65-F5344CB8AC3E}">
-        <p14:creationId xmlns:p14="http://schemas.microsoft.com/office/powerpoint/2010/main" xmlns="" val="2338115402"/>
+        <p14:creationId xmlns="" xmlns:p14="http://schemas.microsoft.com/office/powerpoint/2010/main" val="2338115402"/>
       </p:ext>
     </p:extLst>
   </p:cSld>
@@ -8840,8 +8832,8 @@
         </p:nvGrpSpPr>
         <p:grpSpPr>
           <a:xfrm>
-            <a:off x="0" y="-8464"/>
-            <a:ext cx="9144000" cy="6866467"/>
+            <a:off x="0" y="-6348"/>
+            <a:ext cx="9144000" cy="5149850"/>
             <a:chOff x="0" y="-8467"/>
             <a:chExt cx="12192000" cy="6866467"/>
           </a:xfrm>
@@ -9374,8 +9366,8 @@
         </p:nvSpPr>
         <p:spPr>
           <a:xfrm>
-            <a:off x="1130300" y="2404534"/>
-            <a:ext cx="5825202" cy="1646302"/>
+            <a:off x="1130300" y="1803400"/>
+            <a:ext cx="5825202" cy="1234727"/>
           </a:xfrm>
         </p:spPr>
         <p:txBody>
@@ -9412,8 +9404,8 @@
         </p:nvSpPr>
         <p:spPr>
           <a:xfrm>
-            <a:off x="1130300" y="4050835"/>
-            <a:ext cx="5825202" cy="1096899"/>
+            <a:off x="1130300" y="3038127"/>
+            <a:ext cx="5825202" cy="822674"/>
           </a:xfrm>
         </p:spPr>
         <p:txBody>
@@ -9538,7 +9530,7 @@
             <a:fld id="{C89270DE-7577-4549-AD96-0A377172EF43}" type="datetimeFigureOut">
               <a:rPr lang="en-US" smtClean="0"/>
               <a:pPr/>
-              <a:t>6/26/2022</a:t>
+              <a:t>1/29/2023</a:t>
             </a:fld>
             <a:endParaRPr lang="en-US"/>
           </a:p>
@@ -9590,7 +9582,7 @@
     </p:spTree>
     <p:extLst>
       <p:ext uri="{BB962C8B-B14F-4D97-AF65-F5344CB8AC3E}">
-        <p14:creationId xmlns:p14="http://schemas.microsoft.com/office/powerpoint/2010/main" xmlns="" val="288782076"/>
+        <p14:creationId xmlns="" xmlns:p14="http://schemas.microsoft.com/office/powerpoint/2010/main" val="288782076"/>
       </p:ext>
     </p:extLst>
   </p:cSld>
@@ -9652,8 +9644,8 @@
         </p:nvSpPr>
         <p:spPr>
           <a:xfrm>
-            <a:off x="457200" y="1600200"/>
-            <a:ext cx="4038600" cy="4525963"/>
+            <a:off x="457200" y="1200151"/>
+            <a:ext cx="4038600" cy="3394472"/>
           </a:xfrm>
         </p:spPr>
         <p:txBody>
@@ -9737,8 +9729,8 @@
         </p:nvSpPr>
         <p:spPr>
           <a:xfrm>
-            <a:off x="4648200" y="1600200"/>
-            <a:ext cx="4038600" cy="4525963"/>
+            <a:off x="4648200" y="1200151"/>
+            <a:ext cx="4038600" cy="3394472"/>
           </a:xfrm>
         </p:spPr>
         <p:txBody>
@@ -9832,7 +9824,7 @@
             <a:fld id="{3384F58F-C8A0-467D-A01E-9BAFE85BFF9F}" type="datetimeFigureOut">
               <a:rPr lang="zh-TW" altLang="en-US" smtClean="0"/>
               <a:pPr/>
-              <a:t>2022/6/26</a:t>
+              <a:t>2023/1/29</a:t>
             </a:fld>
             <a:endParaRPr lang="zh-TW" altLang="en-US"/>
           </a:p>
@@ -10013,7 +10005,7 @@
             <a:fld id="{C89270DE-7577-4549-AD96-0A377172EF43}" type="datetimeFigureOut">
               <a:rPr lang="en-US" smtClean="0"/>
               <a:pPr/>
-              <a:t>6/26/2022</a:t>
+              <a:t>1/29/2023</a:t>
             </a:fld>
             <a:endParaRPr lang="en-US"/>
           </a:p>
@@ -10065,7 +10057,7 @@
     </p:spTree>
     <p:extLst>
       <p:ext uri="{BB962C8B-B14F-4D97-AF65-F5344CB8AC3E}">
-        <p14:creationId xmlns:p14="http://schemas.microsoft.com/office/powerpoint/2010/main" xmlns="" val="4293135353"/>
+        <p14:creationId xmlns="" xmlns:p14="http://schemas.microsoft.com/office/powerpoint/2010/main" val="4293135353"/>
       </p:ext>
     </p:extLst>
   </p:cSld>
@@ -10104,8 +10096,8 @@
         </p:nvSpPr>
         <p:spPr>
           <a:xfrm>
-            <a:off x="508001" y="2700871"/>
-            <a:ext cx="6447501" cy="1826581"/>
+            <a:off x="508002" y="2025653"/>
+            <a:ext cx="6447501" cy="1369936"/>
           </a:xfrm>
         </p:spPr>
         <p:txBody>
@@ -10136,8 +10128,8 @@
         </p:nvSpPr>
         <p:spPr>
           <a:xfrm>
-            <a:off x="508001" y="4527448"/>
-            <a:ext cx="6447501" cy="860400"/>
+            <a:off x="508002" y="3395586"/>
+            <a:ext cx="6447501" cy="645300"/>
           </a:xfrm>
         </p:spPr>
         <p:txBody>
@@ -10262,7 +10254,7 @@
             <a:fld id="{C89270DE-7577-4549-AD96-0A377172EF43}" type="datetimeFigureOut">
               <a:rPr lang="en-US" smtClean="0"/>
               <a:pPr/>
-              <a:t>6/26/2022</a:t>
+              <a:t>1/29/2023</a:t>
             </a:fld>
             <a:endParaRPr lang="en-US"/>
           </a:p>
@@ -10314,7 +10306,7 @@
     </p:spTree>
     <p:extLst>
       <p:ext uri="{BB962C8B-B14F-4D97-AF65-F5344CB8AC3E}">
-        <p14:creationId xmlns:p14="http://schemas.microsoft.com/office/powerpoint/2010/main" xmlns="" val="143783560"/>
+        <p14:creationId xmlns="" xmlns:p14="http://schemas.microsoft.com/office/powerpoint/2010/main" val="143783560"/>
       </p:ext>
     </p:extLst>
   </p:cSld>
@@ -10376,8 +10368,8 @@
         </p:nvSpPr>
         <p:spPr>
           <a:xfrm>
-            <a:off x="508002" y="2160589"/>
-            <a:ext cx="3138026" cy="3880772"/>
+            <a:off x="508002" y="1620442"/>
+            <a:ext cx="3138026" cy="2910579"/>
           </a:xfrm>
         </p:spPr>
         <p:txBody>
@@ -10433,8 +10425,8 @@
         </p:nvSpPr>
         <p:spPr>
           <a:xfrm>
-            <a:off x="3817477" y="2160590"/>
-            <a:ext cx="3138026" cy="3880773"/>
+            <a:off x="3817477" y="1620443"/>
+            <a:ext cx="3138026" cy="2910580"/>
           </a:xfrm>
         </p:spPr>
         <p:txBody>
@@ -10496,7 +10488,7 @@
             <a:fld id="{C89270DE-7577-4549-AD96-0A377172EF43}" type="datetimeFigureOut">
               <a:rPr lang="en-US" smtClean="0"/>
               <a:pPr/>
-              <a:t>6/26/2022</a:t>
+              <a:t>1/29/2023</a:t>
             </a:fld>
             <a:endParaRPr lang="en-US"/>
           </a:p>
@@ -10548,7 +10540,7 @@
     </p:spTree>
     <p:extLst>
       <p:ext uri="{BB962C8B-B14F-4D97-AF65-F5344CB8AC3E}">
-        <p14:creationId xmlns:p14="http://schemas.microsoft.com/office/powerpoint/2010/main" xmlns="" val="2848911863"/>
+        <p14:creationId xmlns="" xmlns:p14="http://schemas.microsoft.com/office/powerpoint/2010/main" val="2848911863"/>
       </p:ext>
     </p:extLst>
   </p:cSld>
@@ -10614,8 +10606,8 @@
         </p:nvSpPr>
         <p:spPr>
           <a:xfrm>
-            <a:off x="506812" y="2160983"/>
-            <a:ext cx="3139217" cy="576262"/>
+            <a:off x="506812" y="1620737"/>
+            <a:ext cx="3139217" cy="432197"/>
           </a:xfrm>
         </p:spPr>
         <p:txBody>
@@ -10681,8 +10673,8 @@
         </p:nvSpPr>
         <p:spPr>
           <a:xfrm>
-            <a:off x="506812" y="2737252"/>
-            <a:ext cx="3139217" cy="3304117"/>
+            <a:off x="506812" y="2052939"/>
+            <a:ext cx="3139217" cy="2478088"/>
           </a:xfrm>
         </p:spPr>
         <p:txBody>
@@ -10740,8 +10732,8 @@
         </p:nvSpPr>
         <p:spPr>
           <a:xfrm>
-            <a:off x="3816289" y="2160983"/>
-            <a:ext cx="3139214" cy="576262"/>
+            <a:off x="3816289" y="1620737"/>
+            <a:ext cx="3139214" cy="432197"/>
           </a:xfrm>
         </p:spPr>
         <p:txBody>
@@ -10807,8 +10799,8 @@
         </p:nvSpPr>
         <p:spPr>
           <a:xfrm>
-            <a:off x="3816291" y="2737252"/>
-            <a:ext cx="3139213" cy="3304117"/>
+            <a:off x="3816292" y="2052939"/>
+            <a:ext cx="3139213" cy="2478088"/>
           </a:xfrm>
         </p:spPr>
         <p:txBody>
@@ -10872,7 +10864,7 @@
             <a:fld id="{C89270DE-7577-4549-AD96-0A377172EF43}" type="datetimeFigureOut">
               <a:rPr lang="en-US" smtClean="0"/>
               <a:pPr/>
-              <a:t>6/26/2022</a:t>
+              <a:t>1/29/2023</a:t>
             </a:fld>
             <a:endParaRPr lang="en-US"/>
           </a:p>
@@ -10924,7 +10916,7 @@
     </p:spTree>
     <p:extLst>
       <p:ext uri="{BB962C8B-B14F-4D97-AF65-F5344CB8AC3E}">
-        <p14:creationId xmlns:p14="http://schemas.microsoft.com/office/powerpoint/2010/main" xmlns="" val="3307446124"/>
+        <p14:creationId xmlns="" xmlns:p14="http://schemas.microsoft.com/office/powerpoint/2010/main" val="3307446124"/>
       </p:ext>
     </p:extLst>
   </p:cSld>
@@ -10963,8 +10955,8 @@
         </p:nvSpPr>
         <p:spPr>
           <a:xfrm>
-            <a:off x="508001" y="609600"/>
-            <a:ext cx="6447501" cy="1320800"/>
+            <a:off x="508002" y="457200"/>
+            <a:ext cx="6447501" cy="990600"/>
           </a:xfrm>
         </p:spPr>
         <p:txBody>
@@ -10997,7 +10989,7 @@
             <a:fld id="{C89270DE-7577-4549-AD96-0A377172EF43}" type="datetimeFigureOut">
               <a:rPr lang="en-US" smtClean="0"/>
               <a:pPr/>
-              <a:t>6/26/2022</a:t>
+              <a:t>1/29/2023</a:t>
             </a:fld>
             <a:endParaRPr lang="en-US"/>
           </a:p>
@@ -11049,7 +11041,7 @@
     </p:spTree>
     <p:extLst>
       <p:ext uri="{BB962C8B-B14F-4D97-AF65-F5344CB8AC3E}">
-        <p14:creationId xmlns:p14="http://schemas.microsoft.com/office/powerpoint/2010/main" xmlns="" val="2258692390"/>
+        <p14:creationId xmlns="" xmlns:p14="http://schemas.microsoft.com/office/powerpoint/2010/main" val="2258692390"/>
       </p:ext>
     </p:extLst>
   </p:cSld>
@@ -11094,7 +11086,7 @@
             <a:fld id="{C89270DE-7577-4549-AD96-0A377172EF43}" type="datetimeFigureOut">
               <a:rPr lang="en-US" smtClean="0"/>
               <a:pPr/>
-              <a:t>6/26/2022</a:t>
+              <a:t>1/29/2023</a:t>
             </a:fld>
             <a:endParaRPr lang="en-US"/>
           </a:p>
@@ -11146,7 +11138,7 @@
     </p:spTree>
     <p:extLst>
       <p:ext uri="{BB962C8B-B14F-4D97-AF65-F5344CB8AC3E}">
-        <p14:creationId xmlns:p14="http://schemas.microsoft.com/office/powerpoint/2010/main" xmlns="" val="2823363212"/>
+        <p14:creationId xmlns="" xmlns:p14="http://schemas.microsoft.com/office/powerpoint/2010/main" val="2823363212"/>
       </p:ext>
     </p:extLst>
   </p:cSld>
@@ -11185,8 +11177,8 @@
         </p:nvSpPr>
         <p:spPr>
           <a:xfrm>
-            <a:off x="508000" y="1498604"/>
-            <a:ext cx="2890896" cy="1278466"/>
+            <a:off x="508000" y="1123953"/>
+            <a:ext cx="2890896" cy="958850"/>
           </a:xfrm>
         </p:spPr>
         <p:txBody>
@@ -11219,8 +11211,8 @@
         </p:nvSpPr>
         <p:spPr>
           <a:xfrm>
-            <a:off x="3570348" y="514924"/>
-            <a:ext cx="3385156" cy="5526437"/>
+            <a:off x="3570348" y="386193"/>
+            <a:ext cx="3385156" cy="4144828"/>
           </a:xfrm>
         </p:spPr>
         <p:txBody>
@@ -11278,8 +11270,8 @@
         </p:nvSpPr>
         <p:spPr>
           <a:xfrm>
-            <a:off x="508000" y="2777069"/>
-            <a:ext cx="2890896" cy="2584449"/>
+            <a:off x="508000" y="2082802"/>
+            <a:ext cx="2890896" cy="1938337"/>
           </a:xfrm>
         </p:spPr>
         <p:txBody>
@@ -11351,7 +11343,7 @@
             <a:fld id="{C89270DE-7577-4549-AD96-0A377172EF43}" type="datetimeFigureOut">
               <a:rPr lang="en-US" smtClean="0"/>
               <a:pPr/>
-              <a:t>6/26/2022</a:t>
+              <a:t>1/29/2023</a:t>
             </a:fld>
             <a:endParaRPr lang="en-US"/>
           </a:p>
@@ -11403,7 +11395,7 @@
     </p:spTree>
     <p:extLst>
       <p:ext uri="{BB962C8B-B14F-4D97-AF65-F5344CB8AC3E}">
-        <p14:creationId xmlns:p14="http://schemas.microsoft.com/office/powerpoint/2010/main" xmlns="" val="3036016673"/>
+        <p14:creationId xmlns="" xmlns:p14="http://schemas.microsoft.com/office/powerpoint/2010/main" val="3036016673"/>
       </p:ext>
     </p:extLst>
   </p:cSld>
@@ -11442,8 +11434,8 @@
         </p:nvSpPr>
         <p:spPr>
           <a:xfrm>
-            <a:off x="508002" y="4800600"/>
-            <a:ext cx="6447500" cy="566738"/>
+            <a:off x="508002" y="3600450"/>
+            <a:ext cx="6447500" cy="425054"/>
           </a:xfrm>
         </p:spPr>
         <p:txBody>
@@ -11476,8 +11468,8 @@
         </p:nvSpPr>
         <p:spPr>
           <a:xfrm>
-            <a:off x="508001" y="609600"/>
-            <a:ext cx="6447501" cy="3845718"/>
+            <a:off x="508002" y="457200"/>
+            <a:ext cx="6447501" cy="2884289"/>
           </a:xfrm>
         </p:spPr>
         <p:txBody>
@@ -11543,8 +11535,8 @@
         </p:nvSpPr>
         <p:spPr>
           <a:xfrm>
-            <a:off x="508002" y="5367338"/>
-            <a:ext cx="6447500" cy="674024"/>
+            <a:off x="508002" y="4025504"/>
+            <a:ext cx="6447500" cy="505518"/>
           </a:xfrm>
         </p:spPr>
         <p:txBody>
@@ -11616,7 +11608,7 @@
             <a:fld id="{C89270DE-7577-4549-AD96-0A377172EF43}" type="datetimeFigureOut">
               <a:rPr lang="en-US" smtClean="0"/>
               <a:pPr/>
-              <a:t>6/26/2022</a:t>
+              <a:t>1/29/2023</a:t>
             </a:fld>
             <a:endParaRPr lang="en-US"/>
           </a:p>
@@ -11668,7 +11660,7 @@
     </p:spTree>
     <p:extLst>
       <p:ext uri="{BB962C8B-B14F-4D97-AF65-F5344CB8AC3E}">
-        <p14:creationId xmlns:p14="http://schemas.microsoft.com/office/powerpoint/2010/main" xmlns="" val="633447560"/>
+        <p14:creationId xmlns="" xmlns:p14="http://schemas.microsoft.com/office/powerpoint/2010/main" val="633447560"/>
       </p:ext>
     </p:extLst>
   </p:cSld>
@@ -11707,8 +11699,8 @@
         </p:nvSpPr>
         <p:spPr>
           <a:xfrm>
-            <a:off x="508001" y="609600"/>
-            <a:ext cx="6447501" cy="3403600"/>
+            <a:off x="508002" y="457200"/>
+            <a:ext cx="6447501" cy="2552700"/>
           </a:xfrm>
         </p:spPr>
         <p:txBody>
@@ -11741,8 +11733,8 @@
         </p:nvSpPr>
         <p:spPr>
           <a:xfrm>
-            <a:off x="508001" y="4470400"/>
-            <a:ext cx="6447501" cy="1570962"/>
+            <a:off x="508002" y="3352800"/>
+            <a:ext cx="6447501" cy="1178222"/>
           </a:xfrm>
         </p:spPr>
         <p:txBody>
@@ -11869,7 +11861,7 @@
             <a:fld id="{C89270DE-7577-4549-AD96-0A377172EF43}" type="datetimeFigureOut">
               <a:rPr lang="en-US" smtClean="0"/>
               <a:pPr/>
-              <a:t>6/26/2022</a:t>
+              <a:t>1/29/2023</a:t>
             </a:fld>
             <a:endParaRPr lang="en-US"/>
           </a:p>
@@ -11921,7 +11913,7 @@
     </p:spTree>
     <p:extLst>
       <p:ext uri="{BB962C8B-B14F-4D97-AF65-F5344CB8AC3E}">
-        <p14:creationId xmlns:p14="http://schemas.microsoft.com/office/powerpoint/2010/main" xmlns="" val="3106836870"/>
+        <p14:creationId xmlns="" xmlns:p14="http://schemas.microsoft.com/office/powerpoint/2010/main" val="3106836870"/>
       </p:ext>
     </p:extLst>
   </p:cSld>
@@ -11960,8 +11952,8 @@
         </p:nvSpPr>
         <p:spPr>
           <a:xfrm>
-            <a:off x="698503" y="609600"/>
-            <a:ext cx="6070601" cy="3022600"/>
+            <a:off x="698504" y="457200"/>
+            <a:ext cx="6070601" cy="2266950"/>
           </a:xfrm>
         </p:spPr>
         <p:txBody>
@@ -11994,8 +11986,8 @@
         </p:nvSpPr>
         <p:spPr>
           <a:xfrm>
-            <a:off x="1024604" y="3632200"/>
-            <a:ext cx="5418393" cy="381000"/>
+            <a:off x="1024604" y="2724150"/>
+            <a:ext cx="5418393" cy="285750"/>
           </a:xfrm>
         </p:spPr>
         <p:txBody>
@@ -12057,8 +12049,8 @@
         </p:nvSpPr>
         <p:spPr>
           <a:xfrm>
-            <a:off x="508001" y="4470400"/>
-            <a:ext cx="6447501" cy="1570962"/>
+            <a:off x="508002" y="3352800"/>
+            <a:ext cx="6447501" cy="1178222"/>
           </a:xfrm>
         </p:spPr>
         <p:txBody>
@@ -12185,7 +12177,7 @@
             <a:fld id="{C89270DE-7577-4549-AD96-0A377172EF43}" type="datetimeFigureOut">
               <a:rPr lang="en-US" smtClean="0"/>
               <a:pPr/>
-              <a:t>6/26/2022</a:t>
+              <a:t>1/29/2023</a:t>
             </a:fld>
             <a:endParaRPr lang="en-US"/>
           </a:p>
@@ -12242,8 +12234,8 @@
         </p:nvSpPr>
         <p:spPr>
           <a:xfrm>
-            <a:off x="406402" y="790378"/>
-            <a:ext cx="457200" cy="584776"/>
+            <a:off x="406402" y="592784"/>
+            <a:ext cx="457200" cy="438582"/>
           </a:xfrm>
           <a:prstGeom prst="rect">
             <a:avLst/>
@@ -12283,8 +12275,8 @@
         </p:nvSpPr>
         <p:spPr>
           <a:xfrm>
-            <a:off x="6669758" y="2886556"/>
-            <a:ext cx="457200" cy="584776"/>
+            <a:off x="6669758" y="2164917"/>
+            <a:ext cx="457200" cy="438582"/>
           </a:xfrm>
           <a:prstGeom prst="rect">
             <a:avLst/>
@@ -12327,7 +12319,7 @@
     </p:spTree>
     <p:extLst>
       <p:ext uri="{BB962C8B-B14F-4D97-AF65-F5344CB8AC3E}">
-        <p14:creationId xmlns:p14="http://schemas.microsoft.com/office/powerpoint/2010/main" xmlns="" val="1460951454"/>
+        <p14:creationId xmlns="" xmlns:p14="http://schemas.microsoft.com/office/powerpoint/2010/main" val="1460951454"/>
       </p:ext>
     </p:extLst>
   </p:cSld>
@@ -12393,8 +12385,8 @@
         </p:nvSpPr>
         <p:spPr>
           <a:xfrm>
-            <a:off x="457200" y="1535113"/>
-            <a:ext cx="4040188" cy="639762"/>
+            <a:off x="457200" y="1151335"/>
+            <a:ext cx="4040188" cy="479822"/>
           </a:xfrm>
         </p:spPr>
         <p:txBody>
@@ -12458,8 +12450,8 @@
         </p:nvSpPr>
         <p:spPr>
           <a:xfrm>
-            <a:off x="457200" y="2174875"/>
-            <a:ext cx="4040188" cy="3951288"/>
+            <a:off x="457200" y="1631156"/>
+            <a:ext cx="4040188" cy="2963466"/>
           </a:xfrm>
         </p:spPr>
         <p:txBody>
@@ -12543,8 +12535,8 @@
         </p:nvSpPr>
         <p:spPr>
           <a:xfrm>
-            <a:off x="4645025" y="1535113"/>
-            <a:ext cx="4041775" cy="639762"/>
+            <a:off x="4645026" y="1151335"/>
+            <a:ext cx="4041775" cy="479822"/>
           </a:xfrm>
         </p:spPr>
         <p:txBody>
@@ -12608,8 +12600,8 @@
         </p:nvSpPr>
         <p:spPr>
           <a:xfrm>
-            <a:off x="4645025" y="2174875"/>
-            <a:ext cx="4041775" cy="3951288"/>
+            <a:off x="4645026" y="1631156"/>
+            <a:ext cx="4041775" cy="2963466"/>
           </a:xfrm>
         </p:spPr>
         <p:txBody>
@@ -12703,7 +12695,7 @@
             <a:fld id="{3384F58F-C8A0-467D-A01E-9BAFE85BFF9F}" type="datetimeFigureOut">
               <a:rPr lang="zh-TW" altLang="en-US" smtClean="0"/>
               <a:pPr/>
-              <a:t>2022/6/26</a:t>
+              <a:t>2023/1/29</a:t>
             </a:fld>
             <a:endParaRPr lang="zh-TW" altLang="en-US"/>
           </a:p>
@@ -12797,8 +12789,8 @@
         </p:nvSpPr>
         <p:spPr>
           <a:xfrm>
-            <a:off x="508001" y="1931988"/>
-            <a:ext cx="6447501" cy="2595460"/>
+            <a:off x="508002" y="1448991"/>
+            <a:ext cx="6447501" cy="1946595"/>
           </a:xfrm>
         </p:spPr>
         <p:txBody>
@@ -12831,8 +12823,8 @@
         </p:nvSpPr>
         <p:spPr>
           <a:xfrm>
-            <a:off x="508001" y="4527448"/>
-            <a:ext cx="6447501" cy="1513914"/>
+            <a:off x="508002" y="3395586"/>
+            <a:ext cx="6447501" cy="1135436"/>
           </a:xfrm>
         </p:spPr>
         <p:txBody>
@@ -12959,7 +12951,7 @@
             <a:fld id="{C89270DE-7577-4549-AD96-0A377172EF43}" type="datetimeFigureOut">
               <a:rPr lang="en-US" smtClean="0"/>
               <a:pPr/>
-              <a:t>6/26/2022</a:t>
+              <a:t>1/29/2023</a:t>
             </a:fld>
             <a:endParaRPr lang="en-US"/>
           </a:p>
@@ -13011,7 +13003,7 @@
     </p:spTree>
     <p:extLst>
       <p:ext uri="{BB962C8B-B14F-4D97-AF65-F5344CB8AC3E}">
-        <p14:creationId xmlns:p14="http://schemas.microsoft.com/office/powerpoint/2010/main" xmlns="" val="3191693729"/>
+        <p14:creationId xmlns="" xmlns:p14="http://schemas.microsoft.com/office/powerpoint/2010/main" val="3191693729"/>
       </p:ext>
     </p:extLst>
   </p:cSld>
@@ -13050,8 +13042,8 @@
         </p:nvSpPr>
         <p:spPr>
           <a:xfrm>
-            <a:off x="698503" y="609600"/>
-            <a:ext cx="6070601" cy="3022600"/>
+            <a:off x="698504" y="457200"/>
+            <a:ext cx="6070601" cy="2266950"/>
           </a:xfrm>
         </p:spPr>
         <p:txBody>
@@ -13084,8 +13076,8 @@
         </p:nvSpPr>
         <p:spPr>
           <a:xfrm>
-            <a:off x="507999" y="4013200"/>
-            <a:ext cx="6447502" cy="514248"/>
+            <a:off x="507999" y="3009900"/>
+            <a:ext cx="6447502" cy="385686"/>
           </a:xfrm>
         </p:spPr>
         <p:txBody>
@@ -13147,8 +13139,8 @@
         </p:nvSpPr>
         <p:spPr>
           <a:xfrm>
-            <a:off x="508001" y="4527448"/>
-            <a:ext cx="6447501" cy="1513914"/>
+            <a:off x="508002" y="3395586"/>
+            <a:ext cx="6447501" cy="1135436"/>
           </a:xfrm>
         </p:spPr>
         <p:txBody>
@@ -13275,7 +13267,7 @@
             <a:fld id="{C89270DE-7577-4549-AD96-0A377172EF43}" type="datetimeFigureOut">
               <a:rPr lang="en-US" smtClean="0"/>
               <a:pPr/>
-              <a:t>6/26/2022</a:t>
+              <a:t>1/29/2023</a:t>
             </a:fld>
             <a:endParaRPr lang="en-US"/>
           </a:p>
@@ -13332,8 +13324,8 @@
         </p:nvSpPr>
         <p:spPr>
           <a:xfrm>
-            <a:off x="406402" y="790378"/>
-            <a:ext cx="457200" cy="584776"/>
+            <a:off x="406402" y="592784"/>
+            <a:ext cx="457200" cy="438582"/>
           </a:xfrm>
           <a:prstGeom prst="rect">
             <a:avLst/>
@@ -13373,8 +13365,8 @@
         </p:nvSpPr>
         <p:spPr>
           <a:xfrm>
-            <a:off x="6669758" y="2886556"/>
-            <a:ext cx="457200" cy="584776"/>
+            <a:off x="6669758" y="2164917"/>
+            <a:ext cx="457200" cy="438582"/>
           </a:xfrm>
           <a:prstGeom prst="rect">
             <a:avLst/>
@@ -13409,7 +13401,7 @@
     </p:spTree>
     <p:extLst>
       <p:ext uri="{BB962C8B-B14F-4D97-AF65-F5344CB8AC3E}">
-        <p14:creationId xmlns:p14="http://schemas.microsoft.com/office/powerpoint/2010/main" xmlns="" val="3834834152"/>
+        <p14:creationId xmlns="" xmlns:p14="http://schemas.microsoft.com/office/powerpoint/2010/main" val="3834834152"/>
       </p:ext>
     </p:extLst>
   </p:cSld>
@@ -13448,8 +13440,8 @@
         </p:nvSpPr>
         <p:spPr>
           <a:xfrm>
-            <a:off x="514350" y="609600"/>
-            <a:ext cx="6441152" cy="3022600"/>
+            <a:off x="514350" y="457200"/>
+            <a:ext cx="6441152" cy="2266950"/>
           </a:xfrm>
         </p:spPr>
         <p:txBody>
@@ -13482,8 +13474,8 @@
         </p:nvSpPr>
         <p:spPr>
           <a:xfrm>
-            <a:off x="507999" y="4013200"/>
-            <a:ext cx="6447502" cy="514248"/>
+            <a:off x="507999" y="3009900"/>
+            <a:ext cx="6447502" cy="385686"/>
           </a:xfrm>
         </p:spPr>
         <p:txBody>
@@ -13542,8 +13534,8 @@
         </p:nvSpPr>
         <p:spPr>
           <a:xfrm>
-            <a:off x="508001" y="4527448"/>
-            <a:ext cx="6447501" cy="1513914"/>
+            <a:off x="508002" y="3395586"/>
+            <a:ext cx="6447501" cy="1135436"/>
           </a:xfrm>
         </p:spPr>
         <p:txBody>
@@ -13670,7 +13662,7 @@
             <a:fld id="{C89270DE-7577-4549-AD96-0A377172EF43}" type="datetimeFigureOut">
               <a:rPr lang="en-US" smtClean="0"/>
               <a:pPr/>
-              <a:t>6/26/2022</a:t>
+              <a:t>1/29/2023</a:t>
             </a:fld>
             <a:endParaRPr lang="en-US"/>
           </a:p>
@@ -13722,7 +13714,7 @@
     </p:spTree>
     <p:extLst>
       <p:ext uri="{BB962C8B-B14F-4D97-AF65-F5344CB8AC3E}">
-        <p14:creationId xmlns:p14="http://schemas.microsoft.com/office/powerpoint/2010/main" xmlns="" val="4160288750"/>
+        <p14:creationId xmlns="" xmlns:p14="http://schemas.microsoft.com/office/powerpoint/2010/main" val="4160288750"/>
       </p:ext>
     </p:extLst>
   </p:cSld>
@@ -13842,7 +13834,7 @@
             <a:fld id="{C89270DE-7577-4549-AD96-0A377172EF43}" type="datetimeFigureOut">
               <a:rPr lang="en-US" smtClean="0"/>
               <a:pPr/>
-              <a:t>6/26/2022</a:t>
+              <a:t>1/29/2023</a:t>
             </a:fld>
             <a:endParaRPr lang="en-US"/>
           </a:p>
@@ -13894,7 +13886,7 @@
     </p:spTree>
     <p:extLst>
       <p:ext uri="{BB962C8B-B14F-4D97-AF65-F5344CB8AC3E}">
-        <p14:creationId xmlns:p14="http://schemas.microsoft.com/office/powerpoint/2010/main" xmlns="" val="3387607256"/>
+        <p14:creationId xmlns="" xmlns:p14="http://schemas.microsoft.com/office/powerpoint/2010/main" val="3387607256"/>
       </p:ext>
     </p:extLst>
   </p:cSld>
@@ -13933,8 +13925,8 @@
         </p:nvSpPr>
         <p:spPr>
           <a:xfrm>
-            <a:off x="5975758" y="609601"/>
-            <a:ext cx="978557" cy="5251451"/>
+            <a:off x="5975759" y="457201"/>
+            <a:ext cx="978557" cy="3938588"/>
           </a:xfrm>
         </p:spPr>
         <p:txBody>
@@ -13961,8 +13953,8 @@
         </p:nvSpPr>
         <p:spPr>
           <a:xfrm>
-            <a:off x="508002" y="609600"/>
-            <a:ext cx="5295113" cy="5251450"/>
+            <a:off x="508002" y="457200"/>
+            <a:ext cx="5295113" cy="3938588"/>
           </a:xfrm>
         </p:spPr>
         <p:txBody>
@@ -14024,7 +14016,7 @@
             <a:fld id="{C89270DE-7577-4549-AD96-0A377172EF43}" type="datetimeFigureOut">
               <a:rPr lang="en-US" smtClean="0"/>
               <a:pPr/>
-              <a:t>6/26/2022</a:t>
+              <a:t>1/29/2023</a:t>
             </a:fld>
             <a:endParaRPr lang="en-US"/>
           </a:p>
@@ -14076,7 +14068,7 @@
     </p:spTree>
     <p:extLst>
       <p:ext uri="{BB962C8B-B14F-4D97-AF65-F5344CB8AC3E}">
-        <p14:creationId xmlns:p14="http://schemas.microsoft.com/office/powerpoint/2010/main" xmlns="" val="832914275"/>
+        <p14:creationId xmlns="" xmlns:p14="http://schemas.microsoft.com/office/powerpoint/2010/main" val="832914275"/>
       </p:ext>
     </p:extLst>
   </p:cSld>
@@ -14111,8 +14103,8 @@
         </p:nvSpPr>
         <p:spPr>
           <a:xfrm>
-            <a:off x="2381" y="6400800"/>
-            <a:ext cx="9141619" cy="457200"/>
+            <a:off x="2381" y="4800600"/>
+            <a:ext cx="9141619" cy="342900"/>
           </a:xfrm>
           <a:prstGeom prst="rect">
             <a:avLst/>
@@ -14149,8 +14141,8 @@
         </p:nvSpPr>
         <p:spPr>
           <a:xfrm>
-            <a:off x="11" y="6334316"/>
-            <a:ext cx="9141619" cy="64008"/>
+            <a:off x="11" y="4750737"/>
+            <a:ext cx="9141619" cy="48006"/>
           </a:xfrm>
           <a:prstGeom prst="rect">
             <a:avLst/>
@@ -14191,8 +14183,8 @@
         </p:nvSpPr>
         <p:spPr>
           <a:xfrm>
-            <a:off x="822960" y="758952"/>
-            <a:ext cx="7543800" cy="3566160"/>
+            <a:off x="822960" y="569214"/>
+            <a:ext cx="7543800" cy="2674620"/>
           </a:xfrm>
         </p:spPr>
         <p:txBody>
@@ -14235,8 +14227,8 @@
         </p:nvSpPr>
         <p:spPr>
           <a:xfrm>
-            <a:off x="825038" y="4455620"/>
-            <a:ext cx="7543800" cy="1143000"/>
+            <a:off x="825038" y="3341715"/>
+            <a:ext cx="7543800" cy="857250"/>
           </a:xfrm>
         </p:spPr>
         <p:txBody>
@@ -14313,7 +14305,7 @@
             <a:fld id="{C89270DE-7577-4549-AD96-0A377172EF43}" type="datetimeFigureOut">
               <a:rPr lang="en-US" smtClean="0"/>
               <a:pPr/>
-              <a:t>6/26/2022</a:t>
+              <a:t>1/29/2023</a:t>
             </a:fld>
             <a:endParaRPr lang="en-US"/>
           </a:p>
@@ -14370,7 +14362,7 @@
         </p:nvCxnSpPr>
         <p:spPr>
           <a:xfrm>
-            <a:off x="905744" y="4343400"/>
+            <a:off x="905744" y="3257550"/>
             <a:ext cx="7406640" cy="0"/>
           </a:xfrm>
           <a:prstGeom prst="line">
@@ -14403,7 +14395,7 @@
     </p:spTree>
     <p:extLst>
       <p:ext uri="{BB962C8B-B14F-4D97-AF65-F5344CB8AC3E}">
-        <p14:creationId xmlns:p14="http://schemas.microsoft.com/office/powerpoint/2010/main" xmlns="" val="2850706761"/>
+        <p14:creationId xmlns="" xmlns:p14="http://schemas.microsoft.com/office/powerpoint/2010/main" val="2850706761"/>
       </p:ext>
     </p:extLst>
   </p:cSld>
@@ -14527,7 +14519,7 @@
             <a:fld id="{C89270DE-7577-4549-AD96-0A377172EF43}" type="datetimeFigureOut">
               <a:rPr lang="en-US" smtClean="0"/>
               <a:pPr/>
-              <a:t>6/26/2022</a:t>
+              <a:t>1/29/2023</a:t>
             </a:fld>
             <a:endParaRPr lang="en-US"/>
           </a:p>
@@ -14579,7 +14571,7 @@
     </p:spTree>
     <p:extLst>
       <p:ext uri="{BB962C8B-B14F-4D97-AF65-F5344CB8AC3E}">
-        <p14:creationId xmlns:p14="http://schemas.microsoft.com/office/powerpoint/2010/main" xmlns="" val="1408618383"/>
+        <p14:creationId xmlns="" xmlns:p14="http://schemas.microsoft.com/office/powerpoint/2010/main" val="1408618383"/>
       </p:ext>
     </p:extLst>
   </p:cSld>
@@ -14622,8 +14614,8 @@
         </p:nvSpPr>
         <p:spPr>
           <a:xfrm>
-            <a:off x="2381" y="6400800"/>
-            <a:ext cx="9141619" cy="457200"/>
+            <a:off x="2381" y="4800600"/>
+            <a:ext cx="9141619" cy="342900"/>
           </a:xfrm>
           <a:prstGeom prst="rect">
             <a:avLst/>
@@ -14660,8 +14652,8 @@
         </p:nvSpPr>
         <p:spPr>
           <a:xfrm>
-            <a:off x="11" y="6334316"/>
-            <a:ext cx="9141619" cy="64008"/>
+            <a:off x="11" y="4750737"/>
+            <a:ext cx="9141619" cy="48006"/>
           </a:xfrm>
           <a:prstGeom prst="rect">
             <a:avLst/>
@@ -14702,8 +14694,8 @@
         </p:nvSpPr>
         <p:spPr>
           <a:xfrm>
-            <a:off x="822960" y="758952"/>
-            <a:ext cx="7543800" cy="3566160"/>
+            <a:off x="822960" y="569214"/>
+            <a:ext cx="7543800" cy="2674620"/>
           </a:xfrm>
         </p:spPr>
         <p:txBody>
@@ -14746,8 +14738,8 @@
         </p:nvSpPr>
         <p:spPr>
           <a:xfrm>
-            <a:off x="822960" y="4453128"/>
-            <a:ext cx="7543800" cy="1143000"/>
+            <a:off x="822960" y="3339846"/>
+            <a:ext cx="7543800" cy="857250"/>
           </a:xfrm>
         </p:spPr>
         <p:txBody>
@@ -14872,7 +14864,7 @@
             <a:fld id="{C89270DE-7577-4549-AD96-0A377172EF43}" type="datetimeFigureOut">
               <a:rPr lang="en-US" smtClean="0"/>
               <a:pPr/>
-              <a:t>6/26/2022</a:t>
+              <a:t>1/29/2023</a:t>
             </a:fld>
             <a:endParaRPr lang="en-US"/>
           </a:p>
@@ -14929,7 +14921,7 @@
         </p:nvCxnSpPr>
         <p:spPr>
           <a:xfrm>
-            <a:off x="905744" y="4343400"/>
+            <a:off x="905744" y="3257550"/>
             <a:ext cx="7406640" cy="0"/>
           </a:xfrm>
           <a:prstGeom prst="line">
@@ -14962,7 +14954,7 @@
     </p:spTree>
     <p:extLst>
       <p:ext uri="{BB962C8B-B14F-4D97-AF65-F5344CB8AC3E}">
-        <p14:creationId xmlns:p14="http://schemas.microsoft.com/office/powerpoint/2010/main" xmlns="" val="3696528011"/>
+        <p14:creationId xmlns="" xmlns:p14="http://schemas.microsoft.com/office/powerpoint/2010/main" val="3696528011"/>
       </p:ext>
     </p:extLst>
   </p:cSld>
@@ -15001,8 +14993,8 @@
         </p:nvSpPr>
         <p:spPr>
           <a:xfrm>
-            <a:off x="822960" y="286604"/>
-            <a:ext cx="7543800" cy="1450757"/>
+            <a:off x="822960" y="214953"/>
+            <a:ext cx="7543800" cy="1088068"/>
           </a:xfrm>
         </p:spPr>
         <p:txBody>
@@ -15029,8 +15021,8 @@
         </p:nvSpPr>
         <p:spPr>
           <a:xfrm>
-            <a:off x="822959" y="1845734"/>
-            <a:ext cx="3703320" cy="4023360"/>
+            <a:off x="822959" y="1384301"/>
+            <a:ext cx="3703320" cy="3017520"/>
           </a:xfrm>
         </p:spPr>
         <p:txBody>
@@ -15086,8 +15078,8 @@
         </p:nvSpPr>
         <p:spPr>
           <a:xfrm>
-            <a:off x="4663440" y="1845735"/>
-            <a:ext cx="3703320" cy="4023360"/>
+            <a:off x="4663440" y="1384301"/>
+            <a:ext cx="3703320" cy="3017520"/>
           </a:xfrm>
         </p:spPr>
         <p:txBody>
@@ -15149,7 +15141,7 @@
             <a:fld id="{C89270DE-7577-4549-AD96-0A377172EF43}" type="datetimeFigureOut">
               <a:rPr lang="en-US" smtClean="0"/>
               <a:pPr/>
-              <a:t>6/26/2022</a:t>
+              <a:t>1/29/2023</a:t>
             </a:fld>
             <a:endParaRPr lang="en-US"/>
           </a:p>
@@ -15201,7 +15193,7 @@
     </p:spTree>
     <p:extLst>
       <p:ext uri="{BB962C8B-B14F-4D97-AF65-F5344CB8AC3E}">
-        <p14:creationId xmlns:p14="http://schemas.microsoft.com/office/powerpoint/2010/main" xmlns="" val="1906631207"/>
+        <p14:creationId xmlns="" xmlns:p14="http://schemas.microsoft.com/office/powerpoint/2010/main" val="1906631207"/>
       </p:ext>
     </p:extLst>
   </p:cSld>
@@ -15240,8 +15232,8 @@
         </p:nvSpPr>
         <p:spPr>
           <a:xfrm>
-            <a:off x="822960" y="286604"/>
-            <a:ext cx="7543800" cy="1450757"/>
+            <a:off x="822960" y="214953"/>
+            <a:ext cx="7543800" cy="1088068"/>
           </a:xfrm>
         </p:spPr>
         <p:txBody>
@@ -15268,8 +15260,8 @@
         </p:nvSpPr>
         <p:spPr>
           <a:xfrm>
-            <a:off x="822960" y="1846052"/>
-            <a:ext cx="3703320" cy="736282"/>
+            <a:off x="822960" y="1384539"/>
+            <a:ext cx="3703320" cy="552212"/>
           </a:xfrm>
         </p:spPr>
         <p:txBody>
@@ -15339,8 +15331,8 @@
         </p:nvSpPr>
         <p:spPr>
           <a:xfrm>
-            <a:off x="822960" y="2582334"/>
-            <a:ext cx="3703320" cy="3378200"/>
+            <a:off x="822960" y="1936750"/>
+            <a:ext cx="3703320" cy="2533650"/>
           </a:xfrm>
         </p:spPr>
         <p:txBody>
@@ -15396,8 +15388,8 @@
         </p:nvSpPr>
         <p:spPr>
           <a:xfrm>
-            <a:off x="4663440" y="1846052"/>
-            <a:ext cx="3703320" cy="736282"/>
+            <a:off x="4663440" y="1384539"/>
+            <a:ext cx="3703320" cy="552212"/>
           </a:xfrm>
         </p:spPr>
         <p:txBody>
@@ -15467,8 +15459,8 @@
         </p:nvSpPr>
         <p:spPr>
           <a:xfrm>
-            <a:off x="4663440" y="2582334"/>
-            <a:ext cx="3703320" cy="3378200"/>
+            <a:off x="4663440" y="1936750"/>
+            <a:ext cx="3703320" cy="2533650"/>
           </a:xfrm>
         </p:spPr>
         <p:txBody>
@@ -15530,7 +15522,7 @@
             <a:fld id="{C89270DE-7577-4549-AD96-0A377172EF43}" type="datetimeFigureOut">
               <a:rPr lang="en-US" smtClean="0"/>
               <a:pPr/>
-              <a:t>6/26/2022</a:t>
+              <a:t>1/29/2023</a:t>
             </a:fld>
             <a:endParaRPr lang="en-US"/>
           </a:p>
@@ -15582,7 +15574,7 @@
     </p:spTree>
     <p:extLst>
       <p:ext uri="{BB962C8B-B14F-4D97-AF65-F5344CB8AC3E}">
-        <p14:creationId xmlns:p14="http://schemas.microsoft.com/office/powerpoint/2010/main" xmlns="" val="3673596529"/>
+        <p14:creationId xmlns="" xmlns:p14="http://schemas.microsoft.com/office/powerpoint/2010/main" val="3673596529"/>
       </p:ext>
     </p:extLst>
   </p:cSld>
@@ -15654,7 +15646,7 @@
             <a:fld id="{3384F58F-C8A0-467D-A01E-9BAFE85BFF9F}" type="datetimeFigureOut">
               <a:rPr lang="zh-TW" altLang="en-US" smtClean="0"/>
               <a:pPr/>
-              <a:t>2022/6/26</a:t>
+              <a:t>2023/1/29</a:t>
             </a:fld>
             <a:endParaRPr lang="zh-TW" altLang="en-US"/>
           </a:p>
@@ -15777,7 +15769,7 @@
             <a:fld id="{C89270DE-7577-4549-AD96-0A377172EF43}" type="datetimeFigureOut">
               <a:rPr lang="en-US" smtClean="0"/>
               <a:pPr/>
-              <a:t>6/26/2022</a:t>
+              <a:t>1/29/2023</a:t>
             </a:fld>
             <a:endParaRPr lang="en-US"/>
           </a:p>
@@ -15829,7 +15821,7 @@
     </p:spTree>
     <p:extLst>
       <p:ext uri="{BB962C8B-B14F-4D97-AF65-F5344CB8AC3E}">
-        <p14:creationId xmlns:p14="http://schemas.microsoft.com/office/powerpoint/2010/main" xmlns="" val="4100846712"/>
+        <p14:creationId xmlns="" xmlns:p14="http://schemas.microsoft.com/office/powerpoint/2010/main" val="4100846712"/>
       </p:ext>
     </p:extLst>
   </p:cSld>
@@ -15864,8 +15856,8 @@
         </p:nvSpPr>
         <p:spPr>
           <a:xfrm>
-            <a:off x="2381" y="6400800"/>
-            <a:ext cx="9141619" cy="457200"/>
+            <a:off x="2381" y="4800600"/>
+            <a:ext cx="9141619" cy="342900"/>
           </a:xfrm>
           <a:prstGeom prst="rect">
             <a:avLst/>
@@ -15902,8 +15894,8 @@
         </p:nvSpPr>
         <p:spPr>
           <a:xfrm>
-            <a:off x="11" y="6334316"/>
-            <a:ext cx="9141619" cy="64008"/>
+            <a:off x="11" y="4750737"/>
+            <a:ext cx="9141619" cy="48006"/>
           </a:xfrm>
           <a:prstGeom prst="rect">
             <a:avLst/>
@@ -15950,7 +15942,7 @@
             <a:fld id="{C89270DE-7577-4549-AD96-0A377172EF43}" type="datetimeFigureOut">
               <a:rPr lang="en-US" smtClean="0"/>
               <a:pPr/>
-              <a:t>6/26/2022</a:t>
+              <a:t>1/29/2023</a:t>
             </a:fld>
             <a:endParaRPr lang="en-US"/>
           </a:p>
@@ -16010,7 +16002,7 @@
     </p:spTree>
     <p:extLst>
       <p:ext uri="{BB962C8B-B14F-4D97-AF65-F5344CB8AC3E}">
-        <p14:creationId xmlns:p14="http://schemas.microsoft.com/office/powerpoint/2010/main" xmlns="" val="4109185027"/>
+        <p14:creationId xmlns="" xmlns:p14="http://schemas.microsoft.com/office/powerpoint/2010/main" val="4109185027"/>
       </p:ext>
     </p:extLst>
   </p:cSld>
@@ -16046,7 +16038,7 @@
         <p:spPr>
           <a:xfrm>
             <a:off x="17" y="0"/>
-            <a:ext cx="3038093" cy="6858000"/>
+            <a:ext cx="3038093" cy="5143500"/>
           </a:xfrm>
           <a:prstGeom prst="rect">
             <a:avLst/>
@@ -16084,7 +16076,7 @@
         <p:spPr>
           <a:xfrm>
             <a:off x="3030053" y="0"/>
-            <a:ext cx="48006" cy="6858000"/>
+            <a:ext cx="48006" cy="5143500"/>
           </a:xfrm>
           <a:prstGeom prst="rect">
             <a:avLst/>
@@ -16125,8 +16117,8 @@
         </p:nvSpPr>
         <p:spPr>
           <a:xfrm>
-            <a:off x="342900" y="594359"/>
-            <a:ext cx="2400300" cy="2286000"/>
+            <a:off x="342900" y="445769"/>
+            <a:ext cx="2400300" cy="1714500"/>
           </a:xfrm>
         </p:spPr>
         <p:txBody>
@@ -16163,8 +16155,8 @@
         </p:nvSpPr>
         <p:spPr>
           <a:xfrm>
-            <a:off x="3600450" y="731520"/>
-            <a:ext cx="4869180" cy="5257800"/>
+            <a:off x="3600450" y="548640"/>
+            <a:ext cx="4869180" cy="3943350"/>
           </a:xfrm>
         </p:spPr>
         <p:txBody>
@@ -16220,8 +16212,8 @@
         </p:nvSpPr>
         <p:spPr>
           <a:xfrm>
-            <a:off x="342900" y="2926080"/>
-            <a:ext cx="2400300" cy="3379124"/>
+            <a:off x="342900" y="2194560"/>
+            <a:ext cx="2400300" cy="2534343"/>
           </a:xfrm>
         </p:spPr>
         <p:txBody>
@@ -16291,8 +16283,8 @@
         </p:nvSpPr>
         <p:spPr>
           <a:xfrm>
-            <a:off x="349138" y="6459794"/>
-            <a:ext cx="1963883" cy="365125"/>
+            <a:off x="349139" y="4844846"/>
+            <a:ext cx="1963883" cy="273844"/>
           </a:xfrm>
         </p:spPr>
         <p:txBody>
@@ -16306,7 +16298,7 @@
             <a:fld id="{C89270DE-7577-4549-AD96-0A377172EF43}" type="datetimeFigureOut">
               <a:rPr lang="en-US" smtClean="0"/>
               <a:pPr/>
-              <a:t>6/26/2022</a:t>
+              <a:t>1/29/2023</a:t>
             </a:fld>
             <a:endParaRPr lang="en-US"/>
           </a:p>
@@ -16324,8 +16316,8 @@
         </p:nvSpPr>
         <p:spPr>
           <a:xfrm>
-            <a:off x="3600450" y="6459794"/>
-            <a:ext cx="3486150" cy="365125"/>
+            <a:off x="3600450" y="4844846"/>
+            <a:ext cx="3486150" cy="273844"/>
           </a:xfrm>
         </p:spPr>
         <p:txBody>
@@ -16379,7 +16371,7 @@
     </p:spTree>
     <p:extLst>
       <p:ext uri="{BB962C8B-B14F-4D97-AF65-F5344CB8AC3E}">
-        <p14:creationId xmlns:p14="http://schemas.microsoft.com/office/powerpoint/2010/main" xmlns="" val="3835058550"/>
+        <p14:creationId xmlns="" xmlns:p14="http://schemas.microsoft.com/office/powerpoint/2010/main" val="3835058550"/>
       </p:ext>
     </p:extLst>
   </p:cSld>
@@ -16414,8 +16406,8 @@
         </p:nvSpPr>
         <p:spPr>
           <a:xfrm>
-            <a:off x="4" y="4953000"/>
-            <a:ext cx="9141619" cy="1905000"/>
+            <a:off x="4" y="3714750"/>
+            <a:ext cx="9141619" cy="1428750"/>
           </a:xfrm>
           <a:prstGeom prst="rect">
             <a:avLst/>
@@ -16452,8 +16444,8 @@
         </p:nvSpPr>
         <p:spPr>
           <a:xfrm>
-            <a:off x="11" y="4915076"/>
-            <a:ext cx="9141619" cy="64008"/>
+            <a:off x="11" y="3686307"/>
+            <a:ext cx="9141619" cy="48006"/>
           </a:xfrm>
           <a:prstGeom prst="rect">
             <a:avLst/>
@@ -16494,8 +16486,8 @@
         </p:nvSpPr>
         <p:spPr>
           <a:xfrm>
-            <a:off x="822960" y="5074920"/>
-            <a:ext cx="7584948" cy="822960"/>
+            <a:off x="822960" y="3806190"/>
+            <a:ext cx="7584948" cy="617220"/>
           </a:xfrm>
         </p:spPr>
         <p:txBody>
@@ -16533,7 +16525,7 @@
         <p:spPr>
           <a:xfrm>
             <a:off x="11" y="0"/>
-            <a:ext cx="9143989" cy="4915076"/>
+            <a:ext cx="9143989" cy="3686307"/>
           </a:xfrm>
           <a:blipFill>
             <a:blip r:embed="rId2"/>
@@ -16607,8 +16599,8 @@
         </p:nvSpPr>
         <p:spPr>
           <a:xfrm>
-            <a:off x="822960" y="5907023"/>
-            <a:ext cx="7584948" cy="594360"/>
+            <a:off x="822960" y="4430267"/>
+            <a:ext cx="7584948" cy="445770"/>
           </a:xfrm>
         </p:spPr>
         <p:txBody>
@@ -16690,7 +16682,7 @@
             <a:fld id="{C89270DE-7577-4549-AD96-0A377172EF43}" type="datetimeFigureOut">
               <a:rPr lang="en-US" smtClean="0"/>
               <a:pPr/>
-              <a:t>6/26/2022</a:t>
+              <a:t>1/29/2023</a:t>
             </a:fld>
             <a:endParaRPr lang="en-US"/>
           </a:p>
@@ -16742,7 +16734,7 @@
     </p:spTree>
     <p:extLst>
       <p:ext uri="{BB962C8B-B14F-4D97-AF65-F5344CB8AC3E}">
-        <p14:creationId xmlns:p14="http://schemas.microsoft.com/office/powerpoint/2010/main" xmlns="" val="1134711779"/>
+        <p14:creationId xmlns="" xmlns:p14="http://schemas.microsoft.com/office/powerpoint/2010/main" val="1134711779"/>
       </p:ext>
     </p:extLst>
   </p:cSld>
@@ -16862,7 +16854,7 @@
             <a:fld id="{C89270DE-7577-4549-AD96-0A377172EF43}" type="datetimeFigureOut">
               <a:rPr lang="en-US" smtClean="0"/>
               <a:pPr/>
-              <a:t>6/26/2022</a:t>
+              <a:t>1/29/2023</a:t>
             </a:fld>
             <a:endParaRPr lang="en-US"/>
           </a:p>
@@ -16914,7 +16906,7 @@
     </p:spTree>
     <p:extLst>
       <p:ext uri="{BB962C8B-B14F-4D97-AF65-F5344CB8AC3E}">
-        <p14:creationId xmlns:p14="http://schemas.microsoft.com/office/powerpoint/2010/main" xmlns="" val="2303264286"/>
+        <p14:creationId xmlns="" xmlns:p14="http://schemas.microsoft.com/office/powerpoint/2010/main" val="2303264286"/>
       </p:ext>
     </p:extLst>
   </p:cSld>
@@ -16949,8 +16941,8 @@
         </p:nvSpPr>
         <p:spPr>
           <a:xfrm>
-            <a:off x="2381" y="6400800"/>
-            <a:ext cx="9141619" cy="457200"/>
+            <a:off x="2381" y="4800600"/>
+            <a:ext cx="9141619" cy="342900"/>
           </a:xfrm>
           <a:prstGeom prst="rect">
             <a:avLst/>
@@ -16987,8 +16979,8 @@
         </p:nvSpPr>
         <p:spPr>
           <a:xfrm>
-            <a:off x="11" y="6334316"/>
-            <a:ext cx="9141619" cy="64008"/>
+            <a:off x="11" y="4750737"/>
+            <a:ext cx="9141619" cy="48006"/>
           </a:xfrm>
           <a:prstGeom prst="rect">
             <a:avLst/>
@@ -17029,8 +17021,8 @@
         </p:nvSpPr>
         <p:spPr>
           <a:xfrm>
-            <a:off x="6543676" y="414781"/>
-            <a:ext cx="1971675" cy="5757421"/>
+            <a:off x="6543676" y="311086"/>
+            <a:ext cx="1971675" cy="4318066"/>
           </a:xfrm>
         </p:spPr>
         <p:txBody>
@@ -17057,8 +17049,8 @@
         </p:nvSpPr>
         <p:spPr>
           <a:xfrm>
-            <a:off x="628652" y="414778"/>
-            <a:ext cx="5800725" cy="5757422"/>
+            <a:off x="628653" y="311083"/>
+            <a:ext cx="5800725" cy="4318067"/>
           </a:xfrm>
         </p:spPr>
         <p:txBody>
@@ -17120,7 +17112,7 @@
             <a:fld id="{C89270DE-7577-4549-AD96-0A377172EF43}" type="datetimeFigureOut">
               <a:rPr lang="en-US" smtClean="0"/>
               <a:pPr/>
-              <a:t>6/26/2022</a:t>
+              <a:t>1/29/2023</a:t>
             </a:fld>
             <a:endParaRPr lang="en-US"/>
           </a:p>
@@ -17172,7 +17164,7 @@
     </p:spTree>
     <p:extLst>
       <p:ext uri="{BB962C8B-B14F-4D97-AF65-F5344CB8AC3E}">
-        <p14:creationId xmlns:p14="http://schemas.microsoft.com/office/powerpoint/2010/main" xmlns="" val="4076735701"/>
+        <p14:creationId xmlns="" xmlns:p14="http://schemas.microsoft.com/office/powerpoint/2010/main" val="4076735701"/>
       </p:ext>
     </p:extLst>
   </p:cSld>
@@ -17221,7 +17213,7 @@
             <a:fld id="{3384F58F-C8A0-467D-A01E-9BAFE85BFF9F}" type="datetimeFigureOut">
               <a:rPr lang="zh-TW" altLang="en-US" smtClean="0"/>
               <a:pPr/>
-              <a:t>2022/6/26</a:t>
+              <a:t>2023/1/29</a:t>
             </a:fld>
             <a:endParaRPr lang="zh-TW" altLang="en-US"/>
           </a:p>
@@ -17315,8 +17307,8 @@
         </p:nvSpPr>
         <p:spPr>
           <a:xfrm>
-            <a:off x="457200" y="273050"/>
-            <a:ext cx="3008313" cy="1162050"/>
+            <a:off x="457201" y="204787"/>
+            <a:ext cx="3008313" cy="871538"/>
           </a:xfrm>
         </p:spPr>
         <p:txBody>
@@ -17347,8 +17339,8 @@
         </p:nvSpPr>
         <p:spPr>
           <a:xfrm>
-            <a:off x="3575050" y="273050"/>
-            <a:ext cx="5111750" cy="5853113"/>
+            <a:off x="3575050" y="204788"/>
+            <a:ext cx="5111750" cy="4389835"/>
           </a:xfrm>
         </p:spPr>
         <p:txBody>
@@ -17432,8 +17424,8 @@
         </p:nvSpPr>
         <p:spPr>
           <a:xfrm>
-            <a:off x="457200" y="1435100"/>
-            <a:ext cx="3008313" cy="4691063"/>
+            <a:off x="457201" y="1076326"/>
+            <a:ext cx="3008313" cy="3518297"/>
           </a:xfrm>
         </p:spPr>
         <p:txBody>
@@ -17507,7 +17499,7 @@
             <a:fld id="{3384F58F-C8A0-467D-A01E-9BAFE85BFF9F}" type="datetimeFigureOut">
               <a:rPr lang="zh-TW" altLang="en-US" smtClean="0"/>
               <a:pPr/>
-              <a:t>2022/6/26</a:t>
+              <a:t>2023/1/29</a:t>
             </a:fld>
             <a:endParaRPr lang="zh-TW" altLang="en-US"/>
           </a:p>
@@ -17601,8 +17593,8 @@
         </p:nvSpPr>
         <p:spPr>
           <a:xfrm>
-            <a:off x="1792288" y="4800600"/>
-            <a:ext cx="5486400" cy="566738"/>
+            <a:off x="1792288" y="3600450"/>
+            <a:ext cx="5486400" cy="425054"/>
           </a:xfrm>
         </p:spPr>
         <p:txBody>
@@ -17633,8 +17625,8 @@
         </p:nvSpPr>
         <p:spPr>
           <a:xfrm>
-            <a:off x="1792288" y="612775"/>
-            <a:ext cx="5486400" cy="4114800"/>
+            <a:off x="1792288" y="459581"/>
+            <a:ext cx="5486400" cy="3086100"/>
           </a:xfrm>
         </p:spPr>
         <p:txBody>
@@ -17698,8 +17690,8 @@
         </p:nvSpPr>
         <p:spPr>
           <a:xfrm>
-            <a:off x="1792288" y="5367338"/>
-            <a:ext cx="5486400" cy="804862"/>
+            <a:off x="1792288" y="4025503"/>
+            <a:ext cx="5486400" cy="603647"/>
           </a:xfrm>
         </p:spPr>
         <p:txBody>
@@ -17773,7 +17765,7 @@
             <a:fld id="{3384F58F-C8A0-467D-A01E-9BAFE85BFF9F}" type="datetimeFigureOut">
               <a:rPr lang="zh-TW" altLang="en-US" smtClean="0"/>
               <a:pPr/>
-              <a:t>2022/6/26</a:t>
+              <a:t>2023/1/29</a:t>
             </a:fld>
             <a:endParaRPr lang="zh-TW" altLang="en-US"/>
           </a:p>
@@ -17879,8 +17871,8 @@
         </p:nvSpPr>
         <p:spPr bwMode="auto">
           <a:xfrm>
-            <a:off x="457200" y="274638"/>
-            <a:ext cx="8229600" cy="1143000"/>
+            <a:off x="457200" y="205978"/>
+            <a:ext cx="8229600" cy="857250"/>
           </a:xfrm>
           <a:prstGeom prst="rect">
             <a:avLst/>
@@ -17922,8 +17914,8 @@
         </p:nvSpPr>
         <p:spPr bwMode="auto">
           <a:xfrm>
-            <a:off x="457200" y="1600200"/>
-            <a:ext cx="8229600" cy="4525963"/>
+            <a:off x="457200" y="1200151"/>
+            <a:ext cx="8229600" cy="3394472"/>
           </a:xfrm>
           <a:prstGeom prst="rect">
             <a:avLst/>
@@ -17993,8 +17985,8 @@
         </p:nvSpPr>
         <p:spPr bwMode="auto">
           <a:xfrm>
-            <a:off x="457200" y="6245225"/>
-            <a:ext cx="2133600" cy="476250"/>
+            <a:off x="457200" y="4683919"/>
+            <a:ext cx="2133600" cy="357188"/>
           </a:xfrm>
           <a:prstGeom prst="rect">
             <a:avLst/>
@@ -18025,7 +18017,7 @@
             <a:fld id="{3384F58F-C8A0-467D-A01E-9BAFE85BFF9F}" type="datetimeFigureOut">
               <a:rPr lang="zh-TW" altLang="en-US" smtClean="0"/>
               <a:pPr/>
-              <a:t>2022/6/26</a:t>
+              <a:t>2023/1/29</a:t>
             </a:fld>
             <a:endParaRPr lang="zh-TW" altLang="en-US"/>
           </a:p>
@@ -18043,8 +18035,8 @@
         </p:nvSpPr>
         <p:spPr bwMode="auto">
           <a:xfrm>
-            <a:off x="3124200" y="6245225"/>
-            <a:ext cx="2895600" cy="476250"/>
+            <a:off x="3124200" y="4683919"/>
+            <a:ext cx="2895600" cy="357188"/>
           </a:xfrm>
           <a:prstGeom prst="rect">
             <a:avLst/>
@@ -18088,8 +18080,8 @@
         </p:nvSpPr>
         <p:spPr bwMode="auto">
           <a:xfrm>
-            <a:off x="6553200" y="6245225"/>
-            <a:ext cx="2133600" cy="476250"/>
+            <a:off x="6553200" y="4683919"/>
+            <a:ext cx="2133600" cy="357188"/>
           </a:xfrm>
           <a:prstGeom prst="rect">
             <a:avLst/>
@@ -18557,8 +18549,8 @@
         </p:nvGrpSpPr>
         <p:grpSpPr>
           <a:xfrm>
-            <a:off x="1" y="228600"/>
-            <a:ext cx="2138637" cy="6638628"/>
+            <a:off x="2" y="171450"/>
+            <a:ext cx="2138637" cy="4978971"/>
             <a:chOff x="2487613" y="285750"/>
             <a:chExt cx="2428875" cy="5654676"/>
           </a:xfrm>
@@ -19429,8 +19421,8 @@
         </p:nvGrpSpPr>
         <p:grpSpPr>
           <a:xfrm>
-            <a:off x="20416" y="-785"/>
-            <a:ext cx="1767506" cy="6854039"/>
+            <a:off x="20416" y="-588"/>
+            <a:ext cx="1767506" cy="5140529"/>
             <a:chOff x="6627813" y="194833"/>
             <a:chExt cx="1952625" cy="5678918"/>
           </a:xfrm>
@@ -20338,7 +20330,7 @@
         <p:spPr>
           <a:xfrm>
             <a:off x="0" y="0"/>
-            <a:ext cx="137160" cy="6858000"/>
+            <a:ext cx="137160" cy="5143500"/>
           </a:xfrm>
           <a:prstGeom prst="rect">
             <a:avLst/>
@@ -20378,8 +20370,8 @@
         </p:nvSpPr>
         <p:spPr>
           <a:xfrm>
-            <a:off x="1944694" y="624110"/>
-            <a:ext cx="6683765" cy="1280890"/>
+            <a:off x="1944694" y="468082"/>
+            <a:ext cx="6683765" cy="960668"/>
           </a:xfrm>
           <a:prstGeom prst="rect">
             <a:avLst/>
@@ -20411,8 +20403,8 @@
         </p:nvSpPr>
         <p:spPr>
           <a:xfrm>
-            <a:off x="1941909" y="2133600"/>
-            <a:ext cx="6686550" cy="3886200"/>
+            <a:off x="1941909" y="1600200"/>
+            <a:ext cx="6686550" cy="2914650"/>
           </a:xfrm>
           <a:prstGeom prst="rect">
             <a:avLst/>
@@ -20473,8 +20465,8 @@
         </p:nvSpPr>
         <p:spPr>
           <a:xfrm>
-            <a:off x="7771210" y="6130437"/>
-            <a:ext cx="859712" cy="370396"/>
+            <a:off x="7771210" y="4597828"/>
+            <a:ext cx="859712" cy="277797"/>
           </a:xfrm>
           <a:prstGeom prst="rect">
             <a:avLst/>
@@ -20497,7 +20489,7 @@
             <a:fld id="{3384F58F-C8A0-467D-A01E-9BAFE85BFF9F}" type="datetimeFigureOut">
               <a:rPr lang="zh-TW" altLang="en-US" smtClean="0"/>
               <a:pPr/>
-              <a:t>2022/6/26</a:t>
+              <a:t>2023/1/29</a:t>
             </a:fld>
             <a:endParaRPr lang="zh-TW" altLang="en-US"/>
           </a:p>
@@ -20515,8 +20507,8 @@
         </p:nvSpPr>
         <p:spPr>
           <a:xfrm>
-            <a:off x="1941910" y="6135809"/>
-            <a:ext cx="5714999" cy="365125"/>
+            <a:off x="1941911" y="4601857"/>
+            <a:ext cx="5714999" cy="273844"/>
           </a:xfrm>
           <a:prstGeom prst="rect">
             <a:avLst/>
@@ -20552,8 +20544,8 @@
         </p:nvSpPr>
         <p:spPr bwMode="gray">
           <a:xfrm>
-            <a:off x="398860" y="787783"/>
-            <a:ext cx="584825" cy="365125"/>
+            <a:off x="398861" y="590838"/>
+            <a:ext cx="584825" cy="273844"/>
           </a:xfrm>
           <a:prstGeom prst="rect">
             <a:avLst/>
@@ -20583,7 +20575,7 @@
     </p:spTree>
     <p:extLst>
       <p:ext uri="{BB962C8B-B14F-4D97-AF65-F5344CB8AC3E}">
-        <p14:creationId xmlns:p14="http://schemas.microsoft.com/office/powerpoint/2010/main" xmlns="" val="2077495091"/>
+        <p14:creationId xmlns="" xmlns:p14="http://schemas.microsoft.com/office/powerpoint/2010/main" val="2077495091"/>
       </p:ext>
     </p:extLst>
   </p:cSld>
@@ -21034,8 +21026,8 @@
         </p:nvSpPr>
         <p:spPr>
           <a:xfrm>
-            <a:off x="173355" y="243840"/>
-            <a:ext cx="8793480" cy="6377939"/>
+            <a:off x="173355" y="182880"/>
+            <a:ext cx="8793480" cy="4783454"/>
           </a:xfrm>
           <a:prstGeom prst="rect">
             <a:avLst/>
@@ -21076,8 +21068,8 @@
         </p:nvSpPr>
         <p:spPr>
           <a:xfrm>
-            <a:off x="857250" y="609600"/>
-            <a:ext cx="7406640" cy="1356360"/>
+            <a:off x="857250" y="457200"/>
+            <a:ext cx="7406640" cy="1017270"/>
           </a:xfrm>
           <a:prstGeom prst="rect">
             <a:avLst/>
@@ -21109,8 +21101,8 @@
         </p:nvSpPr>
         <p:spPr>
           <a:xfrm>
-            <a:off x="857251" y="2057400"/>
-            <a:ext cx="7404653" cy="4038600"/>
+            <a:off x="857251" y="1543050"/>
+            <a:ext cx="7404653" cy="3028950"/>
           </a:xfrm>
           <a:prstGeom prst="rect">
             <a:avLst/>
@@ -21171,8 +21163,8 @@
         </p:nvSpPr>
         <p:spPr>
           <a:xfrm>
-            <a:off x="857248" y="6223831"/>
-            <a:ext cx="1746806" cy="365125"/>
+            <a:off x="857248" y="4667874"/>
+            <a:ext cx="1746806" cy="273844"/>
           </a:xfrm>
           <a:prstGeom prst="rect">
             <a:avLst/>
@@ -21193,7 +21185,7 @@
             <a:fld id="{C89270DE-7577-4549-AD96-0A377172EF43}" type="datetimeFigureOut">
               <a:rPr lang="en-US" smtClean="0"/>
               <a:pPr/>
-              <a:t>6/26/2022</a:t>
+              <a:t>1/29/2023</a:t>
             </a:fld>
             <a:endParaRPr lang="en-US"/>
           </a:p>
@@ -21211,8 +21203,8 @@
         </p:nvSpPr>
         <p:spPr>
           <a:xfrm>
-            <a:off x="2961862" y="6223831"/>
-            <a:ext cx="3538331" cy="365125"/>
+            <a:off x="2961863" y="4667874"/>
+            <a:ext cx="3538331" cy="273844"/>
           </a:xfrm>
           <a:prstGeom prst="rect">
             <a:avLst/>
@@ -21246,8 +21238,8 @@
         </p:nvSpPr>
         <p:spPr>
           <a:xfrm>
-            <a:off x="6997149" y="6223831"/>
-            <a:ext cx="1279663" cy="365125"/>
+            <a:off x="6997150" y="4667874"/>
+            <a:ext cx="1279663" cy="273844"/>
           </a:xfrm>
           <a:prstGeom prst="rect">
             <a:avLst/>
@@ -21277,7 +21269,7 @@
     </p:spTree>
     <p:extLst>
       <p:ext uri="{BB962C8B-B14F-4D97-AF65-F5344CB8AC3E}">
-        <p14:creationId xmlns:p14="http://schemas.microsoft.com/office/powerpoint/2010/main" xmlns="" val="1033442795"/>
+        <p14:creationId xmlns="" xmlns:p14="http://schemas.microsoft.com/office/powerpoint/2010/main" val="1033442795"/>
       </p:ext>
     </p:extLst>
   </p:cSld>
@@ -21668,8 +21660,8 @@
         </p:nvGrpSpPr>
         <p:grpSpPr>
           <a:xfrm>
-            <a:off x="0" y="-8464"/>
-            <a:ext cx="9144000" cy="6866467"/>
+            <a:off x="0" y="-6348"/>
+            <a:ext cx="9144000" cy="5149850"/>
             <a:chOff x="0" y="-8467"/>
             <a:chExt cx="12192000" cy="6866467"/>
           </a:xfrm>
@@ -22202,8 +22194,8 @@
         </p:nvSpPr>
         <p:spPr>
           <a:xfrm>
-            <a:off x="508001" y="609600"/>
-            <a:ext cx="6447501" cy="1320800"/>
+            <a:off x="508002" y="457200"/>
+            <a:ext cx="6447501" cy="990600"/>
           </a:xfrm>
           <a:prstGeom prst="rect">
             <a:avLst/>
@@ -22235,8 +22227,8 @@
         </p:nvSpPr>
         <p:spPr>
           <a:xfrm>
-            <a:off x="508001" y="2160590"/>
-            <a:ext cx="6447501" cy="3880773"/>
+            <a:off x="508002" y="1620443"/>
+            <a:ext cx="6447501" cy="2910580"/>
           </a:xfrm>
           <a:prstGeom prst="rect">
             <a:avLst/>
@@ -22297,8 +22289,8 @@
         </p:nvSpPr>
         <p:spPr>
           <a:xfrm>
-            <a:off x="5403850" y="6041367"/>
-            <a:ext cx="683954" cy="365125"/>
+            <a:off x="5403850" y="4531026"/>
+            <a:ext cx="683954" cy="273844"/>
           </a:xfrm>
           <a:prstGeom prst="rect">
             <a:avLst/>
@@ -22321,7 +22313,7 @@
             <a:fld id="{C89270DE-7577-4549-AD96-0A377172EF43}" type="datetimeFigureOut">
               <a:rPr lang="en-US" smtClean="0"/>
               <a:pPr/>
-              <a:t>6/26/2022</a:t>
+              <a:t>1/29/2023</a:t>
             </a:fld>
             <a:endParaRPr lang="en-US"/>
           </a:p>
@@ -22339,8 +22331,8 @@
         </p:nvSpPr>
         <p:spPr>
           <a:xfrm>
-            <a:off x="508000" y="6041367"/>
-            <a:ext cx="4723209" cy="365125"/>
+            <a:off x="508000" y="4531026"/>
+            <a:ext cx="4723209" cy="273844"/>
           </a:xfrm>
           <a:prstGeom prst="rect">
             <a:avLst/>
@@ -22376,8 +22368,8 @@
         </p:nvSpPr>
         <p:spPr>
           <a:xfrm>
-            <a:off x="6442999" y="6041367"/>
-            <a:ext cx="512504" cy="365125"/>
+            <a:off x="6442999" y="4531026"/>
+            <a:ext cx="512504" cy="273844"/>
           </a:xfrm>
           <a:prstGeom prst="rect">
             <a:avLst/>
@@ -22407,7 +22399,7 @@
     </p:spTree>
     <p:extLst>
       <p:ext uri="{BB962C8B-B14F-4D97-AF65-F5344CB8AC3E}">
-        <p14:creationId xmlns:p14="http://schemas.microsoft.com/office/powerpoint/2010/main" xmlns="" val="3129595064"/>
+        <p14:creationId xmlns="" xmlns:p14="http://schemas.microsoft.com/office/powerpoint/2010/main" val="3129595064"/>
       </p:ext>
     </p:extLst>
   </p:cSld>
@@ -22859,8 +22851,8 @@
         </p:nvSpPr>
         <p:spPr>
           <a:xfrm>
-            <a:off x="1" y="6400800"/>
-            <a:ext cx="9144000" cy="457200"/>
+            <a:off x="1" y="4800600"/>
+            <a:ext cx="9144000" cy="342900"/>
           </a:xfrm>
           <a:prstGeom prst="rect">
             <a:avLst/>
@@ -22897,8 +22889,8 @@
         </p:nvSpPr>
         <p:spPr>
           <a:xfrm>
-            <a:off x="3" y="6334316"/>
-            <a:ext cx="9144001" cy="65998"/>
+            <a:off x="3" y="4750737"/>
+            <a:ext cx="9144001" cy="49499"/>
           </a:xfrm>
           <a:prstGeom prst="rect">
             <a:avLst/>
@@ -22939,8 +22931,8 @@
         </p:nvSpPr>
         <p:spPr>
           <a:xfrm>
-            <a:off x="822960" y="286604"/>
-            <a:ext cx="7543800" cy="1450757"/>
+            <a:off x="822960" y="214953"/>
+            <a:ext cx="7543800" cy="1088068"/>
           </a:xfrm>
           <a:prstGeom prst="rect">
             <a:avLst/>
@@ -22972,8 +22964,8 @@
         </p:nvSpPr>
         <p:spPr>
           <a:xfrm>
-            <a:off x="822960" y="1845734"/>
-            <a:ext cx="7543800" cy="4023360"/>
+            <a:off x="822960" y="1384301"/>
+            <a:ext cx="7543800" cy="3017520"/>
           </a:xfrm>
           <a:prstGeom prst="rect">
             <a:avLst/>
@@ -23034,8 +23026,8 @@
         </p:nvSpPr>
         <p:spPr>
           <a:xfrm>
-            <a:off x="822964" y="6459792"/>
-            <a:ext cx="1854203" cy="365125"/>
+            <a:off x="822965" y="4844844"/>
+            <a:ext cx="1854203" cy="273844"/>
           </a:xfrm>
           <a:prstGeom prst="rect">
             <a:avLst/>
@@ -23056,7 +23048,7 @@
             <a:fld id="{C89270DE-7577-4549-AD96-0A377172EF43}" type="datetimeFigureOut">
               <a:rPr lang="en-US" smtClean="0"/>
               <a:pPr/>
-              <a:t>6/26/2022</a:t>
+              <a:t>1/29/2023</a:t>
             </a:fld>
             <a:endParaRPr lang="en-US"/>
           </a:p>
@@ -23074,8 +23066,8 @@
         </p:nvSpPr>
         <p:spPr>
           <a:xfrm>
-            <a:off x="2764639" y="6459792"/>
-            <a:ext cx="3617103" cy="365125"/>
+            <a:off x="2764639" y="4844844"/>
+            <a:ext cx="3617103" cy="273844"/>
           </a:xfrm>
           <a:prstGeom prst="rect">
             <a:avLst/>
@@ -23109,8 +23101,8 @@
         </p:nvSpPr>
         <p:spPr>
           <a:xfrm>
-            <a:off x="7425347" y="6459792"/>
-            <a:ext cx="984019" cy="365125"/>
+            <a:off x="7425348" y="4844844"/>
+            <a:ext cx="984019" cy="273844"/>
           </a:xfrm>
           <a:prstGeom prst="rect">
             <a:avLst/>
@@ -23145,7 +23137,7 @@
         </p:nvCxnSpPr>
         <p:spPr>
           <a:xfrm>
-            <a:off x="895149" y="1737845"/>
+            <a:off x="895149" y="1303384"/>
             <a:ext cx="7475220" cy="0"/>
           </a:xfrm>
           <a:prstGeom prst="line">
@@ -23178,7 +23170,7 @@
     </p:spTree>
     <p:extLst>
       <p:ext uri="{BB962C8B-B14F-4D97-AF65-F5344CB8AC3E}">
-        <p14:creationId xmlns:p14="http://schemas.microsoft.com/office/powerpoint/2010/main" xmlns="" val="1945528109"/>
+        <p14:creationId xmlns="" xmlns:p14="http://schemas.microsoft.com/office/powerpoint/2010/main" val="1945528109"/>
       </p:ext>
     </p:extLst>
   </p:cSld>
@@ -23698,220 +23690,6 @@
 </p:sld>
 </file>
 
-<file path=ppt/slides/slide10.xml><?xml version="1.0" encoding="utf-8"?>
-<p:sld xmlns:a="http://schemas.openxmlformats.org/drawingml/2006/main" xmlns:r="http://schemas.openxmlformats.org/officeDocument/2006/relationships" xmlns:p="http://schemas.openxmlformats.org/presentationml/2006/main">
-  <p:cSld>
-    <p:spTree>
-      <p:nvGrpSpPr>
-        <p:cNvPr id="1" name=""/>
-        <p:cNvGrpSpPr/>
-        <p:nvPr/>
-      </p:nvGrpSpPr>
-      <p:grpSpPr>
-        <a:xfrm>
-          <a:off x="0" y="0"/>
-          <a:ext cx="0" cy="0"/>
-          <a:chOff x="0" y="0"/>
-          <a:chExt cx="0" cy="0"/>
-        </a:xfrm>
-      </p:grpSpPr>
-      <p:sp>
-        <p:nvSpPr>
-          <p:cNvPr id="2" name="標題 1"/>
-          <p:cNvSpPr>
-            <a:spLocks noGrp="1"/>
-          </p:cNvSpPr>
-          <p:nvPr>
-            <p:ph type="title"/>
-          </p:nvPr>
-        </p:nvSpPr>
-        <p:spPr/>
-        <p:txBody>
-          <a:bodyPr/>
-          <a:lstStyle/>
-          <a:p>
-            <a:endParaRPr lang="zh-TW" altLang="en-US"/>
-          </a:p>
-        </p:txBody>
-      </p:sp>
-      <p:sp>
-        <p:nvSpPr>
-          <p:cNvPr id="3" name="內容版面配置區 2"/>
-          <p:cNvSpPr>
-            <a:spLocks noGrp="1"/>
-          </p:cNvSpPr>
-          <p:nvPr>
-            <p:ph idx="1"/>
-          </p:nvPr>
-        </p:nvSpPr>
-        <p:spPr/>
-        <p:txBody>
-          <a:bodyPr/>
-          <a:lstStyle/>
-          <a:p>
-            <a:r>
-              <a:rPr lang="zh-TW" altLang="en-US" dirty="0" smtClean="0"/>
-              <a:t>讓愛留痕，是你淌著血水，鞭傷記印，為了拯救罪人，</a:t>
-            </a:r>
-            <a:br>
-              <a:rPr lang="zh-TW" altLang="en-US" dirty="0" smtClean="0"/>
-            </a:br>
-            <a:r>
-              <a:rPr lang="zh-TW" altLang="en-US" dirty="0" smtClean="0"/>
-              <a:t>痛苦犧牲釘死捨身成仁，憐憫體諒恩賜新生，</a:t>
-            </a:r>
-            <a:br>
-              <a:rPr lang="zh-TW" altLang="en-US" dirty="0" smtClean="0"/>
-            </a:br>
-            <a:r>
-              <a:rPr lang="zh-TW" altLang="en-US" dirty="0" smtClean="0"/>
-              <a:t>讓愛留痕，是你牽著我手，伴我同行，重拾信任不再疑問，</a:t>
-            </a:r>
-            <a:br>
-              <a:rPr lang="zh-TW" altLang="en-US" dirty="0" smtClean="0"/>
-            </a:br>
-            <a:r>
-              <a:rPr lang="zh-TW" altLang="en-US" dirty="0" smtClean="0"/>
-              <a:t>愁霧化作微塵，含淚細看十架上刻骨銘心，慈愛烙印</a:t>
-            </a:r>
-            <a:endParaRPr lang="zh-TW" altLang="en-US" dirty="0"/>
-          </a:p>
-        </p:txBody>
-      </p:sp>
-    </p:spTree>
-  </p:cSld>
-  <p:clrMapOvr>
-    <a:masterClrMapping/>
-  </p:clrMapOvr>
-</p:sld>
-</file>
-
-<file path=ppt/slides/slide11.xml><?xml version="1.0" encoding="utf-8"?>
-<p:sld xmlns:a="http://schemas.openxmlformats.org/drawingml/2006/main" xmlns:r="http://schemas.openxmlformats.org/officeDocument/2006/relationships" xmlns:p="http://schemas.openxmlformats.org/presentationml/2006/main">
-  <p:cSld>
-    <p:spTree>
-      <p:nvGrpSpPr>
-        <p:cNvPr id="1" name=""/>
-        <p:cNvGrpSpPr/>
-        <p:nvPr/>
-      </p:nvGrpSpPr>
-      <p:grpSpPr>
-        <a:xfrm>
-          <a:off x="0" y="0"/>
-          <a:ext cx="0" cy="0"/>
-          <a:chOff x="0" y="0"/>
-          <a:chExt cx="0" cy="0"/>
-        </a:xfrm>
-      </p:grpSpPr>
-      <p:sp>
-        <p:nvSpPr>
-          <p:cNvPr id="2" name="標題 1"/>
-          <p:cNvSpPr>
-            <a:spLocks noGrp="1"/>
-          </p:cNvSpPr>
-          <p:nvPr>
-            <p:ph type="title"/>
-          </p:nvPr>
-        </p:nvSpPr>
-        <p:spPr/>
-        <p:txBody>
-          <a:bodyPr/>
-          <a:lstStyle/>
-          <a:p>
-            <a:endParaRPr lang="zh-TW" altLang="en-US"/>
-          </a:p>
-        </p:txBody>
-      </p:sp>
-      <p:sp>
-        <p:nvSpPr>
-          <p:cNvPr id="3" name="內容版面配置區 2"/>
-          <p:cNvSpPr>
-            <a:spLocks noGrp="1"/>
-          </p:cNvSpPr>
-          <p:nvPr>
-            <p:ph idx="1"/>
-          </p:nvPr>
-        </p:nvSpPr>
-        <p:spPr/>
-        <p:txBody>
-          <a:bodyPr/>
-          <a:lstStyle/>
-          <a:p>
-            <a:endParaRPr lang="zh-TW" altLang="en-US"/>
-          </a:p>
-        </p:txBody>
-      </p:sp>
-    </p:spTree>
-  </p:cSld>
-  <p:clrMapOvr>
-    <a:masterClrMapping/>
-  </p:clrMapOvr>
-</p:sld>
-</file>
-
-<file path=ppt/slides/slide12.xml><?xml version="1.0" encoding="utf-8"?>
-<p:sld xmlns:a="http://schemas.openxmlformats.org/drawingml/2006/main" xmlns:r="http://schemas.openxmlformats.org/officeDocument/2006/relationships" xmlns:p="http://schemas.openxmlformats.org/presentationml/2006/main">
-  <p:cSld>
-    <p:spTree>
-      <p:nvGrpSpPr>
-        <p:cNvPr id="1" name=""/>
-        <p:cNvGrpSpPr/>
-        <p:nvPr/>
-      </p:nvGrpSpPr>
-      <p:grpSpPr>
-        <a:xfrm>
-          <a:off x="0" y="0"/>
-          <a:ext cx="0" cy="0"/>
-          <a:chOff x="0" y="0"/>
-          <a:chExt cx="0" cy="0"/>
-        </a:xfrm>
-      </p:grpSpPr>
-      <p:sp>
-        <p:nvSpPr>
-          <p:cNvPr id="2" name="標題 1"/>
-          <p:cNvSpPr>
-            <a:spLocks noGrp="1"/>
-          </p:cNvSpPr>
-          <p:nvPr>
-            <p:ph type="title"/>
-          </p:nvPr>
-        </p:nvSpPr>
-        <p:spPr/>
-        <p:txBody>
-          <a:bodyPr/>
-          <a:lstStyle/>
-          <a:p>
-            <a:endParaRPr lang="zh-TW" altLang="en-US"/>
-          </a:p>
-        </p:txBody>
-      </p:sp>
-      <p:sp>
-        <p:nvSpPr>
-          <p:cNvPr id="3" name="內容版面配置區 2"/>
-          <p:cNvSpPr>
-            <a:spLocks noGrp="1"/>
-          </p:cNvSpPr>
-          <p:nvPr>
-            <p:ph idx="1"/>
-          </p:nvPr>
-        </p:nvSpPr>
-        <p:spPr/>
-        <p:txBody>
-          <a:bodyPr/>
-          <a:lstStyle/>
-          <a:p>
-            <a:endParaRPr lang="zh-TW" altLang="en-US"/>
-          </a:p>
-        </p:txBody>
-      </p:sp>
-    </p:spTree>
-  </p:cSld>
-  <p:clrMapOvr>
-    <a:masterClrMapping/>
-  </p:clrMapOvr>
-</p:sld>
-</file>
-
 <file path=ppt/slides/slide2.xml><?xml version="1.0" encoding="utf-8"?>
 <p:sld xmlns:a="http://schemas.openxmlformats.org/drawingml/2006/main" xmlns:r="http://schemas.openxmlformats.org/officeDocument/2006/relationships" xmlns:p="http://schemas.openxmlformats.org/presentationml/2006/main">
   <p:cSld>
@@ -24310,440 +24088,6 @@
       </p:par>
     </p:tnLst>
   </p:timing>
-</p:sld>
-</file>
-
-<file path=ppt/slides/slide5.xml><?xml version="1.0" encoding="utf-8"?>
-<p:sld xmlns:a="http://schemas.openxmlformats.org/drawingml/2006/main" xmlns:r="http://schemas.openxmlformats.org/officeDocument/2006/relationships" xmlns:p="http://schemas.openxmlformats.org/presentationml/2006/main">
-  <p:cSld>
-    <p:spTree>
-      <p:nvGrpSpPr>
-        <p:cNvPr id="1" name=""/>
-        <p:cNvGrpSpPr/>
-        <p:nvPr/>
-      </p:nvGrpSpPr>
-      <p:grpSpPr>
-        <a:xfrm>
-          <a:off x="0" y="0"/>
-          <a:ext cx="0" cy="0"/>
-          <a:chOff x="0" y="0"/>
-          <a:chExt cx="0" cy="0"/>
-        </a:xfrm>
-      </p:grpSpPr>
-      <p:sp>
-        <p:nvSpPr>
-          <p:cNvPr id="2" name="標題 1"/>
-          <p:cNvSpPr>
-            <a:spLocks noGrp="1"/>
-          </p:cNvSpPr>
-          <p:nvPr>
-            <p:ph type="title"/>
-          </p:nvPr>
-        </p:nvSpPr>
-        <p:spPr/>
-        <p:txBody>
-          <a:bodyPr/>
-          <a:lstStyle/>
-          <a:p>
-            <a:endParaRPr lang="zh-TW" altLang="en-US"/>
-          </a:p>
-        </p:txBody>
-      </p:sp>
-      <p:sp>
-        <p:nvSpPr>
-          <p:cNvPr id="3" name="內容版面配置區 2"/>
-          <p:cNvSpPr>
-            <a:spLocks noGrp="1"/>
-          </p:cNvSpPr>
-          <p:nvPr>
-            <p:ph idx="1"/>
-          </p:nvPr>
-        </p:nvSpPr>
-        <p:spPr/>
-        <p:txBody>
-          <a:bodyPr/>
-          <a:lstStyle/>
-          <a:p>
-            <a:pPr>
-              <a:buNone/>
-            </a:pPr>
-            <a:r>
-              <a:rPr lang="zh-TW" altLang="en-US" dirty="0" smtClean="0"/>
-              <a:t>在幻變中似被忘掉，獨木破舟朗蕩飄搖，</a:t>
-            </a:r>
-            <a:br>
-              <a:rPr lang="zh-TW" altLang="en-US" dirty="0" smtClean="0"/>
-            </a:br>
-            <a:r>
-              <a:rPr lang="zh-TW" altLang="en-US" dirty="0" smtClean="0"/>
-              <a:t>奔波困苦流離，深感渺小，</a:t>
-            </a:r>
-            <a:br>
-              <a:rPr lang="zh-TW" altLang="en-US" dirty="0" smtClean="0"/>
-            </a:br>
-            <a:r>
-              <a:rPr lang="zh-TW" altLang="en-US" dirty="0" smtClean="0"/>
-              <a:t>受盡壓迫滿懷恨怨，偽造笑聲人潮中打轉，</a:t>
-            </a:r>
-            <a:br>
-              <a:rPr lang="zh-TW" altLang="en-US" dirty="0" smtClean="0"/>
-            </a:br>
-            <a:r>
-              <a:rPr lang="zh-TW" altLang="en-US" dirty="0" smtClean="0"/>
-              <a:t>太多虛假與籌算，怎麼拆穿</a:t>
-            </a:r>
-            <a:endParaRPr lang="zh-TW" altLang="en-US" dirty="0"/>
-          </a:p>
-        </p:txBody>
-      </p:sp>
-    </p:spTree>
-  </p:cSld>
-  <p:clrMapOvr>
-    <a:masterClrMapping/>
-  </p:clrMapOvr>
-</p:sld>
-</file>
-
-<file path=ppt/slides/slide6.xml><?xml version="1.0" encoding="utf-8"?>
-<p:sld xmlns:a="http://schemas.openxmlformats.org/drawingml/2006/main" xmlns:r="http://schemas.openxmlformats.org/officeDocument/2006/relationships" xmlns:p="http://schemas.openxmlformats.org/presentationml/2006/main">
-  <p:cSld>
-    <p:spTree>
-      <p:nvGrpSpPr>
-        <p:cNvPr id="1" name=""/>
-        <p:cNvGrpSpPr/>
-        <p:nvPr/>
-      </p:nvGrpSpPr>
-      <p:grpSpPr>
-        <a:xfrm>
-          <a:off x="0" y="0"/>
-          <a:ext cx="0" cy="0"/>
-          <a:chOff x="0" y="0"/>
-          <a:chExt cx="0" cy="0"/>
-        </a:xfrm>
-      </p:grpSpPr>
-      <p:sp>
-        <p:nvSpPr>
-          <p:cNvPr id="2" name="標題 1"/>
-          <p:cNvSpPr>
-            <a:spLocks noGrp="1"/>
-          </p:cNvSpPr>
-          <p:nvPr>
-            <p:ph type="title"/>
-          </p:nvPr>
-        </p:nvSpPr>
-        <p:spPr/>
-        <p:txBody>
-          <a:bodyPr/>
-          <a:lstStyle/>
-          <a:p>
-            <a:endParaRPr lang="zh-TW" altLang="en-US"/>
-          </a:p>
-        </p:txBody>
-      </p:sp>
-      <p:sp>
-        <p:nvSpPr>
-          <p:cNvPr id="3" name="內容版面配置區 2"/>
-          <p:cNvSpPr>
-            <a:spLocks noGrp="1"/>
-          </p:cNvSpPr>
-          <p:nvPr>
-            <p:ph idx="1"/>
-          </p:nvPr>
-        </p:nvSpPr>
-        <p:spPr/>
-        <p:txBody>
-          <a:bodyPr/>
-          <a:lstStyle/>
-          <a:p>
-            <a:r>
-              <a:rPr lang="zh-TW" altLang="en-US" dirty="0" smtClean="0"/>
-              <a:t>誰願意不計較條件，將真摯關注實現，</a:t>
-            </a:r>
-            <a:br>
-              <a:rPr lang="zh-TW" altLang="en-US" dirty="0" smtClean="0"/>
-            </a:br>
-            <a:r>
-              <a:rPr lang="zh-TW" altLang="en-US" dirty="0" smtClean="0"/>
-              <a:t>無言付出身心相獻，令我溫暖</a:t>
-            </a:r>
-            <a:endParaRPr lang="zh-TW" altLang="en-US" dirty="0"/>
-          </a:p>
-        </p:txBody>
-      </p:sp>
-    </p:spTree>
-  </p:cSld>
-  <p:clrMapOvr>
-    <a:masterClrMapping/>
-  </p:clrMapOvr>
-</p:sld>
-</file>
-
-<file path=ppt/slides/slide7.xml><?xml version="1.0" encoding="utf-8"?>
-<p:sld xmlns:a="http://schemas.openxmlformats.org/drawingml/2006/main" xmlns:r="http://schemas.openxmlformats.org/officeDocument/2006/relationships" xmlns:p="http://schemas.openxmlformats.org/presentationml/2006/main">
-  <p:cSld>
-    <p:spTree>
-      <p:nvGrpSpPr>
-        <p:cNvPr id="1" name=""/>
-        <p:cNvGrpSpPr/>
-        <p:nvPr/>
-      </p:nvGrpSpPr>
-      <p:grpSpPr>
-        <a:xfrm>
-          <a:off x="0" y="0"/>
-          <a:ext cx="0" cy="0"/>
-          <a:chOff x="0" y="0"/>
-          <a:chExt cx="0" cy="0"/>
-        </a:xfrm>
-      </p:grpSpPr>
-      <p:sp>
-        <p:nvSpPr>
-          <p:cNvPr id="2" name="標題 1"/>
-          <p:cNvSpPr>
-            <a:spLocks noGrp="1"/>
-          </p:cNvSpPr>
-          <p:nvPr>
-            <p:ph type="title"/>
-          </p:nvPr>
-        </p:nvSpPr>
-        <p:spPr/>
-        <p:txBody>
-          <a:bodyPr/>
-          <a:lstStyle/>
-          <a:p>
-            <a:endParaRPr lang="zh-TW" altLang="en-US"/>
-          </a:p>
-        </p:txBody>
-      </p:sp>
-      <p:sp>
-        <p:nvSpPr>
-          <p:cNvPr id="3" name="內容版面配置區 2"/>
-          <p:cNvSpPr>
-            <a:spLocks noGrp="1"/>
-          </p:cNvSpPr>
-          <p:nvPr>
-            <p:ph idx="1"/>
-          </p:nvPr>
-        </p:nvSpPr>
-        <p:spPr/>
-        <p:txBody>
-          <a:bodyPr/>
-          <a:lstStyle/>
-          <a:p>
-            <a:pPr>
-              <a:buNone/>
-            </a:pPr>
-            <a:r>
-              <a:rPr lang="zh-TW" altLang="en-US" dirty="0" smtClean="0"/>
-              <a:t>  </a:t>
-            </a:r>
-            <a:r>
-              <a:rPr lang="zh-TW" altLang="en-US" b="1" dirty="0" smtClean="0"/>
-              <a:t>讓</a:t>
-            </a:r>
-            <a:r>
-              <a:rPr lang="zh-TW" altLang="en-US" b="1" dirty="0" smtClean="0"/>
-              <a:t>愛留痕，是你淌著血水，鞭傷記印，</a:t>
-            </a:r>
-            <a:r>
-              <a:rPr lang="zh-TW" altLang="en-US" b="1" dirty="0" smtClean="0"/>
-              <a:t>為了拯救</a:t>
-            </a:r>
-            <a:r>
-              <a:rPr lang="zh-TW" altLang="en-US" b="1" dirty="0" smtClean="0"/>
-              <a:t>罪人，</a:t>
-            </a:r>
-            <a:br>
-              <a:rPr lang="zh-TW" altLang="en-US" b="1" dirty="0" smtClean="0"/>
-            </a:br>
-            <a:r>
-              <a:rPr lang="zh-TW" altLang="en-US" b="1" dirty="0" smtClean="0"/>
-              <a:t>痛苦犧牲釘死捨身成仁，憐憫體諒恩賜新生，</a:t>
-            </a:r>
-            <a:br>
-              <a:rPr lang="zh-TW" altLang="en-US" b="1" dirty="0" smtClean="0"/>
-            </a:br>
-            <a:r>
-              <a:rPr lang="zh-TW" altLang="en-US" b="1" dirty="0" smtClean="0"/>
-              <a:t>讓愛留痕，是你牽著我手，伴我同行，重拾信任不再疑問，</a:t>
-            </a:r>
-            <a:br>
-              <a:rPr lang="zh-TW" altLang="en-US" b="1" dirty="0" smtClean="0"/>
-            </a:br>
-            <a:r>
-              <a:rPr lang="zh-TW" altLang="en-US" b="1" dirty="0" smtClean="0"/>
-              <a:t>愁霧化作微塵，含淚細看十架上刻骨銘心，慈愛烙印</a:t>
-            </a:r>
-            <a:endParaRPr lang="zh-TW" altLang="en-US" b="1" dirty="0"/>
-          </a:p>
-        </p:txBody>
-      </p:sp>
-    </p:spTree>
-  </p:cSld>
-  <p:clrMapOvr>
-    <a:masterClrMapping/>
-  </p:clrMapOvr>
-</p:sld>
-</file>
-
-<file path=ppt/slides/slide8.xml><?xml version="1.0" encoding="utf-8"?>
-<p:sld xmlns:a="http://schemas.openxmlformats.org/drawingml/2006/main" xmlns:r="http://schemas.openxmlformats.org/officeDocument/2006/relationships" xmlns:p="http://schemas.openxmlformats.org/presentationml/2006/main">
-  <p:cSld>
-    <p:spTree>
-      <p:nvGrpSpPr>
-        <p:cNvPr id="1" name=""/>
-        <p:cNvGrpSpPr/>
-        <p:nvPr/>
-      </p:nvGrpSpPr>
-      <p:grpSpPr>
-        <a:xfrm>
-          <a:off x="0" y="0"/>
-          <a:ext cx="0" cy="0"/>
-          <a:chOff x="0" y="0"/>
-          <a:chExt cx="0" cy="0"/>
-        </a:xfrm>
-      </p:grpSpPr>
-      <p:sp>
-        <p:nvSpPr>
-          <p:cNvPr id="2" name="標題 1"/>
-          <p:cNvSpPr>
-            <a:spLocks noGrp="1"/>
-          </p:cNvSpPr>
-          <p:nvPr>
-            <p:ph type="title"/>
-          </p:nvPr>
-        </p:nvSpPr>
-        <p:spPr/>
-        <p:txBody>
-          <a:bodyPr/>
-          <a:lstStyle/>
-          <a:p>
-            <a:endParaRPr lang="zh-TW" altLang="en-US"/>
-          </a:p>
-        </p:txBody>
-      </p:sp>
-      <p:sp>
-        <p:nvSpPr>
-          <p:cNvPr id="3" name="內容版面配置區 2"/>
-          <p:cNvSpPr>
-            <a:spLocks noGrp="1"/>
-          </p:cNvSpPr>
-          <p:nvPr>
-            <p:ph idx="1"/>
-          </p:nvPr>
-        </p:nvSpPr>
-        <p:spPr/>
-        <p:txBody>
-          <a:bodyPr/>
-          <a:lstStyle/>
-          <a:p>
-            <a:r>
-              <a:rPr lang="zh-TW" altLang="en-US" dirty="0" smtClean="0"/>
-              <a:t>閱讀你牽掛著名字，烙在你手每度釘痕，</a:t>
-            </a:r>
-            <a:br>
-              <a:rPr lang="zh-TW" altLang="en-US" dirty="0" smtClean="0"/>
-            </a:br>
-            <a:r>
-              <a:rPr lang="zh-TW" altLang="en-US" dirty="0" smtClean="0"/>
-              <a:t>安撫戰兢靈魂，觸摸我心，</a:t>
-            </a:r>
-            <a:br>
-              <a:rPr lang="zh-TW" altLang="en-US" dirty="0" smtClean="0"/>
-            </a:br>
-            <a:r>
-              <a:rPr lang="zh-TW" altLang="en-US" dirty="0" smtClean="0"/>
-              <a:t>就像母親 晝夜護蔭，伏在臂彎孩兒不抖震，</a:t>
-            </a:r>
-            <a:br>
-              <a:rPr lang="zh-TW" altLang="en-US" dirty="0" smtClean="0"/>
-            </a:br>
-            <a:r>
-              <a:rPr lang="zh-TW" altLang="en-US" dirty="0" smtClean="0"/>
-              <a:t>那溫馨感覺沉浸，再沒遺憾</a:t>
-            </a:r>
-            <a:endParaRPr lang="zh-TW" altLang="en-US" dirty="0"/>
-          </a:p>
-        </p:txBody>
-      </p:sp>
-    </p:spTree>
-  </p:cSld>
-  <p:clrMapOvr>
-    <a:masterClrMapping/>
-  </p:clrMapOvr>
-</p:sld>
-</file>
-
-<file path=ppt/slides/slide9.xml><?xml version="1.0" encoding="utf-8"?>
-<p:sld xmlns:a="http://schemas.openxmlformats.org/drawingml/2006/main" xmlns:r="http://schemas.openxmlformats.org/officeDocument/2006/relationships" xmlns:p="http://schemas.openxmlformats.org/presentationml/2006/main">
-  <p:cSld>
-    <p:spTree>
-      <p:nvGrpSpPr>
-        <p:cNvPr id="1" name=""/>
-        <p:cNvGrpSpPr/>
-        <p:nvPr/>
-      </p:nvGrpSpPr>
-      <p:grpSpPr>
-        <a:xfrm>
-          <a:off x="0" y="0"/>
-          <a:ext cx="0" cy="0"/>
-          <a:chOff x="0" y="0"/>
-          <a:chExt cx="0" cy="0"/>
-        </a:xfrm>
-      </p:grpSpPr>
-      <p:sp>
-        <p:nvSpPr>
-          <p:cNvPr id="2" name="標題 1"/>
-          <p:cNvSpPr>
-            <a:spLocks noGrp="1"/>
-          </p:cNvSpPr>
-          <p:nvPr>
-            <p:ph type="title"/>
-          </p:nvPr>
-        </p:nvSpPr>
-        <p:spPr/>
-        <p:txBody>
-          <a:bodyPr/>
-          <a:lstStyle/>
-          <a:p>
-            <a:endParaRPr lang="zh-TW" altLang="en-US"/>
-          </a:p>
-        </p:txBody>
-      </p:sp>
-      <p:sp>
-        <p:nvSpPr>
-          <p:cNvPr id="3" name="內容版面配置區 2"/>
-          <p:cNvSpPr>
-            <a:spLocks noGrp="1"/>
-          </p:cNvSpPr>
-          <p:nvPr>
-            <p:ph idx="1"/>
-          </p:nvPr>
-        </p:nvSpPr>
-        <p:spPr/>
-        <p:txBody>
-          <a:bodyPr/>
-          <a:lstStyle/>
-          <a:p>
-            <a:r>
-              <a:rPr lang="zh-TW" altLang="en-US" dirty="0" smtClean="0"/>
-              <a:t>誰像恩主對我著緊，珍惜你所托重任，</a:t>
-            </a:r>
-            <a:br>
-              <a:rPr lang="zh-TW" altLang="en-US" dirty="0" smtClean="0"/>
-            </a:br>
-            <a:r>
-              <a:rPr lang="zh-TW" altLang="en-US" dirty="0" smtClean="0"/>
-              <a:t>長路夜深經過幽暗，望你指引</a:t>
-            </a:r>
-            <a:endParaRPr lang="zh-TW" altLang="en-US" dirty="0"/>
-          </a:p>
-        </p:txBody>
-      </p:sp>
-    </p:spTree>
-  </p:cSld>
-  <p:clrMapOvr>
-    <a:masterClrMapping/>
-  </p:clrMapOvr>
 </p:sld>
 </file>
 
@@ -25829,7 +25173,7 @@
   <a:extraClrSchemeLst/>
   <a:extLst>
     <a:ext uri="{05A4C25C-085E-4340-85A3-A5531E510DB2}">
-      <thm15:themeFamily xmlns:thm15="http://schemas.microsoft.com/office/thememl/2012/main" xmlns="" name="Wisp" id="{7CB32D59-10C0-40DD-B7BD-2E94284A981C}" vid="{24B1A44C-C006-48B2-A4D7-E5549B3D8CD4}"/>
+      <thm15:themeFamily xmlns="" xmlns:thm15="http://schemas.microsoft.com/office/thememl/2012/main" name="Wisp" id="{7CB32D59-10C0-40DD-B7BD-2E94284A981C}" vid="{24B1A44C-C006-48B2-A4D7-E5549B3D8CD4}"/>
     </a:ext>
   </a:extLst>
 </a:theme>
@@ -26066,7 +25410,7 @@
   <a:extraClrSchemeLst/>
   <a:extLst>
     <a:ext uri="{05A4C25C-085E-4340-85A3-A5531E510DB2}">
-      <thm15:themeFamily xmlns:thm15="http://schemas.microsoft.com/office/thememl/2012/main" xmlns="" name="Basis" id="{5665723A-49BA-4B57-8411-A56F8F207965}" vid="{90E45F77-AEFC-46EF-A7C1-5B338C297B02}"/>
+      <thm15:themeFamily xmlns="" xmlns:thm15="http://schemas.microsoft.com/office/thememl/2012/main" name="Basis" id="{5665723A-49BA-4B57-8411-A56F8F207965}" vid="{90E45F77-AEFC-46EF-A7C1-5B338C297B02}"/>
     </a:ext>
   </a:extLst>
 </a:theme>
@@ -26323,7 +25667,7 @@
   <a:extraClrSchemeLst/>
   <a:extLst>
     <a:ext uri="{05A4C25C-085E-4340-85A3-A5531E510DB2}">
-      <thm15:themeFamily xmlns:thm15="http://schemas.microsoft.com/office/thememl/2012/main" xmlns="" name="Facet" id="{C0C680CD-088A-49FC-A102-D699147F32B2}" vid="{CFBC31BA-B70F-4F30-BCAA-4F3011E16C4D}"/>
+      <thm15:themeFamily xmlns="" xmlns:thm15="http://schemas.microsoft.com/office/thememl/2012/main" name="Facet" id="{C0C680CD-088A-49FC-A102-D699147F32B2}" vid="{CFBC31BA-B70F-4F30-BCAA-4F3011E16C4D}"/>
     </a:ext>
   </a:extLst>
 </a:theme>
@@ -26606,7 +25950,7 @@
   <a:extraClrSchemeLst/>
   <a:extLst>
     <a:ext uri="{05A4C25C-085E-4340-85A3-A5531E510DB2}">
-      <thm15:themeFamily xmlns:thm15="http://schemas.microsoft.com/office/thememl/2012/main" xmlns="" name="Retrospect" id="{5F128B03-DCCA-4EEB-AB3B-CF2899314A46}" vid="{3F1AAB62-24C6-49D2-8E01-B56FAC9A3DCD}"/>
+      <thm15:themeFamily xmlns="" xmlns:thm15="http://schemas.microsoft.com/office/thememl/2012/main" name="Retrospect" id="{5F128B03-DCCA-4EEB-AB3B-CF2899314A46}" vid="{3F1AAB62-24C6-49D2-8E01-B56FAC9A3DCD}"/>
     </a:ext>
   </a:extLst>
 </a:theme>
